--- a/reports/oct31/Recent numerical results related to neuronal network simulation.pptx
+++ b/reports/oct31/Recent numerical results related to neuronal network simulation.pptx
@@ -26,18 +26,21 @@
     <p:sldId id="285" r:id="rId20"/>
     <p:sldId id="294" r:id="rId21"/>
     <p:sldId id="295" r:id="rId22"/>
-    <p:sldId id="287" r:id="rId23"/>
-    <p:sldId id="283" r:id="rId24"/>
-    <p:sldId id="284" r:id="rId25"/>
-    <p:sldId id="273" r:id="rId26"/>
-    <p:sldId id="274" r:id="rId27"/>
-    <p:sldId id="276" r:id="rId28"/>
-    <p:sldId id="267" r:id="rId29"/>
-    <p:sldId id="293" r:id="rId30"/>
-    <p:sldId id="292" r:id="rId31"/>
-    <p:sldId id="265" r:id="rId32"/>
-    <p:sldId id="278" r:id="rId33"/>
-    <p:sldId id="268" r:id="rId34"/>
+    <p:sldId id="301" r:id="rId23"/>
+    <p:sldId id="302" r:id="rId24"/>
+    <p:sldId id="287" r:id="rId25"/>
+    <p:sldId id="283" r:id="rId26"/>
+    <p:sldId id="284" r:id="rId27"/>
+    <p:sldId id="273" r:id="rId28"/>
+    <p:sldId id="274" r:id="rId29"/>
+    <p:sldId id="276" r:id="rId30"/>
+    <p:sldId id="267" r:id="rId31"/>
+    <p:sldId id="296" r:id="rId32"/>
+    <p:sldId id="298" r:id="rId33"/>
+    <p:sldId id="300" r:id="rId34"/>
+    <p:sldId id="265" r:id="rId35"/>
+    <p:sldId id="278" r:id="rId36"/>
+    <p:sldId id="268" r:id="rId37"/>
   </p:sldIdLst>
   <p:sldSz cx="12192000" cy="6858000"/>
   <p:notesSz cx="6858000" cy="9144000"/>
@@ -296,7 +299,7 @@
             <a:fld id="{08B9EBBA-996F-894A-B54A-D6246ED52CEA}" type="datetimeFigureOut">
               <a:rPr lang="en-US" smtClean="0"/>
               <a:pPr/>
-              <a:t>11/21/2017</a:t>
+              <a:t>1/10/2018</a:t>
             </a:fld>
             <a:endParaRPr lang="en-US" dirty="0"/>
           </a:p>
@@ -496,7 +499,7 @@
             <a:fld id="{C6C52C72-DE31-F449-A4ED-4C594FD91407}" type="datetimeFigureOut">
               <a:rPr lang="en-US" smtClean="0"/>
               <a:pPr/>
-              <a:t>11/21/2017</a:t>
+              <a:t>1/10/2018</a:t>
             </a:fld>
             <a:endParaRPr lang="en-US" dirty="0"/>
           </a:p>
@@ -706,7 +709,7 @@
             <a:fld id="{ED62726E-379B-B349-9EED-81ED093FA806}" type="datetimeFigureOut">
               <a:rPr lang="en-US" smtClean="0"/>
               <a:pPr/>
-              <a:t>11/21/2017</a:t>
+              <a:t>1/10/2018</a:t>
             </a:fld>
             <a:endParaRPr lang="en-US" dirty="0"/>
           </a:p>
@@ -906,7 +909,7 @@
             <a:fld id="{9B3A1323-8D79-1946-B0D7-40001CF92E9D}" type="datetimeFigureOut">
               <a:rPr lang="en-US" smtClean="0"/>
               <a:pPr/>
-              <a:t>11/21/2017</a:t>
+              <a:t>1/10/2018</a:t>
             </a:fld>
             <a:endParaRPr lang="en-US" dirty="0"/>
           </a:p>
@@ -1183,7 +1186,7 @@
             <a:fld id="{8DFA1846-DA80-1C48-A609-854EA85C59AD}" type="datetimeFigureOut">
               <a:rPr lang="en-US" smtClean="0"/>
               <a:pPr/>
-              <a:t>11/21/2017</a:t>
+              <a:t>1/10/2018</a:t>
             </a:fld>
             <a:endParaRPr lang="en-US" dirty="0"/>
           </a:p>
@@ -1450,7 +1453,7 @@
             <a:fld id="{57302355-E14B-8545-A8F8-0FE83CC9D524}" type="datetimeFigureOut">
               <a:rPr lang="en-US" smtClean="0"/>
               <a:pPr/>
-              <a:t>11/21/2017</a:t>
+              <a:t>1/10/2018</a:t>
             </a:fld>
             <a:endParaRPr lang="en-US" dirty="0"/>
           </a:p>
@@ -1864,7 +1867,7 @@
             <a:fld id="{02640F58-564D-2B4F-AE67-E407BA4FCF45}" type="datetimeFigureOut">
               <a:rPr lang="en-US" smtClean="0"/>
               <a:pPr/>
-              <a:t>11/21/2017</a:t>
+              <a:t>1/10/2018</a:t>
             </a:fld>
             <a:endParaRPr lang="en-US" dirty="0"/>
           </a:p>
@@ -2007,7 +2010,7 @@
             <a:fld id="{F13A34C8-038E-2045-AF43-DF7DBB8E0E9E}" type="datetimeFigureOut">
               <a:rPr lang="en-US" smtClean="0"/>
               <a:pPr/>
-              <a:t>11/21/2017</a:t>
+              <a:t>1/10/2018</a:t>
             </a:fld>
             <a:endParaRPr lang="en-US" dirty="0"/>
           </a:p>
@@ -2122,7 +2125,7 @@
             <a:fld id="{8818C68F-D26B-8F47-958C-23B49CF8A634}" type="datetimeFigureOut">
               <a:rPr lang="en-US" smtClean="0"/>
               <a:pPr/>
-              <a:t>11/21/2017</a:t>
+              <a:t>1/10/2018</a:t>
             </a:fld>
             <a:endParaRPr lang="en-US" dirty="0"/>
           </a:p>
@@ -2435,7 +2438,7 @@
             <a:fld id="{D0DF5E60-9974-AC48-9591-99C2BB44B7CF}" type="datetimeFigureOut">
               <a:rPr lang="en-US" smtClean="0"/>
               <a:pPr/>
-              <a:t>11/21/2017</a:t>
+              <a:t>1/10/2018</a:t>
             </a:fld>
             <a:endParaRPr lang="en-US" dirty="0"/>
           </a:p>
@@ -2725,7 +2728,7 @@
             <a:fld id="{18C79C5D-2A6F-F04D-97DA-BEF2467B64E4}" type="datetimeFigureOut">
               <a:rPr lang="en-US" smtClean="0"/>
               <a:pPr/>
-              <a:t>11/21/2017</a:t>
+              <a:t>1/10/2018</a:t>
             </a:fld>
             <a:endParaRPr lang="en-US" dirty="0"/>
           </a:p>
@@ -2968,7 +2971,7 @@
             <a:fld id="{09B482E8-6E0E-1B4F-B1FD-C69DB9E858D9}" type="datetimeFigureOut">
               <a:rPr lang="en-US" smtClean="0"/>
               <a:pPr/>
-              <a:t>11/21/2017</a:t>
+              <a:t>1/10/2018</a:t>
             </a:fld>
             <a:endParaRPr lang="en-US" dirty="0"/>
           </a:p>
@@ -3433,7 +3436,12 @@
             <p:ph type="subTitle" idx="1"/>
           </p:nvPr>
         </p:nvSpPr>
-        <p:spPr/>
+        <p:spPr>
+          <a:xfrm>
+            <a:off x="1524000" y="3602038"/>
+            <a:ext cx="9144000" cy="1655762"/>
+          </a:xfrm>
+        </p:spPr>
         <p:txBody>
           <a:bodyPr>
             <a:normAutofit/>
@@ -3442,16 +3450,21 @@
           <a:p>
             <a:r>
               <a:rPr lang="en-US" dirty="0"/>
-              <a:t>Kyle Chen	Nov. </a:t>
+              <a:t>Kyle Chen	</a:t>
             </a:r>
             <a:r>
               <a:rPr lang="en-US" altLang="zh-CN" dirty="0"/>
-              <a:t>20</a:t>
+              <a:t>Jan</a:t>
             </a:r>
             <a:r>
               <a:rPr lang="en-US" dirty="0"/>
-              <a:t>, 2017</a:t>
-            </a:r>
+              <a:t>. 8, 201</a:t>
+            </a:r>
+            <a:r>
+              <a:rPr lang="en-US" altLang="zh-CN" dirty="0"/>
+              <a:t>8</a:t>
+            </a:r>
+            <a:endParaRPr lang="en-US" dirty="0"/>
           </a:p>
         </p:txBody>
       </p:sp>
@@ -6569,57 +6582,29 @@
         </p:nvSpPr>
         <p:spPr>
           <a:xfrm>
-            <a:off x="701892" y="615023"/>
-            <a:ext cx="3069298" cy="1325563"/>
+            <a:off x="747327" y="130629"/>
+            <a:ext cx="8544339" cy="1346042"/>
           </a:xfrm>
         </p:spPr>
         <p:txBody>
-          <a:bodyPr/>
+          <a:bodyPr>
+            <a:normAutofit fontScale="90000"/>
+          </a:bodyPr>
           <a:lstStyle/>
           <a:p>
             <a:r>
               <a:rPr lang="en-US" dirty="0"/>
-              <a:t>Histograms</a:t>
+              <a:t>Similarity of joint probability distribution function between different ensembles </a:t>
             </a:r>
           </a:p>
         </p:txBody>
       </p:sp>
-      <p:pic>
-        <p:nvPicPr>
-          <p:cNvPr id="6" name="Picture 5">
-            <a:extLst>
-              <a:ext uri="{FF2B5EF4-FFF2-40B4-BE49-F238E27FC236}">
-                <a16:creationId xmlns:a16="http://schemas.microsoft.com/office/drawing/2014/main" id="{1B85DD5C-1CAF-4F74-AC52-20CE8C3B40C9}"/>
-              </a:ext>
-            </a:extLst>
-          </p:cNvPr>
-          <p:cNvPicPr>
-            <a:picLocks noChangeAspect="1"/>
-          </p:cNvPicPr>
-          <p:nvPr/>
-        </p:nvPicPr>
-        <p:blipFill>
-          <a:blip r:embed="rId2"/>
-          <a:stretch>
-            <a:fillRect/>
-          </a:stretch>
-        </p:blipFill>
-        <p:spPr>
-          <a:xfrm>
-            <a:off x="3440623" y="0"/>
-            <a:ext cx="8572499" cy="6858000"/>
-          </a:xfrm>
-          <a:prstGeom prst="rect">
-            <a:avLst/>
-          </a:prstGeom>
-        </p:spPr>
-      </p:pic>
       <p:sp>
         <p:nvSpPr>
-          <p:cNvPr id="3" name="TextBox 2">
-            <a:extLst>
-              <a:ext uri="{FF2B5EF4-FFF2-40B4-BE49-F238E27FC236}">
-                <a16:creationId xmlns:a16="http://schemas.microsoft.com/office/drawing/2014/main" id="{594624E6-EF04-4262-B055-DF75BAFDDC51}"/>
+          <p:cNvPr id="4" name="TextBox 3">
+            <a:extLst>
+              <a:ext uri="{FF2B5EF4-FFF2-40B4-BE49-F238E27FC236}">
+                <a16:creationId xmlns:a16="http://schemas.microsoft.com/office/drawing/2014/main" id="{DF00E0C9-E15E-4687-B028-5AE652959826}"/>
               </a:ext>
             </a:extLst>
           </p:cNvPr>
@@ -6628,8 +6613,8 @@
         </p:nvSpPr>
         <p:spPr>
           <a:xfrm>
-            <a:off x="971195" y="3174842"/>
-            <a:ext cx="2998778" cy="646331"/>
+            <a:off x="747327" y="1618658"/>
+            <a:ext cx="4681153" cy="369332"/>
           </a:xfrm>
           <a:prstGeom prst="rect">
             <a:avLst/>
@@ -6637,14 +6622,55 @@
           <a:noFill/>
         </p:spPr>
         <p:txBody>
-          <a:bodyPr wrap="square" rtlCol="0">
+          <a:bodyPr wrap="none" rtlCol="0">
             <a:spAutoFit/>
           </a:bodyPr>
           <a:lstStyle/>
           <a:p>
             <a:r>
               <a:rPr lang="en-US" dirty="0"/>
-              <a:t>Histograms of LFPs in different time point</a:t>
+              <a:t>Bivariate Two-sample Kolmogorov–Smirnov Test</a:t>
+            </a:r>
+          </a:p>
+        </p:txBody>
+      </p:sp>
+      <p:sp>
+        <p:nvSpPr>
+          <p:cNvPr id="5" name="TextBox 4">
+            <a:extLst>
+              <a:ext uri="{FF2B5EF4-FFF2-40B4-BE49-F238E27FC236}">
+                <a16:creationId xmlns:a16="http://schemas.microsoft.com/office/drawing/2014/main" id="{C0AA489B-B11D-497B-8A16-4AB0C859A075}"/>
+              </a:ext>
+            </a:extLst>
+          </p:cNvPr>
+          <p:cNvSpPr txBox="1"/>
+          <p:nvPr/>
+        </p:nvSpPr>
+        <p:spPr>
+          <a:xfrm>
+            <a:off x="747327" y="2129977"/>
+            <a:ext cx="1424557" cy="646331"/>
+          </a:xfrm>
+          <a:prstGeom prst="rect">
+            <a:avLst/>
+          </a:prstGeom>
+          <a:noFill/>
+        </p:spPr>
+        <p:txBody>
+          <a:bodyPr wrap="none" rtlCol="0">
+            <a:spAutoFit/>
+          </a:bodyPr>
+          <a:lstStyle/>
+          <a:p>
+            <a:r>
+              <a:rPr lang="en-US" dirty="0"/>
+              <a:t>X: Spike Train</a:t>
+            </a:r>
+          </a:p>
+          <a:p>
+            <a:r>
+              <a:rPr lang="en-US" dirty="0"/>
+              <a:t>Y: Current</a:t>
             </a:r>
           </a:p>
         </p:txBody>
@@ -6698,7 +6724,7 @@
         <p:spPr>
           <a:xfrm>
             <a:off x="838200" y="46274"/>
-            <a:ext cx="10515600" cy="976038"/>
+            <a:ext cx="5113919" cy="976038"/>
           </a:xfrm>
         </p:spPr>
         <p:txBody>
@@ -7604,18 +7630,20 @@
         <p:spPr>
           <a:xfrm>
             <a:off x="838200" y="365125"/>
-            <a:ext cx="10515600" cy="1325563"/>
+            <a:ext cx="6418863" cy="747043"/>
           </a:xfrm>
         </p:spPr>
         <p:txBody>
-          <a:bodyPr/>
+          <a:bodyPr>
+            <a:normAutofit/>
+          </a:bodyPr>
           <a:lstStyle/>
           <a:p>
             <a:r>
-              <a:rPr lang="en-US" altLang="zh-CN" dirty="0"/>
+              <a:rPr lang="en-US" altLang="zh-CN" sz="4000" dirty="0"/>
               <a:t>Neuronal interacting layout</a:t>
             </a:r>
-            <a:endParaRPr lang="en-US" dirty="0"/>
+            <a:endParaRPr lang="en-US" sz="4000" dirty="0"/>
           </a:p>
         </p:txBody>
       </p:sp>
@@ -7634,9 +7662,9 @@
         <p:grpSpPr>
           <a:xfrm>
             <a:off x="2654220" y="1999027"/>
-            <a:ext cx="6883559" cy="3640040"/>
+            <a:ext cx="6883559" cy="1983740"/>
             <a:chOff x="2435561" y="2004707"/>
-            <a:chExt cx="6883559" cy="3640040"/>
+            <a:chExt cx="6883559" cy="1983740"/>
           </a:xfrm>
         </p:grpSpPr>
         <p:sp>
@@ -7984,8 +8012,8 @@
           </p:nvSpPr>
           <p:spPr>
             <a:xfrm>
-              <a:off x="2870043" y="3619115"/>
-              <a:ext cx="653142" cy="369332"/>
+              <a:off x="2748318" y="3619115"/>
+              <a:ext cx="896592" cy="369332"/>
             </a:xfrm>
             <a:prstGeom prst="rect">
               <a:avLst/>
@@ -8001,7 +8029,7 @@
               <a:pPr algn="ctr"/>
               <a:r>
                 <a:rPr lang="en-US" dirty="0"/>
-                <a:t>LFP</a:t>
+                <a:t>Current</a:t>
               </a:r>
             </a:p>
           </p:txBody>
@@ -8020,8 +8048,8 @@
           </p:nvSpPr>
           <p:spPr>
             <a:xfrm>
-              <a:off x="6875040" y="3619115"/>
-              <a:ext cx="653142" cy="369332"/>
+              <a:off x="6693295" y="3619115"/>
+              <a:ext cx="1016632" cy="369332"/>
             </a:xfrm>
             <a:prstGeom prst="rect">
               <a:avLst/>
@@ -8037,7 +8065,7 @@
               <a:pPr algn="ctr"/>
               <a:r>
                 <a:rPr lang="en-US" dirty="0"/>
-                <a:t>LFP</a:t>
+                <a:t>Current</a:t>
               </a:r>
             </a:p>
           </p:txBody>
@@ -8138,15 +8166,14 @@
               </a:extLst>
             </p:cNvPr>
             <p:cNvCxnSpPr>
-              <a:stCxn id="5" idx="2"/>
-              <a:endCxn id="14" idx="1"/>
+              <a:cxnSpLocks/>
             </p:cNvCxnSpPr>
             <p:nvPr/>
           </p:nvCxnSpPr>
           <p:spPr>
             <a:xfrm rot="16200000" flipH="1">
-              <a:off x="5530606" y="2459346"/>
-              <a:ext cx="585559" cy="2103309"/>
+              <a:off x="5409725" y="2655121"/>
+              <a:ext cx="585559" cy="1921564"/>
             </a:xfrm>
             <a:prstGeom prst="bentConnector2">
               <a:avLst/>
@@ -8254,19 +8281,18 @@
             <p:cNvCxnSpPr>
               <a:cxnSpLocks/>
               <a:stCxn id="22" idx="1"/>
-              <a:endCxn id="14" idx="2"/>
+              <a:endCxn id="14" idx="1"/>
             </p:cNvCxnSpPr>
             <p:nvPr/>
           </p:nvCxnSpPr>
           <p:spPr>
-            <a:xfrm rot="10800000" flipH="1" flipV="1">
-              <a:off x="6753315" y="2189373"/>
-              <a:ext cx="448296" cy="1799074"/>
+            <a:xfrm rot="10800000" flipV="1">
+              <a:off x="6693295" y="2189373"/>
+              <a:ext cx="60020" cy="1614408"/>
             </a:xfrm>
-            <a:prstGeom prst="bentConnector4">
+            <a:prstGeom prst="bentConnector3">
               <a:avLst>
-                <a:gd name="adj1" fmla="val -195421"/>
-                <a:gd name="adj2" fmla="val 112707"/>
+                <a:gd name="adj1" fmla="val 1067559"/>
               </a:avLst>
             </a:prstGeom>
             <a:ln>
@@ -8305,13 +8331,13 @@
             <p:nvPr/>
           </p:nvCxnSpPr>
           <p:spPr>
-            <a:xfrm rot="10800000" flipH="1" flipV="1">
-              <a:off x="2748317" y="2189372"/>
-              <a:ext cx="121725" cy="1614408"/>
+            <a:xfrm rot="10800000" flipV="1">
+              <a:off x="2748318" y="2189373"/>
+              <a:ext cx="12700" cy="1614408"/>
             </a:xfrm>
             <a:prstGeom prst="bentConnector3">
               <a:avLst>
-                <a:gd name="adj1" fmla="val -612392"/>
+                <a:gd name="adj1" fmla="val 4304346"/>
               </a:avLst>
             </a:prstGeom>
             <a:ln>
@@ -8429,19 +8455,21 @@
               </a:extLst>
             </p:cNvPr>
             <p:cNvCxnSpPr>
-              <a:stCxn id="6" idx="2"/>
+              <a:cxnSpLocks/>
+              <a:stCxn id="6" idx="3"/>
               <a:endCxn id="13" idx="2"/>
             </p:cNvCxnSpPr>
             <p:nvPr/>
           </p:nvCxnSpPr>
           <p:spPr>
-            <a:xfrm rot="5400000">
-              <a:off x="5611890" y="823609"/>
-              <a:ext cx="749562" cy="5580114"/>
+            <a:xfrm flipH="1">
+              <a:off x="3196614" y="2979210"/>
+              <a:ext cx="6122506" cy="1009237"/>
             </a:xfrm>
-            <a:prstGeom prst="bentConnector3">
+            <a:prstGeom prst="bentConnector4">
               <a:avLst>
-                <a:gd name="adj1" fmla="val 218392"/>
+                <a:gd name="adj1" fmla="val -3734"/>
+                <a:gd name="adj2" fmla="val 217193"/>
               </a:avLst>
             </a:prstGeom>
             <a:ln w="28575">
@@ -8466,64 +8494,213 @@
             </a:fontRef>
           </p:style>
         </p:cxnSp>
-        <p:sp>
-          <p:nvSpPr>
-            <p:cNvPr id="47" name="TextBox 46">
-              <a:extLst>
-                <a:ext uri="{FF2B5EF4-FFF2-40B4-BE49-F238E27FC236}">
-                  <a16:creationId xmlns:a16="http://schemas.microsoft.com/office/drawing/2014/main" id="{ECE6FB10-07F0-444E-B096-D0EF98C5B157}"/>
-                </a:ext>
-              </a:extLst>
-            </p:cNvPr>
-            <p:cNvSpPr txBox="1"/>
-            <p:nvPr/>
-          </p:nvSpPr>
-          <p:spPr>
-            <a:xfrm>
-              <a:off x="5691635" y="4875306"/>
-              <a:ext cx="748923" cy="769441"/>
-            </a:xfrm>
-            <a:prstGeom prst="rect">
-              <a:avLst/>
-            </a:prstGeom>
-            <a:noFill/>
-            <a:ln>
-              <a:noFill/>
-            </a:ln>
-          </p:spPr>
-          <p:txBody>
-            <a:bodyPr wrap="square" rtlCol="0">
-              <a:spAutoFit/>
-            </a:bodyPr>
-            <a:lstStyle/>
-            <a:p>
-              <a:r>
-                <a:rPr lang="zh-CN" altLang="en-US" sz="4400" dirty="0">
-                  <a:ln w="38100">
-                    <a:solidFill>
-                      <a:srgbClr val="FF0000"/>
-                    </a:solidFill>
-                  </a:ln>
-                  <a:solidFill>
-                    <a:srgbClr val="FF0000"/>
-                  </a:solidFill>
-                </a:rPr>
-                <a:t>？</a:t>
-              </a:r>
-              <a:endParaRPr lang="en-US" sz="4400" dirty="0">
-                <a:ln w="38100">
-                  <a:solidFill>
-                    <a:srgbClr val="FF0000"/>
-                  </a:solidFill>
-                </a:ln>
+      </p:grpSp>
+      <p:cxnSp>
+        <p:nvCxnSpPr>
+          <p:cNvPr id="31" name="Straight Arrow Connector 30">
+            <a:extLst>
+              <a:ext uri="{FF2B5EF4-FFF2-40B4-BE49-F238E27FC236}">
+                <a16:creationId xmlns:a16="http://schemas.microsoft.com/office/drawing/2014/main" id="{5A72ED76-F333-4838-B668-A85EBFCAAC5F}"/>
+              </a:ext>
+            </a:extLst>
+          </p:cNvPr>
+          <p:cNvCxnSpPr>
+            <a:stCxn id="14" idx="3"/>
+            <a:endCxn id="6" idx="2"/>
+          </p:cNvCxnSpPr>
+          <p:nvPr/>
+        </p:nvCxnSpPr>
+        <p:spPr>
+          <a:xfrm flipV="1">
+            <a:off x="7928586" y="3233205"/>
+            <a:ext cx="1066801" cy="564896"/>
+          </a:xfrm>
+          <a:prstGeom prst="straightConnector1">
+            <a:avLst/>
+          </a:prstGeom>
+          <a:ln w="19050">
+            <a:solidFill>
+              <a:srgbClr val="00B050"/>
+            </a:solidFill>
+            <a:prstDash val="dash"/>
+            <a:headEnd type="triangle"/>
+            <a:tailEnd type="triangle"/>
+          </a:ln>
+        </p:spPr>
+        <p:style>
+          <a:lnRef idx="1">
+            <a:schemeClr val="accent1"/>
+          </a:lnRef>
+          <a:fillRef idx="0">
+            <a:schemeClr val="accent1"/>
+          </a:fillRef>
+          <a:effectRef idx="0">
+            <a:schemeClr val="accent1"/>
+          </a:effectRef>
+          <a:fontRef idx="minor">
+            <a:schemeClr val="tx1"/>
+          </a:fontRef>
+        </p:style>
+      </p:cxnSp>
+      <p:cxnSp>
+        <p:nvCxnSpPr>
+          <p:cNvPr id="48" name="Connector: Elbow 47">
+            <a:extLst>
+              <a:ext uri="{FF2B5EF4-FFF2-40B4-BE49-F238E27FC236}">
+                <a16:creationId xmlns:a16="http://schemas.microsoft.com/office/drawing/2014/main" id="{84423F15-732F-4DEB-8882-043892111C31}"/>
+              </a:ext>
+            </a:extLst>
+          </p:cNvPr>
+          <p:cNvCxnSpPr>
+            <a:cxnSpLocks/>
+            <a:endCxn id="14" idx="2"/>
+          </p:cNvCxnSpPr>
+          <p:nvPr/>
+        </p:nvCxnSpPr>
+        <p:spPr>
+          <a:xfrm>
+            <a:off x="3592008" y="3957347"/>
+            <a:ext cx="3828262" cy="25420"/>
+          </a:xfrm>
+          <a:prstGeom prst="bentConnector4">
+            <a:avLst>
+              <a:gd name="adj1" fmla="val 189"/>
+              <a:gd name="adj2" fmla="val 1781282"/>
+            </a:avLst>
+          </a:prstGeom>
+          <a:ln w="12700">
+            <a:solidFill>
+              <a:srgbClr val="00B050"/>
+            </a:solidFill>
+            <a:prstDash val="dash"/>
+            <a:headEnd type="triangle" w="med" len="med"/>
+            <a:tailEnd type="triangle" w="med" len="med"/>
+          </a:ln>
+        </p:spPr>
+        <p:style>
+          <a:lnRef idx="1">
+            <a:schemeClr val="accent1"/>
+          </a:lnRef>
+          <a:fillRef idx="0">
+            <a:schemeClr val="accent1"/>
+          </a:fillRef>
+          <a:effectRef idx="0">
+            <a:schemeClr val="accent1"/>
+          </a:effectRef>
+          <a:fontRef idx="minor">
+            <a:schemeClr val="tx1"/>
+          </a:fontRef>
+        </p:style>
+      </p:cxnSp>
+      <p:sp>
+        <p:nvSpPr>
+          <p:cNvPr id="62" name="TextBox 61">
+            <a:extLst>
+              <a:ext uri="{FF2B5EF4-FFF2-40B4-BE49-F238E27FC236}">
+                <a16:creationId xmlns:a16="http://schemas.microsoft.com/office/drawing/2014/main" id="{78356415-CB3C-4712-9297-77DE42BED819}"/>
+              </a:ext>
+            </a:extLst>
+          </p:cNvPr>
+          <p:cNvSpPr txBox="1"/>
+          <p:nvPr/>
+        </p:nvSpPr>
+        <p:spPr>
+          <a:xfrm>
+            <a:off x="4764238" y="4242441"/>
+            <a:ext cx="1537087" cy="369332"/>
+          </a:xfrm>
+          <a:prstGeom prst="rect">
+            <a:avLst/>
+          </a:prstGeom>
+          <a:noFill/>
+        </p:spPr>
+        <p:txBody>
+          <a:bodyPr wrap="none" rtlCol="0">
+            <a:spAutoFit/>
+          </a:bodyPr>
+          <a:lstStyle/>
+          <a:p>
+            <a:r>
+              <a:rPr lang="en-US" dirty="0"/>
+              <a:t>Synchronized?</a:t>
+            </a:r>
+          </a:p>
+        </p:txBody>
+      </p:sp>
+      <p:sp>
+        <p:nvSpPr>
+          <p:cNvPr id="63" name="TextBox 62">
+            <a:extLst>
+              <a:ext uri="{FF2B5EF4-FFF2-40B4-BE49-F238E27FC236}">
+                <a16:creationId xmlns:a16="http://schemas.microsoft.com/office/drawing/2014/main" id="{85F400C6-8F9B-4CDB-AA26-DA1B3EFDD645}"/>
+              </a:ext>
+            </a:extLst>
+          </p:cNvPr>
+          <p:cNvSpPr txBox="1"/>
+          <p:nvPr/>
+        </p:nvSpPr>
+        <p:spPr>
+          <a:xfrm>
+            <a:off x="8265467" y="3558606"/>
+            <a:ext cx="1283567" cy="369332"/>
+          </a:xfrm>
+          <a:prstGeom prst="rect">
+            <a:avLst/>
+          </a:prstGeom>
+          <a:noFill/>
+        </p:spPr>
+        <p:txBody>
+          <a:bodyPr wrap="square" rtlCol="0">
+            <a:spAutoFit/>
+          </a:bodyPr>
+          <a:lstStyle/>
+          <a:p>
+            <a:r>
+              <a:rPr lang="en-US" dirty="0"/>
+              <a:t>Correlated!</a:t>
+            </a:r>
+          </a:p>
+        </p:txBody>
+      </p:sp>
+      <p:sp>
+        <p:nvSpPr>
+          <p:cNvPr id="66" name="TextBox 65">
+            <a:extLst>
+              <a:ext uri="{FF2B5EF4-FFF2-40B4-BE49-F238E27FC236}">
+                <a16:creationId xmlns:a16="http://schemas.microsoft.com/office/drawing/2014/main" id="{16BCE3C9-7D14-4BD9-BC1D-000B8E90AA42}"/>
+              </a:ext>
+            </a:extLst>
+          </p:cNvPr>
+          <p:cNvSpPr txBox="1"/>
+          <p:nvPr/>
+        </p:nvSpPr>
+        <p:spPr>
+          <a:xfrm>
+            <a:off x="6495550" y="5230822"/>
+            <a:ext cx="327334" cy="461665"/>
+          </a:xfrm>
+          <a:prstGeom prst="rect">
+            <a:avLst/>
+          </a:prstGeom>
+          <a:noFill/>
+        </p:spPr>
+        <p:txBody>
+          <a:bodyPr wrap="none" rtlCol="0">
+            <a:spAutoFit/>
+          </a:bodyPr>
+          <a:lstStyle/>
+          <a:p>
+            <a:r>
+              <a:rPr lang="en-US" sz="2400" dirty="0">
                 <a:solidFill>
                   <a:srgbClr val="FF0000"/>
                 </a:solidFill>
-              </a:endParaRPr>
-            </a:p>
-          </p:txBody>
-        </p:sp>
-      </p:grpSp>
+              </a:rPr>
+              <a:t>?</a:t>
+            </a:r>
+          </a:p>
+        </p:txBody>
+      </p:sp>
     </p:spTree>
     <p:extLst>
       <p:ext uri="{BB962C8B-B14F-4D97-AF65-F5344CB8AC3E}">
@@ -8556,10 +8733,10 @@
       </p:grpSpPr>
       <p:pic>
         <p:nvPicPr>
-          <p:cNvPr id="3" name="Picture 2">
-            <a:extLst>
-              <a:ext uri="{FF2B5EF4-FFF2-40B4-BE49-F238E27FC236}">
-                <a16:creationId xmlns:a16="http://schemas.microsoft.com/office/drawing/2014/main" id="{E73CD157-9767-4A51-9C28-5F8CE787C356}"/>
+          <p:cNvPr id="17" name="Picture 16" descr="A screenshot of a cell phone&#10;&#10;Description generated with very high confidence">
+            <a:extLst>
+              <a:ext uri="{FF2B5EF4-FFF2-40B4-BE49-F238E27FC236}">
+                <a16:creationId xmlns:a16="http://schemas.microsoft.com/office/drawing/2014/main" id="{A5A0E561-DA0A-4FED-83FC-253A039D21B7}"/>
               </a:ext>
             </a:extLst>
           </p:cNvPr>
@@ -8576,8 +8753,8 @@
         </p:blipFill>
         <p:spPr>
           <a:xfrm>
-            <a:off x="0" y="2862512"/>
-            <a:ext cx="3990247" cy="2992685"/>
+            <a:off x="6571192" y="3762074"/>
+            <a:ext cx="3526151" cy="2644613"/>
           </a:xfrm>
           <a:prstGeom prst="rect">
             <a:avLst/>
@@ -8586,10 +8763,10 @@
       </p:pic>
       <p:pic>
         <p:nvPicPr>
-          <p:cNvPr id="5" name="Picture 4">
-            <a:extLst>
-              <a:ext uri="{FF2B5EF4-FFF2-40B4-BE49-F238E27FC236}">
-                <a16:creationId xmlns:a16="http://schemas.microsoft.com/office/drawing/2014/main" id="{7D727532-2CF9-4D62-83B4-39CB4EA67801}"/>
+          <p:cNvPr id="19" name="Picture 18" descr="A close up of a piece of paper&#10;&#10;Description generated with high confidence">
+            <a:extLst>
+              <a:ext uri="{FF2B5EF4-FFF2-40B4-BE49-F238E27FC236}">
+                <a16:creationId xmlns:a16="http://schemas.microsoft.com/office/drawing/2014/main" id="{D29F4254-2E63-4B37-93C4-CD160D628CBB}"/>
               </a:ext>
             </a:extLst>
           </p:cNvPr>
@@ -8606,8 +8783,8 @@
         </p:blipFill>
         <p:spPr>
           <a:xfrm>
-            <a:off x="4100877" y="2862512"/>
-            <a:ext cx="3990247" cy="2992685"/>
+            <a:off x="6571193" y="1191333"/>
+            <a:ext cx="3526151" cy="2644613"/>
           </a:xfrm>
           <a:prstGeom prst="rect">
             <a:avLst/>
@@ -8616,10 +8793,10 @@
       </p:pic>
       <p:pic>
         <p:nvPicPr>
-          <p:cNvPr id="7" name="Picture 6">
-            <a:extLst>
-              <a:ext uri="{FF2B5EF4-FFF2-40B4-BE49-F238E27FC236}">
-                <a16:creationId xmlns:a16="http://schemas.microsoft.com/office/drawing/2014/main" id="{0205AFD9-F0A7-47A8-AA5B-864AC6DF911E}"/>
+          <p:cNvPr id="21" name="Picture 20" descr="A screenshot of a cell phone&#10;&#10;Description generated with high confidence">
+            <a:extLst>
+              <a:ext uri="{FF2B5EF4-FFF2-40B4-BE49-F238E27FC236}">
+                <a16:creationId xmlns:a16="http://schemas.microsoft.com/office/drawing/2014/main" id="{B44A4C9F-7E45-4F21-80FA-8FD589D48A27}"/>
               </a:ext>
             </a:extLst>
           </p:cNvPr>
@@ -8636,8 +8813,38 @@
         </p:blipFill>
         <p:spPr>
           <a:xfrm>
-            <a:off x="8201753" y="2862512"/>
-            <a:ext cx="3990247" cy="2992685"/>
+            <a:off x="2198480" y="1191333"/>
+            <a:ext cx="3526151" cy="2644613"/>
+          </a:xfrm>
+          <a:prstGeom prst="rect">
+            <a:avLst/>
+          </a:prstGeom>
+        </p:spPr>
+      </p:pic>
+      <p:pic>
+        <p:nvPicPr>
+          <p:cNvPr id="23" name="Picture 22" descr="A picture containing screenshot&#10;&#10;Description generated with high confidence">
+            <a:extLst>
+              <a:ext uri="{FF2B5EF4-FFF2-40B4-BE49-F238E27FC236}">
+                <a16:creationId xmlns:a16="http://schemas.microsoft.com/office/drawing/2014/main" id="{718BBF4E-A975-4E20-AD0F-DAAC5E9AD7F4}"/>
+              </a:ext>
+            </a:extLst>
+          </p:cNvPr>
+          <p:cNvPicPr>
+            <a:picLocks noChangeAspect="1"/>
+          </p:cNvPicPr>
+          <p:nvPr/>
+        </p:nvPicPr>
+        <p:blipFill>
+          <a:blip r:embed="rId5"/>
+          <a:stretch>
+            <a:fillRect/>
+          </a:stretch>
+        </p:blipFill>
+        <p:spPr>
+          <a:xfrm>
+            <a:off x="2200839" y="3763842"/>
+            <a:ext cx="3523516" cy="2642637"/>
           </a:xfrm>
           <a:prstGeom prst="rect">
             <a:avLst/>
@@ -8646,10 +8853,10 @@
       </p:pic>
       <p:sp>
         <p:nvSpPr>
-          <p:cNvPr id="8" name="TextBox 7">
-            <a:extLst>
-              <a:ext uri="{FF2B5EF4-FFF2-40B4-BE49-F238E27FC236}">
-                <a16:creationId xmlns:a16="http://schemas.microsoft.com/office/drawing/2014/main" id="{53770B38-60BD-4077-BB79-A846CE3F851D}"/>
+          <p:cNvPr id="24" name="TextBox 23">
+            <a:extLst>
+              <a:ext uri="{FF2B5EF4-FFF2-40B4-BE49-F238E27FC236}">
+                <a16:creationId xmlns:a16="http://schemas.microsoft.com/office/drawing/2014/main" id="{FBB180FC-F9E3-422B-BA71-F07ADA681700}"/>
               </a:ext>
             </a:extLst>
           </p:cNvPr>
@@ -8658,8 +8865,8 @@
         </p:nvSpPr>
         <p:spPr>
           <a:xfrm>
-            <a:off x="1476391" y="2677846"/>
-            <a:ext cx="1037463" cy="369332"/>
+            <a:off x="816651" y="2026236"/>
+            <a:ext cx="1069203" cy="923330"/>
           </a:xfrm>
           <a:prstGeom prst="rect">
             <a:avLst/>
@@ -8672,19 +8879,34 @@
           </a:bodyPr>
           <a:lstStyle/>
           <a:p>
+            <a:pPr algn="ctr"/>
             <a:r>
               <a:rPr lang="en-US" dirty="0"/>
-              <a:t>S = 0.001</a:t>
+              <a:t>Spike 2</a:t>
+            </a:r>
+          </a:p>
+          <a:p>
+            <a:pPr algn="ctr"/>
+            <a:r>
+              <a:rPr lang="en-US" dirty="0"/>
+              <a:t>to</a:t>
+            </a:r>
+          </a:p>
+          <a:p>
+            <a:pPr algn="ctr"/>
+            <a:r>
+              <a:rPr lang="en-US" dirty="0"/>
+              <a:t>Current 1</a:t>
             </a:r>
           </a:p>
         </p:txBody>
       </p:sp>
       <p:sp>
         <p:nvSpPr>
-          <p:cNvPr id="9" name="TextBox 8">
-            <a:extLst>
-              <a:ext uri="{FF2B5EF4-FFF2-40B4-BE49-F238E27FC236}">
-                <a16:creationId xmlns:a16="http://schemas.microsoft.com/office/drawing/2014/main" id="{748A7616-3E35-4434-A6D4-90DBC06AC380}"/>
+          <p:cNvPr id="25" name="TextBox 24">
+            <a:extLst>
+              <a:ext uri="{FF2B5EF4-FFF2-40B4-BE49-F238E27FC236}">
+                <a16:creationId xmlns:a16="http://schemas.microsoft.com/office/drawing/2014/main" id="{2D5F9B02-5443-49B5-9533-126F70D4B026}"/>
               </a:ext>
             </a:extLst>
           </p:cNvPr>
@@ -8693,8 +8915,8 @@
         </p:nvSpPr>
         <p:spPr>
           <a:xfrm>
-            <a:off x="5577268" y="2677846"/>
-            <a:ext cx="1037463" cy="369332"/>
+            <a:off x="10038655" y="2230755"/>
+            <a:ext cx="1069203" cy="923330"/>
           </a:xfrm>
           <a:prstGeom prst="rect">
             <a:avLst/>
@@ -8707,19 +8929,34 @@
           </a:bodyPr>
           <a:lstStyle/>
           <a:p>
+            <a:pPr algn="ctr"/>
             <a:r>
               <a:rPr lang="en-US" dirty="0"/>
-              <a:t>S = 0.005</a:t>
+              <a:t>Current 2</a:t>
+            </a:r>
+          </a:p>
+          <a:p>
+            <a:pPr algn="ctr"/>
+            <a:r>
+              <a:rPr lang="en-US" dirty="0"/>
+              <a:t>to</a:t>
+            </a:r>
+          </a:p>
+          <a:p>
+            <a:pPr algn="ctr"/>
+            <a:r>
+              <a:rPr lang="en-US" dirty="0"/>
+              <a:t>Current 1</a:t>
             </a:r>
           </a:p>
         </p:txBody>
       </p:sp>
       <p:sp>
         <p:nvSpPr>
-          <p:cNvPr id="10" name="TextBox 9">
-            <a:extLst>
-              <a:ext uri="{FF2B5EF4-FFF2-40B4-BE49-F238E27FC236}">
-                <a16:creationId xmlns:a16="http://schemas.microsoft.com/office/drawing/2014/main" id="{5C67AD8B-2688-46F0-BEB3-AE12FED6BDB0}"/>
+          <p:cNvPr id="26" name="TextBox 25">
+            <a:extLst>
+              <a:ext uri="{FF2B5EF4-FFF2-40B4-BE49-F238E27FC236}">
+                <a16:creationId xmlns:a16="http://schemas.microsoft.com/office/drawing/2014/main" id="{B8E54A6A-C03C-4752-8F0D-70F7D269D361}"/>
               </a:ext>
             </a:extLst>
           </p:cNvPr>
@@ -8728,8 +8965,8 @@
         </p:nvSpPr>
         <p:spPr>
           <a:xfrm>
-            <a:off x="9723309" y="2677846"/>
-            <a:ext cx="1154483" cy="369332"/>
+            <a:off x="816650" y="4466338"/>
+            <a:ext cx="1069203" cy="923330"/>
           </a:xfrm>
           <a:prstGeom prst="rect">
             <a:avLst/>
@@ -8742,41 +8979,394 @@
           </a:bodyPr>
           <a:lstStyle/>
           <a:p>
+            <a:pPr algn="ctr"/>
             <a:r>
               <a:rPr lang="en-US" dirty="0"/>
-              <a:t>S = 0.0145</a:t>
+              <a:t>Spike 2</a:t>
+            </a:r>
+          </a:p>
+          <a:p>
+            <a:pPr algn="ctr"/>
+            <a:r>
+              <a:rPr lang="en-US" dirty="0"/>
+              <a:t>to</a:t>
+            </a:r>
+          </a:p>
+          <a:p>
+            <a:pPr algn="ctr"/>
+            <a:r>
+              <a:rPr lang="en-US" dirty="0"/>
+              <a:t>Current 2</a:t>
             </a:r>
           </a:p>
         </p:txBody>
       </p:sp>
       <p:sp>
         <p:nvSpPr>
-          <p:cNvPr id="11" name="Title 10">
-            <a:extLst>
-              <a:ext uri="{FF2B5EF4-FFF2-40B4-BE49-F238E27FC236}">
-                <a16:creationId xmlns:a16="http://schemas.microsoft.com/office/drawing/2014/main" id="{DDC1B28A-C6CA-4BBD-93D5-D70FAADC18D2}"/>
-              </a:ext>
-            </a:extLst>
-          </p:cNvPr>
-          <p:cNvSpPr>
-            <a:spLocks noGrp="1"/>
-          </p:cNvSpPr>
-          <p:nvPr>
-            <p:ph type="title"/>
-          </p:nvPr>
+          <p:cNvPr id="27" name="TextBox 26">
+            <a:extLst>
+              <a:ext uri="{FF2B5EF4-FFF2-40B4-BE49-F238E27FC236}">
+                <a16:creationId xmlns:a16="http://schemas.microsoft.com/office/drawing/2014/main" id="{A04486C4-1907-43C5-B4EC-AEDF86C8A3EE}"/>
+              </a:ext>
+            </a:extLst>
+          </p:cNvPr>
+          <p:cNvSpPr txBox="1"/>
+          <p:nvPr/>
         </p:nvSpPr>
-        <p:spPr/>
+        <p:spPr>
+          <a:xfrm>
+            <a:off x="10038654" y="4466338"/>
+            <a:ext cx="1308500" cy="1200329"/>
+          </a:xfrm>
+          <a:prstGeom prst="rect">
+            <a:avLst/>
+          </a:prstGeom>
+          <a:noFill/>
+        </p:spPr>
         <p:txBody>
-          <a:bodyPr/>
+          <a:bodyPr wrap="none" rtlCol="0">
+            <a:spAutoFit/>
+          </a:bodyPr>
           <a:lstStyle/>
           <a:p>
+            <a:pPr algn="ctr"/>
+            <a:r>
+              <a:rPr lang="en-US" b="1" i="1" dirty="0"/>
+              <a:t>Mutual info</a:t>
+            </a:r>
+          </a:p>
+          <a:p>
+            <a:pPr algn="ctr"/>
             <a:r>
               <a:rPr lang="en-US" dirty="0"/>
-              <a:t>Mutual information from 2 to 1</a:t>
+              <a:t>Spike 2</a:t>
+            </a:r>
+          </a:p>
+          <a:p>
+            <a:pPr algn="ctr"/>
+            <a:r>
+              <a:rPr lang="en-US" dirty="0"/>
+              <a:t>to</a:t>
+            </a:r>
+          </a:p>
+          <a:p>
+            <a:pPr algn="ctr"/>
+            <a:r>
+              <a:rPr lang="en-US" dirty="0"/>
+              <a:t>Current 1</a:t>
             </a:r>
           </a:p>
         </p:txBody>
       </p:sp>
+      <p:graphicFrame>
+        <p:nvGraphicFramePr>
+          <p:cNvPr id="12" name="Content Placeholder 3">
+            <a:extLst>
+              <a:ext uri="{FF2B5EF4-FFF2-40B4-BE49-F238E27FC236}">
+                <a16:creationId xmlns:a16="http://schemas.microsoft.com/office/drawing/2014/main" id="{2ED7BC4A-8A93-421C-A2AE-7328212B7780}"/>
+              </a:ext>
+            </a:extLst>
+          </p:cNvPr>
+          <p:cNvGraphicFramePr>
+            <a:graphicFrameLocks/>
+          </p:cNvGraphicFramePr>
+          <p:nvPr>
+            <p:extLst>
+              <p:ext uri="{D42A27DB-BD31-4B8C-83A1-F6EECF244321}">
+                <p14:modId xmlns:p14="http://schemas.microsoft.com/office/powerpoint/2010/main" val="1850475652"/>
+              </p:ext>
+            </p:extLst>
+          </p:nvPr>
+        </p:nvGraphicFramePr>
+        <p:xfrm>
+          <a:off x="2797199" y="78813"/>
+          <a:ext cx="6195186" cy="1112520"/>
+        </p:xfrm>
+        <a:graphic>
+          <a:graphicData uri="http://schemas.openxmlformats.org/drawingml/2006/table">
+            <a:tbl>
+              <a:tblPr firstCol="1" bandRow="1">
+                <a:tableStyleId>{5C22544A-7EE6-4342-B048-85BDC9FD1C3A}</a:tableStyleId>
+              </a:tblPr>
+              <a:tblGrid>
+                <a:gridCol w="1692180">
+                  <a:extLst>
+                    <a:ext uri="{9D8B030D-6E8A-4147-A177-3AD203B41FA5}">
+                      <a16:colId xmlns:a16="http://schemas.microsoft.com/office/drawing/2014/main" val="3268484080"/>
+                    </a:ext>
+                  </a:extLst>
+                </a:gridCol>
+                <a:gridCol w="1501002">
+                  <a:extLst>
+                    <a:ext uri="{9D8B030D-6E8A-4147-A177-3AD203B41FA5}">
+                      <a16:colId xmlns:a16="http://schemas.microsoft.com/office/drawing/2014/main" val="166075053"/>
+                    </a:ext>
+                  </a:extLst>
+                </a:gridCol>
+                <a:gridCol w="1501002">
+                  <a:extLst>
+                    <a:ext uri="{9D8B030D-6E8A-4147-A177-3AD203B41FA5}">
+                      <a16:colId xmlns:a16="http://schemas.microsoft.com/office/drawing/2014/main" val="993832347"/>
+                    </a:ext>
+                  </a:extLst>
+                </a:gridCol>
+                <a:gridCol w="1501002">
+                  <a:extLst>
+                    <a:ext uri="{9D8B030D-6E8A-4147-A177-3AD203B41FA5}">
+                      <a16:colId xmlns:a16="http://schemas.microsoft.com/office/drawing/2014/main" val="3420926079"/>
+                    </a:ext>
+                  </a:extLst>
+                </a:gridCol>
+              </a:tblGrid>
+              <a:tr h="370840">
+                <a:tc>
+                  <a:txBody>
+                    <a:bodyPr/>
+                    <a:lstStyle/>
+                    <a:p>
+                      <a:r>
+                        <a:rPr lang="en-US" dirty="0"/>
+                        <a:t>Poisson Rate</a:t>
+                      </a:r>
+                    </a:p>
+                  </a:txBody>
+                  <a:tcPr/>
+                </a:tc>
+                <a:tc>
+                  <a:txBody>
+                    <a:bodyPr/>
+                    <a:lstStyle/>
+                    <a:p>
+                      <a:r>
+                        <a:rPr lang="en-US" dirty="0"/>
+                        <a:t>1.5 kHz</a:t>
+                      </a:r>
+                    </a:p>
+                  </a:txBody>
+                  <a:tcPr/>
+                </a:tc>
+                <a:tc>
+                  <a:txBody>
+                    <a:bodyPr/>
+                    <a:lstStyle/>
+                    <a:p>
+                      <a:r>
+                        <a:rPr lang="en-US" dirty="0" err="1">
+                          <a:solidFill>
+                            <a:schemeClr val="bg1"/>
+                          </a:solidFill>
+                        </a:rPr>
+                        <a:t>dt</a:t>
+                      </a:r>
+                      <a:endParaRPr lang="en-US" dirty="0">
+                        <a:solidFill>
+                          <a:schemeClr val="bg1"/>
+                        </a:solidFill>
+                      </a:endParaRPr>
+                    </a:p>
+                  </a:txBody>
+                  <a:tcPr>
+                    <a:solidFill>
+                      <a:srgbClr val="4472C4"/>
+                    </a:solidFill>
+                  </a:tcPr>
+                </a:tc>
+                <a:tc>
+                  <a:txBody>
+                    <a:bodyPr/>
+                    <a:lstStyle/>
+                    <a:p>
+                      <a:r>
+                        <a:rPr lang="en-US" dirty="0"/>
+                        <a:t>0.5ms</a:t>
+                      </a:r>
+                    </a:p>
+                  </a:txBody>
+                  <a:tcPr/>
+                </a:tc>
+                <a:extLst>
+                  <a:ext uri="{0D108BD9-81ED-4DB2-BD59-A6C34878D82A}">
+                    <a16:rowId xmlns:a16="http://schemas.microsoft.com/office/drawing/2014/main" val="2301672924"/>
+                  </a:ext>
+                </a:extLst>
+              </a:tr>
+              <a:tr h="370840">
+                <a:tc>
+                  <a:txBody>
+                    <a:bodyPr/>
+                    <a:lstStyle/>
+                    <a:p>
+                      <a:pPr marL="0" marR="0" lvl="0" indent="0" algn="l" defTabSz="457200" rtl="0" eaLnBrk="1" fontAlgn="auto" latinLnBrk="0" hangingPunct="1">
+                        <a:lnSpc>
+                          <a:spcPct val="100000"/>
+                        </a:lnSpc>
+                        <a:spcBef>
+                          <a:spcPts val="0"/>
+                        </a:spcBef>
+                        <a:spcAft>
+                          <a:spcPts val="0"/>
+                        </a:spcAft>
+                        <a:buClrTx/>
+                        <a:buSzTx/>
+                        <a:buFontTx/>
+                        <a:buNone/>
+                        <a:tabLst/>
+                        <a:defRPr/>
+                      </a:pPr>
+                      <a:r>
+                        <a:rPr lang="en-US" dirty="0"/>
+                        <a:t>S</a:t>
+                      </a:r>
+                    </a:p>
+                  </a:txBody>
+                  <a:tcPr/>
+                </a:tc>
+                <a:tc>
+                  <a:txBody>
+                    <a:bodyPr/>
+                    <a:lstStyle/>
+                    <a:p>
+                      <a:r>
+                        <a:rPr lang="en-US" dirty="0"/>
+                        <a:t>0.0</a:t>
+                      </a:r>
+                      <a:r>
+                        <a:rPr lang="en-US" altLang="zh-CN" dirty="0"/>
+                        <a:t>05</a:t>
+                      </a:r>
+                      <a:endParaRPr lang="en-US" dirty="0"/>
+                    </a:p>
+                  </a:txBody>
+                  <a:tcPr/>
+                </a:tc>
+                <a:tc>
+                  <a:txBody>
+                    <a:bodyPr/>
+                    <a:lstStyle/>
+                    <a:p>
+                      <a:r>
+                        <a:rPr lang="en-US" dirty="0">
+                          <a:solidFill>
+                            <a:schemeClr val="bg1"/>
+                          </a:solidFill>
+                        </a:rPr>
+                        <a:t>#bins</a:t>
+                      </a:r>
+                    </a:p>
+                  </a:txBody>
+                  <a:tcPr>
+                    <a:solidFill>
+                      <a:srgbClr val="4472C4"/>
+                    </a:solidFill>
+                  </a:tcPr>
+                </a:tc>
+                <a:tc>
+                  <a:txBody>
+                    <a:bodyPr/>
+                    <a:lstStyle/>
+                    <a:p>
+                      <a:r>
+                        <a:rPr lang="en-US" dirty="0"/>
+                        <a:t>20</a:t>
+                      </a:r>
+                    </a:p>
+                  </a:txBody>
+                  <a:tcPr/>
+                </a:tc>
+                <a:extLst>
+                  <a:ext uri="{0D108BD9-81ED-4DB2-BD59-A6C34878D82A}">
+                    <a16:rowId xmlns:a16="http://schemas.microsoft.com/office/drawing/2014/main" val="2811489138"/>
+                  </a:ext>
+                </a:extLst>
+              </a:tr>
+              <a:tr h="370840">
+                <a:tc>
+                  <a:txBody>
+                    <a:bodyPr/>
+                    <a:lstStyle/>
+                    <a:p>
+                      <a:pPr marL="0" marR="0" lvl="0" indent="0" algn="l" defTabSz="457200" rtl="0" eaLnBrk="1" fontAlgn="auto" latinLnBrk="0" hangingPunct="1">
+                        <a:lnSpc>
+                          <a:spcPct val="100000"/>
+                        </a:lnSpc>
+                        <a:spcBef>
+                          <a:spcPts val="0"/>
+                        </a:spcBef>
+                        <a:spcAft>
+                          <a:spcPts val="0"/>
+                        </a:spcAft>
+                        <a:buClrTx/>
+                        <a:buSzTx/>
+                        <a:buFontTx/>
+                        <a:buNone/>
+                        <a:tabLst/>
+                        <a:defRPr/>
+                      </a:pPr>
+                      <a:r>
+                        <a:rPr lang="en-US" dirty="0"/>
+                        <a:t>F</a:t>
+                      </a:r>
+                    </a:p>
+                  </a:txBody>
+                  <a:tcPr/>
+                </a:tc>
+                <a:tc>
+                  <a:txBody>
+                    <a:bodyPr/>
+                    <a:lstStyle/>
+                    <a:p>
+                      <a:r>
+                        <a:rPr lang="en-US" dirty="0"/>
+                        <a:t>0.005</a:t>
+                      </a:r>
+                    </a:p>
+                  </a:txBody>
+                  <a:tcPr/>
+                </a:tc>
+                <a:tc>
+                  <a:txBody>
+                    <a:bodyPr/>
+                    <a:lstStyle/>
+                    <a:p>
+                      <a:r>
+                        <a:rPr lang="en-US" dirty="0">
+                          <a:solidFill>
+                            <a:schemeClr val="bg1"/>
+                          </a:solidFill>
+                        </a:rPr>
+                        <a:t>T</a:t>
+                      </a:r>
+                    </a:p>
+                  </a:txBody>
+                  <a:tcPr>
+                    <a:solidFill>
+                      <a:srgbClr val="4472C4"/>
+                    </a:solidFill>
+                  </a:tcPr>
+                </a:tc>
+                <a:tc>
+                  <a:txBody>
+                    <a:bodyPr/>
+                    <a:lstStyle/>
+                    <a:p>
+                      <a:r>
+                        <a:rPr lang="en-US" dirty="0"/>
+                        <a:t>10mins</a:t>
+                      </a:r>
+                    </a:p>
+                  </a:txBody>
+                  <a:tcPr/>
+                </a:tc>
+                <a:extLst>
+                  <a:ext uri="{0D108BD9-81ED-4DB2-BD59-A6C34878D82A}">
+                    <a16:rowId xmlns:a16="http://schemas.microsoft.com/office/drawing/2014/main" val="1797357136"/>
+                  </a:ext>
+                </a:extLst>
+              </a:tr>
+            </a:tbl>
+          </a:graphicData>
+        </a:graphic>
+      </p:graphicFrame>
     </p:spTree>
     <p:extLst>
       <p:ext uri="{BB962C8B-B14F-4D97-AF65-F5344CB8AC3E}">
@@ -8791,6 +9381,1041 @@
 </file>
 
 <file path=ppt/slides/slide22.xml><?xml version="1.0" encoding="utf-8"?>
+<p:sld xmlns:a="http://schemas.openxmlformats.org/drawingml/2006/main" xmlns:r="http://schemas.openxmlformats.org/officeDocument/2006/relationships" xmlns:p="http://schemas.openxmlformats.org/presentationml/2006/main">
+  <p:cSld>
+    <p:spTree>
+      <p:nvGrpSpPr>
+        <p:cNvPr id="1" name=""/>
+        <p:cNvGrpSpPr/>
+        <p:nvPr/>
+      </p:nvGrpSpPr>
+      <p:grpSpPr>
+        <a:xfrm>
+          <a:off x="0" y="0"/>
+          <a:ext cx="0" cy="0"/>
+          <a:chOff x="0" y="0"/>
+          <a:chExt cx="0" cy="0"/>
+        </a:xfrm>
+      </p:grpSpPr>
+      <p:pic>
+        <p:nvPicPr>
+          <p:cNvPr id="17" name="Picture 16">
+            <a:extLst>
+              <a:ext uri="{FF2B5EF4-FFF2-40B4-BE49-F238E27FC236}">
+                <a16:creationId xmlns:a16="http://schemas.microsoft.com/office/drawing/2014/main" id="{A5A0E561-DA0A-4FED-83FC-253A039D21B7}"/>
+              </a:ext>
+            </a:extLst>
+          </p:cNvPr>
+          <p:cNvPicPr>
+            <a:picLocks noChangeAspect="1"/>
+          </p:cNvPicPr>
+          <p:nvPr/>
+        </p:nvPicPr>
+        <p:blipFill>
+          <a:blip r:embed="rId2"/>
+          <a:stretch>
+            <a:fillRect/>
+          </a:stretch>
+        </p:blipFill>
+        <p:spPr>
+          <a:xfrm>
+            <a:off x="6571192" y="3762074"/>
+            <a:ext cx="3526150" cy="2644613"/>
+          </a:xfrm>
+          <a:prstGeom prst="rect">
+            <a:avLst/>
+          </a:prstGeom>
+        </p:spPr>
+      </p:pic>
+      <p:pic>
+        <p:nvPicPr>
+          <p:cNvPr id="19" name="Picture 18">
+            <a:extLst>
+              <a:ext uri="{FF2B5EF4-FFF2-40B4-BE49-F238E27FC236}">
+                <a16:creationId xmlns:a16="http://schemas.microsoft.com/office/drawing/2014/main" id="{D29F4254-2E63-4B37-93C4-CD160D628CBB}"/>
+              </a:ext>
+            </a:extLst>
+          </p:cNvPr>
+          <p:cNvPicPr>
+            <a:picLocks noChangeAspect="1"/>
+          </p:cNvPicPr>
+          <p:nvPr/>
+        </p:nvPicPr>
+        <p:blipFill>
+          <a:blip r:embed="rId3"/>
+          <a:stretch>
+            <a:fillRect/>
+          </a:stretch>
+        </p:blipFill>
+        <p:spPr>
+          <a:xfrm>
+            <a:off x="6571193" y="1191333"/>
+            <a:ext cx="3526150" cy="2644613"/>
+          </a:xfrm>
+          <a:prstGeom prst="rect">
+            <a:avLst/>
+          </a:prstGeom>
+        </p:spPr>
+      </p:pic>
+      <p:pic>
+        <p:nvPicPr>
+          <p:cNvPr id="21" name="Picture 20">
+            <a:extLst>
+              <a:ext uri="{FF2B5EF4-FFF2-40B4-BE49-F238E27FC236}">
+                <a16:creationId xmlns:a16="http://schemas.microsoft.com/office/drawing/2014/main" id="{B44A4C9F-7E45-4F21-80FA-8FD589D48A27}"/>
+              </a:ext>
+            </a:extLst>
+          </p:cNvPr>
+          <p:cNvPicPr>
+            <a:picLocks noChangeAspect="1"/>
+          </p:cNvPicPr>
+          <p:nvPr/>
+        </p:nvPicPr>
+        <p:blipFill>
+          <a:blip r:embed="rId4"/>
+          <a:stretch>
+            <a:fillRect/>
+          </a:stretch>
+        </p:blipFill>
+        <p:spPr>
+          <a:xfrm>
+            <a:off x="2198480" y="1191333"/>
+            <a:ext cx="3526150" cy="2644613"/>
+          </a:xfrm>
+          <a:prstGeom prst="rect">
+            <a:avLst/>
+          </a:prstGeom>
+        </p:spPr>
+      </p:pic>
+      <p:pic>
+        <p:nvPicPr>
+          <p:cNvPr id="23" name="Picture 22">
+            <a:extLst>
+              <a:ext uri="{FF2B5EF4-FFF2-40B4-BE49-F238E27FC236}">
+                <a16:creationId xmlns:a16="http://schemas.microsoft.com/office/drawing/2014/main" id="{718BBF4E-A975-4E20-AD0F-DAAC5E9AD7F4}"/>
+              </a:ext>
+            </a:extLst>
+          </p:cNvPr>
+          <p:cNvPicPr>
+            <a:picLocks noChangeAspect="1"/>
+          </p:cNvPicPr>
+          <p:nvPr/>
+        </p:nvPicPr>
+        <p:blipFill>
+          <a:blip r:embed="rId5"/>
+          <a:stretch>
+            <a:fillRect/>
+          </a:stretch>
+        </p:blipFill>
+        <p:spPr>
+          <a:xfrm>
+            <a:off x="2200839" y="3763842"/>
+            <a:ext cx="3523516" cy="2642636"/>
+          </a:xfrm>
+          <a:prstGeom prst="rect">
+            <a:avLst/>
+          </a:prstGeom>
+        </p:spPr>
+      </p:pic>
+      <p:sp>
+        <p:nvSpPr>
+          <p:cNvPr id="24" name="TextBox 23">
+            <a:extLst>
+              <a:ext uri="{FF2B5EF4-FFF2-40B4-BE49-F238E27FC236}">
+                <a16:creationId xmlns:a16="http://schemas.microsoft.com/office/drawing/2014/main" id="{FBB180FC-F9E3-422B-BA71-F07ADA681700}"/>
+              </a:ext>
+            </a:extLst>
+          </p:cNvPr>
+          <p:cNvSpPr txBox="1"/>
+          <p:nvPr/>
+        </p:nvSpPr>
+        <p:spPr>
+          <a:xfrm>
+            <a:off x="816651" y="2026236"/>
+            <a:ext cx="1069203" cy="923330"/>
+          </a:xfrm>
+          <a:prstGeom prst="rect">
+            <a:avLst/>
+          </a:prstGeom>
+          <a:noFill/>
+        </p:spPr>
+        <p:txBody>
+          <a:bodyPr wrap="none" rtlCol="0">
+            <a:spAutoFit/>
+          </a:bodyPr>
+          <a:lstStyle/>
+          <a:p>
+            <a:pPr algn="ctr"/>
+            <a:r>
+              <a:rPr lang="en-US" dirty="0"/>
+              <a:t>Spike 2</a:t>
+            </a:r>
+          </a:p>
+          <a:p>
+            <a:pPr algn="ctr"/>
+            <a:r>
+              <a:rPr lang="en-US" dirty="0"/>
+              <a:t>to</a:t>
+            </a:r>
+          </a:p>
+          <a:p>
+            <a:pPr algn="ctr"/>
+            <a:r>
+              <a:rPr lang="en-US" dirty="0"/>
+              <a:t>Current 1</a:t>
+            </a:r>
+          </a:p>
+        </p:txBody>
+      </p:sp>
+      <p:sp>
+        <p:nvSpPr>
+          <p:cNvPr id="25" name="TextBox 24">
+            <a:extLst>
+              <a:ext uri="{FF2B5EF4-FFF2-40B4-BE49-F238E27FC236}">
+                <a16:creationId xmlns:a16="http://schemas.microsoft.com/office/drawing/2014/main" id="{2D5F9B02-5443-49B5-9533-126F70D4B026}"/>
+              </a:ext>
+            </a:extLst>
+          </p:cNvPr>
+          <p:cNvSpPr txBox="1"/>
+          <p:nvPr/>
+        </p:nvSpPr>
+        <p:spPr>
+          <a:xfrm>
+            <a:off x="10038655" y="2230755"/>
+            <a:ext cx="1069203" cy="923330"/>
+          </a:xfrm>
+          <a:prstGeom prst="rect">
+            <a:avLst/>
+          </a:prstGeom>
+          <a:noFill/>
+        </p:spPr>
+        <p:txBody>
+          <a:bodyPr wrap="none" rtlCol="0">
+            <a:spAutoFit/>
+          </a:bodyPr>
+          <a:lstStyle/>
+          <a:p>
+            <a:pPr algn="ctr"/>
+            <a:r>
+              <a:rPr lang="en-US" dirty="0"/>
+              <a:t>Current 2</a:t>
+            </a:r>
+          </a:p>
+          <a:p>
+            <a:pPr algn="ctr"/>
+            <a:r>
+              <a:rPr lang="en-US" dirty="0"/>
+              <a:t>to</a:t>
+            </a:r>
+          </a:p>
+          <a:p>
+            <a:pPr algn="ctr"/>
+            <a:r>
+              <a:rPr lang="en-US" dirty="0"/>
+              <a:t>Current 1</a:t>
+            </a:r>
+          </a:p>
+        </p:txBody>
+      </p:sp>
+      <p:sp>
+        <p:nvSpPr>
+          <p:cNvPr id="26" name="TextBox 25">
+            <a:extLst>
+              <a:ext uri="{FF2B5EF4-FFF2-40B4-BE49-F238E27FC236}">
+                <a16:creationId xmlns:a16="http://schemas.microsoft.com/office/drawing/2014/main" id="{B8E54A6A-C03C-4752-8F0D-70F7D269D361}"/>
+              </a:ext>
+            </a:extLst>
+          </p:cNvPr>
+          <p:cNvSpPr txBox="1"/>
+          <p:nvPr/>
+        </p:nvSpPr>
+        <p:spPr>
+          <a:xfrm>
+            <a:off x="816650" y="4466338"/>
+            <a:ext cx="1069203" cy="923330"/>
+          </a:xfrm>
+          <a:prstGeom prst="rect">
+            <a:avLst/>
+          </a:prstGeom>
+          <a:noFill/>
+        </p:spPr>
+        <p:txBody>
+          <a:bodyPr wrap="none" rtlCol="0">
+            <a:spAutoFit/>
+          </a:bodyPr>
+          <a:lstStyle/>
+          <a:p>
+            <a:pPr algn="ctr"/>
+            <a:r>
+              <a:rPr lang="en-US" dirty="0"/>
+              <a:t>Spike 2</a:t>
+            </a:r>
+          </a:p>
+          <a:p>
+            <a:pPr algn="ctr"/>
+            <a:r>
+              <a:rPr lang="en-US" dirty="0"/>
+              <a:t>to</a:t>
+            </a:r>
+          </a:p>
+          <a:p>
+            <a:pPr algn="ctr"/>
+            <a:r>
+              <a:rPr lang="en-US" dirty="0"/>
+              <a:t>Current 2</a:t>
+            </a:r>
+          </a:p>
+        </p:txBody>
+      </p:sp>
+      <p:sp>
+        <p:nvSpPr>
+          <p:cNvPr id="27" name="TextBox 26">
+            <a:extLst>
+              <a:ext uri="{FF2B5EF4-FFF2-40B4-BE49-F238E27FC236}">
+                <a16:creationId xmlns:a16="http://schemas.microsoft.com/office/drawing/2014/main" id="{A04486C4-1907-43C5-B4EC-AEDF86C8A3EE}"/>
+              </a:ext>
+            </a:extLst>
+          </p:cNvPr>
+          <p:cNvSpPr txBox="1"/>
+          <p:nvPr/>
+        </p:nvSpPr>
+        <p:spPr>
+          <a:xfrm>
+            <a:off x="10038654" y="4466338"/>
+            <a:ext cx="1308500" cy="1200329"/>
+          </a:xfrm>
+          <a:prstGeom prst="rect">
+            <a:avLst/>
+          </a:prstGeom>
+          <a:noFill/>
+        </p:spPr>
+        <p:txBody>
+          <a:bodyPr wrap="none" rtlCol="0">
+            <a:spAutoFit/>
+          </a:bodyPr>
+          <a:lstStyle/>
+          <a:p>
+            <a:pPr algn="ctr"/>
+            <a:r>
+              <a:rPr lang="en-US" b="1" i="1" dirty="0"/>
+              <a:t>Mutual info</a:t>
+            </a:r>
+          </a:p>
+          <a:p>
+            <a:pPr algn="ctr"/>
+            <a:r>
+              <a:rPr lang="en-US" dirty="0"/>
+              <a:t>Spike 2</a:t>
+            </a:r>
+          </a:p>
+          <a:p>
+            <a:pPr algn="ctr"/>
+            <a:r>
+              <a:rPr lang="en-US" dirty="0"/>
+              <a:t>to</a:t>
+            </a:r>
+          </a:p>
+          <a:p>
+            <a:pPr algn="ctr"/>
+            <a:r>
+              <a:rPr lang="en-US" dirty="0"/>
+              <a:t>Current 1</a:t>
+            </a:r>
+          </a:p>
+        </p:txBody>
+      </p:sp>
+      <p:graphicFrame>
+        <p:nvGraphicFramePr>
+          <p:cNvPr id="12" name="Content Placeholder 3">
+            <a:extLst>
+              <a:ext uri="{FF2B5EF4-FFF2-40B4-BE49-F238E27FC236}">
+                <a16:creationId xmlns:a16="http://schemas.microsoft.com/office/drawing/2014/main" id="{2ED7BC4A-8A93-421C-A2AE-7328212B7780}"/>
+              </a:ext>
+            </a:extLst>
+          </p:cNvPr>
+          <p:cNvGraphicFramePr>
+            <a:graphicFrameLocks/>
+          </p:cNvGraphicFramePr>
+          <p:nvPr>
+            <p:extLst>
+              <p:ext uri="{D42A27DB-BD31-4B8C-83A1-F6EECF244321}">
+                <p14:modId xmlns:p14="http://schemas.microsoft.com/office/powerpoint/2010/main" val="1126323339"/>
+              </p:ext>
+            </p:extLst>
+          </p:nvPr>
+        </p:nvGraphicFramePr>
+        <p:xfrm>
+          <a:off x="2797199" y="78813"/>
+          <a:ext cx="6195186" cy="1112520"/>
+        </p:xfrm>
+        <a:graphic>
+          <a:graphicData uri="http://schemas.openxmlformats.org/drawingml/2006/table">
+            <a:tbl>
+              <a:tblPr firstCol="1" bandRow="1">
+                <a:tableStyleId>{5C22544A-7EE6-4342-B048-85BDC9FD1C3A}</a:tableStyleId>
+              </a:tblPr>
+              <a:tblGrid>
+                <a:gridCol w="1692180">
+                  <a:extLst>
+                    <a:ext uri="{9D8B030D-6E8A-4147-A177-3AD203B41FA5}">
+                      <a16:colId xmlns:a16="http://schemas.microsoft.com/office/drawing/2014/main" val="3268484080"/>
+                    </a:ext>
+                  </a:extLst>
+                </a:gridCol>
+                <a:gridCol w="1501002">
+                  <a:extLst>
+                    <a:ext uri="{9D8B030D-6E8A-4147-A177-3AD203B41FA5}">
+                      <a16:colId xmlns:a16="http://schemas.microsoft.com/office/drawing/2014/main" val="166075053"/>
+                    </a:ext>
+                  </a:extLst>
+                </a:gridCol>
+                <a:gridCol w="1501002">
+                  <a:extLst>
+                    <a:ext uri="{9D8B030D-6E8A-4147-A177-3AD203B41FA5}">
+                      <a16:colId xmlns:a16="http://schemas.microsoft.com/office/drawing/2014/main" val="993832347"/>
+                    </a:ext>
+                  </a:extLst>
+                </a:gridCol>
+                <a:gridCol w="1501002">
+                  <a:extLst>
+                    <a:ext uri="{9D8B030D-6E8A-4147-A177-3AD203B41FA5}">
+                      <a16:colId xmlns:a16="http://schemas.microsoft.com/office/drawing/2014/main" val="3420926079"/>
+                    </a:ext>
+                  </a:extLst>
+                </a:gridCol>
+              </a:tblGrid>
+              <a:tr h="370840">
+                <a:tc>
+                  <a:txBody>
+                    <a:bodyPr/>
+                    <a:lstStyle/>
+                    <a:p>
+                      <a:r>
+                        <a:rPr lang="en-US" dirty="0"/>
+                        <a:t>Poisson Rate</a:t>
+                      </a:r>
+                    </a:p>
+                  </a:txBody>
+                  <a:tcPr/>
+                </a:tc>
+                <a:tc>
+                  <a:txBody>
+                    <a:bodyPr/>
+                    <a:lstStyle/>
+                    <a:p>
+                      <a:r>
+                        <a:rPr lang="en-US" dirty="0"/>
+                        <a:t>0.1 kHz</a:t>
+                      </a:r>
+                    </a:p>
+                  </a:txBody>
+                  <a:tcPr/>
+                </a:tc>
+                <a:tc>
+                  <a:txBody>
+                    <a:bodyPr/>
+                    <a:lstStyle/>
+                    <a:p>
+                      <a:r>
+                        <a:rPr lang="en-US" dirty="0" err="1">
+                          <a:solidFill>
+                            <a:schemeClr val="bg1"/>
+                          </a:solidFill>
+                        </a:rPr>
+                        <a:t>dt</a:t>
+                      </a:r>
+                      <a:endParaRPr lang="en-US" dirty="0">
+                        <a:solidFill>
+                          <a:schemeClr val="bg1"/>
+                        </a:solidFill>
+                      </a:endParaRPr>
+                    </a:p>
+                  </a:txBody>
+                  <a:tcPr>
+                    <a:solidFill>
+                      <a:srgbClr val="4472C4"/>
+                    </a:solidFill>
+                  </a:tcPr>
+                </a:tc>
+                <a:tc>
+                  <a:txBody>
+                    <a:bodyPr/>
+                    <a:lstStyle/>
+                    <a:p>
+                      <a:r>
+                        <a:rPr lang="en-US" dirty="0"/>
+                        <a:t>0.5ms</a:t>
+                      </a:r>
+                    </a:p>
+                  </a:txBody>
+                  <a:tcPr/>
+                </a:tc>
+                <a:extLst>
+                  <a:ext uri="{0D108BD9-81ED-4DB2-BD59-A6C34878D82A}">
+                    <a16:rowId xmlns:a16="http://schemas.microsoft.com/office/drawing/2014/main" val="2301672924"/>
+                  </a:ext>
+                </a:extLst>
+              </a:tr>
+              <a:tr h="370840">
+                <a:tc>
+                  <a:txBody>
+                    <a:bodyPr/>
+                    <a:lstStyle/>
+                    <a:p>
+                      <a:pPr marL="0" marR="0" lvl="0" indent="0" algn="l" defTabSz="457200" rtl="0" eaLnBrk="1" fontAlgn="auto" latinLnBrk="0" hangingPunct="1">
+                        <a:lnSpc>
+                          <a:spcPct val="100000"/>
+                        </a:lnSpc>
+                        <a:spcBef>
+                          <a:spcPts val="0"/>
+                        </a:spcBef>
+                        <a:spcAft>
+                          <a:spcPts val="0"/>
+                        </a:spcAft>
+                        <a:buClrTx/>
+                        <a:buSzTx/>
+                        <a:buFontTx/>
+                        <a:buNone/>
+                        <a:tabLst/>
+                        <a:defRPr/>
+                      </a:pPr>
+                      <a:r>
+                        <a:rPr lang="en-US" dirty="0"/>
+                        <a:t>S</a:t>
+                      </a:r>
+                    </a:p>
+                  </a:txBody>
+                  <a:tcPr/>
+                </a:tc>
+                <a:tc>
+                  <a:txBody>
+                    <a:bodyPr/>
+                    <a:lstStyle/>
+                    <a:p>
+                      <a:r>
+                        <a:rPr lang="en-US" dirty="0"/>
+                        <a:t>0.0</a:t>
+                      </a:r>
+                      <a:r>
+                        <a:rPr lang="en-US" altLang="zh-CN" dirty="0"/>
+                        <a:t>05</a:t>
+                      </a:r>
+                      <a:endParaRPr lang="en-US" dirty="0"/>
+                    </a:p>
+                  </a:txBody>
+                  <a:tcPr/>
+                </a:tc>
+                <a:tc>
+                  <a:txBody>
+                    <a:bodyPr/>
+                    <a:lstStyle/>
+                    <a:p>
+                      <a:r>
+                        <a:rPr lang="en-US" dirty="0">
+                          <a:solidFill>
+                            <a:schemeClr val="bg1"/>
+                          </a:solidFill>
+                        </a:rPr>
+                        <a:t>#bins</a:t>
+                      </a:r>
+                    </a:p>
+                  </a:txBody>
+                  <a:tcPr>
+                    <a:solidFill>
+                      <a:srgbClr val="4472C4"/>
+                    </a:solidFill>
+                  </a:tcPr>
+                </a:tc>
+                <a:tc>
+                  <a:txBody>
+                    <a:bodyPr/>
+                    <a:lstStyle/>
+                    <a:p>
+                      <a:r>
+                        <a:rPr lang="en-US" dirty="0"/>
+                        <a:t>30</a:t>
+                      </a:r>
+                    </a:p>
+                  </a:txBody>
+                  <a:tcPr/>
+                </a:tc>
+                <a:extLst>
+                  <a:ext uri="{0D108BD9-81ED-4DB2-BD59-A6C34878D82A}">
+                    <a16:rowId xmlns:a16="http://schemas.microsoft.com/office/drawing/2014/main" val="2811489138"/>
+                  </a:ext>
+                </a:extLst>
+              </a:tr>
+              <a:tr h="370840">
+                <a:tc>
+                  <a:txBody>
+                    <a:bodyPr/>
+                    <a:lstStyle/>
+                    <a:p>
+                      <a:pPr marL="0" marR="0" lvl="0" indent="0" algn="l" defTabSz="457200" rtl="0" eaLnBrk="1" fontAlgn="auto" latinLnBrk="0" hangingPunct="1">
+                        <a:lnSpc>
+                          <a:spcPct val="100000"/>
+                        </a:lnSpc>
+                        <a:spcBef>
+                          <a:spcPts val="0"/>
+                        </a:spcBef>
+                        <a:spcAft>
+                          <a:spcPts val="0"/>
+                        </a:spcAft>
+                        <a:buClrTx/>
+                        <a:buSzTx/>
+                        <a:buFontTx/>
+                        <a:buNone/>
+                        <a:tabLst/>
+                        <a:defRPr/>
+                      </a:pPr>
+                      <a:r>
+                        <a:rPr lang="en-US" dirty="0"/>
+                        <a:t>F</a:t>
+                      </a:r>
+                    </a:p>
+                  </a:txBody>
+                  <a:tcPr/>
+                </a:tc>
+                <a:tc>
+                  <a:txBody>
+                    <a:bodyPr/>
+                    <a:lstStyle/>
+                    <a:p>
+                      <a:r>
+                        <a:rPr lang="en-US" dirty="0"/>
+                        <a:t>0.030</a:t>
+                      </a:r>
+                    </a:p>
+                  </a:txBody>
+                  <a:tcPr/>
+                </a:tc>
+                <a:tc>
+                  <a:txBody>
+                    <a:bodyPr/>
+                    <a:lstStyle/>
+                    <a:p>
+                      <a:r>
+                        <a:rPr lang="en-US" dirty="0">
+                          <a:solidFill>
+                            <a:schemeClr val="bg1"/>
+                          </a:solidFill>
+                        </a:rPr>
+                        <a:t>T</a:t>
+                      </a:r>
+                    </a:p>
+                  </a:txBody>
+                  <a:tcPr>
+                    <a:solidFill>
+                      <a:srgbClr val="4472C4"/>
+                    </a:solidFill>
+                  </a:tcPr>
+                </a:tc>
+                <a:tc>
+                  <a:txBody>
+                    <a:bodyPr/>
+                    <a:lstStyle/>
+                    <a:p>
+                      <a:r>
+                        <a:rPr lang="en-US" dirty="0"/>
+                        <a:t>10mins</a:t>
+                      </a:r>
+                    </a:p>
+                  </a:txBody>
+                  <a:tcPr/>
+                </a:tc>
+                <a:extLst>
+                  <a:ext uri="{0D108BD9-81ED-4DB2-BD59-A6C34878D82A}">
+                    <a16:rowId xmlns:a16="http://schemas.microsoft.com/office/drawing/2014/main" val="1797357136"/>
+                  </a:ext>
+                </a:extLst>
+              </a:tr>
+            </a:tbl>
+          </a:graphicData>
+        </a:graphic>
+      </p:graphicFrame>
+    </p:spTree>
+    <p:extLst>
+      <p:ext uri="{BB962C8B-B14F-4D97-AF65-F5344CB8AC3E}">
+        <p14:creationId xmlns:p14="http://schemas.microsoft.com/office/powerpoint/2010/main" val="2315177507"/>
+      </p:ext>
+    </p:extLst>
+  </p:cSld>
+  <p:clrMapOvr>
+    <a:masterClrMapping/>
+  </p:clrMapOvr>
+</p:sld>
+</file>
+
+<file path=ppt/slides/slide23.xml><?xml version="1.0" encoding="utf-8"?>
+<p:sld xmlns:a="http://schemas.openxmlformats.org/drawingml/2006/main" xmlns:r="http://schemas.openxmlformats.org/officeDocument/2006/relationships" xmlns:p="http://schemas.openxmlformats.org/presentationml/2006/main" show="0">
+  <p:cSld>
+    <p:spTree>
+      <p:nvGrpSpPr>
+        <p:cNvPr id="1" name=""/>
+        <p:cNvGrpSpPr/>
+        <p:nvPr/>
+      </p:nvGrpSpPr>
+      <p:grpSpPr>
+        <a:xfrm>
+          <a:off x="0" y="0"/>
+          <a:ext cx="0" cy="0"/>
+          <a:chOff x="0" y="0"/>
+          <a:chExt cx="0" cy="0"/>
+        </a:xfrm>
+      </p:grpSpPr>
+      <p:pic>
+        <p:nvPicPr>
+          <p:cNvPr id="4" name="Picture 3" descr="A screenshot of a cell phone&#10;&#10;Description generated with high confidence">
+            <a:extLst>
+              <a:ext uri="{FF2B5EF4-FFF2-40B4-BE49-F238E27FC236}">
+                <a16:creationId xmlns:a16="http://schemas.microsoft.com/office/drawing/2014/main" id="{517B7B45-FACC-49E1-BBD0-26BAB23BB449}"/>
+              </a:ext>
+            </a:extLst>
+          </p:cNvPr>
+          <p:cNvPicPr>
+            <a:picLocks noChangeAspect="1"/>
+          </p:cNvPicPr>
+          <p:nvPr/>
+        </p:nvPicPr>
+        <p:blipFill>
+          <a:blip r:embed="rId2"/>
+          <a:stretch>
+            <a:fillRect/>
+          </a:stretch>
+        </p:blipFill>
+        <p:spPr>
+          <a:xfrm>
+            <a:off x="2375918" y="1128795"/>
+            <a:ext cx="7315215" cy="5486411"/>
+          </a:xfrm>
+          <a:prstGeom prst="rect">
+            <a:avLst/>
+          </a:prstGeom>
+        </p:spPr>
+      </p:pic>
+      <p:graphicFrame>
+        <p:nvGraphicFramePr>
+          <p:cNvPr id="5" name="Content Placeholder 3">
+            <a:extLst>
+              <a:ext uri="{FF2B5EF4-FFF2-40B4-BE49-F238E27FC236}">
+                <a16:creationId xmlns:a16="http://schemas.microsoft.com/office/drawing/2014/main" id="{60872BAE-763B-43DA-A231-FD8C1EA158F8}"/>
+              </a:ext>
+            </a:extLst>
+          </p:cNvPr>
+          <p:cNvGraphicFramePr>
+            <a:graphicFrameLocks/>
+          </p:cNvGraphicFramePr>
+          <p:nvPr>
+            <p:extLst>
+              <p:ext uri="{D42A27DB-BD31-4B8C-83A1-F6EECF244321}">
+                <p14:modId xmlns:p14="http://schemas.microsoft.com/office/powerpoint/2010/main" val="409628521"/>
+              </p:ext>
+            </p:extLst>
+          </p:nvPr>
+        </p:nvGraphicFramePr>
+        <p:xfrm>
+          <a:off x="2935932" y="175364"/>
+          <a:ext cx="6195186" cy="1112520"/>
+        </p:xfrm>
+        <a:graphic>
+          <a:graphicData uri="http://schemas.openxmlformats.org/drawingml/2006/table">
+            <a:tbl>
+              <a:tblPr firstCol="1" bandRow="1">
+                <a:tableStyleId>{5C22544A-7EE6-4342-B048-85BDC9FD1C3A}</a:tableStyleId>
+              </a:tblPr>
+              <a:tblGrid>
+                <a:gridCol w="1692180">
+                  <a:extLst>
+                    <a:ext uri="{9D8B030D-6E8A-4147-A177-3AD203B41FA5}">
+                      <a16:colId xmlns:a16="http://schemas.microsoft.com/office/drawing/2014/main" val="3268484080"/>
+                    </a:ext>
+                  </a:extLst>
+                </a:gridCol>
+                <a:gridCol w="1501002">
+                  <a:extLst>
+                    <a:ext uri="{9D8B030D-6E8A-4147-A177-3AD203B41FA5}">
+                      <a16:colId xmlns:a16="http://schemas.microsoft.com/office/drawing/2014/main" val="166075053"/>
+                    </a:ext>
+                  </a:extLst>
+                </a:gridCol>
+                <a:gridCol w="1501002">
+                  <a:extLst>
+                    <a:ext uri="{9D8B030D-6E8A-4147-A177-3AD203B41FA5}">
+                      <a16:colId xmlns:a16="http://schemas.microsoft.com/office/drawing/2014/main" val="993832347"/>
+                    </a:ext>
+                  </a:extLst>
+                </a:gridCol>
+                <a:gridCol w="1501002">
+                  <a:extLst>
+                    <a:ext uri="{9D8B030D-6E8A-4147-A177-3AD203B41FA5}">
+                      <a16:colId xmlns:a16="http://schemas.microsoft.com/office/drawing/2014/main" val="3420926079"/>
+                    </a:ext>
+                  </a:extLst>
+                </a:gridCol>
+              </a:tblGrid>
+              <a:tr h="370840">
+                <a:tc>
+                  <a:txBody>
+                    <a:bodyPr/>
+                    <a:lstStyle/>
+                    <a:p>
+                      <a:r>
+                        <a:rPr lang="en-US" dirty="0"/>
+                        <a:t>Poisson Rate</a:t>
+                      </a:r>
+                    </a:p>
+                  </a:txBody>
+                  <a:tcPr/>
+                </a:tc>
+                <a:tc>
+                  <a:txBody>
+                    <a:bodyPr/>
+                    <a:lstStyle/>
+                    <a:p>
+                      <a:r>
+                        <a:rPr lang="en-US" dirty="0"/>
+                        <a:t>0.1 kHz</a:t>
+                      </a:r>
+                    </a:p>
+                  </a:txBody>
+                  <a:tcPr/>
+                </a:tc>
+                <a:tc>
+                  <a:txBody>
+                    <a:bodyPr/>
+                    <a:lstStyle/>
+                    <a:p>
+                      <a:r>
+                        <a:rPr lang="en-US" dirty="0" err="1">
+                          <a:solidFill>
+                            <a:schemeClr val="bg1"/>
+                          </a:solidFill>
+                        </a:rPr>
+                        <a:t>dt</a:t>
+                      </a:r>
+                      <a:endParaRPr lang="en-US" dirty="0">
+                        <a:solidFill>
+                          <a:schemeClr val="bg1"/>
+                        </a:solidFill>
+                      </a:endParaRPr>
+                    </a:p>
+                  </a:txBody>
+                  <a:tcPr>
+                    <a:solidFill>
+                      <a:srgbClr val="4472C4"/>
+                    </a:solidFill>
+                  </a:tcPr>
+                </a:tc>
+                <a:tc>
+                  <a:txBody>
+                    <a:bodyPr/>
+                    <a:lstStyle/>
+                    <a:p>
+                      <a:r>
+                        <a:rPr lang="en-US" dirty="0"/>
+                        <a:t>0.5ms</a:t>
+                      </a:r>
+                    </a:p>
+                  </a:txBody>
+                  <a:tcPr/>
+                </a:tc>
+                <a:extLst>
+                  <a:ext uri="{0D108BD9-81ED-4DB2-BD59-A6C34878D82A}">
+                    <a16:rowId xmlns:a16="http://schemas.microsoft.com/office/drawing/2014/main" val="2301672924"/>
+                  </a:ext>
+                </a:extLst>
+              </a:tr>
+              <a:tr h="370840">
+                <a:tc>
+                  <a:txBody>
+                    <a:bodyPr/>
+                    <a:lstStyle/>
+                    <a:p>
+                      <a:pPr marL="0" marR="0" lvl="0" indent="0" algn="l" defTabSz="457200" rtl="0" eaLnBrk="1" fontAlgn="auto" latinLnBrk="0" hangingPunct="1">
+                        <a:lnSpc>
+                          <a:spcPct val="100000"/>
+                        </a:lnSpc>
+                        <a:spcBef>
+                          <a:spcPts val="0"/>
+                        </a:spcBef>
+                        <a:spcAft>
+                          <a:spcPts val="0"/>
+                        </a:spcAft>
+                        <a:buClrTx/>
+                        <a:buSzTx/>
+                        <a:buFontTx/>
+                        <a:buNone/>
+                        <a:tabLst/>
+                        <a:defRPr/>
+                      </a:pPr>
+                      <a:r>
+                        <a:rPr lang="en-US" dirty="0"/>
+                        <a:t>S</a:t>
+                      </a:r>
+                    </a:p>
+                  </a:txBody>
+                  <a:tcPr/>
+                </a:tc>
+                <a:tc>
+                  <a:txBody>
+                    <a:bodyPr/>
+                    <a:lstStyle/>
+                    <a:p>
+                      <a:r>
+                        <a:rPr lang="en-US" dirty="0"/>
+                        <a:t>0.0</a:t>
+                      </a:r>
+                      <a:r>
+                        <a:rPr lang="en-US" altLang="zh-CN" dirty="0"/>
+                        <a:t>05</a:t>
+                      </a:r>
+                      <a:endParaRPr lang="en-US" dirty="0"/>
+                    </a:p>
+                  </a:txBody>
+                  <a:tcPr/>
+                </a:tc>
+                <a:tc>
+                  <a:txBody>
+                    <a:bodyPr/>
+                    <a:lstStyle/>
+                    <a:p>
+                      <a:r>
+                        <a:rPr lang="en-US" dirty="0">
+                          <a:solidFill>
+                            <a:schemeClr val="bg1"/>
+                          </a:solidFill>
+                        </a:rPr>
+                        <a:t>#bins</a:t>
+                      </a:r>
+                    </a:p>
+                  </a:txBody>
+                  <a:tcPr>
+                    <a:solidFill>
+                      <a:srgbClr val="4472C4"/>
+                    </a:solidFill>
+                  </a:tcPr>
+                </a:tc>
+                <a:tc>
+                  <a:txBody>
+                    <a:bodyPr/>
+                    <a:lstStyle/>
+                    <a:p>
+                      <a:r>
+                        <a:rPr lang="en-US" dirty="0"/>
+                        <a:t>30</a:t>
+                      </a:r>
+                    </a:p>
+                  </a:txBody>
+                  <a:tcPr/>
+                </a:tc>
+                <a:extLst>
+                  <a:ext uri="{0D108BD9-81ED-4DB2-BD59-A6C34878D82A}">
+                    <a16:rowId xmlns:a16="http://schemas.microsoft.com/office/drawing/2014/main" val="2811489138"/>
+                  </a:ext>
+                </a:extLst>
+              </a:tr>
+              <a:tr h="370840">
+                <a:tc>
+                  <a:txBody>
+                    <a:bodyPr/>
+                    <a:lstStyle/>
+                    <a:p>
+                      <a:pPr marL="0" marR="0" lvl="0" indent="0" algn="l" defTabSz="457200" rtl="0" eaLnBrk="1" fontAlgn="auto" latinLnBrk="0" hangingPunct="1">
+                        <a:lnSpc>
+                          <a:spcPct val="100000"/>
+                        </a:lnSpc>
+                        <a:spcBef>
+                          <a:spcPts val="0"/>
+                        </a:spcBef>
+                        <a:spcAft>
+                          <a:spcPts val="0"/>
+                        </a:spcAft>
+                        <a:buClrTx/>
+                        <a:buSzTx/>
+                        <a:buFontTx/>
+                        <a:buNone/>
+                        <a:tabLst/>
+                        <a:defRPr/>
+                      </a:pPr>
+                      <a:r>
+                        <a:rPr lang="en-US" dirty="0"/>
+                        <a:t>F</a:t>
+                      </a:r>
+                    </a:p>
+                  </a:txBody>
+                  <a:tcPr/>
+                </a:tc>
+                <a:tc>
+                  <a:txBody>
+                    <a:bodyPr/>
+                    <a:lstStyle/>
+                    <a:p>
+                      <a:r>
+                        <a:rPr lang="en-US" dirty="0"/>
+                        <a:t>0.030</a:t>
+                      </a:r>
+                    </a:p>
+                  </a:txBody>
+                  <a:tcPr/>
+                </a:tc>
+                <a:tc>
+                  <a:txBody>
+                    <a:bodyPr/>
+                    <a:lstStyle/>
+                    <a:p>
+                      <a:r>
+                        <a:rPr lang="en-US" dirty="0">
+                          <a:solidFill>
+                            <a:schemeClr val="bg1"/>
+                          </a:solidFill>
+                        </a:rPr>
+                        <a:t>T</a:t>
+                      </a:r>
+                    </a:p>
+                  </a:txBody>
+                  <a:tcPr>
+                    <a:solidFill>
+                      <a:srgbClr val="4472C4"/>
+                    </a:solidFill>
+                  </a:tcPr>
+                </a:tc>
+                <a:tc>
+                  <a:txBody>
+                    <a:bodyPr/>
+                    <a:lstStyle/>
+                    <a:p>
+                      <a:r>
+                        <a:rPr lang="en-US" dirty="0"/>
+                        <a:t>10mins</a:t>
+                      </a:r>
+                    </a:p>
+                  </a:txBody>
+                  <a:tcPr/>
+                </a:tc>
+                <a:extLst>
+                  <a:ext uri="{0D108BD9-81ED-4DB2-BD59-A6C34878D82A}">
+                    <a16:rowId xmlns:a16="http://schemas.microsoft.com/office/drawing/2014/main" val="1797357136"/>
+                  </a:ext>
+                </a:extLst>
+              </a:tr>
+            </a:tbl>
+          </a:graphicData>
+        </a:graphic>
+      </p:graphicFrame>
+    </p:spTree>
+    <p:extLst>
+      <p:ext uri="{BB962C8B-B14F-4D97-AF65-F5344CB8AC3E}">
+        <p14:creationId xmlns:p14="http://schemas.microsoft.com/office/powerpoint/2010/main" val="4264622863"/>
+      </p:ext>
+    </p:extLst>
+  </p:cSld>
+  <p:clrMapOvr>
+    <a:masterClrMapping/>
+  </p:clrMapOvr>
+</p:sld>
+</file>
+
+<file path=ppt/slides/slide24.xml><?xml version="1.0" encoding="utf-8"?>
 <p:sld xmlns:a="http://schemas.openxmlformats.org/drawingml/2006/main" xmlns:r="http://schemas.openxmlformats.org/officeDocument/2006/relationships" xmlns:p="http://schemas.openxmlformats.org/presentationml/2006/main">
   <p:cSld>
     <p:spTree>
@@ -9353,7 +10978,7 @@
 </p:sld>
 </file>
 
-<file path=ppt/slides/slide23.xml><?xml version="1.0" encoding="utf-8"?>
+<file path=ppt/slides/slide25.xml><?xml version="1.0" encoding="utf-8"?>
 <p:sld xmlns:a="http://schemas.openxmlformats.org/drawingml/2006/main" xmlns:r="http://schemas.openxmlformats.org/officeDocument/2006/relationships" xmlns:p="http://schemas.openxmlformats.org/presentationml/2006/main">
   <p:cSld>
     <p:spTree>
@@ -9990,7 +11615,7 @@
 </p:sld>
 </file>
 
-<file path=ppt/slides/slide24.xml><?xml version="1.0" encoding="utf-8"?>
+<file path=ppt/slides/slide26.xml><?xml version="1.0" encoding="utf-8"?>
 <p:sld xmlns:a="http://schemas.openxmlformats.org/drawingml/2006/main" xmlns:r="http://schemas.openxmlformats.org/officeDocument/2006/relationships" xmlns:p="http://schemas.openxmlformats.org/presentationml/2006/main">
   <p:cSld>
     <p:spTree>
@@ -10627,7 +12252,7 @@
 </p:sld>
 </file>
 
-<file path=ppt/slides/slide25.xml><?xml version="1.0" encoding="utf-8"?>
+<file path=ppt/slides/slide27.xml><?xml version="1.0" encoding="utf-8"?>
 <p:sld xmlns:a="http://schemas.openxmlformats.org/drawingml/2006/main" xmlns:r="http://schemas.openxmlformats.org/officeDocument/2006/relationships" xmlns:p="http://schemas.openxmlformats.org/presentationml/2006/main">
   <p:cSld>
     <p:spTree>
@@ -11005,7 +12630,7 @@
 </p:sld>
 </file>
 
-<file path=ppt/slides/slide26.xml><?xml version="1.0" encoding="utf-8"?>
+<file path=ppt/slides/slide28.xml><?xml version="1.0" encoding="utf-8"?>
 <p:sld xmlns:a="http://schemas.openxmlformats.org/drawingml/2006/main" xmlns:r="http://schemas.openxmlformats.org/officeDocument/2006/relationships" xmlns:p="http://schemas.openxmlformats.org/presentationml/2006/main">
   <p:cSld>
     <p:spTree>
@@ -11126,2285 +12751,6 @@
     <p:extLst>
       <p:ext uri="{BB962C8B-B14F-4D97-AF65-F5344CB8AC3E}">
         <p14:creationId xmlns:p14="http://schemas.microsoft.com/office/powerpoint/2010/main" val="84553242"/>
-      </p:ext>
-    </p:extLst>
-  </p:cSld>
-  <p:clrMapOvr>
-    <a:masterClrMapping/>
-  </p:clrMapOvr>
-</p:sld>
-</file>
-
-<file path=ppt/slides/slide27.xml><?xml version="1.0" encoding="utf-8"?>
-<p:sld xmlns:a="http://schemas.openxmlformats.org/drawingml/2006/main" xmlns:r="http://schemas.openxmlformats.org/officeDocument/2006/relationships" xmlns:p="http://schemas.openxmlformats.org/presentationml/2006/main">
-  <p:cSld>
-    <p:spTree>
-      <p:nvGrpSpPr>
-        <p:cNvPr id="1" name=""/>
-        <p:cNvGrpSpPr/>
-        <p:nvPr/>
-      </p:nvGrpSpPr>
-      <p:grpSpPr>
-        <a:xfrm>
-          <a:off x="0" y="0"/>
-          <a:ext cx="0" cy="0"/>
-          <a:chOff x="0" y="0"/>
-          <a:chExt cx="0" cy="0"/>
-        </a:xfrm>
-      </p:grpSpPr>
-      <p:pic>
-        <p:nvPicPr>
-          <p:cNvPr id="4" name="Picture 3">
-            <a:extLst>
-              <a:ext uri="{FF2B5EF4-FFF2-40B4-BE49-F238E27FC236}">
-                <a16:creationId xmlns:a16="http://schemas.microsoft.com/office/drawing/2014/main" id="{20EE6D07-E921-4090-AD54-9DE00422E4D8}"/>
-              </a:ext>
-            </a:extLst>
-          </p:cNvPr>
-          <p:cNvPicPr>
-            <a:picLocks noChangeAspect="1"/>
-          </p:cNvPicPr>
-          <p:nvPr/>
-        </p:nvPicPr>
-        <p:blipFill>
-          <a:blip r:embed="rId2"/>
-          <a:stretch>
-            <a:fillRect/>
-          </a:stretch>
-        </p:blipFill>
-        <p:spPr>
-          <a:xfrm>
-            <a:off x="1" y="2347473"/>
-            <a:ext cx="12191996" cy="3657599"/>
-          </a:xfrm>
-          <a:prstGeom prst="rect">
-            <a:avLst/>
-          </a:prstGeom>
-        </p:spPr>
-      </p:pic>
-      <p:sp>
-        <p:nvSpPr>
-          <p:cNvPr id="6" name="Title 1">
-            <a:extLst>
-              <a:ext uri="{FF2B5EF4-FFF2-40B4-BE49-F238E27FC236}">
-                <a16:creationId xmlns:a16="http://schemas.microsoft.com/office/drawing/2014/main" id="{5F65A3C9-B157-4C05-B534-267002D77F5E}"/>
-              </a:ext>
-            </a:extLst>
-          </p:cNvPr>
-          <p:cNvSpPr>
-            <a:spLocks noGrp="1"/>
-          </p:cNvSpPr>
-          <p:nvPr>
-            <p:ph type="title"/>
-          </p:nvPr>
-        </p:nvSpPr>
-        <p:spPr>
-          <a:xfrm>
-            <a:off x="838199" y="757011"/>
-            <a:ext cx="10515600" cy="1325563"/>
-          </a:xfrm>
-        </p:spPr>
-        <p:txBody>
-          <a:bodyPr>
-            <a:normAutofit/>
-          </a:bodyPr>
-          <a:lstStyle/>
-          <a:p>
-            <a:r>
-              <a:rPr lang="en-US" sz="4000" dirty="0"/>
-              <a:t>Autocovariance-based calculation with average</a:t>
-            </a:r>
-          </a:p>
-        </p:txBody>
-      </p:sp>
-    </p:spTree>
-    <p:extLst>
-      <p:ext uri="{BB962C8B-B14F-4D97-AF65-F5344CB8AC3E}">
-        <p14:creationId xmlns:p14="http://schemas.microsoft.com/office/powerpoint/2010/main" val="4037689209"/>
-      </p:ext>
-    </p:extLst>
-  </p:cSld>
-  <p:clrMapOvr>
-    <a:masterClrMapping/>
-  </p:clrMapOvr>
-</p:sld>
-</file>
-
-<file path=ppt/slides/slide28.xml><?xml version="1.0" encoding="utf-8"?>
-<p:sld xmlns:a="http://schemas.openxmlformats.org/drawingml/2006/main" xmlns:r="http://schemas.openxmlformats.org/officeDocument/2006/relationships" xmlns:p="http://schemas.openxmlformats.org/presentationml/2006/main">
-  <p:cSld>
-    <p:spTree>
-      <p:nvGrpSpPr>
-        <p:cNvPr id="1" name=""/>
-        <p:cNvGrpSpPr/>
-        <p:nvPr/>
-      </p:nvGrpSpPr>
-      <p:grpSpPr>
-        <a:xfrm>
-          <a:off x="0" y="0"/>
-          <a:ext cx="0" cy="0"/>
-          <a:chOff x="0" y="0"/>
-          <a:chExt cx="0" cy="0"/>
-        </a:xfrm>
-      </p:grpSpPr>
-      <p:sp>
-        <p:nvSpPr>
-          <p:cNvPr id="2" name="Title 1">
-            <a:extLst>
-              <a:ext uri="{FF2B5EF4-FFF2-40B4-BE49-F238E27FC236}">
-                <a16:creationId xmlns:a16="http://schemas.microsoft.com/office/drawing/2014/main" id="{E2EC6BBB-AA79-439D-A0B5-92BA94B4B8E8}"/>
-              </a:ext>
-            </a:extLst>
-          </p:cNvPr>
-          <p:cNvSpPr>
-            <a:spLocks noGrp="1"/>
-          </p:cNvSpPr>
-          <p:nvPr>
-            <p:ph type="title"/>
-          </p:nvPr>
-        </p:nvSpPr>
-        <p:spPr>
-          <a:xfrm>
-            <a:off x="838200" y="365125"/>
-            <a:ext cx="10515600" cy="1062551"/>
-          </a:xfrm>
-        </p:spPr>
-        <p:txBody>
-          <a:bodyPr>
-            <a:normAutofit fontScale="90000"/>
-          </a:bodyPr>
-          <a:lstStyle/>
-          <a:p>
-            <a:r>
-              <a:rPr lang="en-US" dirty="0"/>
-              <a:t>Mutual information of Gaussian random variables</a:t>
-            </a:r>
-          </a:p>
-        </p:txBody>
-      </p:sp>
-      <p:pic>
-        <p:nvPicPr>
-          <p:cNvPr id="5" name="Content Placeholder 4">
-            <a:extLst>
-              <a:ext uri="{FF2B5EF4-FFF2-40B4-BE49-F238E27FC236}">
-                <a16:creationId xmlns:a16="http://schemas.microsoft.com/office/drawing/2014/main" id="{AE28406C-0E02-4829-B97F-49EE649C9D3F}"/>
-              </a:ext>
-            </a:extLst>
-          </p:cNvPr>
-          <p:cNvPicPr>
-            <a:picLocks noGrp="1" noChangeAspect="1"/>
-          </p:cNvPicPr>
-          <p:nvPr>
-            <p:ph idx="1"/>
-          </p:nvPr>
-        </p:nvPicPr>
-        <p:blipFill>
-          <a:blip r:embed="rId2"/>
-          <a:stretch>
-            <a:fillRect/>
-          </a:stretch>
-        </p:blipFill>
-        <p:spPr>
-          <a:xfrm>
-            <a:off x="6291193" y="2449122"/>
-            <a:ext cx="5174320" cy="3880739"/>
-          </a:xfrm>
-        </p:spPr>
-      </p:pic>
-      <mc:AlternateContent xmlns:mc="http://schemas.openxmlformats.org/markup-compatibility/2006" xmlns:a14="http://schemas.microsoft.com/office/drawing/2010/main">
-        <mc:Choice Requires="a14">
-          <p:sp>
-            <p:nvSpPr>
-              <p:cNvPr id="9" name="Rectangle 8">
-                <a:extLst>
-                  <a:ext uri="{FF2B5EF4-FFF2-40B4-BE49-F238E27FC236}">
-                    <a16:creationId xmlns:a16="http://schemas.microsoft.com/office/drawing/2014/main" id="{0F091666-B663-4D4A-A17C-455D8E17E9C8}"/>
-                  </a:ext>
-                </a:extLst>
-              </p:cNvPr>
-              <p:cNvSpPr/>
-              <p:nvPr/>
-            </p:nvSpPr>
-            <p:spPr>
-              <a:xfrm>
-                <a:off x="689411" y="2449122"/>
-                <a:ext cx="3880867" cy="369332"/>
-              </a:xfrm>
-              <a:prstGeom prst="rect">
-                <a:avLst/>
-              </a:prstGeom>
-            </p:spPr>
-            <p:txBody>
-              <a:bodyPr wrap="square">
-                <a:spAutoFit/>
-              </a:bodyPr>
-              <a:lstStyle/>
-              <a:p>
-                <a:pPr/>
-                <a14:m>
-                  <m:oMathPara xmlns:m="http://schemas.openxmlformats.org/officeDocument/2006/math">
-                    <m:oMathParaPr>
-                      <m:jc m:val="centerGroup"/>
-                    </m:oMathParaPr>
-                    <m:oMath xmlns:m="http://schemas.openxmlformats.org/officeDocument/2006/math">
-                      <m:r>
-                        <a:rPr lang="en-US" b="0" i="1" smtClean="0">
-                          <a:latin typeface="Cambria Math" panose="02040503050406030204" pitchFamily="18" charset="0"/>
-                          <a:ea typeface="宋体" panose="02010600030101010101" pitchFamily="2" charset="-122"/>
-                        </a:rPr>
-                        <m:t>𝐼</m:t>
-                      </m:r>
-                      <m:d>
-                        <m:dPr>
-                          <m:ctrlPr>
-                            <a:rPr lang="en-US" b="0" i="1" smtClean="0">
-                              <a:latin typeface="Cambria Math" panose="02040503050406030204" pitchFamily="18" charset="0"/>
-                              <a:ea typeface="宋体" panose="02010600030101010101" pitchFamily="2" charset="-122"/>
-                            </a:rPr>
-                          </m:ctrlPr>
-                        </m:dPr>
-                        <m:e>
-                          <m:r>
-                            <a:rPr lang="en-US" b="0" i="1" smtClean="0">
-                              <a:latin typeface="Cambria Math" panose="02040503050406030204" pitchFamily="18" charset="0"/>
-                              <a:ea typeface="宋体" panose="02010600030101010101" pitchFamily="2" charset="-122"/>
-                            </a:rPr>
-                            <m:t>𝑋</m:t>
-                          </m:r>
-                          <m:r>
-                            <a:rPr lang="en-US" b="0" i="1" smtClean="0">
-                              <a:latin typeface="Cambria Math" panose="02040503050406030204" pitchFamily="18" charset="0"/>
-                              <a:ea typeface="宋体" panose="02010600030101010101" pitchFamily="2" charset="-122"/>
-                            </a:rPr>
-                            <m:t>,</m:t>
-                          </m:r>
-                          <m:r>
-                            <a:rPr lang="en-US" b="0" i="1" smtClean="0">
-                              <a:latin typeface="Cambria Math" panose="02040503050406030204" pitchFamily="18" charset="0"/>
-                              <a:ea typeface="宋体" panose="02010600030101010101" pitchFamily="2" charset="-122"/>
-                            </a:rPr>
-                            <m:t>𝑌</m:t>
-                          </m:r>
-                        </m:e>
-                      </m:d>
-                      <m:r>
-                        <a:rPr lang="en-US" b="0" i="1" smtClean="0">
-                          <a:latin typeface="Cambria Math" panose="02040503050406030204" pitchFamily="18" charset="0"/>
-                          <a:ea typeface="宋体" panose="02010600030101010101" pitchFamily="2" charset="-122"/>
-                        </a:rPr>
-                        <m:t>=</m:t>
-                      </m:r>
-                      <m:r>
-                        <a:rPr lang="en-US" b="0" i="1" smtClean="0">
-                          <a:latin typeface="Cambria Math" panose="02040503050406030204" pitchFamily="18" charset="0"/>
-                          <a:ea typeface="宋体" panose="02010600030101010101" pitchFamily="2" charset="-122"/>
-                        </a:rPr>
-                        <m:t>𝐻</m:t>
-                      </m:r>
-                      <m:d>
-                        <m:dPr>
-                          <m:ctrlPr>
-                            <a:rPr lang="en-US" b="0" i="1" smtClean="0">
-                              <a:latin typeface="Cambria Math" panose="02040503050406030204" pitchFamily="18" charset="0"/>
-                              <a:ea typeface="宋体" panose="02010600030101010101" pitchFamily="2" charset="-122"/>
-                            </a:rPr>
-                          </m:ctrlPr>
-                        </m:dPr>
-                        <m:e>
-                          <m:r>
-                            <a:rPr lang="en-US" b="0" i="1" smtClean="0">
-                              <a:latin typeface="Cambria Math" panose="02040503050406030204" pitchFamily="18" charset="0"/>
-                              <a:ea typeface="宋体" panose="02010600030101010101" pitchFamily="2" charset="-122"/>
-                            </a:rPr>
-                            <m:t>𝑋</m:t>
-                          </m:r>
-                        </m:e>
-                      </m:d>
-                      <m:r>
-                        <a:rPr lang="en-US" b="0" i="1" smtClean="0">
-                          <a:latin typeface="Cambria Math" panose="02040503050406030204" pitchFamily="18" charset="0"/>
-                          <a:ea typeface="宋体" panose="02010600030101010101" pitchFamily="2" charset="-122"/>
-                        </a:rPr>
-                        <m:t>+</m:t>
-                      </m:r>
-                      <m:r>
-                        <a:rPr lang="en-US" b="0" i="1" smtClean="0">
-                          <a:latin typeface="Cambria Math" panose="02040503050406030204" pitchFamily="18" charset="0"/>
-                          <a:ea typeface="宋体" panose="02010600030101010101" pitchFamily="2" charset="-122"/>
-                        </a:rPr>
-                        <m:t>𝐻</m:t>
-                      </m:r>
-                      <m:d>
-                        <m:dPr>
-                          <m:ctrlPr>
-                            <a:rPr lang="en-US" b="0" i="1" smtClean="0">
-                              <a:latin typeface="Cambria Math" panose="02040503050406030204" pitchFamily="18" charset="0"/>
-                              <a:ea typeface="宋体" panose="02010600030101010101" pitchFamily="2" charset="-122"/>
-                            </a:rPr>
-                          </m:ctrlPr>
-                        </m:dPr>
-                        <m:e>
-                          <m:r>
-                            <a:rPr lang="en-US" b="0" i="1" smtClean="0">
-                              <a:latin typeface="Cambria Math" panose="02040503050406030204" pitchFamily="18" charset="0"/>
-                              <a:ea typeface="宋体" panose="02010600030101010101" pitchFamily="2" charset="-122"/>
-                            </a:rPr>
-                            <m:t>𝑌</m:t>
-                          </m:r>
-                        </m:e>
-                      </m:d>
-                      <m:r>
-                        <a:rPr lang="en-US" b="0" i="1" smtClean="0">
-                          <a:latin typeface="Cambria Math" panose="02040503050406030204" pitchFamily="18" charset="0"/>
-                          <a:ea typeface="宋体" panose="02010600030101010101" pitchFamily="2" charset="-122"/>
-                        </a:rPr>
-                        <m:t>−</m:t>
-                      </m:r>
-                      <m:r>
-                        <a:rPr lang="en-US" b="0" i="1" smtClean="0">
-                          <a:latin typeface="Cambria Math" panose="02040503050406030204" pitchFamily="18" charset="0"/>
-                          <a:ea typeface="宋体" panose="02010600030101010101" pitchFamily="2" charset="-122"/>
-                        </a:rPr>
-                        <m:t>𝐻</m:t>
-                      </m:r>
-                      <m:r>
-                        <a:rPr lang="en-US" b="0" i="1" smtClean="0">
-                          <a:latin typeface="Cambria Math" panose="02040503050406030204" pitchFamily="18" charset="0"/>
-                          <a:ea typeface="宋体" panose="02010600030101010101" pitchFamily="2" charset="-122"/>
-                        </a:rPr>
-                        <m:t>(</m:t>
-                      </m:r>
-                      <m:r>
-                        <a:rPr lang="en-US" b="0" i="1" smtClean="0">
-                          <a:latin typeface="Cambria Math" panose="02040503050406030204" pitchFamily="18" charset="0"/>
-                          <a:ea typeface="宋体" panose="02010600030101010101" pitchFamily="2" charset="-122"/>
-                        </a:rPr>
-                        <m:t>𝑋</m:t>
-                      </m:r>
-                      <m:r>
-                        <a:rPr lang="en-US" b="0" i="1" smtClean="0">
-                          <a:latin typeface="Cambria Math" panose="02040503050406030204" pitchFamily="18" charset="0"/>
-                          <a:ea typeface="宋体" panose="02010600030101010101" pitchFamily="2" charset="-122"/>
-                        </a:rPr>
-                        <m:t>,</m:t>
-                      </m:r>
-                      <m:r>
-                        <a:rPr lang="en-US" b="0" i="1" smtClean="0">
-                          <a:latin typeface="Cambria Math" panose="02040503050406030204" pitchFamily="18" charset="0"/>
-                          <a:ea typeface="宋体" panose="02010600030101010101" pitchFamily="2" charset="-122"/>
-                        </a:rPr>
-                        <m:t>𝑌</m:t>
-                      </m:r>
-                      <m:r>
-                        <a:rPr lang="en-US" b="0" i="1" smtClean="0">
-                          <a:latin typeface="Cambria Math" panose="02040503050406030204" pitchFamily="18" charset="0"/>
-                          <a:ea typeface="宋体" panose="02010600030101010101" pitchFamily="2" charset="-122"/>
-                        </a:rPr>
-                        <m:t>)</m:t>
-                      </m:r>
-                    </m:oMath>
-                  </m:oMathPara>
-                </a14:m>
-                <a:endParaRPr lang="pt-BR" dirty="0">
-                  <a:latin typeface="Lucida Sans Unicode" panose="020B0602030504020204" pitchFamily="34" charset="0"/>
-                  <a:ea typeface="宋体" panose="02010600030101010101" pitchFamily="2" charset="-122"/>
-                </a:endParaRPr>
-              </a:p>
-            </p:txBody>
-          </p:sp>
-        </mc:Choice>
-        <mc:Fallback xmlns="">
-          <p:sp>
-            <p:nvSpPr>
-              <p:cNvPr id="9" name="Rectangle 8">
-                <a:extLst>
-                  <a:ext uri="{FF2B5EF4-FFF2-40B4-BE49-F238E27FC236}">
-                    <a16:creationId xmlns:a16="http://schemas.microsoft.com/office/drawing/2014/main" id="{0F091666-B663-4D4A-A17C-455D8E17E9C8}"/>
-                  </a:ext>
-                </a:extLst>
-              </p:cNvPr>
-              <p:cNvSpPr>
-                <a:spLocks noRot="1" noChangeAspect="1" noMove="1" noResize="1" noEditPoints="1" noAdjustHandles="1" noChangeArrowheads="1" noChangeShapeType="1" noTextEdit="1"/>
-              </p:cNvSpPr>
-              <p:nvPr/>
-            </p:nvSpPr>
-            <p:spPr>
-              <a:xfrm>
-                <a:off x="689411" y="2449122"/>
-                <a:ext cx="3880867" cy="369332"/>
-              </a:xfrm>
-              <a:prstGeom prst="rect">
-                <a:avLst/>
-              </a:prstGeom>
-              <a:blipFill>
-                <a:blip r:embed="rId3"/>
-                <a:stretch>
-                  <a:fillRect b="-10000"/>
-                </a:stretch>
-              </a:blipFill>
-            </p:spPr>
-            <p:txBody>
-              <a:bodyPr/>
-              <a:lstStyle/>
-              <a:p>
-                <a:r>
-                  <a:rPr lang="en-US">
-                    <a:noFill/>
-                  </a:rPr>
-                  <a:t> </a:t>
-                </a:r>
-              </a:p>
-            </p:txBody>
-          </p:sp>
-        </mc:Fallback>
-      </mc:AlternateContent>
-      <mc:AlternateContent xmlns:mc="http://schemas.openxmlformats.org/markup-compatibility/2006" xmlns:a14="http://schemas.microsoft.com/office/drawing/2010/main">
-        <mc:Choice Requires="a14">
-          <p:sp>
-            <p:nvSpPr>
-              <p:cNvPr id="10" name="Rectangle 9">
-                <a:extLst>
-                  <a:ext uri="{FF2B5EF4-FFF2-40B4-BE49-F238E27FC236}">
-                    <a16:creationId xmlns:a16="http://schemas.microsoft.com/office/drawing/2014/main" id="{56270CDC-9AE2-4385-8951-499A02940E62}"/>
-                  </a:ext>
-                </a:extLst>
-              </p:cNvPr>
-              <p:cNvSpPr/>
-              <p:nvPr/>
-            </p:nvSpPr>
-            <p:spPr>
-              <a:xfrm>
-                <a:off x="8155991" y="1654769"/>
-                <a:ext cx="3644225" cy="712631"/>
-              </a:xfrm>
-              <a:prstGeom prst="rect">
-                <a:avLst/>
-              </a:prstGeom>
-            </p:spPr>
-            <p:txBody>
-              <a:bodyPr wrap="square">
-                <a:spAutoFit/>
-              </a:bodyPr>
-              <a:lstStyle/>
-              <a:p>
-                <a:r>
-                  <a:rPr lang="en-US" sz="2000" dirty="0">
-                    <a:latin typeface="Consolas" panose="020B0609020204030204" pitchFamily="49" charset="0"/>
-                  </a:rPr>
-                  <a:t>I(X,Y) = </a:t>
-                </a:r>
-                <a14:m>
-                  <m:oMath xmlns:m="http://schemas.openxmlformats.org/officeDocument/2006/math">
-                    <m:f>
-                      <m:fPr>
-                        <m:ctrlPr>
-                          <a:rPr lang="en-US" sz="2800" i="1" smtClean="0">
-                            <a:latin typeface="Cambria Math" panose="02040503050406030204" pitchFamily="18" charset="0"/>
-                          </a:rPr>
-                        </m:ctrlPr>
-                      </m:fPr>
-                      <m:num>
-                        <m:r>
-                          <a:rPr lang="en-US" altLang="zh-CN" sz="2800" i="0">
-                            <a:latin typeface="Cambria Math" panose="02040503050406030204" pitchFamily="18" charset="0"/>
-                          </a:rPr>
-                          <m:t>1</m:t>
-                        </m:r>
-                      </m:num>
-                      <m:den>
-                        <m:r>
-                          <a:rPr lang="en-US" altLang="zh-CN" sz="2800" i="0">
-                            <a:latin typeface="Cambria Math" panose="02040503050406030204" pitchFamily="18" charset="0"/>
-                          </a:rPr>
-                          <m:t>2</m:t>
-                        </m:r>
-                      </m:den>
-                    </m:f>
-                  </m:oMath>
-                </a14:m>
-                <a:r>
-                  <a:rPr lang="en-US" sz="2000" dirty="0">
-                    <a:latin typeface="Consolas" panose="020B0609020204030204" pitchFamily="49" charset="0"/>
-                  </a:rPr>
-                  <a:t>log(1 + </a:t>
-                </a:r>
-                <a14:m>
-                  <m:oMath xmlns:m="http://schemas.openxmlformats.org/officeDocument/2006/math">
-                    <m:sSup>
-                      <m:sSupPr>
-                        <m:ctrlPr>
-                          <a:rPr lang="en-US" sz="2000" i="1" smtClean="0">
-                            <a:latin typeface="Cambria Math" panose="02040503050406030204" pitchFamily="18" charset="0"/>
-                          </a:rPr>
-                        </m:ctrlPr>
-                      </m:sSupPr>
-                      <m:e>
-                        <m:r>
-                          <m:rPr>
-                            <m:sty m:val="p"/>
-                          </m:rPr>
-                          <a:rPr lang="en-US" sz="2000" i="0" smtClean="0">
-                            <a:latin typeface="Cambria Math" panose="02040503050406030204" pitchFamily="18" charset="0"/>
-                            <a:ea typeface="Cambria Math" panose="02040503050406030204" pitchFamily="18" charset="0"/>
-                          </a:rPr>
-                          <m:t>ξ</m:t>
-                        </m:r>
-                      </m:e>
-                      <m:sup>
-                        <m:r>
-                          <a:rPr lang="en-US" sz="2000" b="0" i="0" smtClean="0">
-                            <a:latin typeface="Cambria Math" panose="02040503050406030204" pitchFamily="18" charset="0"/>
-                          </a:rPr>
-                          <m:t>2</m:t>
-                        </m:r>
-                      </m:sup>
-                    </m:sSup>
-                  </m:oMath>
-                </a14:m>
-                <a:r>
-                  <a:rPr lang="en-US" sz="2000" dirty="0">
-                    <a:latin typeface="Consolas" panose="020B0609020204030204" pitchFamily="49" charset="0"/>
-                  </a:rPr>
-                  <a:t>)</a:t>
-                </a:r>
-                <a:endParaRPr lang="el-GR" sz="2000" baseline="30000" dirty="0">
-                  <a:latin typeface="Consolas" panose="020B0609020204030204" pitchFamily="49" charset="0"/>
-                </a:endParaRPr>
-              </a:p>
-            </p:txBody>
-          </p:sp>
-        </mc:Choice>
-        <mc:Fallback xmlns="">
-          <p:sp>
-            <p:nvSpPr>
-              <p:cNvPr id="10" name="Rectangle 9">
-                <a:extLst>
-                  <a:ext uri="{FF2B5EF4-FFF2-40B4-BE49-F238E27FC236}">
-                    <a16:creationId xmlns:a16="http://schemas.microsoft.com/office/drawing/2014/main" id="{56270CDC-9AE2-4385-8951-499A02940E62}"/>
-                  </a:ext>
-                </a:extLst>
-              </p:cNvPr>
-              <p:cNvSpPr>
-                <a:spLocks noRot="1" noChangeAspect="1" noMove="1" noResize="1" noEditPoints="1" noAdjustHandles="1" noChangeArrowheads="1" noChangeShapeType="1" noTextEdit="1"/>
-              </p:cNvSpPr>
-              <p:nvPr/>
-            </p:nvSpPr>
-            <p:spPr>
-              <a:xfrm>
-                <a:off x="8155991" y="1654769"/>
-                <a:ext cx="3644225" cy="712631"/>
-              </a:xfrm>
-              <a:prstGeom prst="rect">
-                <a:avLst/>
-              </a:prstGeom>
-              <a:blipFill>
-                <a:blip r:embed="rId4"/>
-                <a:stretch>
-                  <a:fillRect l="-1839"/>
-                </a:stretch>
-              </a:blipFill>
-            </p:spPr>
-            <p:txBody>
-              <a:bodyPr/>
-              <a:lstStyle/>
-              <a:p>
-                <a:r>
-                  <a:rPr lang="en-US">
-                    <a:noFill/>
-                  </a:rPr>
-                  <a:t> </a:t>
-                </a:r>
-              </a:p>
-            </p:txBody>
-          </p:sp>
-        </mc:Fallback>
-      </mc:AlternateContent>
-      <mc:AlternateContent xmlns:mc="http://schemas.openxmlformats.org/markup-compatibility/2006" xmlns:a14="http://schemas.microsoft.com/office/drawing/2010/main">
-        <mc:Choice Requires="a14">
-          <p:sp>
-            <p:nvSpPr>
-              <p:cNvPr id="11" name="TextBox 10">
-                <a:extLst>
-                  <a:ext uri="{FF2B5EF4-FFF2-40B4-BE49-F238E27FC236}">
-                    <a16:creationId xmlns:a16="http://schemas.microsoft.com/office/drawing/2014/main" id="{DE9BCCB5-1D4F-4A35-94C8-40DE7ABB5628}"/>
-                  </a:ext>
-                </a:extLst>
-              </p:cNvPr>
-              <p:cNvSpPr txBox="1"/>
-              <p:nvPr/>
-            </p:nvSpPr>
-            <p:spPr>
-              <a:xfrm>
-                <a:off x="6096000" y="1866017"/>
-                <a:ext cx="1848553" cy="307777"/>
-              </a:xfrm>
-              <a:prstGeom prst="rect">
-                <a:avLst/>
-              </a:prstGeom>
-              <a:noFill/>
-            </p:spPr>
-            <p:txBody>
-              <a:bodyPr wrap="square" lIns="0" tIns="0" rIns="0" bIns="0" rtlCol="0">
-                <a:spAutoFit/>
-              </a:bodyPr>
-              <a:lstStyle/>
-              <a:p>
-                <a:pPr/>
-                <a14:m>
-                  <m:oMathPara xmlns:m="http://schemas.openxmlformats.org/officeDocument/2006/math">
-                    <m:oMathParaPr>
-                      <m:jc m:val="centerGroup"/>
-                    </m:oMathParaPr>
-                    <m:oMath xmlns:m="http://schemas.openxmlformats.org/officeDocument/2006/math">
-                      <m:r>
-                        <m:rPr>
-                          <m:sty m:val="p"/>
-                        </m:rPr>
-                        <a:rPr lang="en-US" sz="2000" b="0" i="0" smtClean="0">
-                          <a:latin typeface="Cambria Math" panose="02040503050406030204" pitchFamily="18" charset="0"/>
-                        </a:rPr>
-                        <m:t>if</m:t>
-                      </m:r>
-                      <m:r>
-                        <a:rPr lang="en-US" sz="2000" b="0" i="0" smtClean="0">
-                          <a:latin typeface="Cambria Math" panose="02040503050406030204" pitchFamily="18" charset="0"/>
-                        </a:rPr>
-                        <m:t>  |</m:t>
-                      </m:r>
-                      <m:r>
-                        <m:rPr>
-                          <m:sty m:val="p"/>
-                        </m:rPr>
-                        <a:rPr lang="en-US" sz="2000" b="0" i="0" smtClean="0">
-                          <a:latin typeface="Cambria Math" panose="02040503050406030204" pitchFamily="18" charset="0"/>
-                          <a:ea typeface="Cambria Math" panose="02040503050406030204" pitchFamily="18" charset="0"/>
-                        </a:rPr>
-                        <m:t>α</m:t>
-                      </m:r>
-                      <m:r>
-                        <a:rPr lang="en-US" sz="2000" b="0" i="0" smtClean="0">
-                          <a:latin typeface="Cambria Math" panose="02040503050406030204" pitchFamily="18" charset="0"/>
-                          <a:ea typeface="Cambria Math" panose="02040503050406030204" pitchFamily="18" charset="0"/>
-                        </a:rPr>
-                        <m:t>|=|</m:t>
-                      </m:r>
-                      <m:r>
-                        <m:rPr>
-                          <m:sty m:val="p"/>
-                        </m:rPr>
-                        <a:rPr lang="en-US" sz="2000" b="0" i="0" smtClean="0">
-                          <a:latin typeface="Cambria Math" panose="02040503050406030204" pitchFamily="18" charset="0"/>
-                          <a:ea typeface="Cambria Math" panose="02040503050406030204" pitchFamily="18" charset="0"/>
-                        </a:rPr>
-                        <m:t>β</m:t>
-                      </m:r>
-                      <m:r>
-                        <a:rPr lang="en-US" sz="2000" b="0" i="0" smtClean="0">
-                          <a:latin typeface="Cambria Math" panose="02040503050406030204" pitchFamily="18" charset="0"/>
-                          <a:ea typeface="Cambria Math" panose="02040503050406030204" pitchFamily="18" charset="0"/>
-                        </a:rPr>
-                        <m:t>|≪1</m:t>
-                      </m:r>
-                    </m:oMath>
-                  </m:oMathPara>
-                </a14:m>
-                <a:endParaRPr lang="en-US" sz="2000" dirty="0">
-                  <a:latin typeface="Consolas" panose="020B0609020204030204" pitchFamily="49" charset="0"/>
-                </a:endParaRPr>
-              </a:p>
-            </p:txBody>
-          </p:sp>
-        </mc:Choice>
-        <mc:Fallback xmlns="">
-          <p:sp>
-            <p:nvSpPr>
-              <p:cNvPr id="11" name="TextBox 10">
-                <a:extLst>
-                  <a:ext uri="{FF2B5EF4-FFF2-40B4-BE49-F238E27FC236}">
-                    <a16:creationId xmlns:a16="http://schemas.microsoft.com/office/drawing/2014/main" id="{DE9BCCB5-1D4F-4A35-94C8-40DE7ABB5628}"/>
-                  </a:ext>
-                </a:extLst>
-              </p:cNvPr>
-              <p:cNvSpPr txBox="1">
-                <a:spLocks noRot="1" noChangeAspect="1" noMove="1" noResize="1" noEditPoints="1" noAdjustHandles="1" noChangeArrowheads="1" noChangeShapeType="1" noTextEdit="1"/>
-              </p:cNvSpPr>
-              <p:nvPr/>
-            </p:nvSpPr>
-            <p:spPr>
-              <a:xfrm>
-                <a:off x="6096000" y="1866017"/>
-                <a:ext cx="1848553" cy="307777"/>
-              </a:xfrm>
-              <a:prstGeom prst="rect">
-                <a:avLst/>
-              </a:prstGeom>
-              <a:blipFill>
-                <a:blip r:embed="rId5"/>
-                <a:stretch>
-                  <a:fillRect l="-1320" r="-990" b="-33333"/>
-                </a:stretch>
-              </a:blipFill>
-            </p:spPr>
-            <p:txBody>
-              <a:bodyPr/>
-              <a:lstStyle/>
-              <a:p>
-                <a:r>
-                  <a:rPr lang="en-US">
-                    <a:noFill/>
-                  </a:rPr>
-                  <a:t> </a:t>
-                </a:r>
-              </a:p>
-            </p:txBody>
-          </p:sp>
-        </mc:Fallback>
-      </mc:AlternateContent>
-      <p:grpSp>
-        <p:nvGrpSpPr>
-          <p:cNvPr id="4" name="Group 3">
-            <a:extLst>
-              <a:ext uri="{FF2B5EF4-FFF2-40B4-BE49-F238E27FC236}">
-                <a16:creationId xmlns:a16="http://schemas.microsoft.com/office/drawing/2014/main" id="{AE398052-D37A-4E82-AF96-14985B8DEC53}"/>
-              </a:ext>
-            </a:extLst>
-          </p:cNvPr>
-          <p:cNvGrpSpPr/>
-          <p:nvPr/>
-        </p:nvGrpSpPr>
-        <p:grpSpPr>
-          <a:xfrm>
-            <a:off x="294727" y="1473025"/>
-            <a:ext cx="4516548" cy="828595"/>
-            <a:chOff x="1498387" y="1475658"/>
-            <a:chExt cx="4516548" cy="828595"/>
-          </a:xfrm>
-        </p:grpSpPr>
-        <mc:AlternateContent xmlns:mc="http://schemas.openxmlformats.org/markup-compatibility/2006" xmlns:a14="http://schemas.microsoft.com/office/drawing/2010/main">
-          <mc:Choice Requires="a14">
-            <p:sp>
-              <p:nvSpPr>
-                <p:cNvPr id="8" name="Rectangle 7">
-                  <a:extLst>
-                    <a:ext uri="{FF2B5EF4-FFF2-40B4-BE49-F238E27FC236}">
-                      <a16:creationId xmlns:a16="http://schemas.microsoft.com/office/drawing/2014/main" id="{B6C6ED14-A449-481E-B8AA-8AD6DCC78811}"/>
-                    </a:ext>
-                  </a:extLst>
-                </p:cNvPr>
-                <p:cNvSpPr/>
-                <p:nvPr/>
-              </p:nvSpPr>
-              <p:spPr>
-                <a:xfrm>
-                  <a:off x="1498387" y="1904143"/>
-                  <a:ext cx="4516548" cy="400110"/>
-                </a:xfrm>
-                <a:prstGeom prst="rect">
-                  <a:avLst/>
-                </a:prstGeom>
-              </p:spPr>
-              <p:txBody>
-                <a:bodyPr wrap="square">
-                  <a:spAutoFit/>
-                </a:bodyPr>
-                <a:lstStyle/>
-                <a:p>
-                  <a:pPr marR="15580"/>
-                  <a14:m>
-                    <m:oMathPara xmlns:m="http://schemas.openxmlformats.org/officeDocument/2006/math">
-                      <m:oMathParaPr>
-                        <m:jc m:val="centerGroup"/>
-                      </m:oMathParaPr>
-                      <m:oMath xmlns:m="http://schemas.openxmlformats.org/officeDocument/2006/math">
-                        <m:sSub>
-                          <m:sSubPr>
-                            <m:ctrlPr>
-                              <a:rPr lang="en-US" sz="2000" b="0" i="1" smtClean="0">
-                                <a:latin typeface="Cambria Math" panose="02040503050406030204" pitchFamily="18" charset="0"/>
-                              </a:rPr>
-                            </m:ctrlPr>
-                          </m:sSubPr>
-                          <m:e>
-                            <m:r>
-                              <a:rPr lang="en-US" sz="2000" b="0" i="1" smtClean="0">
-                                <a:latin typeface="Cambria Math" panose="02040503050406030204" pitchFamily="18" charset="0"/>
-                              </a:rPr>
-                              <m:t>𝑌</m:t>
-                            </m:r>
-                          </m:e>
-                          <m:sub>
-                            <m:r>
-                              <a:rPr lang="en-US" sz="2000" b="0" i="1" smtClean="0">
-                                <a:latin typeface="Cambria Math" panose="02040503050406030204" pitchFamily="18" charset="0"/>
-                              </a:rPr>
-                              <m:t>𝑛</m:t>
-                            </m:r>
-                          </m:sub>
-                        </m:sSub>
-                        <m:r>
-                          <a:rPr lang="en-US" sz="2000" b="0" i="1" smtClean="0">
-                            <a:latin typeface="Cambria Math" panose="02040503050406030204" pitchFamily="18" charset="0"/>
-                          </a:rPr>
-                          <m:t>=</m:t>
-                        </m:r>
-                        <m:r>
-                          <a:rPr lang="en-US" sz="2000" b="0" i="1" smtClean="0">
-                            <a:latin typeface="Cambria Math" panose="02040503050406030204" pitchFamily="18" charset="0"/>
-                            <a:ea typeface="Cambria Math" panose="02040503050406030204" pitchFamily="18" charset="0"/>
-                          </a:rPr>
-                          <m:t>𝛽</m:t>
-                        </m:r>
-                        <m:sSub>
-                          <m:sSubPr>
-                            <m:ctrlPr>
-                              <a:rPr lang="en-US" sz="2000" b="0" i="1" smtClean="0">
-                                <a:latin typeface="Cambria Math" panose="02040503050406030204" pitchFamily="18" charset="0"/>
-                                <a:ea typeface="Cambria Math" panose="02040503050406030204" pitchFamily="18" charset="0"/>
-                              </a:rPr>
-                            </m:ctrlPr>
-                          </m:sSubPr>
-                          <m:e>
-                            <m:r>
-                              <a:rPr lang="en-US" sz="2000" b="0" i="1" smtClean="0">
-                                <a:latin typeface="Cambria Math" panose="02040503050406030204" pitchFamily="18" charset="0"/>
-                                <a:ea typeface="Cambria Math" panose="02040503050406030204" pitchFamily="18" charset="0"/>
-                              </a:rPr>
-                              <m:t>𝑌</m:t>
-                            </m:r>
-                          </m:e>
-                          <m:sub>
-                            <m:r>
-                              <a:rPr lang="en-US" sz="2000" b="0" i="1" smtClean="0">
-                                <a:latin typeface="Cambria Math" panose="02040503050406030204" pitchFamily="18" charset="0"/>
-                                <a:ea typeface="Cambria Math" panose="02040503050406030204" pitchFamily="18" charset="0"/>
-                              </a:rPr>
-                              <m:t>𝑛</m:t>
-                            </m:r>
-                            <m:r>
-                              <a:rPr lang="en-US" sz="2000" b="0" i="1" smtClean="0">
-                                <a:latin typeface="Cambria Math" panose="02040503050406030204" pitchFamily="18" charset="0"/>
-                                <a:ea typeface="Cambria Math" panose="02040503050406030204" pitchFamily="18" charset="0"/>
-                              </a:rPr>
-                              <m:t>−1</m:t>
-                            </m:r>
-                          </m:sub>
-                        </m:sSub>
-                        <m:r>
-                          <a:rPr lang="en-US" sz="2000" b="0" i="1" smtClean="0">
-                            <a:latin typeface="Cambria Math" panose="02040503050406030204" pitchFamily="18" charset="0"/>
-                            <a:ea typeface="Cambria Math" panose="02040503050406030204" pitchFamily="18" charset="0"/>
-                          </a:rPr>
-                          <m:t>+</m:t>
-                        </m:r>
-                        <m:r>
-                          <a:rPr lang="en-US" sz="2000" b="0" i="1" smtClean="0">
-                            <a:latin typeface="Cambria Math" panose="02040503050406030204" pitchFamily="18" charset="0"/>
-                            <a:ea typeface="Cambria Math" panose="02040503050406030204" pitchFamily="18" charset="0"/>
-                          </a:rPr>
-                          <m:t>𝜉</m:t>
-                        </m:r>
-                        <m:sSub>
-                          <m:sSubPr>
-                            <m:ctrlPr>
-                              <a:rPr lang="en-US" sz="2000" i="1">
-                                <a:latin typeface="Cambria Math" panose="02040503050406030204" pitchFamily="18" charset="0"/>
-                                <a:ea typeface="Cambria Math" panose="02040503050406030204" pitchFamily="18" charset="0"/>
-                              </a:rPr>
-                            </m:ctrlPr>
-                          </m:sSubPr>
-                          <m:e>
-                            <m:r>
-                              <a:rPr lang="en-US" sz="2000" i="1">
-                                <a:latin typeface="Cambria Math" panose="02040503050406030204" pitchFamily="18" charset="0"/>
-                                <a:ea typeface="Cambria Math" panose="02040503050406030204" pitchFamily="18" charset="0"/>
-                              </a:rPr>
-                              <m:t>𝑋</m:t>
-                            </m:r>
-                          </m:e>
-                          <m:sub>
-                            <m:r>
-                              <a:rPr lang="en-US" sz="2000" i="1">
-                                <a:latin typeface="Cambria Math" panose="02040503050406030204" pitchFamily="18" charset="0"/>
-                                <a:ea typeface="Cambria Math" panose="02040503050406030204" pitchFamily="18" charset="0"/>
-                              </a:rPr>
-                              <m:t>𝑛</m:t>
-                            </m:r>
-                            <m:r>
-                              <a:rPr lang="en-US" sz="2000" i="1">
-                                <a:latin typeface="Cambria Math" panose="02040503050406030204" pitchFamily="18" charset="0"/>
-                                <a:ea typeface="Cambria Math" panose="02040503050406030204" pitchFamily="18" charset="0"/>
-                              </a:rPr>
-                              <m:t>−1</m:t>
-                            </m:r>
-                          </m:sub>
-                        </m:sSub>
-                        <m:r>
-                          <a:rPr lang="en-US" sz="2000" b="0" i="1" smtClean="0">
-                            <a:latin typeface="Cambria Math" panose="02040503050406030204" pitchFamily="18" charset="0"/>
-                            <a:ea typeface="Cambria Math" panose="02040503050406030204" pitchFamily="18" charset="0"/>
-                          </a:rPr>
-                          <m:t>+</m:t>
-                        </m:r>
-                        <m:sSub>
-                          <m:sSubPr>
-                            <m:ctrlPr>
-                              <a:rPr lang="en-US" sz="2000" b="0" i="1" smtClean="0">
-                                <a:latin typeface="Cambria Math" panose="02040503050406030204" pitchFamily="18" charset="0"/>
-                                <a:ea typeface="Cambria Math" panose="02040503050406030204" pitchFamily="18" charset="0"/>
-                              </a:rPr>
-                            </m:ctrlPr>
-                          </m:sSubPr>
-                          <m:e>
-                            <m:r>
-                              <a:rPr lang="en-US" sz="2000" b="0" i="1" smtClean="0">
-                                <a:latin typeface="Cambria Math" panose="02040503050406030204" pitchFamily="18" charset="0"/>
-                                <a:ea typeface="Cambria Math" panose="02040503050406030204" pitchFamily="18" charset="0"/>
-                              </a:rPr>
-                              <m:t>𝜂</m:t>
-                            </m:r>
-                          </m:e>
-                          <m:sub>
-                            <m:r>
-                              <a:rPr lang="en-US" sz="2000" b="0" i="1" smtClean="0">
-                                <a:latin typeface="Cambria Math" panose="02040503050406030204" pitchFamily="18" charset="0"/>
-                                <a:ea typeface="Cambria Math" panose="02040503050406030204" pitchFamily="18" charset="0"/>
-                              </a:rPr>
-                              <m:t>𝑛</m:t>
-                            </m:r>
-                          </m:sub>
-                        </m:sSub>
-                      </m:oMath>
-                    </m:oMathPara>
-                  </a14:m>
-                  <a:endParaRPr lang="en-US" sz="2000" i="1" dirty="0">
-                    <a:latin typeface="Arial" panose="020B0604020202020204" pitchFamily="34" charset="0"/>
-                  </a:endParaRPr>
-                </a:p>
-              </p:txBody>
-            </p:sp>
-          </mc:Choice>
-          <mc:Fallback xmlns="">
-            <p:sp>
-              <p:nvSpPr>
-                <p:cNvPr id="8" name="Rectangle 7">
-                  <a:extLst>
-                    <a:ext uri="{FF2B5EF4-FFF2-40B4-BE49-F238E27FC236}">
-                      <a16:creationId xmlns:a16="http://schemas.microsoft.com/office/drawing/2014/main" id="{B6C6ED14-A449-481E-B8AA-8AD6DCC78811}"/>
-                    </a:ext>
-                  </a:extLst>
-                </p:cNvPr>
-                <p:cNvSpPr>
-                  <a:spLocks noRot="1" noChangeAspect="1" noMove="1" noResize="1" noEditPoints="1" noAdjustHandles="1" noChangeArrowheads="1" noChangeShapeType="1" noTextEdit="1"/>
-                </p:cNvSpPr>
-                <p:nvPr/>
-              </p:nvSpPr>
-              <p:spPr>
-                <a:xfrm>
-                  <a:off x="1498387" y="1904143"/>
-                  <a:ext cx="4516548" cy="400110"/>
-                </a:xfrm>
-                <a:prstGeom prst="rect">
-                  <a:avLst/>
-                </a:prstGeom>
-                <a:blipFill>
-                  <a:blip r:embed="rId6"/>
-                  <a:stretch>
-                    <a:fillRect b="-16667"/>
-                  </a:stretch>
-                </a:blipFill>
-              </p:spPr>
-              <p:txBody>
-                <a:bodyPr/>
-                <a:lstStyle/>
-                <a:p>
-                  <a:r>
-                    <a:rPr lang="en-US">
-                      <a:noFill/>
-                    </a:rPr>
-                    <a:t> </a:t>
-                  </a:r>
-                </a:p>
-              </p:txBody>
-            </p:sp>
-          </mc:Fallback>
-        </mc:AlternateContent>
-        <mc:AlternateContent xmlns:mc="http://schemas.openxmlformats.org/markup-compatibility/2006" xmlns:a14="http://schemas.microsoft.com/office/drawing/2010/main">
-          <mc:Choice Requires="a14">
-            <p:sp>
-              <p:nvSpPr>
-                <p:cNvPr id="3" name="Rectangle 2">
-                  <a:extLst>
-                    <a:ext uri="{FF2B5EF4-FFF2-40B4-BE49-F238E27FC236}">
-                      <a16:creationId xmlns:a16="http://schemas.microsoft.com/office/drawing/2014/main" id="{6BECA76F-2FDD-4804-9CAA-7570E921D5AB}"/>
-                    </a:ext>
-                  </a:extLst>
-                </p:cNvPr>
-                <p:cNvSpPr/>
-                <p:nvPr/>
-              </p:nvSpPr>
-              <p:spPr>
-                <a:xfrm>
-                  <a:off x="2200562" y="1475658"/>
-                  <a:ext cx="2146550" cy="700769"/>
-                </a:xfrm>
-                <a:prstGeom prst="rect">
-                  <a:avLst/>
-                </a:prstGeom>
-              </p:spPr>
-              <p:txBody>
-                <a:bodyPr wrap="square">
-                  <a:spAutoFit/>
-                </a:bodyPr>
-                <a:lstStyle/>
-                <a:p>
-                  <a:pPr marR="15580"/>
-                  <a14:m>
-                    <m:oMathPara xmlns:m="http://schemas.openxmlformats.org/officeDocument/2006/math">
-                      <m:oMathParaPr>
-                        <m:jc m:val="centerGroup"/>
-                      </m:oMathParaPr>
-                      <m:oMath xmlns:m="http://schemas.openxmlformats.org/officeDocument/2006/math">
-                        <m:sSub>
-                          <m:sSubPr>
-                            <m:ctrlPr>
-                              <a:rPr lang="en-US" sz="2000" i="1">
-                                <a:latin typeface="Cambria Math" panose="02040503050406030204" pitchFamily="18" charset="0"/>
-                              </a:rPr>
-                            </m:ctrlPr>
-                          </m:sSubPr>
-                          <m:e>
-                            <m:r>
-                              <a:rPr lang="en-US" sz="2000" i="1">
-                                <a:latin typeface="Cambria Math" panose="02040503050406030204" pitchFamily="18" charset="0"/>
-                              </a:rPr>
-                              <m:t>𝑋</m:t>
-                            </m:r>
-                          </m:e>
-                          <m:sub>
-                            <m:r>
-                              <a:rPr lang="en-US" sz="2000" i="1">
-                                <a:latin typeface="Cambria Math" panose="02040503050406030204" pitchFamily="18" charset="0"/>
-                              </a:rPr>
-                              <m:t>𝑛</m:t>
-                            </m:r>
-                          </m:sub>
-                        </m:sSub>
-                        <m:r>
-                          <a:rPr lang="en-US" sz="2000" i="1">
-                            <a:latin typeface="Cambria Math" panose="02040503050406030204" pitchFamily="18" charset="0"/>
-                          </a:rPr>
-                          <m:t>=</m:t>
-                        </m:r>
-                        <m:r>
-                          <a:rPr lang="en-US" sz="2000" i="1">
-                            <a:latin typeface="Cambria Math" panose="02040503050406030204" pitchFamily="18" charset="0"/>
-                            <a:ea typeface="Cambria Math" panose="02040503050406030204" pitchFamily="18" charset="0"/>
-                          </a:rPr>
-                          <m:t>𝛼</m:t>
-                        </m:r>
-                        <m:sSub>
-                          <m:sSubPr>
-                            <m:ctrlPr>
-                              <a:rPr lang="en-US" sz="2000" i="1">
-                                <a:latin typeface="Cambria Math" panose="02040503050406030204" pitchFamily="18" charset="0"/>
-                                <a:ea typeface="Cambria Math" panose="02040503050406030204" pitchFamily="18" charset="0"/>
-                              </a:rPr>
-                            </m:ctrlPr>
-                          </m:sSubPr>
-                          <m:e>
-                            <m:r>
-                              <a:rPr lang="en-US" sz="2000" i="1">
-                                <a:latin typeface="Cambria Math" panose="02040503050406030204" pitchFamily="18" charset="0"/>
-                                <a:ea typeface="Cambria Math" panose="02040503050406030204" pitchFamily="18" charset="0"/>
-                              </a:rPr>
-                              <m:t>𝑋</m:t>
-                            </m:r>
-                          </m:e>
-                          <m:sub>
-                            <m:r>
-                              <a:rPr lang="en-US" sz="2000" i="1">
-                                <a:latin typeface="Cambria Math" panose="02040503050406030204" pitchFamily="18" charset="0"/>
-                                <a:ea typeface="Cambria Math" panose="02040503050406030204" pitchFamily="18" charset="0"/>
-                              </a:rPr>
-                              <m:t>𝑛</m:t>
-                            </m:r>
-                            <m:r>
-                              <a:rPr lang="en-US" sz="2000" i="1">
-                                <a:latin typeface="Cambria Math" panose="02040503050406030204" pitchFamily="18" charset="0"/>
-                                <a:ea typeface="Cambria Math" panose="02040503050406030204" pitchFamily="18" charset="0"/>
-                              </a:rPr>
-                              <m:t>−1</m:t>
-                            </m:r>
-                          </m:sub>
-                        </m:sSub>
-                        <m:r>
-                          <a:rPr lang="en-US" sz="2000" i="1">
-                            <a:latin typeface="Cambria Math" panose="02040503050406030204" pitchFamily="18" charset="0"/>
-                            <a:ea typeface="Cambria Math" panose="02040503050406030204" pitchFamily="18" charset="0"/>
-                          </a:rPr>
-                          <m:t>+</m:t>
-                        </m:r>
-                        <m:sSub>
-                          <m:sSubPr>
-                            <m:ctrlPr>
-                              <a:rPr lang="en-US" sz="2000" i="1">
-                                <a:latin typeface="Cambria Math" panose="02040503050406030204" pitchFamily="18" charset="0"/>
-                                <a:ea typeface="Cambria Math" panose="02040503050406030204" pitchFamily="18" charset="0"/>
-                              </a:rPr>
-                            </m:ctrlPr>
-                          </m:sSubPr>
-                          <m:e>
-                            <m:r>
-                              <a:rPr lang="en-US" sz="2000" i="1">
-                                <a:latin typeface="Cambria Math" panose="02040503050406030204" pitchFamily="18" charset="0"/>
-                                <a:ea typeface="Cambria Math" panose="02040503050406030204" pitchFamily="18" charset="0"/>
-                              </a:rPr>
-                              <m:t>𝜀</m:t>
-                            </m:r>
-                          </m:e>
-                          <m:sub>
-                            <m:r>
-                              <a:rPr lang="en-US" sz="2000" i="1">
-                                <a:latin typeface="Cambria Math" panose="02040503050406030204" pitchFamily="18" charset="0"/>
-                                <a:ea typeface="Cambria Math" panose="02040503050406030204" pitchFamily="18" charset="0"/>
-                              </a:rPr>
-                              <m:t>𝑛</m:t>
-                            </m:r>
-                          </m:sub>
-                        </m:sSub>
-                      </m:oMath>
-                    </m:oMathPara>
-                  </a14:m>
-                  <a:endParaRPr lang="en-US" sz="2000" i="1" dirty="0">
-                    <a:latin typeface="Arial" panose="020B0604020202020204" pitchFamily="34" charset="0"/>
-                    <a:ea typeface="Cambria Math" panose="02040503050406030204" pitchFamily="18" charset="0"/>
-                  </a:endParaRPr>
-                </a:p>
-              </p:txBody>
-            </p:sp>
-          </mc:Choice>
-          <mc:Fallback xmlns="">
-            <p:sp>
-              <p:nvSpPr>
-                <p:cNvPr id="3" name="Rectangle 2">
-                  <a:extLst>
-                    <a:ext uri="{FF2B5EF4-FFF2-40B4-BE49-F238E27FC236}">
-                      <a16:creationId xmlns:a16="http://schemas.microsoft.com/office/drawing/2014/main" id="{6BECA76F-2FDD-4804-9CAA-7570E921D5AB}"/>
-                    </a:ext>
-                  </a:extLst>
-                </p:cNvPr>
-                <p:cNvSpPr>
-                  <a:spLocks noRot="1" noChangeAspect="1" noMove="1" noResize="1" noEditPoints="1" noAdjustHandles="1" noChangeArrowheads="1" noChangeShapeType="1" noTextEdit="1"/>
-                </p:cNvSpPr>
-                <p:nvPr/>
-              </p:nvSpPr>
-              <p:spPr>
-                <a:xfrm>
-                  <a:off x="2200562" y="1475658"/>
-                  <a:ext cx="2146550" cy="700769"/>
-                </a:xfrm>
-                <a:prstGeom prst="rect">
-                  <a:avLst/>
-                </a:prstGeom>
-                <a:blipFill>
-                  <a:blip r:embed="rId7"/>
-                  <a:stretch>
-                    <a:fillRect/>
-                  </a:stretch>
-                </a:blipFill>
-              </p:spPr>
-              <p:txBody>
-                <a:bodyPr/>
-                <a:lstStyle/>
-                <a:p>
-                  <a:r>
-                    <a:rPr lang="en-US">
-                      <a:noFill/>
-                    </a:rPr>
-                    <a:t> </a:t>
-                  </a:r>
-                </a:p>
-              </p:txBody>
-            </p:sp>
-          </mc:Fallback>
-        </mc:AlternateContent>
-      </p:grpSp>
-      <mc:AlternateContent xmlns:mc="http://schemas.openxmlformats.org/markup-compatibility/2006" xmlns:a14="http://schemas.microsoft.com/office/drawing/2010/main">
-        <mc:Choice Requires="a14">
-          <p:sp>
-            <p:nvSpPr>
-              <p:cNvPr id="6" name="TextBox 5">
-                <a:extLst>
-                  <a:ext uri="{FF2B5EF4-FFF2-40B4-BE49-F238E27FC236}">
-                    <a16:creationId xmlns:a16="http://schemas.microsoft.com/office/drawing/2014/main" id="{8C34E6E4-9C3D-40D8-AA05-B274501CD41C}"/>
-                  </a:ext>
-                </a:extLst>
-              </p:cNvPr>
-              <p:cNvSpPr txBox="1"/>
-              <p:nvPr/>
-            </p:nvSpPr>
-            <p:spPr>
-              <a:xfrm>
-                <a:off x="935885" y="2885278"/>
-                <a:ext cx="2542747" cy="518604"/>
-              </a:xfrm>
-              <a:prstGeom prst="rect">
-                <a:avLst/>
-              </a:prstGeom>
-              <a:noFill/>
-            </p:spPr>
-            <p:txBody>
-              <a:bodyPr wrap="none" lIns="0" tIns="0" rIns="0" bIns="0" rtlCol="0">
-                <a:spAutoFit/>
-              </a:bodyPr>
-              <a:lstStyle/>
-              <a:p>
-                <a:pPr/>
-                <a14:m>
-                  <m:oMathPara xmlns:m="http://schemas.openxmlformats.org/officeDocument/2006/math">
-                    <m:oMathParaPr>
-                      <m:jc m:val="centerGroup"/>
-                    </m:oMathParaPr>
-                    <m:oMath xmlns:m="http://schemas.openxmlformats.org/officeDocument/2006/math">
-                      <m:r>
-                        <a:rPr lang="en-US" b="0" i="1" smtClean="0">
-                          <a:latin typeface="Cambria Math" panose="02040503050406030204" pitchFamily="18" charset="0"/>
-                        </a:rPr>
-                        <m:t>𝐼</m:t>
-                      </m:r>
-                      <m:d>
-                        <m:dPr>
-                          <m:ctrlPr>
-                            <a:rPr lang="en-US" b="0" i="1" smtClean="0">
-                              <a:latin typeface="Cambria Math" panose="02040503050406030204" pitchFamily="18" charset="0"/>
-                            </a:rPr>
-                          </m:ctrlPr>
-                        </m:dPr>
-                        <m:e>
-                          <m:r>
-                            <a:rPr lang="en-US" b="0" i="1" smtClean="0">
-                              <a:latin typeface="Cambria Math" panose="02040503050406030204" pitchFamily="18" charset="0"/>
-                            </a:rPr>
-                            <m:t>𝑋</m:t>
-                          </m:r>
-                          <m:r>
-                            <a:rPr lang="en-US" b="0" i="1" smtClean="0">
-                              <a:latin typeface="Cambria Math" panose="02040503050406030204" pitchFamily="18" charset="0"/>
-                            </a:rPr>
-                            <m:t>,</m:t>
-                          </m:r>
-                          <m:r>
-                            <a:rPr lang="en-US" b="0" i="1" smtClean="0">
-                              <a:latin typeface="Cambria Math" panose="02040503050406030204" pitchFamily="18" charset="0"/>
-                            </a:rPr>
-                            <m:t>𝑌</m:t>
-                          </m:r>
-                        </m:e>
-                      </m:d>
-                      <m:r>
-                        <a:rPr lang="en-US" b="0" i="1" smtClean="0">
-                          <a:latin typeface="Cambria Math" panose="02040503050406030204" pitchFamily="18" charset="0"/>
-                        </a:rPr>
-                        <m:t>=−</m:t>
-                      </m:r>
-                      <m:f>
-                        <m:fPr>
-                          <m:ctrlPr>
-                            <a:rPr lang="en-US" b="0" i="1" smtClean="0">
-                              <a:latin typeface="Cambria Math" panose="02040503050406030204" pitchFamily="18" charset="0"/>
-                            </a:rPr>
-                          </m:ctrlPr>
-                        </m:fPr>
-                        <m:num>
-                          <m:r>
-                            <a:rPr lang="en-US" b="0" i="1" smtClean="0">
-                              <a:latin typeface="Cambria Math" panose="02040503050406030204" pitchFamily="18" charset="0"/>
-                            </a:rPr>
-                            <m:t>1</m:t>
-                          </m:r>
-                        </m:num>
-                        <m:den>
-                          <m:r>
-                            <a:rPr lang="en-US" b="0" i="1" smtClean="0">
-                              <a:latin typeface="Cambria Math" panose="02040503050406030204" pitchFamily="18" charset="0"/>
-                            </a:rPr>
-                            <m:t>2</m:t>
-                          </m:r>
-                        </m:den>
-                      </m:f>
-                      <m:r>
-                        <m:rPr>
-                          <m:sty m:val="p"/>
-                        </m:rPr>
-                        <a:rPr lang="en-US" b="0" i="0" smtClean="0">
-                          <a:latin typeface="Cambria Math" panose="02040503050406030204" pitchFamily="18" charset="0"/>
-                        </a:rPr>
-                        <m:t>log</m:t>
-                      </m:r>
-                      <m:r>
-                        <a:rPr lang="en-US" b="0" i="1" smtClean="0">
-                          <a:latin typeface="Cambria Math" panose="02040503050406030204" pitchFamily="18" charset="0"/>
-                        </a:rPr>
-                        <m:t>⁡(1−</m:t>
-                      </m:r>
-                      <m:sSup>
-                        <m:sSupPr>
-                          <m:ctrlPr>
-                            <a:rPr lang="en-US" b="0" i="1" smtClean="0">
-                              <a:latin typeface="Cambria Math" panose="02040503050406030204" pitchFamily="18" charset="0"/>
-                            </a:rPr>
-                          </m:ctrlPr>
-                        </m:sSupPr>
-                        <m:e>
-                          <m:r>
-                            <a:rPr lang="en-US" b="0" i="1" smtClean="0">
-                              <a:latin typeface="Cambria Math" panose="02040503050406030204" pitchFamily="18" charset="0"/>
-                              <a:ea typeface="Cambria Math" panose="02040503050406030204" pitchFamily="18" charset="0"/>
-                            </a:rPr>
-                            <m:t>𝜌</m:t>
-                          </m:r>
-                        </m:e>
-                        <m:sup>
-                          <m:r>
-                            <a:rPr lang="en-US" b="0" i="1" smtClean="0">
-                              <a:latin typeface="Cambria Math" panose="02040503050406030204" pitchFamily="18" charset="0"/>
-                            </a:rPr>
-                            <m:t>2</m:t>
-                          </m:r>
-                        </m:sup>
-                      </m:sSup>
-                      <m:r>
-                        <a:rPr lang="en-US" b="0" i="1" smtClean="0">
-                          <a:latin typeface="Cambria Math" panose="02040503050406030204" pitchFamily="18" charset="0"/>
-                        </a:rPr>
-                        <m:t>)</m:t>
-                      </m:r>
-                    </m:oMath>
-                  </m:oMathPara>
-                </a14:m>
-                <a:endParaRPr lang="en-US" dirty="0"/>
-              </a:p>
-            </p:txBody>
-          </p:sp>
-        </mc:Choice>
-        <mc:Fallback xmlns="">
-          <p:sp>
-            <p:nvSpPr>
-              <p:cNvPr id="6" name="TextBox 5">
-                <a:extLst>
-                  <a:ext uri="{FF2B5EF4-FFF2-40B4-BE49-F238E27FC236}">
-                    <a16:creationId xmlns:a16="http://schemas.microsoft.com/office/drawing/2014/main" id="{8C34E6E4-9C3D-40D8-AA05-B274501CD41C}"/>
-                  </a:ext>
-                </a:extLst>
-              </p:cNvPr>
-              <p:cNvSpPr txBox="1">
-                <a:spLocks noRot="1" noChangeAspect="1" noMove="1" noResize="1" noEditPoints="1" noAdjustHandles="1" noChangeArrowheads="1" noChangeShapeType="1" noTextEdit="1"/>
-              </p:cNvSpPr>
-              <p:nvPr/>
-            </p:nvSpPr>
-            <p:spPr>
-              <a:xfrm>
-                <a:off x="935885" y="2885278"/>
-                <a:ext cx="2542747" cy="518604"/>
-              </a:xfrm>
-              <a:prstGeom prst="rect">
-                <a:avLst/>
-              </a:prstGeom>
-              <a:blipFill>
-                <a:blip r:embed="rId8"/>
-                <a:stretch>
-                  <a:fillRect/>
-                </a:stretch>
-              </a:blipFill>
-            </p:spPr>
-            <p:txBody>
-              <a:bodyPr/>
-              <a:lstStyle/>
-              <a:p>
-                <a:r>
-                  <a:rPr lang="en-US">
-                    <a:noFill/>
-                  </a:rPr>
-                  <a:t> </a:t>
-                </a:r>
-              </a:p>
-            </p:txBody>
-          </p:sp>
-        </mc:Fallback>
-      </mc:AlternateContent>
-      <mc:AlternateContent xmlns:mc="http://schemas.openxmlformats.org/markup-compatibility/2006" xmlns:a14="http://schemas.microsoft.com/office/drawing/2010/main">
-        <mc:Choice Requires="a14">
-          <p:sp>
-            <p:nvSpPr>
-              <p:cNvPr id="12" name="TextBox 11">
-                <a:extLst>
-                  <a:ext uri="{FF2B5EF4-FFF2-40B4-BE49-F238E27FC236}">
-                    <a16:creationId xmlns:a16="http://schemas.microsoft.com/office/drawing/2014/main" id="{3D85F88C-10BA-4CE0-B798-F2E3F4FC74B4}"/>
-                  </a:ext>
-                </a:extLst>
-              </p:cNvPr>
-              <p:cNvSpPr txBox="1"/>
-              <p:nvPr/>
-            </p:nvSpPr>
-            <p:spPr>
-              <a:xfrm>
-                <a:off x="508328" y="3307126"/>
-                <a:ext cx="5782865" cy="898644"/>
-              </a:xfrm>
-              <a:prstGeom prst="rect">
-                <a:avLst/>
-              </a:prstGeom>
-              <a:noFill/>
-            </p:spPr>
-            <p:txBody>
-              <a:bodyPr wrap="square" lIns="0" tIns="0" rIns="0" bIns="0" rtlCol="0">
-                <a:spAutoFit/>
-              </a:bodyPr>
-              <a:lstStyle/>
-              <a:p>
-                <a:pPr/>
-                <a14:m>
-                  <m:oMathPara xmlns:m="http://schemas.openxmlformats.org/officeDocument/2006/math">
-                    <m:oMathParaPr>
-                      <m:jc m:val="centerGroup"/>
-                    </m:oMathParaPr>
-                    <m:oMath xmlns:m="http://schemas.openxmlformats.org/officeDocument/2006/math">
-                      <m:r>
-                        <a:rPr lang="en-US" b="0" i="1" smtClean="0">
-                          <a:latin typeface="Cambria Math" panose="02040503050406030204" pitchFamily="18" charset="0"/>
-                        </a:rPr>
-                        <m:t> =−</m:t>
-                      </m:r>
-                      <m:f>
-                        <m:fPr>
-                          <m:ctrlPr>
-                            <a:rPr lang="en-US" b="0" i="1" smtClean="0">
-                              <a:latin typeface="Cambria Math" panose="02040503050406030204" pitchFamily="18" charset="0"/>
-                            </a:rPr>
-                          </m:ctrlPr>
-                        </m:fPr>
-                        <m:num>
-                          <m:r>
-                            <a:rPr lang="en-US" b="0" i="1" smtClean="0">
-                              <a:latin typeface="Cambria Math" panose="02040503050406030204" pitchFamily="18" charset="0"/>
-                            </a:rPr>
-                            <m:t>1</m:t>
-                          </m:r>
-                        </m:num>
-                        <m:den>
-                          <m:r>
-                            <a:rPr lang="en-US" b="0" i="1" smtClean="0">
-                              <a:latin typeface="Cambria Math" panose="02040503050406030204" pitchFamily="18" charset="0"/>
-                            </a:rPr>
-                            <m:t>2</m:t>
-                          </m:r>
-                        </m:den>
-                      </m:f>
-                      <m:r>
-                        <m:rPr>
-                          <m:sty m:val="p"/>
-                        </m:rPr>
-                        <a:rPr lang="en-US" b="0" i="0" smtClean="0">
-                          <a:latin typeface="Cambria Math" panose="02040503050406030204" pitchFamily="18" charset="0"/>
-                        </a:rPr>
-                        <m:t>log</m:t>
-                      </m:r>
-                      <m:r>
-                        <a:rPr lang="en-US" b="0" i="1" smtClean="0">
-                          <a:latin typeface="Cambria Math" panose="02040503050406030204" pitchFamily="18" charset="0"/>
-                        </a:rPr>
-                        <m:t>⁡</m:t>
-                      </m:r>
-                      <m:d>
-                        <m:dPr>
-                          <m:ctrlPr>
-                            <a:rPr lang="en-US" b="0" i="1" smtClean="0">
-                              <a:latin typeface="Cambria Math" panose="02040503050406030204" pitchFamily="18" charset="0"/>
-                            </a:rPr>
-                          </m:ctrlPr>
-                        </m:dPr>
-                        <m:e>
-                          <m:f>
-                            <m:fPr>
-                              <m:ctrlPr>
-                                <a:rPr lang="en-US" b="0" i="1" smtClean="0">
-                                  <a:latin typeface="Cambria Math" panose="02040503050406030204" pitchFamily="18" charset="0"/>
-                                </a:rPr>
-                              </m:ctrlPr>
-                            </m:fPr>
-                            <m:num>
-                              <m:r>
-                                <a:rPr lang="en-US" b="0" i="1" smtClean="0">
-                                  <a:latin typeface="Cambria Math" panose="02040503050406030204" pitchFamily="18" charset="0"/>
-                                </a:rPr>
-                                <m:t>(1−</m:t>
-                              </m:r>
-                              <m:sSup>
-                                <m:sSupPr>
-                                  <m:ctrlPr>
-                                    <a:rPr lang="en-US" b="0" i="1" smtClean="0">
-                                      <a:latin typeface="Cambria Math" panose="02040503050406030204" pitchFamily="18" charset="0"/>
-                                    </a:rPr>
-                                  </m:ctrlPr>
-                                </m:sSupPr>
-                                <m:e>
-                                  <m:r>
-                                    <a:rPr lang="en-US" b="0" i="1" smtClean="0">
-                                      <a:latin typeface="Cambria Math" panose="02040503050406030204" pitchFamily="18" charset="0"/>
-                                      <a:ea typeface="Cambria Math" panose="02040503050406030204" pitchFamily="18" charset="0"/>
-                                    </a:rPr>
-                                    <m:t>𝛼</m:t>
-                                  </m:r>
-                                </m:e>
-                                <m:sup>
-                                  <m:r>
-                                    <a:rPr lang="en-US" b="0" i="1" smtClean="0">
-                                      <a:latin typeface="Cambria Math" panose="02040503050406030204" pitchFamily="18" charset="0"/>
-                                    </a:rPr>
-                                    <m:t>2</m:t>
-                                  </m:r>
-                                </m:sup>
-                              </m:sSup>
-                              <m:r>
-                                <a:rPr lang="en-US" b="0" i="1" smtClean="0">
-                                  <a:latin typeface="Cambria Math" panose="02040503050406030204" pitchFamily="18" charset="0"/>
-                                </a:rPr>
-                                <m:t>)(1−</m:t>
-                              </m:r>
-                              <m:sSup>
-                                <m:sSupPr>
-                                  <m:ctrlPr>
-                                    <a:rPr lang="en-US" b="0" i="1" smtClean="0">
-                                      <a:latin typeface="Cambria Math" panose="02040503050406030204" pitchFamily="18" charset="0"/>
-                                    </a:rPr>
-                                  </m:ctrlPr>
-                                </m:sSupPr>
-                                <m:e>
-                                  <m:r>
-                                    <a:rPr lang="en-US" b="0" i="1" smtClean="0">
-                                      <a:latin typeface="Cambria Math" panose="02040503050406030204" pitchFamily="18" charset="0"/>
-                                      <a:ea typeface="Cambria Math" panose="02040503050406030204" pitchFamily="18" charset="0"/>
-                                    </a:rPr>
-                                    <m:t>𝛽</m:t>
-                                  </m:r>
-                                </m:e>
-                                <m:sup>
-                                  <m:r>
-                                    <a:rPr lang="en-US" b="0" i="1" smtClean="0">
-                                      <a:latin typeface="Cambria Math" panose="02040503050406030204" pitchFamily="18" charset="0"/>
-                                    </a:rPr>
-                                    <m:t>2</m:t>
-                                  </m:r>
-                                  <m:r>
-                                    <a:rPr lang="en-US" b="0" i="1" smtClean="0">
-                                      <a:latin typeface="Cambria Math" panose="02040503050406030204" pitchFamily="18" charset="0"/>
-                                    </a:rPr>
-                                    <m:t>𝑛</m:t>
-                                  </m:r>
-                                  <m:r>
-                                    <a:rPr lang="en-US" b="0" i="1" smtClean="0">
-                                      <a:latin typeface="Cambria Math" panose="02040503050406030204" pitchFamily="18" charset="0"/>
-                                    </a:rPr>
-                                    <m:t>+2</m:t>
-                                  </m:r>
-                                </m:sup>
-                              </m:sSup>
-                              <m:r>
-                                <a:rPr lang="en-US" b="0" i="1" smtClean="0">
-                                  <a:latin typeface="Cambria Math" panose="02040503050406030204" pitchFamily="18" charset="0"/>
-                                </a:rPr>
-                                <m:t>)</m:t>
-                              </m:r>
-                            </m:num>
-                            <m:den>
-                              <m:d>
-                                <m:dPr>
-                                  <m:ctrlPr>
-                                    <a:rPr lang="en-US" b="0" i="1" smtClean="0">
-                                      <a:latin typeface="Cambria Math" panose="02040503050406030204" pitchFamily="18" charset="0"/>
-                                    </a:rPr>
-                                  </m:ctrlPr>
-                                </m:dPr>
-                                <m:e>
-                                  <m:r>
-                                    <a:rPr lang="en-US" b="0" i="1" smtClean="0">
-                                      <a:latin typeface="Cambria Math" panose="02040503050406030204" pitchFamily="18" charset="0"/>
-                                    </a:rPr>
-                                    <m:t>1−</m:t>
-                                  </m:r>
-                                  <m:sSup>
-                                    <m:sSupPr>
-                                      <m:ctrlPr>
-                                        <a:rPr lang="en-US" b="0" i="1" smtClean="0">
-                                          <a:latin typeface="Cambria Math" panose="02040503050406030204" pitchFamily="18" charset="0"/>
-                                        </a:rPr>
-                                      </m:ctrlPr>
-                                    </m:sSupPr>
-                                    <m:e>
-                                      <m:r>
-                                        <a:rPr lang="en-US" b="0" i="1" smtClean="0">
-                                          <a:latin typeface="Cambria Math" panose="02040503050406030204" pitchFamily="18" charset="0"/>
-                                          <a:ea typeface="Cambria Math" panose="02040503050406030204" pitchFamily="18" charset="0"/>
-                                        </a:rPr>
-                                        <m:t>𝛼</m:t>
-                                      </m:r>
-                                    </m:e>
-                                    <m:sup>
-                                      <m:r>
-                                        <a:rPr lang="en-US" b="0" i="1" smtClean="0">
-                                          <a:latin typeface="Cambria Math" panose="02040503050406030204" pitchFamily="18" charset="0"/>
-                                        </a:rPr>
-                                        <m:t>2</m:t>
-                                      </m:r>
-                                    </m:sup>
-                                  </m:sSup>
-                                </m:e>
-                              </m:d>
-                              <m:d>
-                                <m:dPr>
-                                  <m:ctrlPr>
-                                    <a:rPr lang="en-US" b="0" i="1" smtClean="0">
-                                      <a:latin typeface="Cambria Math" panose="02040503050406030204" pitchFamily="18" charset="0"/>
-                                    </a:rPr>
-                                  </m:ctrlPr>
-                                </m:dPr>
-                                <m:e>
-                                  <m:r>
-                                    <a:rPr lang="en-US" b="0" i="1" smtClean="0">
-                                      <a:latin typeface="Cambria Math" panose="02040503050406030204" pitchFamily="18" charset="0"/>
-                                    </a:rPr>
-                                    <m:t>1−</m:t>
-                                  </m:r>
-                                  <m:sSup>
-                                    <m:sSupPr>
-                                      <m:ctrlPr>
-                                        <a:rPr lang="en-US" b="0" i="1" smtClean="0">
-                                          <a:latin typeface="Cambria Math" panose="02040503050406030204" pitchFamily="18" charset="0"/>
-                                        </a:rPr>
-                                      </m:ctrlPr>
-                                    </m:sSupPr>
-                                    <m:e>
-                                      <m:r>
-                                        <a:rPr lang="en-US" b="0" i="1" smtClean="0">
-                                          <a:latin typeface="Cambria Math" panose="02040503050406030204" pitchFamily="18" charset="0"/>
-                                          <a:ea typeface="Cambria Math" panose="02040503050406030204" pitchFamily="18" charset="0"/>
-                                        </a:rPr>
-                                        <m:t>𝛽</m:t>
-                                      </m:r>
-                                    </m:e>
-                                    <m:sup>
-                                      <m:r>
-                                        <a:rPr lang="en-US" b="0" i="1" smtClean="0">
-                                          <a:latin typeface="Cambria Math" panose="02040503050406030204" pitchFamily="18" charset="0"/>
-                                        </a:rPr>
-                                        <m:t>2</m:t>
-                                      </m:r>
-                                      <m:r>
-                                        <a:rPr lang="en-US" b="0" i="1" smtClean="0">
-                                          <a:latin typeface="Cambria Math" panose="02040503050406030204" pitchFamily="18" charset="0"/>
-                                        </a:rPr>
-                                        <m:t>𝑛</m:t>
-                                      </m:r>
-                                      <m:r>
-                                        <a:rPr lang="en-US" b="0" i="1" smtClean="0">
-                                          <a:latin typeface="Cambria Math" panose="02040503050406030204" pitchFamily="18" charset="0"/>
-                                        </a:rPr>
-                                        <m:t>+2</m:t>
-                                      </m:r>
-                                    </m:sup>
-                                  </m:sSup>
-                                </m:e>
-                              </m:d>
-                              <m:r>
-                                <a:rPr lang="en-US" b="0" i="1" smtClean="0">
-                                  <a:latin typeface="Cambria Math" panose="02040503050406030204" pitchFamily="18" charset="0"/>
-                                </a:rPr>
-                                <m:t>+</m:t>
-                              </m:r>
-                              <m:sSup>
-                                <m:sSupPr>
-                                  <m:ctrlPr>
-                                    <a:rPr lang="en-US" b="0" i="1" smtClean="0">
-                                      <a:latin typeface="Cambria Math" panose="02040503050406030204" pitchFamily="18" charset="0"/>
-                                    </a:rPr>
-                                  </m:ctrlPr>
-                                </m:sSupPr>
-                                <m:e>
-                                  <m:r>
-                                    <a:rPr lang="en-US" b="0" i="1" smtClean="0">
-                                      <a:latin typeface="Cambria Math" panose="02040503050406030204" pitchFamily="18" charset="0"/>
-                                      <a:ea typeface="Cambria Math" panose="02040503050406030204" pitchFamily="18" charset="0"/>
-                                    </a:rPr>
-                                    <m:t>𝜉</m:t>
-                                  </m:r>
-                                </m:e>
-                                <m:sup>
-                                  <m:r>
-                                    <a:rPr lang="en-US" b="0" i="1" smtClean="0">
-                                      <a:latin typeface="Cambria Math" panose="02040503050406030204" pitchFamily="18" charset="0"/>
-                                    </a:rPr>
-                                    <m:t>2</m:t>
-                                  </m:r>
-                                </m:sup>
-                              </m:sSup>
-                              <m:r>
-                                <a:rPr lang="en-US" b="0" i="1" smtClean="0">
-                                  <a:latin typeface="Cambria Math" panose="02040503050406030204" pitchFamily="18" charset="0"/>
-                                </a:rPr>
-                                <m:t>(1−</m:t>
-                              </m:r>
-                              <m:sSup>
-                                <m:sSupPr>
-                                  <m:ctrlPr>
-                                    <a:rPr lang="en-US" b="0" i="1" smtClean="0">
-                                      <a:latin typeface="Cambria Math" panose="02040503050406030204" pitchFamily="18" charset="0"/>
-                                    </a:rPr>
-                                  </m:ctrlPr>
-                                </m:sSupPr>
-                                <m:e>
-                                  <m:r>
-                                    <a:rPr lang="en-US" b="0" i="1" smtClean="0">
-                                      <a:latin typeface="Cambria Math" panose="02040503050406030204" pitchFamily="18" charset="0"/>
-                                      <a:ea typeface="Cambria Math" panose="02040503050406030204" pitchFamily="18" charset="0"/>
-                                    </a:rPr>
-                                    <m:t>𝛽</m:t>
-                                  </m:r>
-                                </m:e>
-                                <m:sup>
-                                  <m:r>
-                                    <a:rPr lang="en-US" b="0" i="1" smtClean="0">
-                                      <a:latin typeface="Cambria Math" panose="02040503050406030204" pitchFamily="18" charset="0"/>
-                                    </a:rPr>
-                                    <m:t>2</m:t>
-                                  </m:r>
-                                </m:sup>
-                              </m:sSup>
-                              <m:r>
-                                <a:rPr lang="en-US" b="0" i="1" smtClean="0">
-                                  <a:latin typeface="Cambria Math" panose="02040503050406030204" pitchFamily="18" charset="0"/>
-                                </a:rPr>
-                                <m:t>)(1−</m:t>
-                              </m:r>
-                              <m:sSup>
-                                <m:sSupPr>
-                                  <m:ctrlPr>
-                                    <a:rPr lang="en-US" b="0" i="1" smtClean="0">
-                                      <a:latin typeface="Cambria Math" panose="02040503050406030204" pitchFamily="18" charset="0"/>
-                                    </a:rPr>
-                                  </m:ctrlPr>
-                                </m:sSupPr>
-                                <m:e>
-                                  <m:r>
-                                    <a:rPr lang="en-US" b="0" i="1" smtClean="0">
-                                      <a:latin typeface="Cambria Math" panose="02040503050406030204" pitchFamily="18" charset="0"/>
-                                      <a:ea typeface="Cambria Math" panose="02040503050406030204" pitchFamily="18" charset="0"/>
-                                    </a:rPr>
-                                    <m:t>𝛼</m:t>
-                                  </m:r>
-                                </m:e>
-                                <m:sup>
-                                  <m:r>
-                                    <a:rPr lang="en-US" b="0" i="1" smtClean="0">
-                                      <a:latin typeface="Cambria Math" panose="02040503050406030204" pitchFamily="18" charset="0"/>
-                                    </a:rPr>
-                                    <m:t>2</m:t>
-                                  </m:r>
-                                  <m:r>
-                                    <a:rPr lang="en-US" b="0" i="1" smtClean="0">
-                                      <a:latin typeface="Cambria Math" panose="02040503050406030204" pitchFamily="18" charset="0"/>
-                                    </a:rPr>
-                                    <m:t>𝑛</m:t>
-                                  </m:r>
-                                  <m:r>
-                                    <a:rPr lang="en-US" b="0" i="1" smtClean="0">
-                                      <a:latin typeface="Cambria Math" panose="02040503050406030204" pitchFamily="18" charset="0"/>
-                                    </a:rPr>
-                                    <m:t>+2</m:t>
-                                  </m:r>
-                                </m:sup>
-                              </m:sSup>
-                              <m:r>
-                                <a:rPr lang="en-US" b="0" i="1" smtClean="0">
-                                  <a:latin typeface="Cambria Math" panose="02040503050406030204" pitchFamily="18" charset="0"/>
-                                </a:rPr>
-                                <m:t>)</m:t>
-                              </m:r>
-                            </m:den>
-                          </m:f>
-                        </m:e>
-                      </m:d>
-                    </m:oMath>
-                  </m:oMathPara>
-                </a14:m>
-                <a:endParaRPr lang="en-US" dirty="0"/>
-              </a:p>
-            </p:txBody>
-          </p:sp>
-        </mc:Choice>
-        <mc:Fallback xmlns="">
-          <p:sp>
-            <p:nvSpPr>
-              <p:cNvPr id="12" name="TextBox 11">
-                <a:extLst>
-                  <a:ext uri="{FF2B5EF4-FFF2-40B4-BE49-F238E27FC236}">
-                    <a16:creationId xmlns:a16="http://schemas.microsoft.com/office/drawing/2014/main" id="{3D85F88C-10BA-4CE0-B798-F2E3F4FC74B4}"/>
-                  </a:ext>
-                </a:extLst>
-              </p:cNvPr>
-              <p:cNvSpPr txBox="1">
-                <a:spLocks noRot="1" noChangeAspect="1" noMove="1" noResize="1" noEditPoints="1" noAdjustHandles="1" noChangeArrowheads="1" noChangeShapeType="1" noTextEdit="1"/>
-              </p:cNvSpPr>
-              <p:nvPr/>
-            </p:nvSpPr>
-            <p:spPr>
-              <a:xfrm>
-                <a:off x="508328" y="3307126"/>
-                <a:ext cx="5782865" cy="898644"/>
-              </a:xfrm>
-              <a:prstGeom prst="rect">
-                <a:avLst/>
-              </a:prstGeom>
-              <a:blipFill>
-                <a:blip r:embed="rId9"/>
-                <a:stretch>
-                  <a:fillRect/>
-                </a:stretch>
-              </a:blipFill>
-            </p:spPr>
-            <p:txBody>
-              <a:bodyPr/>
-              <a:lstStyle/>
-              <a:p>
-                <a:r>
-                  <a:rPr lang="en-US">
-                    <a:noFill/>
-                  </a:rPr>
-                  <a:t> </a:t>
-                </a:r>
-              </a:p>
-            </p:txBody>
-          </p:sp>
-        </mc:Fallback>
-      </mc:AlternateContent>
-      <mc:AlternateContent xmlns:mc="http://schemas.openxmlformats.org/markup-compatibility/2006" xmlns:a14="http://schemas.microsoft.com/office/drawing/2010/main">
-        <mc:Choice Requires="a14">
-          <p:sp>
-            <p:nvSpPr>
-              <p:cNvPr id="7" name="TextBox 6">
-                <a:extLst>
-                  <a:ext uri="{FF2B5EF4-FFF2-40B4-BE49-F238E27FC236}">
-                    <a16:creationId xmlns:a16="http://schemas.microsoft.com/office/drawing/2014/main" id="{9161A25C-FAF9-4B3C-B3EF-81B852CE56A9}"/>
-                  </a:ext>
-                </a:extLst>
-              </p:cNvPr>
-              <p:cNvSpPr txBox="1"/>
-              <p:nvPr/>
-            </p:nvSpPr>
-            <p:spPr>
-              <a:xfrm>
-                <a:off x="768947" y="4475873"/>
-                <a:ext cx="5419369" cy="997324"/>
-              </a:xfrm>
-              <a:prstGeom prst="rect">
-                <a:avLst/>
-              </a:prstGeom>
-              <a:noFill/>
-            </p:spPr>
-            <p:txBody>
-              <a:bodyPr wrap="none" rtlCol="0">
-                <a:spAutoFit/>
-              </a:bodyPr>
-              <a:lstStyle/>
-              <a:p>
-                <a:r>
-                  <a:rPr lang="en-US" dirty="0"/>
-                  <a:t>Since </a:t>
-                </a:r>
-                <a14:m>
-                  <m:oMath xmlns:m="http://schemas.openxmlformats.org/officeDocument/2006/math">
-                    <m:r>
-                      <a:rPr lang="en-US" i="1" smtClean="0">
-                        <a:latin typeface="Cambria Math" panose="02040503050406030204" pitchFamily="18" charset="0"/>
-                        <a:ea typeface="Cambria Math" panose="02040503050406030204" pitchFamily="18" charset="0"/>
-                      </a:rPr>
-                      <m:t>𝛼</m:t>
-                    </m:r>
-                  </m:oMath>
-                </a14:m>
-                <a:r>
-                  <a:rPr lang="en-US" dirty="0"/>
-                  <a:t> and </a:t>
-                </a:r>
-                <a14:m>
-                  <m:oMath xmlns:m="http://schemas.openxmlformats.org/officeDocument/2006/math">
-                    <m:r>
-                      <a:rPr lang="en-US" i="1" smtClean="0">
-                        <a:latin typeface="Cambria Math" panose="02040503050406030204" pitchFamily="18" charset="0"/>
-                        <a:ea typeface="Cambria Math" panose="02040503050406030204" pitchFamily="18" charset="0"/>
-                      </a:rPr>
-                      <m:t>𝛽</m:t>
-                    </m:r>
-                  </m:oMath>
-                </a14:m>
-                <a:r>
-                  <a:rPr lang="en-US" dirty="0"/>
-                  <a:t> is smaller than 1, when n is large enough:</a:t>
-                </a:r>
-              </a:p>
-              <a:p>
-                <a:pPr/>
-                <a14:m>
-                  <m:oMathPara xmlns:m="http://schemas.openxmlformats.org/officeDocument/2006/math">
-                    <m:oMathParaPr>
-                      <m:jc m:val="centerGroup"/>
-                    </m:oMathParaPr>
-                    <m:oMath xmlns:m="http://schemas.openxmlformats.org/officeDocument/2006/math">
-                      <m:r>
-                        <a:rPr lang="en-US" b="0" i="1" smtClean="0">
-                          <a:latin typeface="Cambria Math" panose="02040503050406030204" pitchFamily="18" charset="0"/>
-                        </a:rPr>
-                        <m:t>𝐼</m:t>
-                      </m:r>
-                      <m:r>
-                        <a:rPr lang="en-US" b="0" i="1" smtClean="0">
-                          <a:latin typeface="Cambria Math" panose="02040503050406030204" pitchFamily="18" charset="0"/>
-                        </a:rPr>
-                        <m:t>(</m:t>
-                      </m:r>
-                      <m:r>
-                        <a:rPr lang="en-US" b="0" i="1" smtClean="0">
-                          <a:latin typeface="Cambria Math" panose="02040503050406030204" pitchFamily="18" charset="0"/>
-                        </a:rPr>
-                        <m:t>𝑋</m:t>
-                      </m:r>
-                      <m:r>
-                        <a:rPr lang="en-US" b="0" i="1" smtClean="0">
-                          <a:latin typeface="Cambria Math" panose="02040503050406030204" pitchFamily="18" charset="0"/>
-                        </a:rPr>
-                        <m:t>,</m:t>
-                      </m:r>
-                      <m:r>
-                        <a:rPr lang="en-US" b="0" i="1" smtClean="0">
-                          <a:latin typeface="Cambria Math" panose="02040503050406030204" pitchFamily="18" charset="0"/>
-                        </a:rPr>
-                        <m:t>𝑌</m:t>
-                      </m:r>
-                      <m:r>
-                        <a:rPr lang="en-US" b="0" i="1" smtClean="0">
-                          <a:latin typeface="Cambria Math" panose="02040503050406030204" pitchFamily="18" charset="0"/>
-                        </a:rPr>
-                        <m:t>)=−</m:t>
-                      </m:r>
-                      <m:f>
-                        <m:fPr>
-                          <m:ctrlPr>
-                            <a:rPr lang="en-US" b="0" i="1" smtClean="0">
-                              <a:latin typeface="Cambria Math" panose="02040503050406030204" pitchFamily="18" charset="0"/>
-                            </a:rPr>
-                          </m:ctrlPr>
-                        </m:fPr>
-                        <m:num>
-                          <m:r>
-                            <a:rPr lang="en-US" b="0" i="1" smtClean="0">
-                              <a:latin typeface="Cambria Math" panose="02040503050406030204" pitchFamily="18" charset="0"/>
-                            </a:rPr>
-                            <m:t>1</m:t>
-                          </m:r>
-                        </m:num>
-                        <m:den>
-                          <m:r>
-                            <a:rPr lang="en-US" b="0" i="1" smtClean="0">
-                              <a:latin typeface="Cambria Math" panose="02040503050406030204" pitchFamily="18" charset="0"/>
-                            </a:rPr>
-                            <m:t>2</m:t>
-                          </m:r>
-                        </m:den>
-                      </m:f>
-                      <m:r>
-                        <m:rPr>
-                          <m:sty m:val="p"/>
-                        </m:rPr>
-                        <a:rPr lang="en-US" b="0" i="0" smtClean="0">
-                          <a:latin typeface="Cambria Math" panose="02040503050406030204" pitchFamily="18" charset="0"/>
-                        </a:rPr>
-                        <m:t>log</m:t>
-                      </m:r>
-                      <m:r>
-                        <a:rPr lang="en-US" b="0" i="1" smtClean="0">
-                          <a:latin typeface="Cambria Math" panose="02040503050406030204" pitchFamily="18" charset="0"/>
-                        </a:rPr>
-                        <m:t>⁡</m:t>
-                      </m:r>
-                      <m:d>
-                        <m:dPr>
-                          <m:ctrlPr>
-                            <a:rPr lang="en-US" b="0" i="1" smtClean="0">
-                              <a:latin typeface="Cambria Math" panose="02040503050406030204" pitchFamily="18" charset="0"/>
-                            </a:rPr>
-                          </m:ctrlPr>
-                        </m:dPr>
-                        <m:e>
-                          <m:f>
-                            <m:fPr>
-                              <m:ctrlPr>
-                                <a:rPr lang="en-US" b="0" i="1" smtClean="0">
-                                  <a:latin typeface="Cambria Math" panose="02040503050406030204" pitchFamily="18" charset="0"/>
-                                </a:rPr>
-                              </m:ctrlPr>
-                            </m:fPr>
-                            <m:num>
-                              <m:r>
-                                <a:rPr lang="en-US" b="0" i="1" smtClean="0">
-                                  <a:latin typeface="Cambria Math" panose="02040503050406030204" pitchFamily="18" charset="0"/>
-                                </a:rPr>
-                                <m:t>1−</m:t>
-                              </m:r>
-                              <m:sSup>
-                                <m:sSupPr>
-                                  <m:ctrlPr>
-                                    <a:rPr lang="en-US" b="0" i="1" smtClean="0">
-                                      <a:latin typeface="Cambria Math" panose="02040503050406030204" pitchFamily="18" charset="0"/>
-                                    </a:rPr>
-                                  </m:ctrlPr>
-                                </m:sSupPr>
-                                <m:e>
-                                  <m:r>
-                                    <a:rPr lang="en-US" b="0" i="1" smtClean="0">
-                                      <a:latin typeface="Cambria Math" panose="02040503050406030204" pitchFamily="18" charset="0"/>
-                                      <a:ea typeface="Cambria Math" panose="02040503050406030204" pitchFamily="18" charset="0"/>
-                                    </a:rPr>
-                                    <m:t>𝛼</m:t>
-                                  </m:r>
-                                </m:e>
-                                <m:sup>
-                                  <m:r>
-                                    <a:rPr lang="en-US" b="0" i="1" smtClean="0">
-                                      <a:latin typeface="Cambria Math" panose="02040503050406030204" pitchFamily="18" charset="0"/>
-                                    </a:rPr>
-                                    <m:t>2</m:t>
-                                  </m:r>
-                                </m:sup>
-                              </m:sSup>
-                            </m:num>
-                            <m:den>
-                              <m:r>
-                                <a:rPr lang="en-US" b="0" i="1" smtClean="0">
-                                  <a:latin typeface="Cambria Math" panose="02040503050406030204" pitchFamily="18" charset="0"/>
-                                </a:rPr>
-                                <m:t>1−</m:t>
-                              </m:r>
-                              <m:sSup>
-                                <m:sSupPr>
-                                  <m:ctrlPr>
-                                    <a:rPr lang="en-US" b="0" i="1" smtClean="0">
-                                      <a:latin typeface="Cambria Math" panose="02040503050406030204" pitchFamily="18" charset="0"/>
-                                    </a:rPr>
-                                  </m:ctrlPr>
-                                </m:sSupPr>
-                                <m:e>
-                                  <m:r>
-                                    <a:rPr lang="en-US" b="0" i="1" smtClean="0">
-                                      <a:latin typeface="Cambria Math" panose="02040503050406030204" pitchFamily="18" charset="0"/>
-                                      <a:ea typeface="Cambria Math" panose="02040503050406030204" pitchFamily="18" charset="0"/>
-                                    </a:rPr>
-                                    <m:t>𝛼</m:t>
-                                  </m:r>
-                                </m:e>
-                                <m:sup>
-                                  <m:r>
-                                    <a:rPr lang="en-US" b="0" i="1" smtClean="0">
-                                      <a:latin typeface="Cambria Math" panose="02040503050406030204" pitchFamily="18" charset="0"/>
-                                    </a:rPr>
-                                    <m:t>2</m:t>
-                                  </m:r>
-                                </m:sup>
-                              </m:sSup>
-                              <m:r>
-                                <a:rPr lang="en-US" b="0" i="1" smtClean="0">
-                                  <a:latin typeface="Cambria Math" panose="02040503050406030204" pitchFamily="18" charset="0"/>
-                                </a:rPr>
-                                <m:t>+</m:t>
-                              </m:r>
-                              <m:sSup>
-                                <m:sSupPr>
-                                  <m:ctrlPr>
-                                    <a:rPr lang="en-US" b="0" i="1" smtClean="0">
-                                      <a:latin typeface="Cambria Math" panose="02040503050406030204" pitchFamily="18" charset="0"/>
-                                    </a:rPr>
-                                  </m:ctrlPr>
-                                </m:sSupPr>
-                                <m:e>
-                                  <m:r>
-                                    <a:rPr lang="en-US" b="0" i="1" smtClean="0">
-                                      <a:latin typeface="Cambria Math" panose="02040503050406030204" pitchFamily="18" charset="0"/>
-                                      <a:ea typeface="Cambria Math" panose="02040503050406030204" pitchFamily="18" charset="0"/>
-                                    </a:rPr>
-                                    <m:t>𝜉</m:t>
-                                  </m:r>
-                                </m:e>
-                                <m:sup>
-                                  <m:r>
-                                    <a:rPr lang="en-US" b="0" i="1" smtClean="0">
-                                      <a:latin typeface="Cambria Math" panose="02040503050406030204" pitchFamily="18" charset="0"/>
-                                    </a:rPr>
-                                    <m:t>2</m:t>
-                                  </m:r>
-                                </m:sup>
-                              </m:sSup>
-                              <m:d>
-                                <m:dPr>
-                                  <m:ctrlPr>
-                                    <a:rPr lang="en-US" b="0" i="1" smtClean="0">
-                                      <a:latin typeface="Cambria Math" panose="02040503050406030204" pitchFamily="18" charset="0"/>
-                                    </a:rPr>
-                                  </m:ctrlPr>
-                                </m:dPr>
-                                <m:e>
-                                  <m:r>
-                                    <a:rPr lang="en-US" b="0" i="1" smtClean="0">
-                                      <a:latin typeface="Cambria Math" panose="02040503050406030204" pitchFamily="18" charset="0"/>
-                                    </a:rPr>
-                                    <m:t>1−</m:t>
-                                  </m:r>
-                                  <m:sSup>
-                                    <m:sSupPr>
-                                      <m:ctrlPr>
-                                        <a:rPr lang="en-US" b="0" i="1" smtClean="0">
-                                          <a:latin typeface="Cambria Math" panose="02040503050406030204" pitchFamily="18" charset="0"/>
-                                        </a:rPr>
-                                      </m:ctrlPr>
-                                    </m:sSupPr>
-                                    <m:e>
-                                      <m:r>
-                                        <a:rPr lang="en-US" b="0" i="1" smtClean="0">
-                                          <a:latin typeface="Cambria Math" panose="02040503050406030204" pitchFamily="18" charset="0"/>
-                                          <a:ea typeface="Cambria Math" panose="02040503050406030204" pitchFamily="18" charset="0"/>
-                                        </a:rPr>
-                                        <m:t>𝛽</m:t>
-                                      </m:r>
-                                    </m:e>
-                                    <m:sup>
-                                      <m:r>
-                                        <a:rPr lang="en-US" b="0" i="1" smtClean="0">
-                                          <a:latin typeface="Cambria Math" panose="02040503050406030204" pitchFamily="18" charset="0"/>
-                                        </a:rPr>
-                                        <m:t>2</m:t>
-                                      </m:r>
-                                    </m:sup>
-                                  </m:sSup>
-                                </m:e>
-                              </m:d>
-                            </m:den>
-                          </m:f>
-                        </m:e>
-                      </m:d>
-                    </m:oMath>
-                  </m:oMathPara>
-                </a14:m>
-                <a:endParaRPr lang="en-US" dirty="0"/>
-              </a:p>
-            </p:txBody>
-          </p:sp>
-        </mc:Choice>
-        <mc:Fallback xmlns="">
-          <p:sp>
-            <p:nvSpPr>
-              <p:cNvPr id="7" name="TextBox 6">
-                <a:extLst>
-                  <a:ext uri="{FF2B5EF4-FFF2-40B4-BE49-F238E27FC236}">
-                    <a16:creationId xmlns:a16="http://schemas.microsoft.com/office/drawing/2014/main" id="{9161A25C-FAF9-4B3C-B3EF-81B852CE56A9}"/>
-                  </a:ext>
-                </a:extLst>
-              </p:cNvPr>
-              <p:cNvSpPr txBox="1">
-                <a:spLocks noRot="1" noChangeAspect="1" noMove="1" noResize="1" noEditPoints="1" noAdjustHandles="1" noChangeArrowheads="1" noChangeShapeType="1" noTextEdit="1"/>
-              </p:cNvSpPr>
-              <p:nvPr/>
-            </p:nvSpPr>
-            <p:spPr>
-              <a:xfrm>
-                <a:off x="768947" y="4475873"/>
-                <a:ext cx="5419369" cy="997324"/>
-              </a:xfrm>
-              <a:prstGeom prst="rect">
-                <a:avLst/>
-              </a:prstGeom>
-              <a:blipFill>
-                <a:blip r:embed="rId10"/>
-                <a:stretch>
-                  <a:fillRect l="-900" t="-3049" r="-225"/>
-                </a:stretch>
-              </a:blipFill>
-            </p:spPr>
-            <p:txBody>
-              <a:bodyPr/>
-              <a:lstStyle/>
-              <a:p>
-                <a:r>
-                  <a:rPr lang="en-US">
-                    <a:noFill/>
-                  </a:rPr>
-                  <a:t> </a:t>
-                </a:r>
-              </a:p>
-            </p:txBody>
-          </p:sp>
-        </mc:Fallback>
-      </mc:AlternateContent>
-      <p:sp>
-        <p:nvSpPr>
-          <p:cNvPr id="15" name="TextBox 14">
-            <a:extLst>
-              <a:ext uri="{FF2B5EF4-FFF2-40B4-BE49-F238E27FC236}">
-                <a16:creationId xmlns:a16="http://schemas.microsoft.com/office/drawing/2014/main" id="{7008BDD7-4911-4F23-A0DC-7A7CBF69F11D}"/>
-              </a:ext>
-            </a:extLst>
-          </p:cNvPr>
-          <p:cNvSpPr txBox="1"/>
-          <p:nvPr/>
-        </p:nvSpPr>
-        <p:spPr>
-          <a:xfrm>
-            <a:off x="5152830" y="5953633"/>
-            <a:ext cx="1402948" cy="646331"/>
-          </a:xfrm>
-          <a:prstGeom prst="rect">
-            <a:avLst/>
-          </a:prstGeom>
-          <a:noFill/>
-        </p:spPr>
-        <p:txBody>
-          <a:bodyPr wrap="none" rtlCol="0">
-            <a:spAutoFit/>
-          </a:bodyPr>
-          <a:lstStyle/>
-          <a:p>
-            <a:r>
-              <a:rPr lang="en-US" dirty="0"/>
-              <a:t>#bins = </a:t>
-            </a:r>
-            <a:r>
-              <a:rPr lang="en-US" altLang="zh-CN" dirty="0"/>
-              <a:t>15</a:t>
-            </a:r>
-            <a:r>
-              <a:rPr lang="en-US" dirty="0"/>
-              <a:t>0</a:t>
-            </a:r>
-          </a:p>
-          <a:p>
-            <a:r>
-              <a:rPr lang="en-US" altLang="zh-CN" dirty="0"/>
-              <a:t>300000 trials</a:t>
-            </a:r>
-            <a:endParaRPr lang="en-US" dirty="0"/>
-          </a:p>
-        </p:txBody>
-      </p:sp>
-    </p:spTree>
-    <p:extLst>
-      <p:ext uri="{BB962C8B-B14F-4D97-AF65-F5344CB8AC3E}">
-        <p14:creationId xmlns:p14="http://schemas.microsoft.com/office/powerpoint/2010/main" val="3342517211"/>
       </p:ext>
     </p:extLst>
   </p:cSld>
@@ -13433,10 +12779,10 @@
       </p:grpSpPr>
       <p:pic>
         <p:nvPicPr>
-          <p:cNvPr id="5" name="Picture 4">
-            <a:extLst>
-              <a:ext uri="{FF2B5EF4-FFF2-40B4-BE49-F238E27FC236}">
-                <a16:creationId xmlns:a16="http://schemas.microsoft.com/office/drawing/2014/main" id="{EFD515D0-26B2-47F8-BAC2-704CD7646309}"/>
+          <p:cNvPr id="4" name="Picture 3">
+            <a:extLst>
+              <a:ext uri="{FF2B5EF4-FFF2-40B4-BE49-F238E27FC236}">
+                <a16:creationId xmlns:a16="http://schemas.microsoft.com/office/drawing/2014/main" id="{20EE6D07-E921-4090-AD54-9DE00422E4D8}"/>
               </a:ext>
             </a:extLst>
           </p:cNvPr>
@@ -13453,98 +12799,8 @@
         </p:blipFill>
         <p:spPr>
           <a:xfrm>
-            <a:off x="3021728" y="336625"/>
-            <a:ext cx="4120903" cy="3090677"/>
-          </a:xfrm>
-          <a:prstGeom prst="rect">
-            <a:avLst/>
-          </a:prstGeom>
-        </p:spPr>
-      </p:pic>
-      <p:pic>
-        <p:nvPicPr>
-          <p:cNvPr id="7" name="Picture 6">
-            <a:extLst>
-              <a:ext uri="{FF2B5EF4-FFF2-40B4-BE49-F238E27FC236}">
-                <a16:creationId xmlns:a16="http://schemas.microsoft.com/office/drawing/2014/main" id="{724C2A34-0A19-4557-8237-3E1F35C03CF9}"/>
-              </a:ext>
-            </a:extLst>
-          </p:cNvPr>
-          <p:cNvPicPr>
-            <a:picLocks noChangeAspect="1"/>
-          </p:cNvPicPr>
-          <p:nvPr/>
-        </p:nvPicPr>
-        <p:blipFill>
-          <a:blip r:embed="rId3"/>
-          <a:stretch>
-            <a:fillRect/>
-          </a:stretch>
-        </p:blipFill>
-        <p:spPr>
-          <a:xfrm>
-            <a:off x="7933726" y="338323"/>
-            <a:ext cx="4120903" cy="3090677"/>
-          </a:xfrm>
-          <a:prstGeom prst="rect">
-            <a:avLst/>
-          </a:prstGeom>
-        </p:spPr>
-      </p:pic>
-      <p:pic>
-        <p:nvPicPr>
-          <p:cNvPr id="9" name="Picture 8">
-            <a:extLst>
-              <a:ext uri="{FF2B5EF4-FFF2-40B4-BE49-F238E27FC236}">
-                <a16:creationId xmlns:a16="http://schemas.microsoft.com/office/drawing/2014/main" id="{308A7131-25B2-4C43-B692-34EA37322936}"/>
-              </a:ext>
-            </a:extLst>
-          </p:cNvPr>
-          <p:cNvPicPr>
-            <a:picLocks noChangeAspect="1"/>
-          </p:cNvPicPr>
-          <p:nvPr/>
-        </p:nvPicPr>
-        <p:blipFill>
-          <a:blip r:embed="rId4"/>
-          <a:stretch>
-            <a:fillRect/>
-          </a:stretch>
-        </p:blipFill>
-        <p:spPr>
-          <a:xfrm>
-            <a:off x="3021729" y="3427302"/>
-            <a:ext cx="4120903" cy="3090677"/>
-          </a:xfrm>
-          <a:prstGeom prst="rect">
-            <a:avLst/>
-          </a:prstGeom>
-        </p:spPr>
-      </p:pic>
-      <p:pic>
-        <p:nvPicPr>
-          <p:cNvPr id="15" name="Picture 14">
-            <a:extLst>
-              <a:ext uri="{FF2B5EF4-FFF2-40B4-BE49-F238E27FC236}">
-                <a16:creationId xmlns:a16="http://schemas.microsoft.com/office/drawing/2014/main" id="{601BB40A-6246-48EB-82FE-3A035521AAB9}"/>
-              </a:ext>
-            </a:extLst>
-          </p:cNvPr>
-          <p:cNvPicPr>
-            <a:picLocks noChangeAspect="1"/>
-          </p:cNvPicPr>
-          <p:nvPr/>
-        </p:nvPicPr>
-        <p:blipFill>
-          <a:blip r:embed="rId5"/>
-          <a:stretch>
-            <a:fillRect/>
-          </a:stretch>
-        </p:blipFill>
-        <p:spPr>
-          <a:xfrm>
-            <a:off x="7933727" y="3429000"/>
-            <a:ext cx="4120903" cy="3090677"/>
+            <a:off x="1" y="2347473"/>
+            <a:ext cx="12191996" cy="3657599"/>
           </a:xfrm>
           <a:prstGeom prst="rect">
             <a:avLst/>
@@ -13553,212 +12809,35 @@
       </p:pic>
       <p:sp>
         <p:nvSpPr>
-          <p:cNvPr id="16" name="Rectangle 15">
-            <a:extLst>
-              <a:ext uri="{FF2B5EF4-FFF2-40B4-BE49-F238E27FC236}">
-                <a16:creationId xmlns:a16="http://schemas.microsoft.com/office/drawing/2014/main" id="{6D71346D-EA92-4FD3-9423-F48825DC508A}"/>
-              </a:ext>
-            </a:extLst>
-          </p:cNvPr>
-          <p:cNvSpPr/>
-          <p:nvPr/>
+          <p:cNvPr id="6" name="Title 1">
+            <a:extLst>
+              <a:ext uri="{FF2B5EF4-FFF2-40B4-BE49-F238E27FC236}">
+                <a16:creationId xmlns:a16="http://schemas.microsoft.com/office/drawing/2014/main" id="{5F65A3C9-B157-4C05-B534-267002D77F5E}"/>
+              </a:ext>
+            </a:extLst>
+          </p:cNvPr>
+          <p:cNvSpPr>
+            <a:spLocks noGrp="1"/>
+          </p:cNvSpPr>
+          <p:nvPr>
+            <p:ph type="title"/>
+          </p:nvPr>
         </p:nvSpPr>
         <p:spPr>
           <a:xfrm>
-            <a:off x="1763049" y="1697298"/>
-            <a:ext cx="1141659" cy="369332"/>
+            <a:off x="838199" y="757011"/>
+            <a:ext cx="10515600" cy="1325563"/>
           </a:xfrm>
-          <a:prstGeom prst="rect">
-            <a:avLst/>
-          </a:prstGeom>
         </p:spPr>
         <p:txBody>
-          <a:bodyPr wrap="none">
-            <a:spAutoFit/>
+          <a:bodyPr>
+            <a:normAutofit/>
           </a:bodyPr>
           <a:lstStyle/>
           <a:p>
             <a:r>
-              <a:rPr lang="en-US" dirty="0"/>
-              <a:t>#bins = </a:t>
-            </a:r>
-            <a:r>
-              <a:rPr lang="en-US" altLang="zh-CN" dirty="0"/>
-              <a:t>20</a:t>
-            </a:r>
-            <a:endParaRPr lang="en-US" dirty="0"/>
-          </a:p>
-        </p:txBody>
-      </p:sp>
-      <p:sp>
-        <p:nvSpPr>
-          <p:cNvPr id="17" name="Rectangle 16">
-            <a:extLst>
-              <a:ext uri="{FF2B5EF4-FFF2-40B4-BE49-F238E27FC236}">
-                <a16:creationId xmlns:a16="http://schemas.microsoft.com/office/drawing/2014/main" id="{2345043F-21AC-471D-9524-6E988FFDEE5B}"/>
-              </a:ext>
-            </a:extLst>
-          </p:cNvPr>
-          <p:cNvSpPr/>
-          <p:nvPr/>
-        </p:nvSpPr>
-        <p:spPr>
-          <a:xfrm>
-            <a:off x="1763049" y="4787975"/>
-            <a:ext cx="1258678" cy="369332"/>
-          </a:xfrm>
-          <a:prstGeom prst="rect">
-            <a:avLst/>
-          </a:prstGeom>
-        </p:spPr>
-        <p:txBody>
-          <a:bodyPr wrap="none">
-            <a:spAutoFit/>
-          </a:bodyPr>
-          <a:lstStyle/>
-          <a:p>
-            <a:r>
-              <a:rPr lang="en-US" dirty="0"/>
-              <a:t>#bins = </a:t>
-            </a:r>
-            <a:r>
-              <a:rPr lang="en-US" altLang="zh-CN" dirty="0"/>
-              <a:t>10</a:t>
-            </a:r>
-            <a:r>
-              <a:rPr lang="en-US" dirty="0"/>
-              <a:t>0</a:t>
-            </a:r>
-          </a:p>
-        </p:txBody>
-      </p:sp>
-      <p:sp>
-        <p:nvSpPr>
-          <p:cNvPr id="18" name="Rectangle 17">
-            <a:extLst>
-              <a:ext uri="{FF2B5EF4-FFF2-40B4-BE49-F238E27FC236}">
-                <a16:creationId xmlns:a16="http://schemas.microsoft.com/office/drawing/2014/main" id="{EBD03618-199D-4F76-ABE3-F85F6154810F}"/>
-              </a:ext>
-            </a:extLst>
-          </p:cNvPr>
-          <p:cNvSpPr/>
-          <p:nvPr/>
-        </p:nvSpPr>
-        <p:spPr>
-          <a:xfrm>
-            <a:off x="6908839" y="1697298"/>
-            <a:ext cx="1141659" cy="369332"/>
-          </a:xfrm>
-          <a:prstGeom prst="rect">
-            <a:avLst/>
-          </a:prstGeom>
-        </p:spPr>
-        <p:txBody>
-          <a:bodyPr wrap="none">
-            <a:spAutoFit/>
-          </a:bodyPr>
-          <a:lstStyle/>
-          <a:p>
-            <a:r>
-              <a:rPr lang="en-US" dirty="0"/>
-              <a:t>#bins = </a:t>
-            </a:r>
-            <a:r>
-              <a:rPr lang="en-US" altLang="zh-CN" dirty="0"/>
-              <a:t>50</a:t>
-            </a:r>
-            <a:endParaRPr lang="en-US" dirty="0"/>
-          </a:p>
-        </p:txBody>
-      </p:sp>
-      <p:sp>
-        <p:nvSpPr>
-          <p:cNvPr id="19" name="Rectangle 18">
-            <a:extLst>
-              <a:ext uri="{FF2B5EF4-FFF2-40B4-BE49-F238E27FC236}">
-                <a16:creationId xmlns:a16="http://schemas.microsoft.com/office/drawing/2014/main" id="{84702569-9AC7-49EE-B96B-99C3C0D7EADC}"/>
-              </a:ext>
-            </a:extLst>
-          </p:cNvPr>
-          <p:cNvSpPr/>
-          <p:nvPr/>
-        </p:nvSpPr>
-        <p:spPr>
-          <a:xfrm>
-            <a:off x="6908839" y="4787975"/>
-            <a:ext cx="1258678" cy="369332"/>
-          </a:xfrm>
-          <a:prstGeom prst="rect">
-            <a:avLst/>
-          </a:prstGeom>
-        </p:spPr>
-        <p:txBody>
-          <a:bodyPr wrap="none">
-            <a:spAutoFit/>
-          </a:bodyPr>
-          <a:lstStyle/>
-          <a:p>
-            <a:r>
-              <a:rPr lang="en-US" dirty="0"/>
-              <a:t>#bins = </a:t>
-            </a:r>
-            <a:r>
-              <a:rPr lang="en-US" altLang="zh-CN" dirty="0"/>
-              <a:t>50</a:t>
-            </a:r>
-            <a:r>
-              <a:rPr lang="en-US" dirty="0"/>
-              <a:t>0</a:t>
-            </a:r>
-          </a:p>
-        </p:txBody>
-      </p:sp>
-      <p:sp>
-        <p:nvSpPr>
-          <p:cNvPr id="20" name="TextBox 19">
-            <a:extLst>
-              <a:ext uri="{FF2B5EF4-FFF2-40B4-BE49-F238E27FC236}">
-                <a16:creationId xmlns:a16="http://schemas.microsoft.com/office/drawing/2014/main" id="{EE7D6BE3-FF38-413D-9A6D-DF34B7BBF191}"/>
-              </a:ext>
-            </a:extLst>
-          </p:cNvPr>
-          <p:cNvSpPr txBox="1"/>
-          <p:nvPr/>
-        </p:nvSpPr>
-        <p:spPr>
-          <a:xfrm>
-            <a:off x="475473" y="2827137"/>
-            <a:ext cx="1755160" cy="1200329"/>
-          </a:xfrm>
-          <a:prstGeom prst="rect">
-            <a:avLst/>
-          </a:prstGeom>
-          <a:noFill/>
-        </p:spPr>
-        <p:txBody>
-          <a:bodyPr wrap="none" rtlCol="0">
-            <a:spAutoFit/>
-          </a:bodyPr>
-          <a:lstStyle/>
-          <a:p>
-            <a:pPr algn="ctr"/>
-            <a:r>
-              <a:rPr lang="en-US" sz="2400" dirty="0"/>
-              <a:t>Mutual info </a:t>
-            </a:r>
-          </a:p>
-          <a:p>
-            <a:pPr algn="ctr"/>
-            <a:r>
-              <a:rPr lang="en-US" sz="2400" dirty="0"/>
-              <a:t>VS </a:t>
-            </a:r>
-          </a:p>
-          <a:p>
-            <a:pPr algn="ctr"/>
-            <a:r>
-              <a:rPr lang="en-US" sz="2400" dirty="0"/>
-              <a:t>Bin numbers</a:t>
+              <a:rPr lang="en-US" sz="4000" dirty="0"/>
+              <a:t>Autocovariance-based calculation with average</a:t>
             </a:r>
           </a:p>
         </p:txBody>
@@ -13766,7 +12845,7 @@
     </p:spTree>
     <p:extLst>
       <p:ext uri="{BB962C8B-B14F-4D97-AF65-F5344CB8AC3E}">
-        <p14:creationId xmlns:p14="http://schemas.microsoft.com/office/powerpoint/2010/main" val="429480619"/>
+        <p14:creationId xmlns:p14="http://schemas.microsoft.com/office/powerpoint/2010/main" val="4037689209"/>
       </p:ext>
     </p:extLst>
   </p:cSld>
@@ -14303,19 +13382,56 @@
           <a:chExt cx="0" cy="0"/>
         </a:xfrm>
       </p:grpSpPr>
+      <p:sp>
+        <p:nvSpPr>
+          <p:cNvPr id="2" name="Title 1">
+            <a:extLst>
+              <a:ext uri="{FF2B5EF4-FFF2-40B4-BE49-F238E27FC236}">
+                <a16:creationId xmlns:a16="http://schemas.microsoft.com/office/drawing/2014/main" id="{E2EC6BBB-AA79-439D-A0B5-92BA94B4B8E8}"/>
+              </a:ext>
+            </a:extLst>
+          </p:cNvPr>
+          <p:cNvSpPr>
+            <a:spLocks noGrp="1"/>
+          </p:cNvSpPr>
+          <p:nvPr>
+            <p:ph type="title"/>
+          </p:nvPr>
+        </p:nvSpPr>
+        <p:spPr>
+          <a:xfrm>
+            <a:off x="838200" y="365125"/>
+            <a:ext cx="10515600" cy="1062551"/>
+          </a:xfrm>
+        </p:spPr>
+        <p:txBody>
+          <a:bodyPr>
+            <a:normAutofit fontScale="90000"/>
+          </a:bodyPr>
+          <a:lstStyle/>
+          <a:p>
+            <a:r>
+              <a:rPr lang="en-US" dirty="0"/>
+              <a:t>Mutual information of Gaussian random variables</a:t>
+            </a:r>
+          </a:p>
+        </p:txBody>
+      </p:sp>
       <p:pic>
         <p:nvPicPr>
-          <p:cNvPr id="2" name="Content Placeholder 4">
-            <a:extLst>
-              <a:ext uri="{FF2B5EF4-FFF2-40B4-BE49-F238E27FC236}">
-                <a16:creationId xmlns:a16="http://schemas.microsoft.com/office/drawing/2014/main" id="{B78FF58A-145A-47E2-B18C-B095B7166B4B}"/>
+          <p:cNvPr id="5" name="Content Placeholder 4">
+            <a:extLst>
+              <a:ext uri="{FF2B5EF4-FFF2-40B4-BE49-F238E27FC236}">
+                <a16:creationId xmlns:a16="http://schemas.microsoft.com/office/drawing/2014/main" id="{AE28406C-0E02-4829-B97F-49EE649C9D3F}"/>
               </a:ext>
             </a:extLst>
           </p:cNvPr>
           <p:cNvPicPr>
-            <a:picLocks noChangeAspect="1"/>
+            <a:picLocks noGrp="1" noChangeAspect="1"/>
           </p:cNvPicPr>
-          <p:nvPr/>
+          <p:nvPr>
+            <p:ph idx="1"/>
+          </p:nvPr>
         </p:nvPicPr>
         <p:blipFill>
           <a:blip r:embed="rId2"/>
@@ -14325,22 +13441,19 @@
         </p:blipFill>
         <p:spPr>
           <a:xfrm>
-            <a:off x="630739" y="1811624"/>
-            <a:ext cx="5174318" cy="3880739"/>
+            <a:off x="6258956" y="2154121"/>
+            <a:ext cx="5174320" cy="3880739"/>
           </a:xfrm>
-          <a:prstGeom prst="rect">
-            <a:avLst/>
-          </a:prstGeom>
         </p:spPr>
       </p:pic>
       <mc:AlternateContent xmlns:mc="http://schemas.openxmlformats.org/markup-compatibility/2006" xmlns:a14="http://schemas.microsoft.com/office/drawing/2010/main">
         <mc:Choice Requires="a14">
           <p:sp>
             <p:nvSpPr>
-              <p:cNvPr id="3" name="Rectangle 2">
+              <p:cNvPr id="9" name="Rectangle 8">
                 <a:extLst>
                   <a:ext uri="{FF2B5EF4-FFF2-40B4-BE49-F238E27FC236}">
-                    <a16:creationId xmlns:a16="http://schemas.microsoft.com/office/drawing/2014/main" id="{446DBBB4-2F67-4CC5-9FDD-3FAC466CE040}"/>
+                    <a16:creationId xmlns:a16="http://schemas.microsoft.com/office/drawing/2014/main" id="{0F091666-B663-4D4A-A17C-455D8E17E9C8}"/>
                   </a:ext>
                 </a:extLst>
               </p:cNvPr>
@@ -14349,8 +13462,8 @@
             </p:nvSpPr>
             <p:spPr>
               <a:xfrm>
-                <a:off x="2515972" y="918188"/>
-                <a:ext cx="3580028" cy="700705"/>
+                <a:off x="985404" y="2449122"/>
+                <a:ext cx="3510540" cy="369332"/>
               </a:xfrm>
               <a:prstGeom prst="rect">
                 <a:avLst/>
@@ -14362,182 +13475,174 @@
               </a:bodyPr>
               <a:lstStyle/>
               <a:p>
-                <a:r>
-                  <a:rPr lang="en-US" sz="2000" dirty="0">
-                    <a:latin typeface="Consolas" panose="020B0609020204030204" pitchFamily="49" charset="0"/>
-                  </a:rPr>
-                  <a:t>I(X,Y) = -</a:t>
-                </a:r>
+                <a:pPr/>
                 <a14:m>
-                  <m:oMath xmlns:m="http://schemas.openxmlformats.org/officeDocument/2006/math">
-                    <m:f>
-                      <m:fPr>
-                        <m:ctrlPr>
-                          <a:rPr lang="en-US" sz="2800" i="1" smtClean="0">
-                            <a:latin typeface="Cambria Math" panose="02040503050406030204" pitchFamily="18" charset="0"/>
-                          </a:rPr>
-                        </m:ctrlPr>
-                      </m:fPr>
-                      <m:num>
-                        <m:r>
-                          <a:rPr lang="en-US" altLang="zh-CN" sz="2800" i="0">
-                            <a:latin typeface="Cambria Math" panose="02040503050406030204" pitchFamily="18" charset="0"/>
-                          </a:rPr>
-                          <m:t>1</m:t>
-                        </m:r>
-                      </m:num>
-                      <m:den>
-                        <m:r>
-                          <a:rPr lang="en-US" altLang="zh-CN" sz="2800" i="0">
-                            <a:latin typeface="Cambria Math" panose="02040503050406030204" pitchFamily="18" charset="0"/>
-                          </a:rPr>
-                          <m:t>2</m:t>
-                        </m:r>
-                      </m:den>
-                    </m:f>
-                  </m:oMath>
+                  <m:oMathPara xmlns:m="http://schemas.openxmlformats.org/officeDocument/2006/math">
+                    <m:oMathParaPr>
+                      <m:jc m:val="centerGroup"/>
+                    </m:oMathParaPr>
+                    <m:oMath xmlns:m="http://schemas.openxmlformats.org/officeDocument/2006/math">
+                      <m:r>
+                        <a:rPr lang="en-US" b="0" i="1" smtClean="0">
+                          <a:latin typeface="Cambria Math" panose="02040503050406030204" pitchFamily="18" charset="0"/>
+                          <a:ea typeface="宋体" panose="02010600030101010101" pitchFamily="2" charset="-122"/>
+                        </a:rPr>
+                        <m:t>𝐼</m:t>
+                      </m:r>
+                      <m:d>
+                        <m:dPr>
+                          <m:ctrlPr>
+                            <a:rPr lang="en-US" b="0" i="1" smtClean="0">
+                              <a:latin typeface="Cambria Math" panose="02040503050406030204" pitchFamily="18" charset="0"/>
+                              <a:ea typeface="宋体" panose="02010600030101010101" pitchFamily="2" charset="-122"/>
+                            </a:rPr>
+                          </m:ctrlPr>
+                        </m:dPr>
+                        <m:e>
+                          <m:r>
+                            <a:rPr lang="en-US" b="0" i="1" smtClean="0">
+                              <a:latin typeface="Cambria Math" panose="02040503050406030204" pitchFamily="18" charset="0"/>
+                              <a:ea typeface="宋体" panose="02010600030101010101" pitchFamily="2" charset="-122"/>
+                            </a:rPr>
+                            <m:t>𝑋</m:t>
+                          </m:r>
+                          <m:r>
+                            <a:rPr lang="en-US" b="0" i="1" smtClean="0">
+                              <a:latin typeface="Cambria Math" panose="02040503050406030204" pitchFamily="18" charset="0"/>
+                              <a:ea typeface="宋体" panose="02010600030101010101" pitchFamily="2" charset="-122"/>
+                            </a:rPr>
+                            <m:t>,</m:t>
+                          </m:r>
+                          <m:r>
+                            <a:rPr lang="en-US" b="0" i="1" smtClean="0">
+                              <a:latin typeface="Cambria Math" panose="02040503050406030204" pitchFamily="18" charset="0"/>
+                              <a:ea typeface="宋体" panose="02010600030101010101" pitchFamily="2" charset="-122"/>
+                            </a:rPr>
+                            <m:t>𝑌</m:t>
+                          </m:r>
+                        </m:e>
+                      </m:d>
+                      <m:r>
+                        <a:rPr lang="en-US" b="0" i="1" smtClean="0">
+                          <a:latin typeface="Cambria Math" panose="02040503050406030204" pitchFamily="18" charset="0"/>
+                          <a:ea typeface="宋体" panose="02010600030101010101" pitchFamily="2" charset="-122"/>
+                        </a:rPr>
+                        <m:t>=</m:t>
+                      </m:r>
+                      <m:r>
+                        <a:rPr lang="en-US" b="0" i="1" smtClean="0">
+                          <a:latin typeface="Cambria Math" panose="02040503050406030204" pitchFamily="18" charset="0"/>
+                          <a:ea typeface="宋体" panose="02010600030101010101" pitchFamily="2" charset="-122"/>
+                        </a:rPr>
+                        <m:t>𝐻</m:t>
+                      </m:r>
+                      <m:d>
+                        <m:dPr>
+                          <m:ctrlPr>
+                            <a:rPr lang="en-US" b="0" i="1" smtClean="0">
+                              <a:latin typeface="Cambria Math" panose="02040503050406030204" pitchFamily="18" charset="0"/>
+                              <a:ea typeface="宋体" panose="02010600030101010101" pitchFamily="2" charset="-122"/>
+                            </a:rPr>
+                          </m:ctrlPr>
+                        </m:dPr>
+                        <m:e>
+                          <m:r>
+                            <a:rPr lang="en-US" b="0" i="1" smtClean="0">
+                              <a:latin typeface="Cambria Math" panose="02040503050406030204" pitchFamily="18" charset="0"/>
+                              <a:ea typeface="宋体" panose="02010600030101010101" pitchFamily="2" charset="-122"/>
+                            </a:rPr>
+                            <m:t>𝑋</m:t>
+                          </m:r>
+                        </m:e>
+                      </m:d>
+                      <m:r>
+                        <a:rPr lang="en-US" b="0" i="1" smtClean="0">
+                          <a:latin typeface="Cambria Math" panose="02040503050406030204" pitchFamily="18" charset="0"/>
+                          <a:ea typeface="宋体" panose="02010600030101010101" pitchFamily="2" charset="-122"/>
+                        </a:rPr>
+                        <m:t>+</m:t>
+                      </m:r>
+                      <m:r>
+                        <a:rPr lang="en-US" b="0" i="1" smtClean="0">
+                          <a:latin typeface="Cambria Math" panose="02040503050406030204" pitchFamily="18" charset="0"/>
+                          <a:ea typeface="宋体" panose="02010600030101010101" pitchFamily="2" charset="-122"/>
+                        </a:rPr>
+                        <m:t>𝐻</m:t>
+                      </m:r>
+                      <m:d>
+                        <m:dPr>
+                          <m:ctrlPr>
+                            <a:rPr lang="en-US" b="0" i="1" smtClean="0">
+                              <a:latin typeface="Cambria Math" panose="02040503050406030204" pitchFamily="18" charset="0"/>
+                              <a:ea typeface="宋体" panose="02010600030101010101" pitchFamily="2" charset="-122"/>
+                            </a:rPr>
+                          </m:ctrlPr>
+                        </m:dPr>
+                        <m:e>
+                          <m:r>
+                            <a:rPr lang="en-US" b="0" i="1" smtClean="0">
+                              <a:latin typeface="Cambria Math" panose="02040503050406030204" pitchFamily="18" charset="0"/>
+                              <a:ea typeface="宋体" panose="02010600030101010101" pitchFamily="2" charset="-122"/>
+                            </a:rPr>
+                            <m:t>𝑌</m:t>
+                          </m:r>
+                        </m:e>
+                      </m:d>
+                      <m:r>
+                        <a:rPr lang="en-US" b="0" i="1" smtClean="0">
+                          <a:latin typeface="Cambria Math" panose="02040503050406030204" pitchFamily="18" charset="0"/>
+                          <a:ea typeface="宋体" panose="02010600030101010101" pitchFamily="2" charset="-122"/>
+                        </a:rPr>
+                        <m:t>−</m:t>
+                      </m:r>
+                      <m:r>
+                        <a:rPr lang="en-US" b="0" i="1" smtClean="0">
+                          <a:latin typeface="Cambria Math" panose="02040503050406030204" pitchFamily="18" charset="0"/>
+                          <a:ea typeface="宋体" panose="02010600030101010101" pitchFamily="2" charset="-122"/>
+                        </a:rPr>
+                        <m:t>𝐻</m:t>
+                      </m:r>
+                      <m:r>
+                        <a:rPr lang="en-US" b="0" i="1" smtClean="0">
+                          <a:latin typeface="Cambria Math" panose="02040503050406030204" pitchFamily="18" charset="0"/>
+                          <a:ea typeface="宋体" panose="02010600030101010101" pitchFamily="2" charset="-122"/>
+                        </a:rPr>
+                        <m:t>(</m:t>
+                      </m:r>
+                      <m:r>
+                        <a:rPr lang="en-US" b="0" i="1" smtClean="0">
+                          <a:latin typeface="Cambria Math" panose="02040503050406030204" pitchFamily="18" charset="0"/>
+                          <a:ea typeface="宋体" panose="02010600030101010101" pitchFamily="2" charset="-122"/>
+                        </a:rPr>
+                        <m:t>𝑋</m:t>
+                      </m:r>
+                      <m:r>
+                        <a:rPr lang="en-US" b="0" i="1" smtClean="0">
+                          <a:latin typeface="Cambria Math" panose="02040503050406030204" pitchFamily="18" charset="0"/>
+                          <a:ea typeface="宋体" panose="02010600030101010101" pitchFamily="2" charset="-122"/>
+                        </a:rPr>
+                        <m:t>,</m:t>
+                      </m:r>
+                      <m:r>
+                        <a:rPr lang="en-US" b="0" i="1" smtClean="0">
+                          <a:latin typeface="Cambria Math" panose="02040503050406030204" pitchFamily="18" charset="0"/>
+                          <a:ea typeface="宋体" panose="02010600030101010101" pitchFamily="2" charset="-122"/>
+                        </a:rPr>
+                        <m:t>𝑌</m:t>
+                      </m:r>
+                      <m:r>
+                        <a:rPr lang="en-US" b="0" i="1" smtClean="0">
+                          <a:latin typeface="Cambria Math" panose="02040503050406030204" pitchFamily="18" charset="0"/>
+                          <a:ea typeface="宋体" panose="02010600030101010101" pitchFamily="2" charset="-122"/>
+                        </a:rPr>
+                        <m:t>)</m:t>
+                      </m:r>
+                    </m:oMath>
+                  </m:oMathPara>
                 </a14:m>
-                <a:r>
-                  <a:rPr lang="en-US" sz="2000" dirty="0">
-                    <a:latin typeface="Consolas" panose="020B0609020204030204" pitchFamily="49" charset="0"/>
-                  </a:rPr>
-                  <a:t>log</a:t>
-                </a:r>
-                <a14:m>
-                  <m:oMath xmlns:m="http://schemas.openxmlformats.org/officeDocument/2006/math">
-                    <m:d>
-                      <m:dPr>
-                        <m:ctrlPr>
-                          <a:rPr lang="en-US" sz="2000" i="1" smtClean="0">
-                            <a:latin typeface="Cambria Math" panose="02040503050406030204" pitchFamily="18" charset="0"/>
-                          </a:rPr>
-                        </m:ctrlPr>
-                      </m:dPr>
-                      <m:e>
-                        <m:f>
-                          <m:fPr>
-                            <m:ctrlPr>
-                              <a:rPr lang="en-US" sz="2000" i="1">
-                                <a:latin typeface="Cambria Math" panose="02040503050406030204" pitchFamily="18" charset="0"/>
-                              </a:rPr>
-                            </m:ctrlPr>
-                          </m:fPr>
-                          <m:num>
-                            <m:r>
-                              <a:rPr lang="en-US" sz="2000" b="0" i="1" smtClean="0">
-                                <a:latin typeface="Cambria Math" panose="02040503050406030204" pitchFamily="18" charset="0"/>
-                              </a:rPr>
-                              <m:t>1−</m:t>
-                            </m:r>
-                            <m:sSup>
-                              <m:sSupPr>
-                                <m:ctrlPr>
-                                  <a:rPr lang="en-US" sz="2000" i="1">
-                                    <a:latin typeface="Cambria Math" panose="02040503050406030204" pitchFamily="18" charset="0"/>
-                                  </a:rPr>
-                                </m:ctrlPr>
-                              </m:sSupPr>
-                              <m:e>
-                                <m:r>
-                                  <m:rPr>
-                                    <m:sty m:val="p"/>
-                                  </m:rPr>
-                                  <a:rPr lang="el-GR" sz="2000" i="1">
-                                    <a:latin typeface="Cambria Math" panose="02040503050406030204" pitchFamily="18" charset="0"/>
-                                    <a:ea typeface="Cambria Math" panose="02040503050406030204" pitchFamily="18" charset="0"/>
-                                  </a:rPr>
-                                  <m:t>α</m:t>
-                                </m:r>
-                              </m:e>
-                              <m:sup>
-                                <m:r>
-                                  <a:rPr lang="en-US" sz="2000">
-                                    <a:latin typeface="Cambria Math" panose="02040503050406030204" pitchFamily="18" charset="0"/>
-                                  </a:rPr>
-                                  <m:t>2</m:t>
-                                </m:r>
-                              </m:sup>
-                            </m:sSup>
-                          </m:num>
-                          <m:den>
-                            <m:r>
-                              <a:rPr lang="en-US" sz="2000" b="0" i="1" smtClean="0">
-                                <a:latin typeface="Cambria Math" panose="02040503050406030204" pitchFamily="18" charset="0"/>
-                              </a:rPr>
-                              <m:t>1−</m:t>
-                            </m:r>
-                            <m:sSup>
-                              <m:sSupPr>
-                                <m:ctrlPr>
-                                  <a:rPr lang="en-US" sz="2000" i="1" dirty="0">
-                                    <a:latin typeface="Cambria Math" panose="02040503050406030204" pitchFamily="18" charset="0"/>
-                                  </a:rPr>
-                                </m:ctrlPr>
-                              </m:sSupPr>
-                              <m:e>
-                                <m:r>
-                                  <a:rPr lang="en-US" sz="2000" i="1" dirty="0">
-                                    <a:latin typeface="Cambria Math" panose="02040503050406030204" pitchFamily="18" charset="0"/>
-                                    <a:ea typeface="Cambria Math" panose="02040503050406030204" pitchFamily="18" charset="0"/>
-                                  </a:rPr>
-                                  <m:t>𝛼</m:t>
-                                </m:r>
-                              </m:e>
-                              <m:sup>
-                                <m:r>
-                                  <a:rPr lang="en-US" sz="2000" i="1" dirty="0">
-                                    <a:latin typeface="Cambria Math" panose="02040503050406030204" pitchFamily="18" charset="0"/>
-                                  </a:rPr>
-                                  <m:t>2</m:t>
-                                </m:r>
-                              </m:sup>
-                            </m:sSup>
-                            <m:r>
-                              <m:rPr>
-                                <m:nor/>
-                              </m:rPr>
-                              <a:rPr lang="en-US" sz="2000" dirty="0">
-                                <a:latin typeface="Consolas" panose="020B0609020204030204" pitchFamily="49" charset="0"/>
-                              </a:rPr>
-                              <m:t>+</m:t>
-                            </m:r>
-                            <m:sSup>
-                              <m:sSupPr>
-                                <m:ctrlPr>
-                                  <a:rPr lang="en-US" sz="2000" i="1">
-                                    <a:latin typeface="Cambria Math" panose="02040503050406030204" pitchFamily="18" charset="0"/>
-                                  </a:rPr>
-                                </m:ctrlPr>
-                              </m:sSupPr>
-                              <m:e>
-                                <m:r>
-                                  <m:rPr>
-                                    <m:sty m:val="p"/>
-                                  </m:rPr>
-                                  <a:rPr lang="en-US" sz="2000">
-                                    <a:latin typeface="Cambria Math" panose="02040503050406030204" pitchFamily="18" charset="0"/>
-                                    <a:ea typeface="Cambria Math" panose="02040503050406030204" pitchFamily="18" charset="0"/>
-                                  </a:rPr>
-                                  <m:t>ξ</m:t>
-                                </m:r>
-                              </m:e>
-                              <m:sup>
-                                <m:r>
-                                  <a:rPr lang="en-US" sz="2000">
-                                    <a:latin typeface="Cambria Math" panose="02040503050406030204" pitchFamily="18" charset="0"/>
-                                  </a:rPr>
-                                  <m:t>2</m:t>
-                                </m:r>
-                              </m:sup>
-                            </m:sSup>
-                          </m:den>
-                        </m:f>
-                      </m:e>
-                    </m:d>
-                  </m:oMath>
-                </a14:m>
-                <a:endParaRPr lang="el-GR" sz="2000" baseline="30000" dirty="0">
-                  <a:latin typeface="Consolas" panose="020B0609020204030204" pitchFamily="49" charset="0"/>
+                <a:endParaRPr lang="pt-BR" dirty="0">
+                  <a:latin typeface="Lucida Sans Unicode" panose="020B0602030504020204" pitchFamily="34" charset="0"/>
+                  <a:ea typeface="宋体" panose="02010600030101010101" pitchFamily="2" charset="-122"/>
                 </a:endParaRPr>
               </a:p>
             </p:txBody>
@@ -14546,10 +13651,10 @@
         <mc:Fallback xmlns="">
           <p:sp>
             <p:nvSpPr>
-              <p:cNvPr id="3" name="Rectangle 2">
+              <p:cNvPr id="9" name="Rectangle 8">
                 <a:extLst>
                   <a:ext uri="{FF2B5EF4-FFF2-40B4-BE49-F238E27FC236}">
-                    <a16:creationId xmlns:a16="http://schemas.microsoft.com/office/drawing/2014/main" id="{446DBBB4-2F67-4CC5-9FDD-3FAC466CE040}"/>
+                    <a16:creationId xmlns:a16="http://schemas.microsoft.com/office/drawing/2014/main" id="{0F091666-B663-4D4A-A17C-455D8E17E9C8}"/>
                   </a:ext>
                 </a:extLst>
               </p:cNvPr>
@@ -14560,8 +13665,8 @@
             </p:nvSpPr>
             <p:spPr>
               <a:xfrm>
-                <a:off x="2515972" y="918188"/>
-                <a:ext cx="3580028" cy="700705"/>
+                <a:off x="985404" y="2449122"/>
+                <a:ext cx="3510540" cy="369332"/>
               </a:xfrm>
               <a:prstGeom prst="rect">
                 <a:avLst/>
@@ -14569,7 +13674,679 @@
               <a:blipFill>
                 <a:blip r:embed="rId3"/>
                 <a:stretch>
-                  <a:fillRect l="-1874"/>
+                  <a:fillRect b="-10000"/>
+                </a:stretch>
+              </a:blipFill>
+            </p:spPr>
+            <p:txBody>
+              <a:bodyPr/>
+              <a:lstStyle/>
+              <a:p>
+                <a:r>
+                  <a:rPr lang="en-US">
+                    <a:noFill/>
+                  </a:rPr>
+                  <a:t> </a:t>
+                </a:r>
+              </a:p>
+            </p:txBody>
+          </p:sp>
+        </mc:Fallback>
+      </mc:AlternateContent>
+      <p:grpSp>
+        <p:nvGrpSpPr>
+          <p:cNvPr id="4" name="Group 3">
+            <a:extLst>
+              <a:ext uri="{FF2B5EF4-FFF2-40B4-BE49-F238E27FC236}">
+                <a16:creationId xmlns:a16="http://schemas.microsoft.com/office/drawing/2014/main" id="{AE398052-D37A-4E82-AF96-14985B8DEC53}"/>
+              </a:ext>
+            </a:extLst>
+          </p:cNvPr>
+          <p:cNvGrpSpPr/>
+          <p:nvPr/>
+        </p:nvGrpSpPr>
+        <p:grpSpPr>
+          <a:xfrm>
+            <a:off x="1016024" y="1538289"/>
+            <a:ext cx="3021495" cy="763331"/>
+            <a:chOff x="1498387" y="1540922"/>
+            <a:chExt cx="4516548" cy="763331"/>
+          </a:xfrm>
+        </p:grpSpPr>
+        <mc:AlternateContent xmlns:mc="http://schemas.openxmlformats.org/markup-compatibility/2006" xmlns:a14="http://schemas.microsoft.com/office/drawing/2010/main">
+          <mc:Choice Requires="a14">
+            <p:sp>
+              <p:nvSpPr>
+                <p:cNvPr id="8" name="Rectangle 7">
+                  <a:extLst>
+                    <a:ext uri="{FF2B5EF4-FFF2-40B4-BE49-F238E27FC236}">
+                      <a16:creationId xmlns:a16="http://schemas.microsoft.com/office/drawing/2014/main" id="{B6C6ED14-A449-481E-B8AA-8AD6DCC78811}"/>
+                    </a:ext>
+                  </a:extLst>
+                </p:cNvPr>
+                <p:cNvSpPr/>
+                <p:nvPr/>
+              </p:nvSpPr>
+              <p:spPr>
+                <a:xfrm>
+                  <a:off x="1498387" y="1904143"/>
+                  <a:ext cx="4516548" cy="400110"/>
+                </a:xfrm>
+                <a:prstGeom prst="rect">
+                  <a:avLst/>
+                </a:prstGeom>
+              </p:spPr>
+              <p:txBody>
+                <a:bodyPr wrap="square">
+                  <a:spAutoFit/>
+                </a:bodyPr>
+                <a:lstStyle/>
+                <a:p>
+                  <a:pPr marR="15580"/>
+                  <a14:m>
+                    <m:oMathPara xmlns:m="http://schemas.openxmlformats.org/officeDocument/2006/math">
+                      <m:oMathParaPr>
+                        <m:jc m:val="centerGroup"/>
+                      </m:oMathParaPr>
+                      <m:oMath xmlns:m="http://schemas.openxmlformats.org/officeDocument/2006/math">
+                        <m:sSub>
+                          <m:sSubPr>
+                            <m:ctrlPr>
+                              <a:rPr lang="en-US" sz="2000" b="0" i="1" smtClean="0">
+                                <a:latin typeface="Cambria Math" panose="02040503050406030204" pitchFamily="18" charset="0"/>
+                              </a:rPr>
+                            </m:ctrlPr>
+                          </m:sSubPr>
+                          <m:e>
+                            <m:r>
+                              <a:rPr lang="en-US" sz="2000" b="0" i="1" smtClean="0">
+                                <a:latin typeface="Cambria Math" panose="02040503050406030204" pitchFamily="18" charset="0"/>
+                              </a:rPr>
+                              <m:t>𝑌</m:t>
+                            </m:r>
+                          </m:e>
+                          <m:sub>
+                            <m:r>
+                              <a:rPr lang="en-US" sz="2000" b="0" i="1" smtClean="0">
+                                <a:latin typeface="Cambria Math" panose="02040503050406030204" pitchFamily="18" charset="0"/>
+                              </a:rPr>
+                              <m:t>𝑛</m:t>
+                            </m:r>
+                          </m:sub>
+                        </m:sSub>
+                        <m:r>
+                          <a:rPr lang="en-US" sz="2000" b="0" i="1" smtClean="0">
+                            <a:latin typeface="Cambria Math" panose="02040503050406030204" pitchFamily="18" charset="0"/>
+                          </a:rPr>
+                          <m:t>=</m:t>
+                        </m:r>
+                        <m:r>
+                          <a:rPr lang="en-US" sz="2000" b="0" i="1" smtClean="0">
+                            <a:latin typeface="Cambria Math" panose="02040503050406030204" pitchFamily="18" charset="0"/>
+                            <a:ea typeface="Cambria Math" panose="02040503050406030204" pitchFamily="18" charset="0"/>
+                          </a:rPr>
+                          <m:t>𝛽</m:t>
+                        </m:r>
+                        <m:sSub>
+                          <m:sSubPr>
+                            <m:ctrlPr>
+                              <a:rPr lang="en-US" sz="2000" b="0" i="1" smtClean="0">
+                                <a:latin typeface="Cambria Math" panose="02040503050406030204" pitchFamily="18" charset="0"/>
+                                <a:ea typeface="Cambria Math" panose="02040503050406030204" pitchFamily="18" charset="0"/>
+                              </a:rPr>
+                            </m:ctrlPr>
+                          </m:sSubPr>
+                          <m:e>
+                            <m:r>
+                              <a:rPr lang="en-US" sz="2000" b="0" i="1" smtClean="0">
+                                <a:latin typeface="Cambria Math" panose="02040503050406030204" pitchFamily="18" charset="0"/>
+                                <a:ea typeface="Cambria Math" panose="02040503050406030204" pitchFamily="18" charset="0"/>
+                              </a:rPr>
+                              <m:t>𝑌</m:t>
+                            </m:r>
+                          </m:e>
+                          <m:sub>
+                            <m:r>
+                              <a:rPr lang="en-US" sz="2000" b="0" i="1" smtClean="0">
+                                <a:latin typeface="Cambria Math" panose="02040503050406030204" pitchFamily="18" charset="0"/>
+                                <a:ea typeface="Cambria Math" panose="02040503050406030204" pitchFamily="18" charset="0"/>
+                              </a:rPr>
+                              <m:t>𝑛</m:t>
+                            </m:r>
+                            <m:r>
+                              <a:rPr lang="en-US" sz="2000" b="0" i="1" smtClean="0">
+                                <a:latin typeface="Cambria Math" panose="02040503050406030204" pitchFamily="18" charset="0"/>
+                                <a:ea typeface="Cambria Math" panose="02040503050406030204" pitchFamily="18" charset="0"/>
+                              </a:rPr>
+                              <m:t>−1</m:t>
+                            </m:r>
+                          </m:sub>
+                        </m:sSub>
+                        <m:r>
+                          <a:rPr lang="en-US" sz="2000" b="0" i="1" smtClean="0">
+                            <a:latin typeface="Cambria Math" panose="02040503050406030204" pitchFamily="18" charset="0"/>
+                            <a:ea typeface="Cambria Math" panose="02040503050406030204" pitchFamily="18" charset="0"/>
+                          </a:rPr>
+                          <m:t>+</m:t>
+                        </m:r>
+                        <m:r>
+                          <a:rPr lang="en-US" sz="2000" b="0" i="1" smtClean="0">
+                            <a:latin typeface="Cambria Math" panose="02040503050406030204" pitchFamily="18" charset="0"/>
+                            <a:ea typeface="Cambria Math" panose="02040503050406030204" pitchFamily="18" charset="0"/>
+                          </a:rPr>
+                          <m:t>𝜉</m:t>
+                        </m:r>
+                        <m:sSub>
+                          <m:sSubPr>
+                            <m:ctrlPr>
+                              <a:rPr lang="en-US" sz="2000" i="1">
+                                <a:latin typeface="Cambria Math" panose="02040503050406030204" pitchFamily="18" charset="0"/>
+                                <a:ea typeface="Cambria Math" panose="02040503050406030204" pitchFamily="18" charset="0"/>
+                              </a:rPr>
+                            </m:ctrlPr>
+                          </m:sSubPr>
+                          <m:e>
+                            <m:r>
+                              <a:rPr lang="en-US" sz="2000" i="1">
+                                <a:latin typeface="Cambria Math" panose="02040503050406030204" pitchFamily="18" charset="0"/>
+                                <a:ea typeface="Cambria Math" panose="02040503050406030204" pitchFamily="18" charset="0"/>
+                              </a:rPr>
+                              <m:t>𝑋</m:t>
+                            </m:r>
+                          </m:e>
+                          <m:sub>
+                            <m:r>
+                              <a:rPr lang="en-US" sz="2000" i="1">
+                                <a:latin typeface="Cambria Math" panose="02040503050406030204" pitchFamily="18" charset="0"/>
+                                <a:ea typeface="Cambria Math" panose="02040503050406030204" pitchFamily="18" charset="0"/>
+                              </a:rPr>
+                              <m:t>𝑛</m:t>
+                            </m:r>
+                            <m:r>
+                              <a:rPr lang="en-US" sz="2000" i="1">
+                                <a:latin typeface="Cambria Math" panose="02040503050406030204" pitchFamily="18" charset="0"/>
+                                <a:ea typeface="Cambria Math" panose="02040503050406030204" pitchFamily="18" charset="0"/>
+                              </a:rPr>
+                              <m:t>−1</m:t>
+                            </m:r>
+                          </m:sub>
+                        </m:sSub>
+                        <m:r>
+                          <a:rPr lang="en-US" sz="2000" b="0" i="1" smtClean="0">
+                            <a:latin typeface="Cambria Math" panose="02040503050406030204" pitchFamily="18" charset="0"/>
+                            <a:ea typeface="Cambria Math" panose="02040503050406030204" pitchFamily="18" charset="0"/>
+                          </a:rPr>
+                          <m:t>+</m:t>
+                        </m:r>
+                        <m:sSub>
+                          <m:sSubPr>
+                            <m:ctrlPr>
+                              <a:rPr lang="en-US" sz="2000" b="0" i="1" smtClean="0">
+                                <a:latin typeface="Cambria Math" panose="02040503050406030204" pitchFamily="18" charset="0"/>
+                                <a:ea typeface="Cambria Math" panose="02040503050406030204" pitchFamily="18" charset="0"/>
+                              </a:rPr>
+                            </m:ctrlPr>
+                          </m:sSubPr>
+                          <m:e>
+                            <m:r>
+                              <a:rPr lang="en-US" sz="2000" b="0" i="1" smtClean="0">
+                                <a:latin typeface="Cambria Math" panose="02040503050406030204" pitchFamily="18" charset="0"/>
+                                <a:ea typeface="Cambria Math" panose="02040503050406030204" pitchFamily="18" charset="0"/>
+                              </a:rPr>
+                              <m:t>𝜂</m:t>
+                            </m:r>
+                          </m:e>
+                          <m:sub>
+                            <m:r>
+                              <a:rPr lang="en-US" sz="2000" b="0" i="1" smtClean="0">
+                                <a:latin typeface="Cambria Math" panose="02040503050406030204" pitchFamily="18" charset="0"/>
+                                <a:ea typeface="Cambria Math" panose="02040503050406030204" pitchFamily="18" charset="0"/>
+                              </a:rPr>
+                              <m:t>𝑛</m:t>
+                            </m:r>
+                          </m:sub>
+                        </m:sSub>
+                      </m:oMath>
+                    </m:oMathPara>
+                  </a14:m>
+                  <a:endParaRPr lang="en-US" sz="2000" i="1" dirty="0">
+                    <a:latin typeface="Arial" panose="020B0604020202020204" pitchFamily="34" charset="0"/>
+                  </a:endParaRPr>
+                </a:p>
+              </p:txBody>
+            </p:sp>
+          </mc:Choice>
+          <mc:Fallback xmlns="">
+            <p:sp>
+              <p:nvSpPr>
+                <p:cNvPr id="8" name="Rectangle 7">
+                  <a:extLst>
+                    <a:ext uri="{FF2B5EF4-FFF2-40B4-BE49-F238E27FC236}">
+                      <a16:creationId xmlns:a16="http://schemas.microsoft.com/office/drawing/2014/main" id="{B6C6ED14-A449-481E-B8AA-8AD6DCC78811}"/>
+                    </a:ext>
+                  </a:extLst>
+                </p:cNvPr>
+                <p:cNvSpPr>
+                  <a:spLocks noRot="1" noChangeAspect="1" noMove="1" noResize="1" noEditPoints="1" noAdjustHandles="1" noChangeArrowheads="1" noChangeShapeType="1" noTextEdit="1"/>
+                </p:cNvSpPr>
+                <p:nvPr/>
+              </p:nvSpPr>
+              <p:spPr>
+                <a:xfrm>
+                  <a:off x="1498387" y="1904143"/>
+                  <a:ext cx="4516548" cy="400110"/>
+                </a:xfrm>
+                <a:prstGeom prst="rect">
+                  <a:avLst/>
+                </a:prstGeom>
+                <a:blipFill>
+                  <a:blip r:embed="rId6"/>
+                  <a:stretch>
+                    <a:fillRect b="-16667"/>
+                  </a:stretch>
+                </a:blipFill>
+              </p:spPr>
+              <p:txBody>
+                <a:bodyPr/>
+                <a:lstStyle/>
+                <a:p>
+                  <a:r>
+                    <a:rPr lang="en-US">
+                      <a:noFill/>
+                    </a:rPr>
+                    <a:t> </a:t>
+                  </a:r>
+                </a:p>
+              </p:txBody>
+            </p:sp>
+          </mc:Fallback>
+        </mc:AlternateContent>
+        <mc:AlternateContent xmlns:mc="http://schemas.openxmlformats.org/markup-compatibility/2006" xmlns:a14="http://schemas.microsoft.com/office/drawing/2010/main">
+          <mc:Choice Requires="a14">
+            <p:sp>
+              <p:nvSpPr>
+                <p:cNvPr id="3" name="Rectangle 2">
+                  <a:extLst>
+                    <a:ext uri="{FF2B5EF4-FFF2-40B4-BE49-F238E27FC236}">
+                      <a16:creationId xmlns:a16="http://schemas.microsoft.com/office/drawing/2014/main" id="{6BECA76F-2FDD-4804-9CAA-7570E921D5AB}"/>
+                    </a:ext>
+                  </a:extLst>
+                </p:cNvPr>
+                <p:cNvSpPr/>
+                <p:nvPr/>
+              </p:nvSpPr>
+              <p:spPr>
+                <a:xfrm>
+                  <a:off x="1498387" y="1540922"/>
+                  <a:ext cx="3124078" cy="400110"/>
+                </a:xfrm>
+                <a:prstGeom prst="rect">
+                  <a:avLst/>
+                </a:prstGeom>
+              </p:spPr>
+              <p:txBody>
+                <a:bodyPr wrap="square">
+                  <a:spAutoFit/>
+                </a:bodyPr>
+                <a:lstStyle/>
+                <a:p>
+                  <a:pPr marR="15580"/>
+                  <a14:m>
+                    <m:oMathPara xmlns:m="http://schemas.openxmlformats.org/officeDocument/2006/math">
+                      <m:oMathParaPr>
+                        <m:jc m:val="centerGroup"/>
+                      </m:oMathParaPr>
+                      <m:oMath xmlns:m="http://schemas.openxmlformats.org/officeDocument/2006/math">
+                        <m:sSub>
+                          <m:sSubPr>
+                            <m:ctrlPr>
+                              <a:rPr lang="en-US" sz="2000" i="1">
+                                <a:latin typeface="Cambria Math" panose="02040503050406030204" pitchFamily="18" charset="0"/>
+                              </a:rPr>
+                            </m:ctrlPr>
+                          </m:sSubPr>
+                          <m:e>
+                            <m:r>
+                              <a:rPr lang="en-US" sz="2000" i="1">
+                                <a:latin typeface="Cambria Math" panose="02040503050406030204" pitchFamily="18" charset="0"/>
+                              </a:rPr>
+                              <m:t>𝑋</m:t>
+                            </m:r>
+                          </m:e>
+                          <m:sub>
+                            <m:r>
+                              <a:rPr lang="en-US" sz="2000" i="1">
+                                <a:latin typeface="Cambria Math" panose="02040503050406030204" pitchFamily="18" charset="0"/>
+                              </a:rPr>
+                              <m:t>𝑛</m:t>
+                            </m:r>
+                          </m:sub>
+                        </m:sSub>
+                        <m:r>
+                          <a:rPr lang="en-US" sz="2000" i="1">
+                            <a:latin typeface="Cambria Math" panose="02040503050406030204" pitchFamily="18" charset="0"/>
+                          </a:rPr>
+                          <m:t>=</m:t>
+                        </m:r>
+                        <m:r>
+                          <a:rPr lang="en-US" sz="2000" i="1">
+                            <a:latin typeface="Cambria Math" panose="02040503050406030204" pitchFamily="18" charset="0"/>
+                            <a:ea typeface="Cambria Math" panose="02040503050406030204" pitchFamily="18" charset="0"/>
+                          </a:rPr>
+                          <m:t>𝛼</m:t>
+                        </m:r>
+                        <m:sSub>
+                          <m:sSubPr>
+                            <m:ctrlPr>
+                              <a:rPr lang="en-US" sz="2000" i="1">
+                                <a:latin typeface="Cambria Math" panose="02040503050406030204" pitchFamily="18" charset="0"/>
+                                <a:ea typeface="Cambria Math" panose="02040503050406030204" pitchFamily="18" charset="0"/>
+                              </a:rPr>
+                            </m:ctrlPr>
+                          </m:sSubPr>
+                          <m:e>
+                            <m:r>
+                              <a:rPr lang="en-US" sz="2000" i="1">
+                                <a:latin typeface="Cambria Math" panose="02040503050406030204" pitchFamily="18" charset="0"/>
+                                <a:ea typeface="Cambria Math" panose="02040503050406030204" pitchFamily="18" charset="0"/>
+                              </a:rPr>
+                              <m:t>𝑋</m:t>
+                            </m:r>
+                          </m:e>
+                          <m:sub>
+                            <m:r>
+                              <a:rPr lang="en-US" sz="2000" i="1">
+                                <a:latin typeface="Cambria Math" panose="02040503050406030204" pitchFamily="18" charset="0"/>
+                                <a:ea typeface="Cambria Math" panose="02040503050406030204" pitchFamily="18" charset="0"/>
+                              </a:rPr>
+                              <m:t>𝑛</m:t>
+                            </m:r>
+                            <m:r>
+                              <a:rPr lang="en-US" sz="2000" i="1">
+                                <a:latin typeface="Cambria Math" panose="02040503050406030204" pitchFamily="18" charset="0"/>
+                                <a:ea typeface="Cambria Math" panose="02040503050406030204" pitchFamily="18" charset="0"/>
+                              </a:rPr>
+                              <m:t>−1</m:t>
+                            </m:r>
+                          </m:sub>
+                        </m:sSub>
+                        <m:r>
+                          <a:rPr lang="en-US" sz="2000" i="1">
+                            <a:latin typeface="Cambria Math" panose="02040503050406030204" pitchFamily="18" charset="0"/>
+                            <a:ea typeface="Cambria Math" panose="02040503050406030204" pitchFamily="18" charset="0"/>
+                          </a:rPr>
+                          <m:t>+</m:t>
+                        </m:r>
+                        <m:sSub>
+                          <m:sSubPr>
+                            <m:ctrlPr>
+                              <a:rPr lang="en-US" sz="2000" i="1">
+                                <a:latin typeface="Cambria Math" panose="02040503050406030204" pitchFamily="18" charset="0"/>
+                                <a:ea typeface="Cambria Math" panose="02040503050406030204" pitchFamily="18" charset="0"/>
+                              </a:rPr>
+                            </m:ctrlPr>
+                          </m:sSubPr>
+                          <m:e>
+                            <m:r>
+                              <a:rPr lang="en-US" sz="2000" i="1">
+                                <a:latin typeface="Cambria Math" panose="02040503050406030204" pitchFamily="18" charset="0"/>
+                                <a:ea typeface="Cambria Math" panose="02040503050406030204" pitchFamily="18" charset="0"/>
+                              </a:rPr>
+                              <m:t>𝜀</m:t>
+                            </m:r>
+                          </m:e>
+                          <m:sub>
+                            <m:r>
+                              <a:rPr lang="en-US" sz="2000" i="1">
+                                <a:latin typeface="Cambria Math" panose="02040503050406030204" pitchFamily="18" charset="0"/>
+                                <a:ea typeface="Cambria Math" panose="02040503050406030204" pitchFamily="18" charset="0"/>
+                              </a:rPr>
+                              <m:t>𝑛</m:t>
+                            </m:r>
+                          </m:sub>
+                        </m:sSub>
+                      </m:oMath>
+                    </m:oMathPara>
+                  </a14:m>
+                  <a:endParaRPr lang="en-US" sz="2000" i="1" dirty="0">
+                    <a:latin typeface="Arial" panose="020B0604020202020204" pitchFamily="34" charset="0"/>
+                    <a:ea typeface="Cambria Math" panose="02040503050406030204" pitchFamily="18" charset="0"/>
+                  </a:endParaRPr>
+                </a:p>
+              </p:txBody>
+            </p:sp>
+          </mc:Choice>
+          <mc:Fallback xmlns="">
+            <p:sp>
+              <p:nvSpPr>
+                <p:cNvPr id="3" name="Rectangle 2">
+                  <a:extLst>
+                    <a:ext uri="{FF2B5EF4-FFF2-40B4-BE49-F238E27FC236}">
+                      <a16:creationId xmlns:a16="http://schemas.microsoft.com/office/drawing/2014/main" id="{6BECA76F-2FDD-4804-9CAA-7570E921D5AB}"/>
+                    </a:ext>
+                  </a:extLst>
+                </p:cNvPr>
+                <p:cNvSpPr>
+                  <a:spLocks noRot="1" noChangeAspect="1" noMove="1" noResize="1" noEditPoints="1" noAdjustHandles="1" noChangeArrowheads="1" noChangeShapeType="1" noTextEdit="1"/>
+                </p:cNvSpPr>
+                <p:nvPr/>
+              </p:nvSpPr>
+              <p:spPr>
+                <a:xfrm>
+                  <a:off x="1498387" y="1540922"/>
+                  <a:ext cx="3124078" cy="400110"/>
+                </a:xfrm>
+                <a:prstGeom prst="rect">
+                  <a:avLst/>
+                </a:prstGeom>
+                <a:blipFill>
+                  <a:blip r:embed="rId7"/>
+                  <a:stretch>
+                    <a:fillRect b="-3030"/>
+                  </a:stretch>
+                </a:blipFill>
+              </p:spPr>
+              <p:txBody>
+                <a:bodyPr/>
+                <a:lstStyle/>
+                <a:p>
+                  <a:r>
+                    <a:rPr lang="en-US">
+                      <a:noFill/>
+                    </a:rPr>
+                    <a:t> </a:t>
+                  </a:r>
+                </a:p>
+              </p:txBody>
+            </p:sp>
+          </mc:Fallback>
+        </mc:AlternateContent>
+      </p:grpSp>
+      <mc:AlternateContent xmlns:mc="http://schemas.openxmlformats.org/markup-compatibility/2006" xmlns:a14="http://schemas.microsoft.com/office/drawing/2010/main">
+        <mc:Choice Requires="a14">
+          <p:sp>
+            <p:nvSpPr>
+              <p:cNvPr id="6" name="TextBox 5">
+                <a:extLst>
+                  <a:ext uri="{FF2B5EF4-FFF2-40B4-BE49-F238E27FC236}">
+                    <a16:creationId xmlns:a16="http://schemas.microsoft.com/office/drawing/2014/main" id="{8C34E6E4-9C3D-40D8-AA05-B274501CD41C}"/>
+                  </a:ext>
+                </a:extLst>
+              </p:cNvPr>
+              <p:cNvSpPr txBox="1"/>
+              <p:nvPr/>
+            </p:nvSpPr>
+            <p:spPr>
+              <a:xfrm>
+                <a:off x="1016024" y="2885278"/>
+                <a:ext cx="2542747" cy="789255"/>
+              </a:xfrm>
+              <a:prstGeom prst="rect">
+                <a:avLst/>
+              </a:prstGeom>
+              <a:noFill/>
+            </p:spPr>
+            <p:txBody>
+              <a:bodyPr wrap="square" lIns="0" tIns="0" rIns="0" bIns="0" rtlCol="0">
+                <a:spAutoFit/>
+              </a:bodyPr>
+              <a:lstStyle/>
+              <a:p>
+                <a:pPr/>
+                <a14:m>
+                  <m:oMathPara xmlns:m="http://schemas.openxmlformats.org/officeDocument/2006/math">
+                    <m:oMathParaPr>
+                      <m:jc m:val="centerGroup"/>
+                    </m:oMathParaPr>
+                    <m:oMath xmlns:m="http://schemas.openxmlformats.org/officeDocument/2006/math">
+                      <m:r>
+                        <a:rPr lang="en-US" b="0" i="1" smtClean="0">
+                          <a:latin typeface="Cambria Math" panose="02040503050406030204" pitchFamily="18" charset="0"/>
+                        </a:rPr>
+                        <m:t>𝐼</m:t>
+                      </m:r>
+                      <m:d>
+                        <m:dPr>
+                          <m:ctrlPr>
+                            <a:rPr lang="en-US" b="0" i="1" smtClean="0">
+                              <a:latin typeface="Cambria Math" panose="02040503050406030204" pitchFamily="18" charset="0"/>
+                            </a:rPr>
+                          </m:ctrlPr>
+                        </m:dPr>
+                        <m:e>
+                          <m:r>
+                            <a:rPr lang="en-US" b="0" i="1" smtClean="0">
+                              <a:latin typeface="Cambria Math" panose="02040503050406030204" pitchFamily="18" charset="0"/>
+                            </a:rPr>
+                            <m:t>𝑋</m:t>
+                          </m:r>
+                          <m:r>
+                            <a:rPr lang="en-US" b="0" i="1" smtClean="0">
+                              <a:latin typeface="Cambria Math" panose="02040503050406030204" pitchFamily="18" charset="0"/>
+                            </a:rPr>
+                            <m:t>,</m:t>
+                          </m:r>
+                          <m:r>
+                            <a:rPr lang="en-US" b="0" i="1" smtClean="0">
+                              <a:latin typeface="Cambria Math" panose="02040503050406030204" pitchFamily="18" charset="0"/>
+                            </a:rPr>
+                            <m:t>𝑌</m:t>
+                          </m:r>
+                        </m:e>
+                      </m:d>
+                      <m:r>
+                        <a:rPr lang="en-US" b="0" i="1" smtClean="0">
+                          <a:latin typeface="Cambria Math" panose="02040503050406030204" pitchFamily="18" charset="0"/>
+                        </a:rPr>
+                        <m:t>=−</m:t>
+                      </m:r>
+                      <m:f>
+                        <m:fPr>
+                          <m:ctrlPr>
+                            <a:rPr lang="en-US" b="0" i="1" smtClean="0">
+                              <a:latin typeface="Cambria Math" panose="02040503050406030204" pitchFamily="18" charset="0"/>
+                            </a:rPr>
+                          </m:ctrlPr>
+                        </m:fPr>
+                        <m:num>
+                          <m:r>
+                            <a:rPr lang="en-US" b="0" i="1" smtClean="0">
+                              <a:latin typeface="Cambria Math" panose="02040503050406030204" pitchFamily="18" charset="0"/>
+                            </a:rPr>
+                            <m:t>1</m:t>
+                          </m:r>
+                        </m:num>
+                        <m:den>
+                          <m:r>
+                            <a:rPr lang="en-US" b="0" i="1" smtClean="0">
+                              <a:latin typeface="Cambria Math" panose="02040503050406030204" pitchFamily="18" charset="0"/>
+                            </a:rPr>
+                            <m:t>2</m:t>
+                          </m:r>
+                        </m:den>
+                      </m:f>
+                      <m:r>
+                        <m:rPr>
+                          <m:sty m:val="p"/>
+                        </m:rPr>
+                        <a:rPr lang="en-US" b="0" i="0" smtClean="0">
+                          <a:latin typeface="Cambria Math" panose="02040503050406030204" pitchFamily="18" charset="0"/>
+                        </a:rPr>
+                        <m:t>log</m:t>
+                      </m:r>
+                      <m:r>
+                        <a:rPr lang="en-US" b="0" i="1" smtClean="0">
+                          <a:latin typeface="Cambria Math" panose="02040503050406030204" pitchFamily="18" charset="0"/>
+                        </a:rPr>
+                        <m:t>⁡(1−</m:t>
+                      </m:r>
+                      <m:sSup>
+                        <m:sSupPr>
+                          <m:ctrlPr>
+                            <a:rPr lang="en-US" b="0" i="1" smtClean="0">
+                              <a:latin typeface="Cambria Math" panose="02040503050406030204" pitchFamily="18" charset="0"/>
+                            </a:rPr>
+                          </m:ctrlPr>
+                        </m:sSupPr>
+                        <m:e>
+                          <m:r>
+                            <a:rPr lang="en-US" b="0" i="1" smtClean="0">
+                              <a:latin typeface="Cambria Math" panose="02040503050406030204" pitchFamily="18" charset="0"/>
+                              <a:ea typeface="Cambria Math" panose="02040503050406030204" pitchFamily="18" charset="0"/>
+                            </a:rPr>
+                            <m:t>𝜌</m:t>
+                          </m:r>
+                        </m:e>
+                        <m:sup>
+                          <m:r>
+                            <a:rPr lang="en-US" b="0" i="1" smtClean="0">
+                              <a:latin typeface="Cambria Math" panose="02040503050406030204" pitchFamily="18" charset="0"/>
+                            </a:rPr>
+                            <m:t>2</m:t>
+                          </m:r>
+                        </m:sup>
+                      </m:sSup>
+                      <m:r>
+                        <a:rPr lang="en-US" b="0" i="1" smtClean="0">
+                          <a:latin typeface="Cambria Math" panose="02040503050406030204" pitchFamily="18" charset="0"/>
+                        </a:rPr>
+                        <m:t>)</m:t>
+                      </m:r>
+                    </m:oMath>
+                  </m:oMathPara>
+                </a14:m>
+                <a:endParaRPr lang="en-US" dirty="0"/>
+              </a:p>
+            </p:txBody>
+          </p:sp>
+        </mc:Choice>
+        <mc:Fallback xmlns="">
+          <p:sp>
+            <p:nvSpPr>
+              <p:cNvPr id="6" name="TextBox 5">
+                <a:extLst>
+                  <a:ext uri="{FF2B5EF4-FFF2-40B4-BE49-F238E27FC236}">
+                    <a16:creationId xmlns:a16="http://schemas.microsoft.com/office/drawing/2014/main" id="{8C34E6E4-9C3D-40D8-AA05-B274501CD41C}"/>
+                  </a:ext>
+                </a:extLst>
+              </p:cNvPr>
+              <p:cNvSpPr txBox="1">
+                <a:spLocks noRot="1" noChangeAspect="1" noMove="1" noResize="1" noEditPoints="1" noAdjustHandles="1" noChangeArrowheads="1" noChangeShapeType="1" noTextEdit="1"/>
+              </p:cNvSpPr>
+              <p:nvPr/>
+            </p:nvSpPr>
+            <p:spPr>
+              <a:xfrm>
+                <a:off x="1016024" y="2885278"/>
+                <a:ext cx="2542747" cy="789255"/>
+              </a:xfrm>
+              <a:prstGeom prst="rect">
+                <a:avLst/>
+              </a:prstGeom>
+              <a:blipFill>
+                <a:blip r:embed="rId8"/>
+                <a:stretch>
+                  <a:fillRect/>
                 </a:stretch>
               </a:blipFill>
             </p:spPr>
@@ -14592,10 +14369,10 @@
         <mc:Choice Requires="a14">
           <p:sp>
             <p:nvSpPr>
-              <p:cNvPr id="4" name="TextBox 3">
+              <p:cNvPr id="12" name="TextBox 11">
                 <a:extLst>
                   <a:ext uri="{FF2B5EF4-FFF2-40B4-BE49-F238E27FC236}">
-                    <a16:creationId xmlns:a16="http://schemas.microsoft.com/office/drawing/2014/main" id="{BA9E4640-3F5B-48F4-AC3B-59557256E342}"/>
+                    <a16:creationId xmlns:a16="http://schemas.microsoft.com/office/drawing/2014/main" id="{3D85F88C-10BA-4CE0-B798-F2E3F4FC74B4}"/>
                   </a:ext>
                 </a:extLst>
               </p:cNvPr>
@@ -14604,8 +14381,8 @@
             </p:nvSpPr>
             <p:spPr>
               <a:xfrm>
-                <a:off x="594970" y="1160844"/>
-                <a:ext cx="1848553" cy="307777"/>
+                <a:off x="1016024" y="3536033"/>
+                <a:ext cx="2190016" cy="276999"/>
               </a:xfrm>
               <a:prstGeom prst="rect">
                 <a:avLst/>
@@ -14618,84 +14395,93 @@
               </a:bodyPr>
               <a:lstStyle/>
               <a:p>
-                <a:r>
-                  <a:rPr lang="en-US" sz="2000" dirty="0">
-                    <a:ea typeface="Cambria Math" panose="02040503050406030204" pitchFamily="18" charset="0"/>
-                  </a:rPr>
-                  <a:t>If </a:t>
-                </a:r>
+                <a:pPr/>
                 <a14:m>
-                  <m:oMath xmlns:m="http://schemas.openxmlformats.org/officeDocument/2006/math">
-                    <m:d>
-                      <m:dPr>
-                        <m:begChr m:val="|"/>
-                        <m:endChr m:val="|"/>
-                        <m:ctrlPr>
-                          <a:rPr lang="en-US" sz="2000" i="1">
-                            <a:latin typeface="Cambria Math" panose="02040503050406030204" pitchFamily="18" charset="0"/>
-                            <a:ea typeface="Cambria Math" panose="02040503050406030204" pitchFamily="18" charset="0"/>
-                          </a:rPr>
-                        </m:ctrlPr>
-                      </m:dPr>
-                      <m:e>
-                        <m:r>
-                          <m:rPr>
-                            <m:sty m:val="p"/>
-                          </m:rPr>
-                          <a:rPr lang="en-US" sz="2000">
-                            <a:latin typeface="Cambria Math" panose="02040503050406030204" pitchFamily="18" charset="0"/>
-                            <a:ea typeface="Cambria Math" panose="02040503050406030204" pitchFamily="18" charset="0"/>
-                          </a:rPr>
-                          <m:t>β</m:t>
-                        </m:r>
-                      </m:e>
-                    </m:d>
-                    <m:r>
-                      <a:rPr lang="en-US" sz="2000" b="0" i="1" smtClean="0">
-                        <a:latin typeface="Cambria Math" panose="02040503050406030204" pitchFamily="18" charset="0"/>
-                        <a:ea typeface="Cambria Math" panose="02040503050406030204" pitchFamily="18" charset="0"/>
-                      </a:rPr>
-                      <m:t>≪</m:t>
-                    </m:r>
-                    <m:d>
-                      <m:dPr>
-                        <m:begChr m:val="|"/>
-                        <m:endChr m:val="|"/>
-                        <m:ctrlPr>
-                          <a:rPr lang="en-US" sz="2000" b="0" i="1" smtClean="0">
-                            <a:latin typeface="Cambria Math" panose="02040503050406030204" pitchFamily="18" charset="0"/>
-                            <a:ea typeface="Cambria Math" panose="02040503050406030204" pitchFamily="18" charset="0"/>
-                          </a:rPr>
-                        </m:ctrlPr>
-                      </m:dPr>
-                      <m:e>
-                        <m:r>
-                          <m:rPr>
-                            <m:sty m:val="p"/>
-                          </m:rPr>
-                          <a:rPr lang="en-US" sz="2000" b="0" i="0" smtClean="0">
-                            <a:latin typeface="Cambria Math" panose="02040503050406030204" pitchFamily="18" charset="0"/>
-                            <a:ea typeface="Cambria Math" panose="02040503050406030204" pitchFamily="18" charset="0"/>
-                          </a:rPr>
-                          <m:t>α</m:t>
-                        </m:r>
-                      </m:e>
-                    </m:d>
-                    <m:r>
-                      <a:rPr lang="en-US" sz="2000" b="0" i="0" smtClean="0">
-                        <a:latin typeface="Cambria Math" panose="02040503050406030204" pitchFamily="18" charset="0"/>
-                        <a:ea typeface="Cambria Math" panose="02040503050406030204" pitchFamily="18" charset="0"/>
-                      </a:rPr>
-                      <m:t>&lt;1</m:t>
-                    </m:r>
-                  </m:oMath>
+                  <m:oMathPara xmlns:m="http://schemas.openxmlformats.org/officeDocument/2006/math">
+                    <m:oMathParaPr>
+                      <m:jc m:val="centerGroup"/>
+                    </m:oMathParaPr>
+                    <m:oMath xmlns:m="http://schemas.openxmlformats.org/officeDocument/2006/math">
+                      <m:r>
+                        <a:rPr lang="en-US" b="0" i="1" smtClean="0">
+                          <a:latin typeface="Cambria Math" panose="02040503050406030204" pitchFamily="18" charset="0"/>
+                        </a:rPr>
+                        <m:t> </m:t>
+                      </m:r>
+                      <m:r>
+                        <a:rPr lang="en-US" b="0" i="1" smtClean="0">
+                          <a:latin typeface="Cambria Math" panose="02040503050406030204" pitchFamily="18" charset="0"/>
+                          <a:ea typeface="Cambria Math" panose="02040503050406030204" pitchFamily="18" charset="0"/>
+                        </a:rPr>
+                        <m:t>𝜌</m:t>
+                      </m:r>
+                      <m:r>
+                        <a:rPr lang="en-US" b="0" i="1" smtClean="0">
+                          <a:latin typeface="Cambria Math" panose="02040503050406030204" pitchFamily="18" charset="0"/>
+                          <a:ea typeface="Cambria Math" panose="02040503050406030204" pitchFamily="18" charset="0"/>
+                        </a:rPr>
+                        <m:t>=</m:t>
+                      </m:r>
+                      <m:r>
+                        <a:rPr lang="en-US" b="0" i="1" smtClean="0">
+                          <a:latin typeface="Cambria Math" panose="02040503050406030204" pitchFamily="18" charset="0"/>
+                          <a:ea typeface="Cambria Math" panose="02040503050406030204" pitchFamily="18" charset="0"/>
+                        </a:rPr>
+                        <m:t>𝜌</m:t>
+                      </m:r>
+                      <m:r>
+                        <a:rPr lang="en-US" b="0" i="1" smtClean="0">
+                          <a:latin typeface="Cambria Math" panose="02040503050406030204" pitchFamily="18" charset="0"/>
+                          <a:ea typeface="Cambria Math" panose="02040503050406030204" pitchFamily="18" charset="0"/>
+                        </a:rPr>
+                        <m:t>(</m:t>
+                      </m:r>
+                      <m:r>
+                        <a:rPr lang="en-US" b="0" i="1" smtClean="0">
+                          <a:latin typeface="Cambria Math" panose="02040503050406030204" pitchFamily="18" charset="0"/>
+                          <a:ea typeface="Cambria Math" panose="02040503050406030204" pitchFamily="18" charset="0"/>
+                        </a:rPr>
+                        <m:t>𝜉</m:t>
+                      </m:r>
+                      <m:r>
+                        <a:rPr lang="en-US" b="0" i="1" smtClean="0">
+                          <a:latin typeface="Cambria Math" panose="02040503050406030204" pitchFamily="18" charset="0"/>
+                          <a:ea typeface="Cambria Math" panose="02040503050406030204" pitchFamily="18" charset="0"/>
+                        </a:rPr>
+                        <m:t>,</m:t>
+                      </m:r>
+                      <m:r>
+                        <a:rPr lang="en-US" b="0" i="1" smtClean="0">
+                          <a:latin typeface="Cambria Math" panose="02040503050406030204" pitchFamily="18" charset="0"/>
+                          <a:ea typeface="Cambria Math" panose="02040503050406030204" pitchFamily="18" charset="0"/>
+                        </a:rPr>
+                        <m:t>𝛼</m:t>
+                      </m:r>
+                      <m:r>
+                        <a:rPr lang="en-US" b="0" i="1" smtClean="0">
+                          <a:latin typeface="Cambria Math" panose="02040503050406030204" pitchFamily="18" charset="0"/>
+                          <a:ea typeface="Cambria Math" panose="02040503050406030204" pitchFamily="18" charset="0"/>
+                        </a:rPr>
+                        <m:t>,</m:t>
+                      </m:r>
+                      <m:r>
+                        <a:rPr lang="en-US" b="0" i="1" smtClean="0">
+                          <a:latin typeface="Cambria Math" panose="02040503050406030204" pitchFamily="18" charset="0"/>
+                          <a:ea typeface="Cambria Math" panose="02040503050406030204" pitchFamily="18" charset="0"/>
+                        </a:rPr>
+                        <m:t>𝛽</m:t>
+                      </m:r>
+                      <m:r>
+                        <a:rPr lang="en-US" b="0" i="1" smtClean="0">
+                          <a:latin typeface="Cambria Math" panose="02040503050406030204" pitchFamily="18" charset="0"/>
+                          <a:ea typeface="Cambria Math" panose="02040503050406030204" pitchFamily="18" charset="0"/>
+                        </a:rPr>
+                        <m:t>)</m:t>
+                      </m:r>
+                    </m:oMath>
+                  </m:oMathPara>
                 </a14:m>
-                <a:r>
-                  <a:rPr lang="en-US" sz="2000" dirty="0">
-                    <a:latin typeface="Consolas" panose="020B0609020204030204" pitchFamily="49" charset="0"/>
-                  </a:rPr>
-                  <a:t>,</a:t>
-                </a:r>
+                <a:endParaRPr lang="en-US" dirty="0"/>
               </a:p>
             </p:txBody>
           </p:sp>
@@ -14703,10 +14489,10 @@
         <mc:Fallback xmlns="">
           <p:sp>
             <p:nvSpPr>
-              <p:cNvPr id="4" name="TextBox 3">
+              <p:cNvPr id="12" name="TextBox 11">
                 <a:extLst>
                   <a:ext uri="{FF2B5EF4-FFF2-40B4-BE49-F238E27FC236}">
-                    <a16:creationId xmlns:a16="http://schemas.microsoft.com/office/drawing/2014/main" id="{BA9E4640-3F5B-48F4-AC3B-59557256E342}"/>
+                    <a16:creationId xmlns:a16="http://schemas.microsoft.com/office/drawing/2014/main" id="{3D85F88C-10BA-4CE0-B798-F2E3F4FC74B4}"/>
                   </a:ext>
                 </a:extLst>
               </p:cNvPr>
@@ -14717,226 +14503,16 @@
             </p:nvSpPr>
             <p:spPr>
               <a:xfrm>
-                <a:off x="594970" y="1160844"/>
-                <a:ext cx="1848553" cy="307777"/>
+                <a:off x="1016024" y="3536033"/>
+                <a:ext cx="2190016" cy="276999"/>
               </a:xfrm>
               <a:prstGeom prst="rect">
                 <a:avLst/>
               </a:prstGeom>
               <a:blipFill>
-                <a:blip r:embed="rId4"/>
+                <a:blip r:embed="rId9"/>
                 <a:stretch>
-                  <a:fillRect l="-8581" t="-25490" r="-5281" b="-49020"/>
-                </a:stretch>
-              </a:blipFill>
-            </p:spPr>
-            <p:txBody>
-              <a:bodyPr/>
-              <a:lstStyle/>
-              <a:p>
-                <a:r>
-                  <a:rPr lang="en-US">
-                    <a:noFill/>
-                  </a:rPr>
-                  <a:t> </a:t>
-                </a:r>
-              </a:p>
-            </p:txBody>
-          </p:sp>
-        </mc:Fallback>
-      </mc:AlternateContent>
-      <p:sp>
-        <p:nvSpPr>
-          <p:cNvPr id="5" name="TextBox 4">
-            <a:extLst>
-              <a:ext uri="{FF2B5EF4-FFF2-40B4-BE49-F238E27FC236}">
-                <a16:creationId xmlns:a16="http://schemas.microsoft.com/office/drawing/2014/main" id="{5E3013D1-3CA1-4C7E-AE59-902D323C3C65}"/>
-              </a:ext>
-            </a:extLst>
-          </p:cNvPr>
-          <p:cNvSpPr txBox="1"/>
-          <p:nvPr/>
-        </p:nvSpPr>
-        <p:spPr>
-          <a:xfrm>
-            <a:off x="5388557" y="5873166"/>
-            <a:ext cx="1258678" cy="646331"/>
-          </a:xfrm>
-          <a:prstGeom prst="rect">
-            <a:avLst/>
-          </a:prstGeom>
-          <a:noFill/>
-        </p:spPr>
-        <p:txBody>
-          <a:bodyPr wrap="none" rtlCol="0">
-            <a:spAutoFit/>
-          </a:bodyPr>
-          <a:lstStyle/>
-          <a:p>
-            <a:r>
-              <a:rPr lang="en-US" dirty="0"/>
-              <a:t>#bins = </a:t>
-            </a:r>
-            <a:r>
-              <a:rPr lang="en-US" altLang="zh-CN" dirty="0"/>
-              <a:t>15</a:t>
-            </a:r>
-            <a:r>
-              <a:rPr lang="en-US" dirty="0"/>
-              <a:t>0</a:t>
-            </a:r>
-          </a:p>
-          <a:p>
-            <a:r>
-              <a:rPr lang="en-US" dirty="0"/>
-              <a:t>T = </a:t>
-            </a:r>
-            <a:r>
-              <a:rPr lang="en-US" altLang="zh-CN" dirty="0"/>
-              <a:t>300000</a:t>
-            </a:r>
-            <a:endParaRPr lang="en-US" dirty="0"/>
-          </a:p>
-        </p:txBody>
-      </p:sp>
-      <mc:AlternateContent xmlns:mc="http://schemas.openxmlformats.org/markup-compatibility/2006" xmlns:a14="http://schemas.microsoft.com/office/drawing/2010/main">
-        <mc:Choice Requires="a14">
-          <p:sp>
-            <p:nvSpPr>
-              <p:cNvPr id="6" name="TextBox 5">
-                <a:extLst>
-                  <a:ext uri="{FF2B5EF4-FFF2-40B4-BE49-F238E27FC236}">
-                    <a16:creationId xmlns:a16="http://schemas.microsoft.com/office/drawing/2014/main" id="{89A3A2A4-5A87-4E17-A9B2-51DA9CBBD63D}"/>
-                  </a:ext>
-                </a:extLst>
-              </p:cNvPr>
-              <p:cNvSpPr txBox="1"/>
-              <p:nvPr/>
-            </p:nvSpPr>
-            <p:spPr>
-              <a:xfrm>
-                <a:off x="6766560" y="672998"/>
-                <a:ext cx="2734916" cy="369332"/>
-              </a:xfrm>
-              <a:prstGeom prst="rect">
-                <a:avLst/>
-              </a:prstGeom>
-              <a:noFill/>
-            </p:spPr>
-            <p:txBody>
-              <a:bodyPr wrap="none" rtlCol="0">
-                <a:spAutoFit/>
-              </a:bodyPr>
-              <a:lstStyle/>
-              <a:p>
-                <a:r>
-                  <a:rPr lang="en-US" dirty="0"/>
-                  <a:t>However, if </a:t>
-                </a:r>
-                <a14:m>
-                  <m:oMath xmlns:m="http://schemas.openxmlformats.org/officeDocument/2006/math">
-                    <m:d>
-                      <m:dPr>
-                        <m:begChr m:val="|"/>
-                        <m:endChr m:val="|"/>
-                        <m:ctrlPr>
-                          <a:rPr lang="en-US" i="1">
-                            <a:latin typeface="Cambria Math" panose="02040503050406030204" pitchFamily="18" charset="0"/>
-                            <a:ea typeface="Cambria Math" panose="02040503050406030204" pitchFamily="18" charset="0"/>
-                          </a:rPr>
-                        </m:ctrlPr>
-                      </m:dPr>
-                      <m:e>
-                        <m:r>
-                          <m:rPr>
-                            <m:sty m:val="p"/>
-                          </m:rPr>
-                          <a:rPr lang="en-US">
-                            <a:latin typeface="Cambria Math" panose="02040503050406030204" pitchFamily="18" charset="0"/>
-                            <a:ea typeface="Cambria Math" panose="02040503050406030204" pitchFamily="18" charset="0"/>
-                          </a:rPr>
-                          <m:t>α</m:t>
-                        </m:r>
-                      </m:e>
-                    </m:d>
-                    <m:r>
-                      <a:rPr lang="en-US" i="1">
-                        <a:latin typeface="Cambria Math" panose="02040503050406030204" pitchFamily="18" charset="0"/>
-                        <a:ea typeface="Cambria Math" panose="02040503050406030204" pitchFamily="18" charset="0"/>
-                      </a:rPr>
-                      <m:t>≪</m:t>
-                    </m:r>
-                    <m:d>
-                      <m:dPr>
-                        <m:begChr m:val="|"/>
-                        <m:endChr m:val="|"/>
-                        <m:ctrlPr>
-                          <a:rPr lang="en-US" i="1">
-                            <a:latin typeface="Cambria Math" panose="02040503050406030204" pitchFamily="18" charset="0"/>
-                            <a:ea typeface="Cambria Math" panose="02040503050406030204" pitchFamily="18" charset="0"/>
-                          </a:rPr>
-                        </m:ctrlPr>
-                      </m:dPr>
-                      <m:e>
-                        <m:r>
-                          <m:rPr>
-                            <m:sty m:val="p"/>
-                          </m:rPr>
-                          <a:rPr lang="el-GR" i="1" smtClean="0">
-                            <a:latin typeface="Cambria Math" panose="02040503050406030204" pitchFamily="18" charset="0"/>
-                            <a:ea typeface="Cambria Math" panose="02040503050406030204" pitchFamily="18" charset="0"/>
-                          </a:rPr>
-                          <m:t>β</m:t>
-                        </m:r>
-                      </m:e>
-                    </m:d>
-                    <m:r>
-                      <a:rPr lang="en-US">
-                        <a:latin typeface="Cambria Math" panose="02040503050406030204" pitchFamily="18" charset="0"/>
-                        <a:ea typeface="Cambria Math" panose="02040503050406030204" pitchFamily="18" charset="0"/>
-                      </a:rPr>
-                      <m:t>&lt;1</m:t>
-                    </m:r>
-                  </m:oMath>
-                </a14:m>
-                <a:r>
-                  <a:rPr lang="en-US" dirty="0">
-                    <a:latin typeface="Consolas" panose="020B0609020204030204" pitchFamily="49" charset="0"/>
-                  </a:rPr>
-                  <a:t>,</a:t>
-                </a:r>
-                <a:endParaRPr lang="en-US" dirty="0"/>
-              </a:p>
-            </p:txBody>
-          </p:sp>
-        </mc:Choice>
-        <mc:Fallback xmlns="">
-          <p:sp>
-            <p:nvSpPr>
-              <p:cNvPr id="6" name="TextBox 5">
-                <a:extLst>
-                  <a:ext uri="{FF2B5EF4-FFF2-40B4-BE49-F238E27FC236}">
-                    <a16:creationId xmlns:a16="http://schemas.microsoft.com/office/drawing/2014/main" id="{89A3A2A4-5A87-4E17-A9B2-51DA9CBBD63D}"/>
-                  </a:ext>
-                </a:extLst>
-              </p:cNvPr>
-              <p:cNvSpPr txBox="1">
-                <a:spLocks noRot="1" noChangeAspect="1" noMove="1" noResize="1" noEditPoints="1" noAdjustHandles="1" noChangeArrowheads="1" noChangeShapeType="1" noTextEdit="1"/>
-              </p:cNvSpPr>
-              <p:nvPr/>
-            </p:nvSpPr>
-            <p:spPr>
-              <a:xfrm>
-                <a:off x="6766560" y="672998"/>
-                <a:ext cx="2734916" cy="369332"/>
-              </a:xfrm>
-              <a:prstGeom prst="rect">
-                <a:avLst/>
-              </a:prstGeom>
-              <a:blipFill>
-                <a:blip r:embed="rId5"/>
-                <a:stretch>
-                  <a:fillRect l="-1782" t="-8197" r="-891" b="-24590"/>
+                  <a:fillRect t="-2222" b="-35556"/>
                 </a:stretch>
               </a:blipFill>
             </p:spPr>
@@ -14959,157 +14535,675 @@
         <mc:Choice Requires="a14">
           <p:sp>
             <p:nvSpPr>
-              <p:cNvPr id="7" name="Rectangle 6">
+              <p:cNvPr id="7" name="TextBox 6">
                 <a:extLst>
                   <a:ext uri="{FF2B5EF4-FFF2-40B4-BE49-F238E27FC236}">
-                    <a16:creationId xmlns:a16="http://schemas.microsoft.com/office/drawing/2014/main" id="{00F23671-4D6B-4E8A-A379-2D73C2DC8934}"/>
+                    <a16:creationId xmlns:a16="http://schemas.microsoft.com/office/drawing/2014/main" id="{9161A25C-FAF9-4B3C-B3EF-81B852CE56A9}"/>
                   </a:ext>
                 </a:extLst>
               </p:cNvPr>
-              <p:cNvSpPr/>
+              <p:cNvSpPr txBox="1"/>
               <p:nvPr/>
             </p:nvSpPr>
             <p:spPr>
               <a:xfrm>
-                <a:off x="7710221" y="1075162"/>
-                <a:ext cx="4003825" cy="700705"/>
+                <a:off x="344233" y="4010665"/>
+                <a:ext cx="5751767" cy="1942968"/>
               </a:xfrm>
               <a:prstGeom prst="rect">
                 <a:avLst/>
               </a:prstGeom>
+              <a:noFill/>
             </p:spPr>
             <p:txBody>
-              <a:bodyPr wrap="square">
+              <a:bodyPr wrap="square" rtlCol="0">
                 <a:spAutoFit/>
               </a:bodyPr>
               <a:lstStyle/>
               <a:p>
+                <a14:m>
+                  <m:oMath xmlns:m="http://schemas.openxmlformats.org/officeDocument/2006/math">
+                    <m:r>
+                      <a:rPr lang="en-US" i="1" smtClean="0">
+                        <a:latin typeface="Cambria Math" panose="02040503050406030204" pitchFamily="18" charset="0"/>
+                        <a:ea typeface="Cambria Math" panose="02040503050406030204" pitchFamily="18" charset="0"/>
+                      </a:rPr>
+                      <m:t>𝛼</m:t>
+                    </m:r>
+                  </m:oMath>
+                </a14:m>
                 <a:r>
-                  <a:rPr lang="en-US" sz="2000" dirty="0">
-                    <a:latin typeface="Consolas" panose="020B0609020204030204" pitchFamily="49" charset="0"/>
-                  </a:rPr>
-                  <a:t>I(X,Y) = </a:t>
+                  <a:rPr lang="en-US" dirty="0"/>
+                  <a:t> and </a:t>
                 </a:r>
                 <a14:m>
                   <m:oMath xmlns:m="http://schemas.openxmlformats.org/officeDocument/2006/math">
-                    <m:f>
-                      <m:fPr>
-                        <m:ctrlPr>
-                          <a:rPr lang="en-US" sz="2800" i="1" smtClean="0">
-                            <a:latin typeface="Cambria Math" panose="02040503050406030204" pitchFamily="18" charset="0"/>
-                          </a:rPr>
-                        </m:ctrlPr>
-                      </m:fPr>
-                      <m:num>
-                        <m:r>
-                          <a:rPr lang="en-US" altLang="zh-CN" sz="2800" i="0">
-                            <a:latin typeface="Cambria Math" panose="02040503050406030204" pitchFamily="18" charset="0"/>
-                          </a:rPr>
-                          <m:t>1</m:t>
-                        </m:r>
-                      </m:num>
-                      <m:den>
-                        <m:r>
-                          <a:rPr lang="en-US" altLang="zh-CN" sz="2800" i="0">
-                            <a:latin typeface="Cambria Math" panose="02040503050406030204" pitchFamily="18" charset="0"/>
-                          </a:rPr>
-                          <m:t>2</m:t>
-                        </m:r>
-                      </m:den>
-                    </m:f>
+                    <m:r>
+                      <a:rPr lang="en-US" i="1" smtClean="0">
+                        <a:latin typeface="Cambria Math" panose="02040503050406030204" pitchFamily="18" charset="0"/>
+                        <a:ea typeface="Cambria Math" panose="02040503050406030204" pitchFamily="18" charset="0"/>
+                      </a:rPr>
+                      <m:t>𝛽</m:t>
+                    </m:r>
                   </m:oMath>
                 </a14:m>
                 <a:r>
-                  <a:rPr lang="en-US" sz="2000" dirty="0">
-                    <a:latin typeface="Consolas" panose="020B0609020204030204" pitchFamily="49" charset="0"/>
-                  </a:rPr>
-                  <a:t>log</a:t>
+                  <a:rPr lang="en-US" dirty="0"/>
+                  <a:t> are smaller than 1, suppose </a:t>
                 </a:r>
                 <a14:m>
                   <m:oMath xmlns:m="http://schemas.openxmlformats.org/officeDocument/2006/math">
-                    <m:d>
-                      <m:dPr>
-                        <m:ctrlPr>
-                          <a:rPr lang="en-US" sz="2000" i="1" smtClean="0">
-                            <a:latin typeface="Cambria Math" panose="02040503050406030204" pitchFamily="18" charset="0"/>
-                          </a:rPr>
-                        </m:ctrlPr>
-                      </m:dPr>
-                      <m:e>
-                        <m:r>
-                          <a:rPr lang="en-US" sz="2000" i="1">
-                            <a:latin typeface="Cambria Math" panose="02040503050406030204" pitchFamily="18" charset="0"/>
-                          </a:rPr>
-                          <m:t>1+(1−</m:t>
-                        </m:r>
-                        <m:sSup>
-                          <m:sSupPr>
-                            <m:ctrlPr>
-                              <a:rPr lang="en-US" sz="2000" i="1" dirty="0">
-                                <a:latin typeface="Cambria Math" panose="02040503050406030204" pitchFamily="18" charset="0"/>
-                              </a:rPr>
-                            </m:ctrlPr>
-                          </m:sSupPr>
-                          <m:e>
-                            <m:r>
-                              <a:rPr lang="en-US" sz="2000" i="1" dirty="0">
-                                <a:latin typeface="Cambria Math" panose="02040503050406030204" pitchFamily="18" charset="0"/>
-                                <a:ea typeface="Cambria Math" panose="02040503050406030204" pitchFamily="18" charset="0"/>
-                              </a:rPr>
-                              <m:t>𝛽</m:t>
-                            </m:r>
-                          </m:e>
-                          <m:sup>
-                            <m:r>
-                              <a:rPr lang="en-US" sz="2000" i="1" dirty="0">
-                                <a:latin typeface="Cambria Math" panose="02040503050406030204" pitchFamily="18" charset="0"/>
-                              </a:rPr>
-                              <m:t>2</m:t>
-                            </m:r>
-                          </m:sup>
-                        </m:sSup>
-                        <m:r>
-                          <a:rPr lang="en-US" sz="2000" i="1" dirty="0">
-                            <a:latin typeface="Cambria Math" panose="02040503050406030204" pitchFamily="18" charset="0"/>
-                          </a:rPr>
-                          <m:t>)</m:t>
-                        </m:r>
-                        <m:sSup>
-                          <m:sSupPr>
-                            <m:ctrlPr>
-                              <a:rPr lang="en-US" sz="2000" i="1">
-                                <a:latin typeface="Cambria Math" panose="02040503050406030204" pitchFamily="18" charset="0"/>
-                              </a:rPr>
-                            </m:ctrlPr>
-                          </m:sSupPr>
-                          <m:e>
-                            <m:r>
-                              <m:rPr>
-                                <m:sty m:val="p"/>
-                              </m:rPr>
-                              <a:rPr lang="en-US" sz="2000">
-                                <a:latin typeface="Cambria Math" panose="02040503050406030204" pitchFamily="18" charset="0"/>
-                                <a:ea typeface="Cambria Math" panose="02040503050406030204" pitchFamily="18" charset="0"/>
-                              </a:rPr>
-                              <m:t>ξ</m:t>
-                            </m:r>
-                          </m:e>
-                          <m:sup>
-                            <m:r>
-                              <a:rPr lang="en-US" sz="2000">
-                                <a:latin typeface="Cambria Math" panose="02040503050406030204" pitchFamily="18" charset="0"/>
-                              </a:rPr>
-                              <m:t>2</m:t>
-                            </m:r>
-                          </m:sup>
-                        </m:sSup>
-                      </m:e>
-                    </m:d>
+                    <m:r>
+                      <a:rPr lang="en-US" b="0" i="1" smtClean="0">
+                        <a:latin typeface="Cambria Math" panose="02040503050406030204" pitchFamily="18" charset="0"/>
+                        <a:ea typeface="Cambria Math" panose="02040503050406030204" pitchFamily="18" charset="0"/>
+                      </a:rPr>
+                      <m:t>𝑛</m:t>
+                    </m:r>
+                    <m:r>
+                      <a:rPr lang="en-US" b="0" i="1" smtClean="0">
+                        <a:latin typeface="Cambria Math" panose="02040503050406030204" pitchFamily="18" charset="0"/>
+                        <a:ea typeface="Cambria Math" panose="02040503050406030204" pitchFamily="18" charset="0"/>
+                      </a:rPr>
+                      <m:t>≫1</m:t>
+                    </m:r>
                   </m:oMath>
                 </a14:m>
-                <a:endParaRPr lang="el-GR" sz="2000" baseline="30000" dirty="0">
-                  <a:latin typeface="Consolas" panose="020B0609020204030204" pitchFamily="49" charset="0"/>
-                </a:endParaRPr>
+                <a:r>
+                  <a:rPr lang="en-US" dirty="0"/>
+                  <a:t> ,</a:t>
+                </a:r>
+              </a:p>
+              <a:p>
+                <a:pPr/>
+                <a14:m>
+                  <m:oMathPara xmlns:m="http://schemas.openxmlformats.org/officeDocument/2006/math">
+                    <m:oMathParaPr>
+                      <m:jc m:val="left"/>
+                    </m:oMathParaPr>
+                    <m:oMath xmlns:m="http://schemas.openxmlformats.org/officeDocument/2006/math">
+                      <m:sSup>
+                        <m:sSupPr>
+                          <m:ctrlPr>
+                            <a:rPr lang="en-US" b="0" i="1" smtClean="0">
+                              <a:latin typeface="Cambria Math" panose="02040503050406030204" pitchFamily="18" charset="0"/>
+                              <a:ea typeface="Cambria Math" panose="02040503050406030204" pitchFamily="18" charset="0"/>
+                            </a:rPr>
+                          </m:ctrlPr>
+                        </m:sSupPr>
+                        <m:e>
+                          <m:r>
+                            <a:rPr lang="en-US" b="0" i="1" smtClean="0">
+                              <a:latin typeface="Cambria Math" panose="02040503050406030204" pitchFamily="18" charset="0"/>
+                              <a:ea typeface="Cambria Math" panose="02040503050406030204" pitchFamily="18" charset="0"/>
+                            </a:rPr>
+                            <m:t>𝜌</m:t>
+                          </m:r>
+                          <m:r>
+                            <a:rPr lang="en-US" b="0" i="1" smtClean="0">
+                              <a:latin typeface="Cambria Math" panose="02040503050406030204" pitchFamily="18" charset="0"/>
+                              <a:ea typeface="Cambria Math" panose="02040503050406030204" pitchFamily="18" charset="0"/>
+                            </a:rPr>
+                            <m:t>(</m:t>
+                          </m:r>
+                          <m:r>
+                            <a:rPr lang="en-US" b="0" i="1" smtClean="0">
+                              <a:latin typeface="Cambria Math" panose="02040503050406030204" pitchFamily="18" charset="0"/>
+                              <a:ea typeface="Cambria Math" panose="02040503050406030204" pitchFamily="18" charset="0"/>
+                            </a:rPr>
+                            <m:t>𝜉</m:t>
+                          </m:r>
+                          <m:r>
+                            <a:rPr lang="en-US" b="0" i="1" smtClean="0">
+                              <a:latin typeface="Cambria Math" panose="02040503050406030204" pitchFamily="18" charset="0"/>
+                              <a:ea typeface="Cambria Math" panose="02040503050406030204" pitchFamily="18" charset="0"/>
+                            </a:rPr>
+                            <m:t>)</m:t>
+                          </m:r>
+                        </m:e>
+                        <m:sup>
+                          <m:r>
+                            <a:rPr lang="en-US" b="0" i="1" smtClean="0">
+                              <a:latin typeface="Cambria Math" panose="02040503050406030204" pitchFamily="18" charset="0"/>
+                              <a:ea typeface="Cambria Math" panose="02040503050406030204" pitchFamily="18" charset="0"/>
+                            </a:rPr>
+                            <m:t>2</m:t>
+                          </m:r>
+                        </m:sup>
+                      </m:sSup>
+                      <m:r>
+                        <a:rPr lang="en-US" b="0" i="1" smtClean="0">
+                          <a:latin typeface="Cambria Math" panose="02040503050406030204" pitchFamily="18" charset="0"/>
+                        </a:rPr>
+                        <m:t>=⁡</m:t>
+                      </m:r>
+                      <m:d>
+                        <m:dPr>
+                          <m:begChr m:val="{"/>
+                          <m:endChr m:val=""/>
+                          <m:ctrlPr>
+                            <a:rPr lang="en-US" b="0" i="1" smtClean="0">
+                              <a:latin typeface="Cambria Math" panose="02040503050406030204" pitchFamily="18" charset="0"/>
+                            </a:rPr>
+                          </m:ctrlPr>
+                        </m:dPr>
+                        <m:e>
+                          <m:eqArr>
+                            <m:eqArrPr>
+                              <m:ctrlPr>
+                                <a:rPr lang="en-US" b="0" i="1" smtClean="0">
+                                  <a:latin typeface="Cambria Math" panose="02040503050406030204" pitchFamily="18" charset="0"/>
+                                </a:rPr>
+                              </m:ctrlPr>
+                            </m:eqArrPr>
+                            <m:e>
+                              <m:f>
+                                <m:fPr>
+                                  <m:ctrlPr>
+                                    <a:rPr lang="en-US" i="1">
+                                      <a:latin typeface="Cambria Math" panose="02040503050406030204" pitchFamily="18" charset="0"/>
+                                    </a:rPr>
+                                  </m:ctrlPr>
+                                </m:fPr>
+                                <m:num>
+                                  <m:sSup>
+                                    <m:sSupPr>
+                                      <m:ctrlPr>
+                                        <a:rPr lang="en-US" i="1">
+                                          <a:latin typeface="Cambria Math" panose="02040503050406030204" pitchFamily="18" charset="0"/>
+                                        </a:rPr>
+                                      </m:ctrlPr>
+                                    </m:sSupPr>
+                                    <m:e>
+                                      <m:r>
+                                        <a:rPr lang="en-US" i="1" smtClean="0">
+                                          <a:latin typeface="Cambria Math" panose="02040503050406030204" pitchFamily="18" charset="0"/>
+                                          <a:ea typeface="Cambria Math" panose="02040503050406030204" pitchFamily="18" charset="0"/>
+                                        </a:rPr>
+                                        <m:t>𝜉</m:t>
+                                      </m:r>
+                                    </m:e>
+                                    <m:sup>
+                                      <m:r>
+                                        <a:rPr lang="en-US" i="1">
+                                          <a:latin typeface="Cambria Math" panose="02040503050406030204" pitchFamily="18" charset="0"/>
+                                        </a:rPr>
+                                        <m:t>2</m:t>
+                                      </m:r>
+                                    </m:sup>
+                                  </m:sSup>
+                                </m:num>
+                                <m:den>
+                                  <m:sSup>
+                                    <m:sSupPr>
+                                      <m:ctrlPr>
+                                        <a:rPr lang="en-US" i="1" smtClean="0">
+                                          <a:latin typeface="Cambria Math" panose="02040503050406030204" pitchFamily="18" charset="0"/>
+                                        </a:rPr>
+                                      </m:ctrlPr>
+                                    </m:sSupPr>
+                                    <m:e>
+                                      <m:r>
+                                        <a:rPr lang="en-US" b="0" i="1" smtClean="0">
+                                          <a:latin typeface="Cambria Math" panose="02040503050406030204" pitchFamily="18" charset="0"/>
+                                        </a:rPr>
+                                        <m:t>(</m:t>
+                                      </m:r>
+                                      <m:r>
+                                        <a:rPr lang="en-US" i="1">
+                                          <a:latin typeface="Cambria Math" panose="02040503050406030204" pitchFamily="18" charset="0"/>
+                                        </a:rPr>
+                                        <m:t>1−</m:t>
+                                      </m:r>
+                                      <m:sSup>
+                                        <m:sSupPr>
+                                          <m:ctrlPr>
+                                            <a:rPr lang="en-US" i="1">
+                                              <a:latin typeface="Cambria Math" panose="02040503050406030204" pitchFamily="18" charset="0"/>
+                                            </a:rPr>
+                                          </m:ctrlPr>
+                                        </m:sSupPr>
+                                        <m:e>
+                                          <m:r>
+                                            <a:rPr lang="en-US" i="1">
+                                              <a:latin typeface="Cambria Math" panose="02040503050406030204" pitchFamily="18" charset="0"/>
+                                              <a:ea typeface="Cambria Math" panose="02040503050406030204" pitchFamily="18" charset="0"/>
+                                            </a:rPr>
+                                            <m:t>𝛼</m:t>
+                                          </m:r>
+                                        </m:e>
+                                        <m:sup>
+                                          <m:r>
+                                            <a:rPr lang="en-US" i="1">
+                                              <a:latin typeface="Cambria Math" panose="02040503050406030204" pitchFamily="18" charset="0"/>
+                                            </a:rPr>
+                                            <m:t>2</m:t>
+                                          </m:r>
+                                        </m:sup>
+                                      </m:sSup>
+                                      <m:r>
+                                        <a:rPr lang="en-US" b="0" i="1" smtClean="0">
+                                          <a:latin typeface="Cambria Math" panose="02040503050406030204" pitchFamily="18" charset="0"/>
+                                        </a:rPr>
+                                        <m:t>)</m:t>
+                                      </m:r>
+                                    </m:e>
+                                    <m:sup>
+                                      <m:r>
+                                        <a:rPr lang="en-US" b="0" i="1" smtClean="0">
+                                          <a:latin typeface="Cambria Math" panose="02040503050406030204" pitchFamily="18" charset="0"/>
+                                        </a:rPr>
+                                        <m:t>2</m:t>
+                                      </m:r>
+                                    </m:sup>
+                                  </m:sSup>
+                                  <m:r>
+                                    <a:rPr lang="en-US" i="1">
+                                      <a:latin typeface="Cambria Math" panose="02040503050406030204" pitchFamily="18" charset="0"/>
+                                    </a:rPr>
+                                    <m:t>+</m:t>
+                                  </m:r>
+                                  <m:sSup>
+                                    <m:sSupPr>
+                                      <m:ctrlPr>
+                                        <a:rPr lang="en-US" i="1">
+                                          <a:latin typeface="Cambria Math" panose="02040503050406030204" pitchFamily="18" charset="0"/>
+                                        </a:rPr>
+                                      </m:ctrlPr>
+                                    </m:sSupPr>
+                                    <m:e>
+                                      <m:r>
+                                        <a:rPr lang="en-US" i="1">
+                                          <a:latin typeface="Cambria Math" panose="02040503050406030204" pitchFamily="18" charset="0"/>
+                                          <a:ea typeface="Cambria Math" panose="02040503050406030204" pitchFamily="18" charset="0"/>
+                                        </a:rPr>
+                                        <m:t>𝜉</m:t>
+                                      </m:r>
+                                    </m:e>
+                                    <m:sup>
+                                      <m:r>
+                                        <a:rPr lang="en-US" i="1">
+                                          <a:latin typeface="Cambria Math" panose="02040503050406030204" pitchFamily="18" charset="0"/>
+                                        </a:rPr>
+                                        <m:t>2</m:t>
+                                      </m:r>
+                                    </m:sup>
+                                  </m:sSup>
+                                  <m:d>
+                                    <m:dPr>
+                                      <m:ctrlPr>
+                                        <a:rPr lang="en-US" i="1">
+                                          <a:latin typeface="Cambria Math" panose="02040503050406030204" pitchFamily="18" charset="0"/>
+                                        </a:rPr>
+                                      </m:ctrlPr>
+                                    </m:dPr>
+                                    <m:e>
+                                      <m:r>
+                                        <a:rPr lang="en-US" i="1">
+                                          <a:latin typeface="Cambria Math" panose="02040503050406030204" pitchFamily="18" charset="0"/>
+                                        </a:rPr>
+                                        <m:t>1</m:t>
+                                      </m:r>
+                                      <m:r>
+                                        <a:rPr lang="en-US" b="0" i="1" smtClean="0">
+                                          <a:latin typeface="Cambria Math" panose="02040503050406030204" pitchFamily="18" charset="0"/>
+                                        </a:rPr>
+                                        <m:t>+</m:t>
+                                      </m:r>
+                                      <m:sSup>
+                                        <m:sSupPr>
+                                          <m:ctrlPr>
+                                            <a:rPr lang="en-US" i="1">
+                                              <a:latin typeface="Cambria Math" panose="02040503050406030204" pitchFamily="18" charset="0"/>
+                                            </a:rPr>
+                                          </m:ctrlPr>
+                                        </m:sSupPr>
+                                        <m:e>
+                                          <m:r>
+                                            <a:rPr lang="en-US" i="1" smtClean="0">
+                                              <a:latin typeface="Cambria Math" panose="02040503050406030204" pitchFamily="18" charset="0"/>
+                                              <a:ea typeface="Cambria Math" panose="02040503050406030204" pitchFamily="18" charset="0"/>
+                                            </a:rPr>
+                                            <m:t>𝛼</m:t>
+                                          </m:r>
+                                        </m:e>
+                                        <m:sup>
+                                          <m:r>
+                                            <a:rPr lang="en-US" i="1">
+                                              <a:latin typeface="Cambria Math" panose="02040503050406030204" pitchFamily="18" charset="0"/>
+                                            </a:rPr>
+                                            <m:t>2</m:t>
+                                          </m:r>
+                                        </m:sup>
+                                      </m:sSup>
+                                    </m:e>
+                                  </m:d>
+                                </m:den>
+                              </m:f>
+                              <m:r>
+                                <a:rPr lang="en-US" b="0" i="1" smtClean="0">
+                                  <a:latin typeface="Cambria Math" panose="02040503050406030204" pitchFamily="18" charset="0"/>
+                                </a:rPr>
+                                <m:t>                             </m:t>
+                              </m:r>
+                              <m:r>
+                                <a:rPr lang="en-US" b="0" i="1" smtClean="0">
+                                  <a:latin typeface="Cambria Math" panose="02040503050406030204" pitchFamily="18" charset="0"/>
+                                  <a:ea typeface="Cambria Math" panose="02040503050406030204" pitchFamily="18" charset="0"/>
+                                </a:rPr>
+                                <m:t>𝛼</m:t>
+                              </m:r>
+                              <m:r>
+                                <a:rPr lang="en-US" b="0" i="1" smtClean="0">
+                                  <a:latin typeface="Cambria Math" panose="02040503050406030204" pitchFamily="18" charset="0"/>
+                                  <a:ea typeface="Cambria Math" panose="02040503050406030204" pitchFamily="18" charset="0"/>
+                                </a:rPr>
+                                <m:t>=</m:t>
+                              </m:r>
+                              <m:r>
+                                <a:rPr lang="en-US" b="0" i="1" smtClean="0">
+                                  <a:latin typeface="Cambria Math" panose="02040503050406030204" pitchFamily="18" charset="0"/>
+                                  <a:ea typeface="Cambria Math" panose="02040503050406030204" pitchFamily="18" charset="0"/>
+                                </a:rPr>
+                                <m:t>𝛽</m:t>
+                              </m:r>
+                            </m:e>
+                            <m:e>
+                              <m:f>
+                                <m:fPr>
+                                  <m:ctrlPr>
+                                    <a:rPr lang="en-US" i="1">
+                                      <a:latin typeface="Cambria Math" panose="02040503050406030204" pitchFamily="18" charset="0"/>
+                                    </a:rPr>
+                                  </m:ctrlPr>
+                                </m:fPr>
+                                <m:num>
+                                  <m:sSup>
+                                    <m:sSupPr>
+                                      <m:ctrlPr>
+                                        <a:rPr lang="en-US" i="1" smtClean="0">
+                                          <a:latin typeface="Cambria Math" panose="02040503050406030204" pitchFamily="18" charset="0"/>
+                                        </a:rPr>
+                                      </m:ctrlPr>
+                                    </m:sSupPr>
+                                    <m:e>
+                                      <m:r>
+                                        <a:rPr lang="en-US" i="1" smtClean="0">
+                                          <a:latin typeface="Cambria Math" panose="02040503050406030204" pitchFamily="18" charset="0"/>
+                                          <a:ea typeface="Cambria Math" panose="02040503050406030204" pitchFamily="18" charset="0"/>
+                                        </a:rPr>
+                                        <m:t>𝜉</m:t>
+                                      </m:r>
+                                    </m:e>
+                                    <m:sup>
+                                      <m:r>
+                                        <a:rPr lang="en-US" b="0" i="1" smtClean="0">
+                                          <a:latin typeface="Cambria Math" panose="02040503050406030204" pitchFamily="18" charset="0"/>
+                                        </a:rPr>
+                                        <m:t>2</m:t>
+                                      </m:r>
+                                    </m:sup>
+                                  </m:sSup>
+                                  <m:r>
+                                    <a:rPr lang="en-US" b="0" i="1" smtClean="0">
+                                      <a:latin typeface="Cambria Math" panose="02040503050406030204" pitchFamily="18" charset="0"/>
+                                    </a:rPr>
+                                    <m:t>(</m:t>
+                                  </m:r>
+                                  <m:r>
+                                    <a:rPr lang="en-US" i="1">
+                                      <a:latin typeface="Cambria Math" panose="02040503050406030204" pitchFamily="18" charset="0"/>
+                                    </a:rPr>
+                                    <m:t>1−</m:t>
+                                  </m:r>
+                                  <m:sSup>
+                                    <m:sSupPr>
+                                      <m:ctrlPr>
+                                        <a:rPr lang="en-US" i="1">
+                                          <a:latin typeface="Cambria Math" panose="02040503050406030204" pitchFamily="18" charset="0"/>
+                                        </a:rPr>
+                                      </m:ctrlPr>
+                                    </m:sSupPr>
+                                    <m:e>
+                                      <m:r>
+                                        <a:rPr lang="en-US" i="1" smtClean="0">
+                                          <a:latin typeface="Cambria Math" panose="02040503050406030204" pitchFamily="18" charset="0"/>
+                                          <a:ea typeface="Cambria Math" panose="02040503050406030204" pitchFamily="18" charset="0"/>
+                                        </a:rPr>
+                                        <m:t>𝛽</m:t>
+                                      </m:r>
+                                    </m:e>
+                                    <m:sup>
+                                      <m:r>
+                                        <a:rPr lang="en-US" i="1">
+                                          <a:latin typeface="Cambria Math" panose="02040503050406030204" pitchFamily="18" charset="0"/>
+                                        </a:rPr>
+                                        <m:t>2</m:t>
+                                      </m:r>
+                                    </m:sup>
+                                  </m:sSup>
+                                  <m:r>
+                                    <a:rPr lang="en-US" b="0" i="1" smtClean="0">
+                                      <a:latin typeface="Cambria Math" panose="02040503050406030204" pitchFamily="18" charset="0"/>
+                                    </a:rPr>
+                                    <m:t>)</m:t>
+                                  </m:r>
+                                </m:num>
+                                <m:den>
+                                  <m:sSup>
+                                    <m:sSupPr>
+                                      <m:ctrlPr>
+                                        <a:rPr lang="en-US" b="0" i="1" smtClean="0">
+                                          <a:latin typeface="Cambria Math" panose="02040503050406030204" pitchFamily="18" charset="0"/>
+                                        </a:rPr>
+                                      </m:ctrlPr>
+                                    </m:sSupPr>
+                                    <m:e>
+                                      <m:r>
+                                        <a:rPr lang="en-US" i="1">
+                                          <a:latin typeface="Cambria Math" panose="02040503050406030204" pitchFamily="18" charset="0"/>
+                                        </a:rPr>
+                                        <m:t>(1−</m:t>
+                                      </m:r>
+                                      <m:r>
+                                        <a:rPr lang="en-US" i="1">
+                                          <a:latin typeface="Cambria Math" panose="02040503050406030204" pitchFamily="18" charset="0"/>
+                                          <a:ea typeface="Cambria Math" panose="02040503050406030204" pitchFamily="18" charset="0"/>
+                                        </a:rPr>
+                                        <m:t>𝛼𝛽</m:t>
+                                      </m:r>
+                                      <m:r>
+                                        <a:rPr lang="en-US" i="1">
+                                          <a:latin typeface="Cambria Math" panose="02040503050406030204" pitchFamily="18" charset="0"/>
+                                        </a:rPr>
+                                        <m:t>)</m:t>
+                                      </m:r>
+                                    </m:e>
+                                    <m:sup>
+                                      <m:r>
+                                        <a:rPr lang="en-US" b="0" i="1" smtClean="0">
+                                          <a:latin typeface="Cambria Math" panose="02040503050406030204" pitchFamily="18" charset="0"/>
+                                        </a:rPr>
+                                        <m:t>2</m:t>
+                                      </m:r>
+                                    </m:sup>
+                                  </m:sSup>
+                                  <m:r>
+                                    <a:rPr lang="en-US" b="0" i="1" smtClean="0">
+                                      <a:latin typeface="Cambria Math" panose="02040503050406030204" pitchFamily="18" charset="0"/>
+                                    </a:rPr>
+                                    <m:t>(</m:t>
+                                  </m:r>
+                                  <m:r>
+                                    <a:rPr lang="en-US" i="1">
+                                      <a:latin typeface="Cambria Math" panose="02040503050406030204" pitchFamily="18" charset="0"/>
+                                    </a:rPr>
+                                    <m:t>1−</m:t>
+                                  </m:r>
+                                  <m:sSup>
+                                    <m:sSupPr>
+                                      <m:ctrlPr>
+                                        <a:rPr lang="en-US" i="1">
+                                          <a:latin typeface="Cambria Math" panose="02040503050406030204" pitchFamily="18" charset="0"/>
+                                        </a:rPr>
+                                      </m:ctrlPr>
+                                    </m:sSupPr>
+                                    <m:e>
+                                      <m:r>
+                                        <a:rPr lang="en-US" i="1">
+                                          <a:latin typeface="Cambria Math" panose="02040503050406030204" pitchFamily="18" charset="0"/>
+                                          <a:ea typeface="Cambria Math" panose="02040503050406030204" pitchFamily="18" charset="0"/>
+                                        </a:rPr>
+                                        <m:t>𝛼</m:t>
+                                      </m:r>
+                                    </m:e>
+                                    <m:sup>
+                                      <m:r>
+                                        <a:rPr lang="en-US" i="1">
+                                          <a:latin typeface="Cambria Math" panose="02040503050406030204" pitchFamily="18" charset="0"/>
+                                        </a:rPr>
+                                        <m:t>2</m:t>
+                                      </m:r>
+                                    </m:sup>
+                                  </m:sSup>
+                                  <m:r>
+                                    <a:rPr lang="en-US" b="0" i="1" smtClean="0">
+                                      <a:latin typeface="Cambria Math" panose="02040503050406030204" pitchFamily="18" charset="0"/>
+                                    </a:rPr>
+                                    <m:t>)</m:t>
+                                  </m:r>
+                                  <m:r>
+                                    <a:rPr lang="en-US" i="1">
+                                      <a:latin typeface="Cambria Math" panose="02040503050406030204" pitchFamily="18" charset="0"/>
+                                    </a:rPr>
+                                    <m:t>+</m:t>
+                                  </m:r>
+                                  <m:sSup>
+                                    <m:sSupPr>
+                                      <m:ctrlPr>
+                                        <a:rPr lang="en-US" i="1">
+                                          <a:latin typeface="Cambria Math" panose="02040503050406030204" pitchFamily="18" charset="0"/>
+                                        </a:rPr>
+                                      </m:ctrlPr>
+                                    </m:sSupPr>
+                                    <m:e>
+                                      <m:r>
+                                        <a:rPr lang="en-US" i="1">
+                                          <a:latin typeface="Cambria Math" panose="02040503050406030204" pitchFamily="18" charset="0"/>
+                                          <a:ea typeface="Cambria Math" panose="02040503050406030204" pitchFamily="18" charset="0"/>
+                                        </a:rPr>
+                                        <m:t>𝜉</m:t>
+                                      </m:r>
+                                    </m:e>
+                                    <m:sup>
+                                      <m:r>
+                                        <a:rPr lang="en-US" i="1">
+                                          <a:latin typeface="Cambria Math" panose="02040503050406030204" pitchFamily="18" charset="0"/>
+                                        </a:rPr>
+                                        <m:t>2</m:t>
+                                      </m:r>
+                                    </m:sup>
+                                  </m:sSup>
+                                  <m:d>
+                                    <m:dPr>
+                                      <m:ctrlPr>
+                                        <a:rPr lang="en-US" i="1">
+                                          <a:latin typeface="Cambria Math" panose="02040503050406030204" pitchFamily="18" charset="0"/>
+                                        </a:rPr>
+                                      </m:ctrlPr>
+                                    </m:dPr>
+                                    <m:e>
+                                      <m:r>
+                                        <a:rPr lang="en-US" i="1">
+                                          <a:latin typeface="Cambria Math" panose="02040503050406030204" pitchFamily="18" charset="0"/>
+                                        </a:rPr>
+                                        <m:t>1−</m:t>
+                                      </m:r>
+                                      <m:sSup>
+                                        <m:sSupPr>
+                                          <m:ctrlPr>
+                                            <a:rPr lang="en-US" i="1">
+                                              <a:latin typeface="Cambria Math" panose="02040503050406030204" pitchFamily="18" charset="0"/>
+                                            </a:rPr>
+                                          </m:ctrlPr>
+                                        </m:sSupPr>
+                                        <m:e>
+                                          <m:r>
+                                            <a:rPr lang="en-US" b="0" i="1" smtClean="0">
+                                              <a:latin typeface="Cambria Math" panose="02040503050406030204" pitchFamily="18" charset="0"/>
+                                            </a:rPr>
+                                            <m:t>(</m:t>
+                                          </m:r>
+                                          <m:r>
+                                            <a:rPr lang="en-US" i="1" smtClean="0">
+                                              <a:latin typeface="Cambria Math" panose="02040503050406030204" pitchFamily="18" charset="0"/>
+                                              <a:ea typeface="Cambria Math" panose="02040503050406030204" pitchFamily="18" charset="0"/>
+                                            </a:rPr>
+                                            <m:t>𝛼</m:t>
+                                          </m:r>
+                                          <m:r>
+                                            <a:rPr lang="en-US" i="1">
+                                              <a:latin typeface="Cambria Math" panose="02040503050406030204" pitchFamily="18" charset="0"/>
+                                              <a:ea typeface="Cambria Math" panose="02040503050406030204" pitchFamily="18" charset="0"/>
+                                            </a:rPr>
+                                            <m:t>𝛽</m:t>
+                                          </m:r>
+                                          <m:r>
+                                            <a:rPr lang="en-US" b="0" i="1" smtClean="0">
+                                              <a:latin typeface="Cambria Math" panose="02040503050406030204" pitchFamily="18" charset="0"/>
+                                              <a:ea typeface="Cambria Math" panose="02040503050406030204" pitchFamily="18" charset="0"/>
+                                            </a:rPr>
+                                            <m:t>)</m:t>
+                                          </m:r>
+                                        </m:e>
+                                        <m:sup>
+                                          <m:r>
+                                            <a:rPr lang="en-US" i="1">
+                                              <a:latin typeface="Cambria Math" panose="02040503050406030204" pitchFamily="18" charset="0"/>
+                                            </a:rPr>
+                                            <m:t>2</m:t>
+                                          </m:r>
+                                        </m:sup>
+                                      </m:sSup>
+                                    </m:e>
+                                  </m:d>
+                                </m:den>
+                              </m:f>
+                              <m:r>
+                                <a:rPr lang="en-US" b="0" i="1" smtClean="0">
+                                  <a:latin typeface="Cambria Math" panose="02040503050406030204" pitchFamily="18" charset="0"/>
+                                </a:rPr>
+                                <m:t>    </m:t>
+                              </m:r>
+                              <m:r>
+                                <a:rPr lang="en-US" i="1" smtClean="0">
+                                  <a:latin typeface="Cambria Math" panose="02040503050406030204" pitchFamily="18" charset="0"/>
+                                  <a:ea typeface="Cambria Math" panose="02040503050406030204" pitchFamily="18" charset="0"/>
+                                </a:rPr>
+                                <m:t>𝛼</m:t>
+                              </m:r>
+                              <m:r>
+                                <a:rPr lang="en-US" i="1" smtClean="0">
+                                  <a:latin typeface="Cambria Math" panose="02040503050406030204" pitchFamily="18" charset="0"/>
+                                  <a:ea typeface="Cambria Math" panose="02040503050406030204" pitchFamily="18" charset="0"/>
+                                </a:rPr>
+                                <m:t>≠</m:t>
+                              </m:r>
+                              <m:r>
+                                <a:rPr lang="en-US" i="1" smtClean="0">
+                                  <a:latin typeface="Cambria Math" panose="02040503050406030204" pitchFamily="18" charset="0"/>
+                                  <a:ea typeface="Cambria Math" panose="02040503050406030204" pitchFamily="18" charset="0"/>
+                                </a:rPr>
+                                <m:t>𝛽</m:t>
+                              </m:r>
+                            </m:e>
+                          </m:eqArr>
+                        </m:e>
+                      </m:d>
+                    </m:oMath>
+                  </m:oMathPara>
+                </a14:m>
+                <a:endParaRPr lang="en-US" dirty="0"/>
               </a:p>
             </p:txBody>
           </p:sp>
@@ -15117,30 +15211,674 @@
         <mc:Fallback xmlns="">
           <p:sp>
             <p:nvSpPr>
-              <p:cNvPr id="7" name="Rectangle 6">
+              <p:cNvPr id="7" name="TextBox 6">
                 <a:extLst>
                   <a:ext uri="{FF2B5EF4-FFF2-40B4-BE49-F238E27FC236}">
-                    <a16:creationId xmlns:a16="http://schemas.microsoft.com/office/drawing/2014/main" id="{00F23671-4D6B-4E8A-A379-2D73C2DC8934}"/>
+                    <a16:creationId xmlns:a16="http://schemas.microsoft.com/office/drawing/2014/main" id="{9161A25C-FAF9-4B3C-B3EF-81B852CE56A9}"/>
                   </a:ext>
                 </a:extLst>
               </p:cNvPr>
-              <p:cNvSpPr>
+              <p:cNvSpPr txBox="1">
                 <a:spLocks noRot="1" noChangeAspect="1" noMove="1" noResize="1" noEditPoints="1" noAdjustHandles="1" noChangeArrowheads="1" noChangeShapeType="1" noTextEdit="1"/>
               </p:cNvSpPr>
               <p:nvPr/>
             </p:nvSpPr>
             <p:spPr>
               <a:xfrm>
-                <a:off x="7710221" y="1075162"/>
-                <a:ext cx="4003825" cy="700705"/>
+                <a:off x="344233" y="4010665"/>
+                <a:ext cx="5751767" cy="1942968"/>
               </a:xfrm>
               <a:prstGeom prst="rect">
                 <a:avLst/>
               </a:prstGeom>
               <a:blipFill>
-                <a:blip r:embed="rId6"/>
+                <a:blip r:embed="rId10"/>
                 <a:stretch>
-                  <a:fillRect l="-1674"/>
+                  <a:fillRect t="-1881"/>
+                </a:stretch>
+              </a:blipFill>
+            </p:spPr>
+            <p:txBody>
+              <a:bodyPr/>
+              <a:lstStyle/>
+              <a:p>
+                <a:r>
+                  <a:rPr lang="en-US">
+                    <a:noFill/>
+                  </a:rPr>
+                  <a:t> </a:t>
+                </a:r>
+              </a:p>
+            </p:txBody>
+          </p:sp>
+        </mc:Fallback>
+      </mc:AlternateContent>
+      <p:sp>
+        <p:nvSpPr>
+          <p:cNvPr id="15" name="TextBox 14">
+            <a:extLst>
+              <a:ext uri="{FF2B5EF4-FFF2-40B4-BE49-F238E27FC236}">
+                <a16:creationId xmlns:a16="http://schemas.microsoft.com/office/drawing/2014/main" id="{7008BDD7-4911-4F23-A0DC-7A7CBF69F11D}"/>
+              </a:ext>
+            </a:extLst>
+          </p:cNvPr>
+          <p:cNvSpPr txBox="1"/>
+          <p:nvPr/>
+        </p:nvSpPr>
+        <p:spPr>
+          <a:xfrm>
+            <a:off x="4709212" y="6169076"/>
+            <a:ext cx="3099488" cy="369332"/>
+          </a:xfrm>
+          <a:prstGeom prst="rect">
+            <a:avLst/>
+          </a:prstGeom>
+          <a:noFill/>
+        </p:spPr>
+        <p:txBody>
+          <a:bodyPr wrap="square" rtlCol="0">
+            <a:spAutoFit/>
+          </a:bodyPr>
+          <a:lstStyle/>
+          <a:p>
+            <a:r>
+              <a:rPr lang="en-US" dirty="0"/>
+              <a:t>#bins = </a:t>
+            </a:r>
+            <a:r>
+              <a:rPr lang="en-US" altLang="zh-CN" dirty="0"/>
+              <a:t>15</a:t>
+            </a:r>
+            <a:r>
+              <a:rPr lang="en-US" dirty="0"/>
+              <a:t>0       </a:t>
+            </a:r>
+            <a:r>
+              <a:rPr lang="en-US" altLang="zh-CN" dirty="0"/>
+              <a:t>300000 trials</a:t>
+            </a:r>
+            <a:endParaRPr lang="en-US" dirty="0"/>
+          </a:p>
+        </p:txBody>
+      </p:sp>
+      <mc:AlternateContent xmlns:mc="http://schemas.openxmlformats.org/markup-compatibility/2006" xmlns:a14="http://schemas.microsoft.com/office/drawing/2010/main">
+        <mc:Choice Requires="a14">
+          <p:sp>
+            <p:nvSpPr>
+              <p:cNvPr id="16" name="TextBox 15">
+                <a:extLst>
+                  <a:ext uri="{FF2B5EF4-FFF2-40B4-BE49-F238E27FC236}">
+                    <a16:creationId xmlns:a16="http://schemas.microsoft.com/office/drawing/2014/main" id="{96346204-D215-406F-B856-0C65CE6AC132}"/>
+                  </a:ext>
+                </a:extLst>
+              </p:cNvPr>
+              <p:cNvSpPr txBox="1"/>
+              <p:nvPr/>
+            </p:nvSpPr>
+            <p:spPr>
+              <a:xfrm>
+                <a:off x="5951260" y="1369012"/>
+                <a:ext cx="4183709" cy="369332"/>
+              </a:xfrm>
+              <a:prstGeom prst="rect">
+                <a:avLst/>
+              </a:prstGeom>
+              <a:noFill/>
+            </p:spPr>
+            <p:txBody>
+              <a:bodyPr wrap="none" rtlCol="0">
+                <a:spAutoFit/>
+              </a:bodyPr>
+              <a:lstStyle/>
+              <a:p>
+                <a14:m>
+                  <m:oMath xmlns:m="http://schemas.openxmlformats.org/officeDocument/2006/math">
+                    <m:r>
+                      <a:rPr lang="en-US" i="1" smtClean="0">
+                        <a:latin typeface="Cambria Math" panose="02040503050406030204" pitchFamily="18" charset="0"/>
+                        <a:ea typeface="Cambria Math" panose="02040503050406030204" pitchFamily="18" charset="0"/>
+                      </a:rPr>
+                      <m:t>𝛼</m:t>
+                    </m:r>
+                    <m:r>
+                      <a:rPr lang="en-US" altLang="zh-CN" i="1">
+                        <a:latin typeface="Cambria Math" panose="02040503050406030204" pitchFamily="18" charset="0"/>
+                        <a:ea typeface="Cambria Math" panose="02040503050406030204" pitchFamily="18" charset="0"/>
+                      </a:rPr>
+                      <m:t>=</m:t>
+                    </m:r>
+                    <m:r>
+                      <a:rPr lang="en-US" altLang="zh-CN" i="1" smtClean="0">
+                        <a:latin typeface="Cambria Math" panose="02040503050406030204" pitchFamily="18" charset="0"/>
+                        <a:ea typeface="Cambria Math" panose="02040503050406030204" pitchFamily="18" charset="0"/>
+                      </a:rPr>
+                      <m:t>0</m:t>
+                    </m:r>
+                    <m:r>
+                      <a:rPr lang="en-US" altLang="zh-CN" i="1">
+                        <a:latin typeface="Cambria Math" panose="02040503050406030204" pitchFamily="18" charset="0"/>
+                        <a:ea typeface="Cambria Math" panose="02040503050406030204" pitchFamily="18" charset="0"/>
+                      </a:rPr>
+                      <m:t>.</m:t>
+                    </m:r>
+                    <m:r>
+                      <a:rPr lang="en-US" altLang="zh-CN" b="0" i="1" smtClean="0">
+                        <a:latin typeface="Cambria Math" panose="02040503050406030204" pitchFamily="18" charset="0"/>
+                        <a:ea typeface="Cambria Math" panose="02040503050406030204" pitchFamily="18" charset="0"/>
+                      </a:rPr>
+                      <m:t>01</m:t>
+                    </m:r>
+                    <m:r>
+                      <a:rPr lang="zh-CN" altLang="en-US" i="1">
+                        <a:latin typeface="Cambria Math" panose="02040503050406030204" pitchFamily="18" charset="0"/>
+                        <a:ea typeface="Cambria Math" panose="02040503050406030204" pitchFamily="18" charset="0"/>
+                      </a:rPr>
+                      <m:t>，</m:t>
+                    </m:r>
+                    <m:r>
+                      <a:rPr lang="en-US" altLang="zh-CN" i="1" smtClean="0">
+                        <a:latin typeface="Cambria Math" panose="02040503050406030204" pitchFamily="18" charset="0"/>
+                        <a:ea typeface="Cambria Math" panose="02040503050406030204" pitchFamily="18" charset="0"/>
+                      </a:rPr>
+                      <m:t>𝛽</m:t>
+                    </m:r>
+                    <m:r>
+                      <a:rPr lang="en-US" altLang="zh-CN" i="1">
+                        <a:latin typeface="Cambria Math" panose="02040503050406030204" pitchFamily="18" charset="0"/>
+                        <a:ea typeface="Cambria Math" panose="02040503050406030204" pitchFamily="18" charset="0"/>
+                      </a:rPr>
+                      <m:t>=</m:t>
+                    </m:r>
+                    <m:r>
+                      <a:rPr lang="en-US" altLang="zh-CN" i="1" smtClean="0">
+                        <a:latin typeface="Cambria Math" panose="02040503050406030204" pitchFamily="18" charset="0"/>
+                        <a:ea typeface="Cambria Math" panose="02040503050406030204" pitchFamily="18" charset="0"/>
+                      </a:rPr>
+                      <m:t>0</m:t>
+                    </m:r>
+                    <m:r>
+                      <a:rPr lang="en-US" altLang="zh-CN" i="1">
+                        <a:latin typeface="Cambria Math" panose="02040503050406030204" pitchFamily="18" charset="0"/>
+                        <a:ea typeface="Cambria Math" panose="02040503050406030204" pitchFamily="18" charset="0"/>
+                      </a:rPr>
+                      <m:t>.</m:t>
+                    </m:r>
+                    <m:r>
+                      <a:rPr lang="en-US" altLang="zh-CN" i="1" smtClean="0">
+                        <a:latin typeface="Cambria Math" panose="02040503050406030204" pitchFamily="18" charset="0"/>
+                        <a:ea typeface="Cambria Math" panose="02040503050406030204" pitchFamily="18" charset="0"/>
+                      </a:rPr>
+                      <m:t>0</m:t>
+                    </m:r>
+                    <m:r>
+                      <a:rPr lang="en-US" altLang="zh-CN" i="1">
+                        <a:latin typeface="Cambria Math" panose="02040503050406030204" pitchFamily="18" charset="0"/>
+                        <a:ea typeface="Cambria Math" panose="02040503050406030204" pitchFamily="18" charset="0"/>
+                      </a:rPr>
+                      <m:t>1</m:t>
+                    </m:r>
+                  </m:oMath>
+                </a14:m>
+                <a:r>
+                  <a:rPr lang="en-US" dirty="0"/>
+                  <a:t>   #bin=50  T= 300000</a:t>
+                </a:r>
+              </a:p>
+            </p:txBody>
+          </p:sp>
+        </mc:Choice>
+        <mc:Fallback xmlns="">
+          <p:sp>
+            <p:nvSpPr>
+              <p:cNvPr id="16" name="TextBox 15">
+                <a:extLst>
+                  <a:ext uri="{FF2B5EF4-FFF2-40B4-BE49-F238E27FC236}">
+                    <a16:creationId xmlns:a16="http://schemas.microsoft.com/office/drawing/2014/main" id="{96346204-D215-406F-B856-0C65CE6AC132}"/>
+                  </a:ext>
+                </a:extLst>
+              </p:cNvPr>
+              <p:cNvSpPr txBox="1">
+                <a:spLocks noRot="1" noChangeAspect="1" noMove="1" noResize="1" noEditPoints="1" noAdjustHandles="1" noChangeArrowheads="1" noChangeShapeType="1" noTextEdit="1"/>
+              </p:cNvSpPr>
+              <p:nvPr/>
+            </p:nvSpPr>
+            <p:spPr>
+              <a:xfrm>
+                <a:off x="5951260" y="1369012"/>
+                <a:ext cx="4183709" cy="369332"/>
+              </a:xfrm>
+              <a:prstGeom prst="rect">
+                <a:avLst/>
+              </a:prstGeom>
+              <a:blipFill>
+                <a:blip r:embed="rId11"/>
+                <a:stretch>
+                  <a:fillRect t="-10000" r="-146" b="-26667"/>
+                </a:stretch>
+              </a:blipFill>
+            </p:spPr>
+            <p:txBody>
+              <a:bodyPr/>
+              <a:lstStyle/>
+              <a:p>
+                <a:r>
+                  <a:rPr lang="en-US">
+                    <a:noFill/>
+                  </a:rPr>
+                  <a:t> </a:t>
+                </a:r>
+              </a:p>
+            </p:txBody>
+          </p:sp>
+        </mc:Fallback>
+      </mc:AlternateContent>
+    </p:spTree>
+    <p:extLst>
+      <p:ext uri="{BB962C8B-B14F-4D97-AF65-F5344CB8AC3E}">
+        <p14:creationId xmlns:p14="http://schemas.microsoft.com/office/powerpoint/2010/main" val="3342517211"/>
+      </p:ext>
+    </p:extLst>
+  </p:cSld>
+  <p:clrMapOvr>
+    <a:masterClrMapping/>
+  </p:clrMapOvr>
+</p:sld>
+</file>
+
+<file path=ppt/slides/slide31.xml><?xml version="1.0" encoding="utf-8"?>
+<p:sld xmlns:a="http://schemas.openxmlformats.org/drawingml/2006/main" xmlns:r="http://schemas.openxmlformats.org/officeDocument/2006/relationships" xmlns:p="http://schemas.openxmlformats.org/presentationml/2006/main">
+  <p:cSld>
+    <p:spTree>
+      <p:nvGrpSpPr>
+        <p:cNvPr id="1" name=""/>
+        <p:cNvGrpSpPr/>
+        <p:nvPr/>
+      </p:nvGrpSpPr>
+      <p:grpSpPr>
+        <a:xfrm>
+          <a:off x="0" y="0"/>
+          <a:ext cx="0" cy="0"/>
+          <a:chOff x="0" y="0"/>
+          <a:chExt cx="0" cy="0"/>
+        </a:xfrm>
+      </p:grpSpPr>
+      <p:pic>
+        <p:nvPicPr>
+          <p:cNvPr id="2" name="Content Placeholder 4">
+            <a:extLst>
+              <a:ext uri="{FF2B5EF4-FFF2-40B4-BE49-F238E27FC236}">
+                <a16:creationId xmlns:a16="http://schemas.microsoft.com/office/drawing/2014/main" id="{B78FF58A-145A-47E2-B18C-B095B7166B4B}"/>
+              </a:ext>
+            </a:extLst>
+          </p:cNvPr>
+          <p:cNvPicPr>
+            <a:picLocks noChangeAspect="1"/>
+          </p:cNvPicPr>
+          <p:nvPr/>
+        </p:nvPicPr>
+        <p:blipFill>
+          <a:blip r:embed="rId2"/>
+          <a:stretch>
+            <a:fillRect/>
+          </a:stretch>
+        </p:blipFill>
+        <p:spPr>
+          <a:xfrm>
+            <a:off x="1243062" y="476657"/>
+            <a:ext cx="3803540" cy="2852655"/>
+          </a:xfrm>
+          <a:prstGeom prst="rect">
+            <a:avLst/>
+          </a:prstGeom>
+        </p:spPr>
+      </p:pic>
+      <p:pic>
+        <p:nvPicPr>
+          <p:cNvPr id="9" name="Picture 8">
+            <a:extLst>
+              <a:ext uri="{FF2B5EF4-FFF2-40B4-BE49-F238E27FC236}">
+                <a16:creationId xmlns:a16="http://schemas.microsoft.com/office/drawing/2014/main" id="{DC40BF9D-222B-4C37-87E1-B9423DCE2D85}"/>
+              </a:ext>
+            </a:extLst>
+          </p:cNvPr>
+          <p:cNvPicPr>
+            <a:picLocks noChangeAspect="1"/>
+          </p:cNvPicPr>
+          <p:nvPr/>
+        </p:nvPicPr>
+        <p:blipFill>
+          <a:blip r:embed="rId3"/>
+          <a:stretch>
+            <a:fillRect/>
+          </a:stretch>
+        </p:blipFill>
+        <p:spPr>
+          <a:xfrm>
+            <a:off x="6087099" y="476657"/>
+            <a:ext cx="3803540" cy="2852655"/>
+          </a:xfrm>
+          <a:prstGeom prst="rect">
+            <a:avLst/>
+          </a:prstGeom>
+        </p:spPr>
+      </p:pic>
+      <mc:AlternateContent xmlns:mc="http://schemas.openxmlformats.org/markup-compatibility/2006" xmlns:a14="http://schemas.microsoft.com/office/drawing/2010/main">
+        <mc:Choice Requires="a14">
+          <p:sp>
+            <p:nvSpPr>
+              <p:cNvPr id="10" name="TextBox 9">
+                <a:extLst>
+                  <a:ext uri="{FF2B5EF4-FFF2-40B4-BE49-F238E27FC236}">
+                    <a16:creationId xmlns:a16="http://schemas.microsoft.com/office/drawing/2014/main" id="{2C5758BF-B176-49E2-AC24-FBFCD647002B}"/>
+                  </a:ext>
+                </a:extLst>
+              </p:cNvPr>
+              <p:cNvSpPr txBox="1"/>
+              <p:nvPr/>
+            </p:nvSpPr>
+            <p:spPr>
+              <a:xfrm>
+                <a:off x="1243062" y="107325"/>
+                <a:ext cx="4055469" cy="369332"/>
+              </a:xfrm>
+              <a:prstGeom prst="rect">
+                <a:avLst/>
+              </a:prstGeom>
+              <a:noFill/>
+            </p:spPr>
+            <p:txBody>
+              <a:bodyPr wrap="none" rtlCol="0">
+                <a:spAutoFit/>
+              </a:bodyPr>
+              <a:lstStyle/>
+              <a:p>
+                <a14:m>
+                  <m:oMath xmlns:m="http://schemas.openxmlformats.org/officeDocument/2006/math">
+                    <m:r>
+                      <a:rPr lang="en-US" i="1" smtClean="0">
+                        <a:latin typeface="Cambria Math" panose="02040503050406030204" pitchFamily="18" charset="0"/>
+                        <a:ea typeface="Cambria Math" panose="02040503050406030204" pitchFamily="18" charset="0"/>
+                      </a:rPr>
+                      <m:t>𝛼</m:t>
+                    </m:r>
+                    <m:r>
+                      <a:rPr lang="en-US" altLang="zh-CN" i="1">
+                        <a:latin typeface="Cambria Math" panose="02040503050406030204" pitchFamily="18" charset="0"/>
+                        <a:ea typeface="Cambria Math" panose="02040503050406030204" pitchFamily="18" charset="0"/>
+                      </a:rPr>
+                      <m:t>=</m:t>
+                    </m:r>
+                    <m:r>
+                      <a:rPr lang="en-US" altLang="zh-CN" i="1" smtClean="0">
+                        <a:latin typeface="Cambria Math" panose="02040503050406030204" pitchFamily="18" charset="0"/>
+                        <a:ea typeface="Cambria Math" panose="02040503050406030204" pitchFamily="18" charset="0"/>
+                      </a:rPr>
+                      <m:t>0</m:t>
+                    </m:r>
+                    <m:r>
+                      <a:rPr lang="en-US" altLang="zh-CN" i="1">
+                        <a:latin typeface="Cambria Math" panose="02040503050406030204" pitchFamily="18" charset="0"/>
+                        <a:ea typeface="Cambria Math" panose="02040503050406030204" pitchFamily="18" charset="0"/>
+                      </a:rPr>
+                      <m:t>.</m:t>
+                    </m:r>
+                    <m:r>
+                      <a:rPr lang="en-US" altLang="zh-CN" i="1" smtClean="0">
+                        <a:latin typeface="Cambria Math" panose="02040503050406030204" pitchFamily="18" charset="0"/>
+                        <a:ea typeface="Cambria Math" panose="02040503050406030204" pitchFamily="18" charset="0"/>
+                      </a:rPr>
+                      <m:t>6</m:t>
+                    </m:r>
+                    <m:r>
+                      <a:rPr lang="zh-CN" altLang="en-US" i="1">
+                        <a:latin typeface="Cambria Math" panose="02040503050406030204" pitchFamily="18" charset="0"/>
+                        <a:ea typeface="Cambria Math" panose="02040503050406030204" pitchFamily="18" charset="0"/>
+                      </a:rPr>
+                      <m:t>，</m:t>
+                    </m:r>
+                    <m:r>
+                      <a:rPr lang="en-US" altLang="zh-CN" i="1" smtClean="0">
+                        <a:latin typeface="Cambria Math" panose="02040503050406030204" pitchFamily="18" charset="0"/>
+                        <a:ea typeface="Cambria Math" panose="02040503050406030204" pitchFamily="18" charset="0"/>
+                      </a:rPr>
+                      <m:t>𝛽</m:t>
+                    </m:r>
+                    <m:r>
+                      <a:rPr lang="en-US" altLang="zh-CN" i="1">
+                        <a:latin typeface="Cambria Math" panose="02040503050406030204" pitchFamily="18" charset="0"/>
+                        <a:ea typeface="Cambria Math" panose="02040503050406030204" pitchFamily="18" charset="0"/>
+                      </a:rPr>
+                      <m:t>=</m:t>
+                    </m:r>
+                    <m:r>
+                      <a:rPr lang="en-US" altLang="zh-CN" i="1" smtClean="0">
+                        <a:latin typeface="Cambria Math" panose="02040503050406030204" pitchFamily="18" charset="0"/>
+                        <a:ea typeface="Cambria Math" panose="02040503050406030204" pitchFamily="18" charset="0"/>
+                      </a:rPr>
+                      <m:t>0</m:t>
+                    </m:r>
+                    <m:r>
+                      <a:rPr lang="en-US" altLang="zh-CN" i="1">
+                        <a:latin typeface="Cambria Math" panose="02040503050406030204" pitchFamily="18" charset="0"/>
+                        <a:ea typeface="Cambria Math" panose="02040503050406030204" pitchFamily="18" charset="0"/>
+                      </a:rPr>
+                      <m:t>.</m:t>
+                    </m:r>
+                    <m:r>
+                      <a:rPr lang="en-US" altLang="zh-CN" i="1" smtClean="0">
+                        <a:latin typeface="Cambria Math" panose="02040503050406030204" pitchFamily="18" charset="0"/>
+                        <a:ea typeface="Cambria Math" panose="02040503050406030204" pitchFamily="18" charset="0"/>
+                      </a:rPr>
+                      <m:t>0</m:t>
+                    </m:r>
+                    <m:r>
+                      <a:rPr lang="en-US" altLang="zh-CN" i="1">
+                        <a:latin typeface="Cambria Math" panose="02040503050406030204" pitchFamily="18" charset="0"/>
+                        <a:ea typeface="Cambria Math" panose="02040503050406030204" pitchFamily="18" charset="0"/>
+                      </a:rPr>
+                      <m:t>1</m:t>
+                    </m:r>
+                  </m:oMath>
+                </a14:m>
+                <a:r>
+                  <a:rPr lang="en-US" dirty="0"/>
+                  <a:t>   #bin=50  T= 300000</a:t>
+                </a:r>
+              </a:p>
+            </p:txBody>
+          </p:sp>
+        </mc:Choice>
+        <mc:Fallback xmlns="">
+          <p:sp>
+            <p:nvSpPr>
+              <p:cNvPr id="10" name="TextBox 9">
+                <a:extLst>
+                  <a:ext uri="{FF2B5EF4-FFF2-40B4-BE49-F238E27FC236}">
+                    <a16:creationId xmlns:a16="http://schemas.microsoft.com/office/drawing/2014/main" id="{2C5758BF-B176-49E2-AC24-FBFCD647002B}"/>
+                  </a:ext>
+                </a:extLst>
+              </p:cNvPr>
+              <p:cNvSpPr txBox="1">
+                <a:spLocks noRot="1" noChangeAspect="1" noMove="1" noResize="1" noEditPoints="1" noAdjustHandles="1" noChangeArrowheads="1" noChangeShapeType="1" noTextEdit="1"/>
+              </p:cNvSpPr>
+              <p:nvPr/>
+            </p:nvSpPr>
+            <p:spPr>
+              <a:xfrm>
+                <a:off x="1243062" y="107325"/>
+                <a:ext cx="4055469" cy="369332"/>
+              </a:xfrm>
+              <a:prstGeom prst="rect">
+                <a:avLst/>
+              </a:prstGeom>
+              <a:blipFill>
+                <a:blip r:embed="rId4"/>
+                <a:stretch>
+                  <a:fillRect t="-10000" r="-301" b="-26667"/>
+                </a:stretch>
+              </a:blipFill>
+            </p:spPr>
+            <p:txBody>
+              <a:bodyPr/>
+              <a:lstStyle/>
+              <a:p>
+                <a:r>
+                  <a:rPr lang="en-US">
+                    <a:noFill/>
+                  </a:rPr>
+                  <a:t> </a:t>
+                </a:r>
+              </a:p>
+            </p:txBody>
+          </p:sp>
+        </mc:Fallback>
+      </mc:AlternateContent>
+      <mc:AlternateContent xmlns:mc="http://schemas.openxmlformats.org/markup-compatibility/2006" xmlns:a14="http://schemas.microsoft.com/office/drawing/2010/main">
+        <mc:Choice Requires="a14">
+          <p:sp>
+            <p:nvSpPr>
+              <p:cNvPr id="12" name="TextBox 11">
+                <a:extLst>
+                  <a:ext uri="{FF2B5EF4-FFF2-40B4-BE49-F238E27FC236}">
+                    <a16:creationId xmlns:a16="http://schemas.microsoft.com/office/drawing/2014/main" id="{C4C56F53-6992-47AB-9FE1-BA17638172A2}"/>
+                  </a:ext>
+                </a:extLst>
+              </p:cNvPr>
+              <p:cNvSpPr txBox="1"/>
+              <p:nvPr/>
+            </p:nvSpPr>
+            <p:spPr>
+              <a:xfrm>
+                <a:off x="6087097" y="107325"/>
+                <a:ext cx="4055469" cy="369332"/>
+              </a:xfrm>
+              <a:prstGeom prst="rect">
+                <a:avLst/>
+              </a:prstGeom>
+              <a:noFill/>
+            </p:spPr>
+            <p:txBody>
+              <a:bodyPr wrap="none" rtlCol="0">
+                <a:spAutoFit/>
+              </a:bodyPr>
+              <a:lstStyle/>
+              <a:p>
+                <a14:m>
+                  <m:oMath xmlns:m="http://schemas.openxmlformats.org/officeDocument/2006/math">
+                    <m:r>
+                      <a:rPr lang="en-US" i="1" smtClean="0">
+                        <a:latin typeface="Cambria Math" panose="02040503050406030204" pitchFamily="18" charset="0"/>
+                        <a:ea typeface="Cambria Math" panose="02040503050406030204" pitchFamily="18" charset="0"/>
+                      </a:rPr>
+                      <m:t>𝛼</m:t>
+                    </m:r>
+                    <m:r>
+                      <a:rPr lang="en-US" altLang="zh-CN" i="1">
+                        <a:latin typeface="Cambria Math" panose="02040503050406030204" pitchFamily="18" charset="0"/>
+                        <a:ea typeface="Cambria Math" panose="02040503050406030204" pitchFamily="18" charset="0"/>
+                      </a:rPr>
+                      <m:t>=</m:t>
+                    </m:r>
+                    <m:r>
+                      <a:rPr lang="en-US" altLang="zh-CN" i="1" smtClean="0">
+                        <a:latin typeface="Cambria Math" panose="02040503050406030204" pitchFamily="18" charset="0"/>
+                        <a:ea typeface="Cambria Math" panose="02040503050406030204" pitchFamily="18" charset="0"/>
+                      </a:rPr>
+                      <m:t>0</m:t>
+                    </m:r>
+                    <m:r>
+                      <a:rPr lang="en-US" altLang="zh-CN" i="1">
+                        <a:latin typeface="Cambria Math" panose="02040503050406030204" pitchFamily="18" charset="0"/>
+                        <a:ea typeface="Cambria Math" panose="02040503050406030204" pitchFamily="18" charset="0"/>
+                      </a:rPr>
+                      <m:t>.</m:t>
+                    </m:r>
+                    <m:r>
+                      <a:rPr lang="en-US" altLang="zh-CN" b="0" i="1" smtClean="0">
+                        <a:latin typeface="Cambria Math" panose="02040503050406030204" pitchFamily="18" charset="0"/>
+                        <a:ea typeface="Cambria Math" panose="02040503050406030204" pitchFamily="18" charset="0"/>
+                      </a:rPr>
+                      <m:t>01</m:t>
+                    </m:r>
+                    <m:r>
+                      <a:rPr lang="zh-CN" altLang="en-US" i="1">
+                        <a:latin typeface="Cambria Math" panose="02040503050406030204" pitchFamily="18" charset="0"/>
+                        <a:ea typeface="Cambria Math" panose="02040503050406030204" pitchFamily="18" charset="0"/>
+                      </a:rPr>
+                      <m:t>，</m:t>
+                    </m:r>
+                    <m:r>
+                      <a:rPr lang="en-US" altLang="zh-CN" i="1" smtClean="0">
+                        <a:latin typeface="Cambria Math" panose="02040503050406030204" pitchFamily="18" charset="0"/>
+                        <a:ea typeface="Cambria Math" panose="02040503050406030204" pitchFamily="18" charset="0"/>
+                      </a:rPr>
+                      <m:t>𝛽</m:t>
+                    </m:r>
+                    <m:r>
+                      <a:rPr lang="en-US" altLang="zh-CN" i="1">
+                        <a:latin typeface="Cambria Math" panose="02040503050406030204" pitchFamily="18" charset="0"/>
+                        <a:ea typeface="Cambria Math" panose="02040503050406030204" pitchFamily="18" charset="0"/>
+                      </a:rPr>
+                      <m:t>=</m:t>
+                    </m:r>
+                    <m:r>
+                      <a:rPr lang="en-US" altLang="zh-CN" i="1" smtClean="0">
+                        <a:latin typeface="Cambria Math" panose="02040503050406030204" pitchFamily="18" charset="0"/>
+                        <a:ea typeface="Cambria Math" panose="02040503050406030204" pitchFamily="18" charset="0"/>
+                      </a:rPr>
+                      <m:t>0</m:t>
+                    </m:r>
+                    <m:r>
+                      <a:rPr lang="en-US" altLang="zh-CN" i="1">
+                        <a:latin typeface="Cambria Math" panose="02040503050406030204" pitchFamily="18" charset="0"/>
+                        <a:ea typeface="Cambria Math" panose="02040503050406030204" pitchFamily="18" charset="0"/>
+                      </a:rPr>
+                      <m:t>.</m:t>
+                    </m:r>
+                    <m:r>
+                      <a:rPr lang="en-US" altLang="zh-CN" b="0" i="1" smtClean="0">
+                        <a:latin typeface="Cambria Math" panose="02040503050406030204" pitchFamily="18" charset="0"/>
+                        <a:ea typeface="Cambria Math" panose="02040503050406030204" pitchFamily="18" charset="0"/>
+                      </a:rPr>
+                      <m:t>6</m:t>
+                    </m:r>
+                  </m:oMath>
+                </a14:m>
+                <a:r>
+                  <a:rPr lang="en-US" dirty="0"/>
+                  <a:t>   #bin=50  T= 300000</a:t>
+                </a:r>
+              </a:p>
+            </p:txBody>
+          </p:sp>
+        </mc:Choice>
+        <mc:Fallback xmlns="">
+          <p:sp>
+            <p:nvSpPr>
+              <p:cNvPr id="12" name="TextBox 11">
+                <a:extLst>
+                  <a:ext uri="{FF2B5EF4-FFF2-40B4-BE49-F238E27FC236}">
+                    <a16:creationId xmlns:a16="http://schemas.microsoft.com/office/drawing/2014/main" id="{C4C56F53-6992-47AB-9FE1-BA17638172A2}"/>
+                  </a:ext>
+                </a:extLst>
+              </p:cNvPr>
+              <p:cNvSpPr txBox="1">
+                <a:spLocks noRot="1" noChangeAspect="1" noMove="1" noResize="1" noEditPoints="1" noAdjustHandles="1" noChangeArrowheads="1" noChangeShapeType="1" noTextEdit="1"/>
+              </p:cNvSpPr>
+              <p:nvPr/>
+            </p:nvSpPr>
+            <p:spPr>
+              <a:xfrm>
+                <a:off x="6087097" y="107325"/>
+                <a:ext cx="4055469" cy="369332"/>
+              </a:xfrm>
+              <a:prstGeom prst="rect">
+                <a:avLst/>
+              </a:prstGeom>
+              <a:blipFill>
+                <a:blip r:embed="rId5"/>
+                <a:stretch>
+                  <a:fillRect t="-10000" r="-301" b="-26667"/>
                 </a:stretch>
               </a:blipFill>
             </p:spPr>
@@ -15161,10 +15899,40 @@
       </mc:AlternateContent>
       <p:pic>
         <p:nvPicPr>
-          <p:cNvPr id="9" name="Picture 8">
-            <a:extLst>
-              <a:ext uri="{FF2B5EF4-FFF2-40B4-BE49-F238E27FC236}">
-                <a16:creationId xmlns:a16="http://schemas.microsoft.com/office/drawing/2014/main" id="{DC40BF9D-222B-4C37-87E1-B9423DCE2D85}"/>
+          <p:cNvPr id="6" name="Content Placeholder 4">
+            <a:extLst>
+              <a:ext uri="{FF2B5EF4-FFF2-40B4-BE49-F238E27FC236}">
+                <a16:creationId xmlns:a16="http://schemas.microsoft.com/office/drawing/2014/main" id="{9A8CD0BF-7648-4E53-A592-28EC2A9988B8}"/>
+              </a:ext>
+            </a:extLst>
+          </p:cNvPr>
+          <p:cNvPicPr>
+            <a:picLocks noChangeAspect="1"/>
+          </p:cNvPicPr>
+          <p:nvPr/>
+        </p:nvPicPr>
+        <p:blipFill>
+          <a:blip r:embed="rId6"/>
+          <a:stretch>
+            <a:fillRect/>
+          </a:stretch>
+        </p:blipFill>
+        <p:spPr>
+          <a:xfrm>
+            <a:off x="1248321" y="3491802"/>
+            <a:ext cx="3796680" cy="2847510"/>
+          </a:xfrm>
+          <a:prstGeom prst="rect">
+            <a:avLst/>
+          </a:prstGeom>
+        </p:spPr>
+      </p:pic>
+      <p:pic>
+        <p:nvPicPr>
+          <p:cNvPr id="7" name="Picture 6">
+            <a:extLst>
+              <a:ext uri="{FF2B5EF4-FFF2-40B4-BE49-F238E27FC236}">
+                <a16:creationId xmlns:a16="http://schemas.microsoft.com/office/drawing/2014/main" id="{9ED55272-AF4B-47CD-B1BB-63C028E74F57}"/>
               </a:ext>
             </a:extLst>
           </p:cNvPr>
@@ -15181,18 +15949,346 @@
         </p:blipFill>
         <p:spPr>
           <a:xfrm>
-            <a:off x="6386943" y="1811624"/>
-            <a:ext cx="5174318" cy="3880738"/>
+            <a:off x="6073346" y="3491802"/>
+            <a:ext cx="3796680" cy="2847509"/>
           </a:xfrm>
           <a:prstGeom prst="rect">
             <a:avLst/>
           </a:prstGeom>
         </p:spPr>
       </p:pic>
+      <mc:AlternateContent xmlns:mc="http://schemas.openxmlformats.org/markup-compatibility/2006" xmlns:a14="http://schemas.microsoft.com/office/drawing/2010/main">
+        <mc:Choice Requires="a14">
+          <p:sp>
+            <p:nvSpPr>
+              <p:cNvPr id="8" name="TextBox 7">
+                <a:extLst>
+                  <a:ext uri="{FF2B5EF4-FFF2-40B4-BE49-F238E27FC236}">
+                    <a16:creationId xmlns:a16="http://schemas.microsoft.com/office/drawing/2014/main" id="{A4105A95-7F4C-4E89-8530-A9254510B0C6}"/>
+                  </a:ext>
+                </a:extLst>
+              </p:cNvPr>
+              <p:cNvSpPr txBox="1"/>
+              <p:nvPr/>
+            </p:nvSpPr>
+            <p:spPr>
+              <a:xfrm>
+                <a:off x="1241458" y="6402801"/>
+                <a:ext cx="4057073" cy="369332"/>
+              </a:xfrm>
+              <a:prstGeom prst="rect">
+                <a:avLst/>
+              </a:prstGeom>
+              <a:noFill/>
+            </p:spPr>
+            <p:txBody>
+              <a:bodyPr wrap="none" rtlCol="0">
+                <a:spAutoFit/>
+              </a:bodyPr>
+              <a:lstStyle/>
+              <a:p>
+                <a14:m>
+                  <m:oMath xmlns:m="http://schemas.openxmlformats.org/officeDocument/2006/math">
+                    <m:r>
+                      <a:rPr lang="en-US" i="1" smtClean="0">
+                        <a:latin typeface="Cambria Math" panose="02040503050406030204" pitchFamily="18" charset="0"/>
+                        <a:ea typeface="Cambria Math" panose="02040503050406030204" pitchFamily="18" charset="0"/>
+                      </a:rPr>
+                      <m:t>𝛼</m:t>
+                    </m:r>
+                    <m:r>
+                      <a:rPr lang="en-US" altLang="zh-CN" i="1">
+                        <a:latin typeface="Cambria Math" panose="02040503050406030204" pitchFamily="18" charset="0"/>
+                        <a:ea typeface="Cambria Math" panose="02040503050406030204" pitchFamily="18" charset="0"/>
+                      </a:rPr>
+                      <m:t>=</m:t>
+                    </m:r>
+                    <m:r>
+                      <a:rPr lang="en-US" altLang="zh-CN" i="1" smtClean="0">
+                        <a:latin typeface="Cambria Math" panose="02040503050406030204" pitchFamily="18" charset="0"/>
+                        <a:ea typeface="Cambria Math" panose="02040503050406030204" pitchFamily="18" charset="0"/>
+                      </a:rPr>
+                      <m:t>0</m:t>
+                    </m:r>
+                    <m:r>
+                      <a:rPr lang="en-US" altLang="zh-CN" i="1">
+                        <a:latin typeface="Cambria Math" panose="02040503050406030204" pitchFamily="18" charset="0"/>
+                        <a:ea typeface="Cambria Math" panose="02040503050406030204" pitchFamily="18" charset="0"/>
+                      </a:rPr>
+                      <m:t>.</m:t>
+                    </m:r>
+                    <m:r>
+                      <a:rPr lang="en-US" altLang="zh-CN" b="0" i="1" smtClean="0">
+                        <a:latin typeface="Cambria Math" panose="02040503050406030204" pitchFamily="18" charset="0"/>
+                        <a:ea typeface="Cambria Math" panose="02040503050406030204" pitchFamily="18" charset="0"/>
+                      </a:rPr>
+                      <m:t>6</m:t>
+                    </m:r>
+                    <m:r>
+                      <a:rPr lang="zh-CN" altLang="en-US" i="1">
+                        <a:latin typeface="Cambria Math" panose="02040503050406030204" pitchFamily="18" charset="0"/>
+                        <a:ea typeface="Cambria Math" panose="02040503050406030204" pitchFamily="18" charset="0"/>
+                      </a:rPr>
+                      <m:t>，</m:t>
+                    </m:r>
+                    <m:r>
+                      <a:rPr lang="en-US" altLang="zh-CN" i="1" smtClean="0">
+                        <a:latin typeface="Cambria Math" panose="02040503050406030204" pitchFamily="18" charset="0"/>
+                        <a:ea typeface="Cambria Math" panose="02040503050406030204" pitchFamily="18" charset="0"/>
+                      </a:rPr>
+                      <m:t>𝛽</m:t>
+                    </m:r>
+                    <m:r>
+                      <a:rPr lang="en-US" altLang="zh-CN" i="1">
+                        <a:latin typeface="Cambria Math" panose="02040503050406030204" pitchFamily="18" charset="0"/>
+                        <a:ea typeface="Cambria Math" panose="02040503050406030204" pitchFamily="18" charset="0"/>
+                      </a:rPr>
+                      <m:t>=</m:t>
+                    </m:r>
+                    <m:r>
+                      <a:rPr lang="en-US" altLang="zh-CN" i="1" smtClean="0">
+                        <a:latin typeface="Cambria Math" panose="02040503050406030204" pitchFamily="18" charset="0"/>
+                        <a:ea typeface="Cambria Math" panose="02040503050406030204" pitchFamily="18" charset="0"/>
+                      </a:rPr>
+                      <m:t>0</m:t>
+                    </m:r>
+                    <m:r>
+                      <a:rPr lang="en-US" altLang="zh-CN" i="1">
+                        <a:latin typeface="Cambria Math" panose="02040503050406030204" pitchFamily="18" charset="0"/>
+                        <a:ea typeface="Cambria Math" panose="02040503050406030204" pitchFamily="18" charset="0"/>
+                      </a:rPr>
+                      <m:t>.</m:t>
+                    </m:r>
+                    <m:r>
+                      <a:rPr lang="en-US" altLang="zh-CN" b="0" i="1" smtClean="0">
+                        <a:latin typeface="Cambria Math" panose="02040503050406030204" pitchFamily="18" charset="0"/>
+                        <a:ea typeface="Cambria Math" panose="02040503050406030204" pitchFamily="18" charset="0"/>
+                      </a:rPr>
+                      <m:t>5</m:t>
+                    </m:r>
+                  </m:oMath>
+                </a14:m>
+                <a:r>
+                  <a:rPr lang="en-US" dirty="0"/>
+                  <a:t>   #bin=50  T= 300000</a:t>
+                </a:r>
+              </a:p>
+            </p:txBody>
+          </p:sp>
+        </mc:Choice>
+        <mc:Fallback xmlns="">
+          <p:sp>
+            <p:nvSpPr>
+              <p:cNvPr id="8" name="TextBox 7">
+                <a:extLst>
+                  <a:ext uri="{FF2B5EF4-FFF2-40B4-BE49-F238E27FC236}">
+                    <a16:creationId xmlns:a16="http://schemas.microsoft.com/office/drawing/2014/main" id="{A4105A95-7F4C-4E89-8530-A9254510B0C6}"/>
+                  </a:ext>
+                </a:extLst>
+              </p:cNvPr>
+              <p:cNvSpPr txBox="1">
+                <a:spLocks noRot="1" noChangeAspect="1" noMove="1" noResize="1" noEditPoints="1" noAdjustHandles="1" noChangeArrowheads="1" noChangeShapeType="1" noTextEdit="1"/>
+              </p:cNvSpPr>
+              <p:nvPr/>
+            </p:nvSpPr>
+            <p:spPr>
+              <a:xfrm>
+                <a:off x="1241458" y="6402801"/>
+                <a:ext cx="4057073" cy="369332"/>
+              </a:xfrm>
+              <a:prstGeom prst="rect">
+                <a:avLst/>
+              </a:prstGeom>
+              <a:blipFill>
+                <a:blip r:embed="rId8"/>
+                <a:stretch>
+                  <a:fillRect t="-8197" b="-24590"/>
+                </a:stretch>
+              </a:blipFill>
+            </p:spPr>
+            <p:txBody>
+              <a:bodyPr/>
+              <a:lstStyle/>
+              <a:p>
+                <a:r>
+                  <a:rPr lang="en-US">
+                    <a:noFill/>
+                  </a:rPr>
+                  <a:t> </a:t>
+                </a:r>
+              </a:p>
+            </p:txBody>
+          </p:sp>
+        </mc:Fallback>
+      </mc:AlternateContent>
+      <mc:AlternateContent xmlns:mc="http://schemas.openxmlformats.org/markup-compatibility/2006" xmlns:a14="http://schemas.microsoft.com/office/drawing/2010/main">
+        <mc:Choice Requires="a14">
+          <p:sp>
+            <p:nvSpPr>
+              <p:cNvPr id="11" name="TextBox 10">
+                <a:extLst>
+                  <a:ext uri="{FF2B5EF4-FFF2-40B4-BE49-F238E27FC236}">
+                    <a16:creationId xmlns:a16="http://schemas.microsoft.com/office/drawing/2014/main" id="{4BDF97D2-1E09-443F-9ABC-0D9BB7FA53D7}"/>
+                  </a:ext>
+                </a:extLst>
+              </p:cNvPr>
+              <p:cNvSpPr txBox="1"/>
+              <p:nvPr/>
+            </p:nvSpPr>
+            <p:spPr>
+              <a:xfrm>
+                <a:off x="6125205" y="6402801"/>
+                <a:ext cx="3927229" cy="369332"/>
+              </a:xfrm>
+              <a:prstGeom prst="rect">
+                <a:avLst/>
+              </a:prstGeom>
+              <a:noFill/>
+            </p:spPr>
+            <p:txBody>
+              <a:bodyPr wrap="none" rtlCol="0">
+                <a:spAutoFit/>
+              </a:bodyPr>
+              <a:lstStyle/>
+              <a:p>
+                <a14:m>
+                  <m:oMath xmlns:m="http://schemas.openxmlformats.org/officeDocument/2006/math">
+                    <m:r>
+                      <a:rPr lang="en-US" i="1" smtClean="0">
+                        <a:latin typeface="Cambria Math" panose="02040503050406030204" pitchFamily="18" charset="0"/>
+                        <a:ea typeface="Cambria Math" panose="02040503050406030204" pitchFamily="18" charset="0"/>
+                      </a:rPr>
+                      <m:t>𝛼</m:t>
+                    </m:r>
+                    <m:r>
+                      <a:rPr lang="en-US" altLang="zh-CN" i="1">
+                        <a:latin typeface="Cambria Math" panose="02040503050406030204" pitchFamily="18" charset="0"/>
+                        <a:ea typeface="Cambria Math" panose="02040503050406030204" pitchFamily="18" charset="0"/>
+                      </a:rPr>
+                      <m:t>=</m:t>
+                    </m:r>
+                    <m:r>
+                      <a:rPr lang="en-US" altLang="zh-CN" i="1" smtClean="0">
+                        <a:latin typeface="Cambria Math" panose="02040503050406030204" pitchFamily="18" charset="0"/>
+                        <a:ea typeface="Cambria Math" panose="02040503050406030204" pitchFamily="18" charset="0"/>
+                      </a:rPr>
+                      <m:t>0</m:t>
+                    </m:r>
+                    <m:r>
+                      <a:rPr lang="en-US" altLang="zh-CN" i="1">
+                        <a:latin typeface="Cambria Math" panose="02040503050406030204" pitchFamily="18" charset="0"/>
+                        <a:ea typeface="Cambria Math" panose="02040503050406030204" pitchFamily="18" charset="0"/>
+                      </a:rPr>
+                      <m:t>.</m:t>
+                    </m:r>
+                    <m:r>
+                      <a:rPr lang="en-US" altLang="zh-CN" b="0" i="1" smtClean="0">
+                        <a:latin typeface="Cambria Math" panose="02040503050406030204" pitchFamily="18" charset="0"/>
+                        <a:ea typeface="Cambria Math" panose="02040503050406030204" pitchFamily="18" charset="0"/>
+                      </a:rPr>
+                      <m:t>5</m:t>
+                    </m:r>
+                    <m:r>
+                      <a:rPr lang="zh-CN" altLang="en-US" i="1">
+                        <a:latin typeface="Cambria Math" panose="02040503050406030204" pitchFamily="18" charset="0"/>
+                        <a:ea typeface="Cambria Math" panose="02040503050406030204" pitchFamily="18" charset="0"/>
+                      </a:rPr>
+                      <m:t>，</m:t>
+                    </m:r>
+                    <m:r>
+                      <a:rPr lang="en-US" altLang="zh-CN" i="1" smtClean="0">
+                        <a:latin typeface="Cambria Math" panose="02040503050406030204" pitchFamily="18" charset="0"/>
+                        <a:ea typeface="Cambria Math" panose="02040503050406030204" pitchFamily="18" charset="0"/>
+                      </a:rPr>
+                      <m:t>𝛽</m:t>
+                    </m:r>
+                    <m:r>
+                      <a:rPr lang="en-US" altLang="zh-CN" i="1">
+                        <a:latin typeface="Cambria Math" panose="02040503050406030204" pitchFamily="18" charset="0"/>
+                        <a:ea typeface="Cambria Math" panose="02040503050406030204" pitchFamily="18" charset="0"/>
+                      </a:rPr>
+                      <m:t>=</m:t>
+                    </m:r>
+                    <m:r>
+                      <a:rPr lang="en-US" altLang="zh-CN" i="1" smtClean="0">
+                        <a:latin typeface="Cambria Math" panose="02040503050406030204" pitchFamily="18" charset="0"/>
+                        <a:ea typeface="Cambria Math" panose="02040503050406030204" pitchFamily="18" charset="0"/>
+                      </a:rPr>
+                      <m:t>0</m:t>
+                    </m:r>
+                    <m:r>
+                      <a:rPr lang="en-US" altLang="zh-CN" i="1">
+                        <a:latin typeface="Cambria Math" panose="02040503050406030204" pitchFamily="18" charset="0"/>
+                        <a:ea typeface="Cambria Math" panose="02040503050406030204" pitchFamily="18" charset="0"/>
+                      </a:rPr>
+                      <m:t>.</m:t>
+                    </m:r>
+                    <m:r>
+                      <a:rPr lang="en-US" altLang="zh-CN" b="0" i="1" smtClean="0">
+                        <a:latin typeface="Cambria Math" panose="02040503050406030204" pitchFamily="18" charset="0"/>
+                        <a:ea typeface="Cambria Math" panose="02040503050406030204" pitchFamily="18" charset="0"/>
+                      </a:rPr>
+                      <m:t>6</m:t>
+                    </m:r>
+                  </m:oMath>
+                </a14:m>
+                <a:r>
+                  <a:rPr lang="en-US" dirty="0"/>
+                  <a:t>   #bin=50  T= 300000</a:t>
+                </a:r>
+              </a:p>
+            </p:txBody>
+          </p:sp>
+        </mc:Choice>
+        <mc:Fallback xmlns="">
+          <p:sp>
+            <p:nvSpPr>
+              <p:cNvPr id="11" name="TextBox 10">
+                <a:extLst>
+                  <a:ext uri="{FF2B5EF4-FFF2-40B4-BE49-F238E27FC236}">
+                    <a16:creationId xmlns:a16="http://schemas.microsoft.com/office/drawing/2014/main" id="{4BDF97D2-1E09-443F-9ABC-0D9BB7FA53D7}"/>
+                  </a:ext>
+                </a:extLst>
+              </p:cNvPr>
+              <p:cNvSpPr txBox="1">
+                <a:spLocks noRot="1" noChangeAspect="1" noMove="1" noResize="1" noEditPoints="1" noAdjustHandles="1" noChangeArrowheads="1" noChangeShapeType="1" noTextEdit="1"/>
+              </p:cNvSpPr>
+              <p:nvPr/>
+            </p:nvSpPr>
+            <p:spPr>
+              <a:xfrm>
+                <a:off x="6125205" y="6402801"/>
+                <a:ext cx="3927229" cy="369332"/>
+              </a:xfrm>
+              <a:prstGeom prst="rect">
+                <a:avLst/>
+              </a:prstGeom>
+              <a:blipFill>
+                <a:blip r:embed="rId9"/>
+                <a:stretch>
+                  <a:fillRect t="-8197" r="-311" b="-24590"/>
+                </a:stretch>
+              </a:blipFill>
+            </p:spPr>
+            <p:txBody>
+              <a:bodyPr/>
+              <a:lstStyle/>
+              <a:p>
+                <a:r>
+                  <a:rPr lang="en-US">
+                    <a:noFill/>
+                  </a:rPr>
+                  <a:t> </a:t>
+                </a:r>
+              </a:p>
+            </p:txBody>
+          </p:sp>
+        </mc:Fallback>
+      </mc:AlternateContent>
     </p:spTree>
     <p:extLst>
       <p:ext uri="{BB962C8B-B14F-4D97-AF65-F5344CB8AC3E}">
-        <p14:creationId xmlns:p14="http://schemas.microsoft.com/office/powerpoint/2010/main" val="1843427267"/>
+        <p14:creationId xmlns:p14="http://schemas.microsoft.com/office/powerpoint/2010/main" val="1728284683"/>
       </p:ext>
     </p:extLst>
   </p:cSld>
@@ -15202,8 +16298,1045 @@
 </p:sld>
 </file>
 
-<file path=ppt/slides/slide31.xml><?xml version="1.0" encoding="utf-8"?>
+<file path=ppt/slides/slide32.xml><?xml version="1.0" encoding="utf-8"?>
 <p:sld xmlns:a="http://schemas.openxmlformats.org/drawingml/2006/main" xmlns:r="http://schemas.openxmlformats.org/officeDocument/2006/relationships" xmlns:p="http://schemas.openxmlformats.org/presentationml/2006/main">
+  <p:cSld>
+    <p:spTree>
+      <p:nvGrpSpPr>
+        <p:cNvPr id="1" name=""/>
+        <p:cNvGrpSpPr/>
+        <p:nvPr/>
+      </p:nvGrpSpPr>
+      <p:grpSpPr>
+        <a:xfrm>
+          <a:off x="0" y="0"/>
+          <a:ext cx="0" cy="0"/>
+          <a:chOff x="0" y="0"/>
+          <a:chExt cx="0" cy="0"/>
+        </a:xfrm>
+      </p:grpSpPr>
+      <p:pic>
+        <p:nvPicPr>
+          <p:cNvPr id="2" name="Content Placeholder 4">
+            <a:extLst>
+              <a:ext uri="{FF2B5EF4-FFF2-40B4-BE49-F238E27FC236}">
+                <a16:creationId xmlns:a16="http://schemas.microsoft.com/office/drawing/2014/main" id="{B78FF58A-145A-47E2-B18C-B095B7166B4B}"/>
+              </a:ext>
+            </a:extLst>
+          </p:cNvPr>
+          <p:cNvPicPr>
+            <a:picLocks noChangeAspect="1"/>
+          </p:cNvPicPr>
+          <p:nvPr/>
+        </p:nvPicPr>
+        <p:blipFill>
+          <a:blip r:embed="rId2"/>
+          <a:stretch>
+            <a:fillRect/>
+          </a:stretch>
+        </p:blipFill>
+        <p:spPr>
+          <a:xfrm>
+            <a:off x="3297087" y="1811624"/>
+            <a:ext cx="5174317" cy="3880737"/>
+          </a:xfrm>
+          <a:prstGeom prst="rect">
+            <a:avLst/>
+          </a:prstGeom>
+        </p:spPr>
+      </p:pic>
+      <mc:AlternateContent xmlns:mc="http://schemas.openxmlformats.org/markup-compatibility/2006" xmlns:a14="http://schemas.microsoft.com/office/drawing/2010/main">
+        <mc:Choice Requires="a14">
+          <p:sp>
+            <p:nvSpPr>
+              <p:cNvPr id="10" name="TextBox 9">
+                <a:extLst>
+                  <a:ext uri="{FF2B5EF4-FFF2-40B4-BE49-F238E27FC236}">
+                    <a16:creationId xmlns:a16="http://schemas.microsoft.com/office/drawing/2014/main" id="{2C5758BF-B176-49E2-AC24-FBFCD647002B}"/>
+                  </a:ext>
+                </a:extLst>
+              </p:cNvPr>
+              <p:cNvSpPr txBox="1"/>
+              <p:nvPr/>
+            </p:nvSpPr>
+            <p:spPr>
+              <a:xfrm>
+                <a:off x="3909410" y="1239840"/>
+                <a:ext cx="3927229" cy="369332"/>
+              </a:xfrm>
+              <a:prstGeom prst="rect">
+                <a:avLst/>
+              </a:prstGeom>
+              <a:noFill/>
+            </p:spPr>
+            <p:txBody>
+              <a:bodyPr wrap="none" rtlCol="0">
+                <a:spAutoFit/>
+              </a:bodyPr>
+              <a:lstStyle/>
+              <a:p>
+                <a14:m>
+                  <m:oMath xmlns:m="http://schemas.openxmlformats.org/officeDocument/2006/math">
+                    <m:r>
+                      <a:rPr lang="en-US" i="1" smtClean="0">
+                        <a:latin typeface="Cambria Math" panose="02040503050406030204" pitchFamily="18" charset="0"/>
+                        <a:ea typeface="Cambria Math" panose="02040503050406030204" pitchFamily="18" charset="0"/>
+                      </a:rPr>
+                      <m:t>𝛼</m:t>
+                    </m:r>
+                    <m:r>
+                      <a:rPr lang="en-US" altLang="zh-CN" i="1">
+                        <a:latin typeface="Cambria Math" panose="02040503050406030204" pitchFamily="18" charset="0"/>
+                        <a:ea typeface="Cambria Math" panose="02040503050406030204" pitchFamily="18" charset="0"/>
+                      </a:rPr>
+                      <m:t>=</m:t>
+                    </m:r>
+                    <m:r>
+                      <a:rPr lang="en-US" altLang="zh-CN" i="1" smtClean="0">
+                        <a:latin typeface="Cambria Math" panose="02040503050406030204" pitchFamily="18" charset="0"/>
+                        <a:ea typeface="Cambria Math" panose="02040503050406030204" pitchFamily="18" charset="0"/>
+                      </a:rPr>
+                      <m:t>0</m:t>
+                    </m:r>
+                    <m:r>
+                      <a:rPr lang="en-US" altLang="zh-CN" i="1">
+                        <a:latin typeface="Cambria Math" panose="02040503050406030204" pitchFamily="18" charset="0"/>
+                        <a:ea typeface="Cambria Math" panose="02040503050406030204" pitchFamily="18" charset="0"/>
+                      </a:rPr>
+                      <m:t>.</m:t>
+                    </m:r>
+                    <m:r>
+                      <a:rPr lang="en-US" altLang="zh-CN" b="0" i="1" smtClean="0">
+                        <a:latin typeface="Cambria Math" panose="02040503050406030204" pitchFamily="18" charset="0"/>
+                        <a:ea typeface="Cambria Math" panose="02040503050406030204" pitchFamily="18" charset="0"/>
+                      </a:rPr>
+                      <m:t>5</m:t>
+                    </m:r>
+                    <m:r>
+                      <a:rPr lang="zh-CN" altLang="en-US" i="1">
+                        <a:latin typeface="Cambria Math" panose="02040503050406030204" pitchFamily="18" charset="0"/>
+                        <a:ea typeface="Cambria Math" panose="02040503050406030204" pitchFamily="18" charset="0"/>
+                      </a:rPr>
+                      <m:t>，</m:t>
+                    </m:r>
+                    <m:r>
+                      <a:rPr lang="en-US" altLang="zh-CN" i="1" smtClean="0">
+                        <a:latin typeface="Cambria Math" panose="02040503050406030204" pitchFamily="18" charset="0"/>
+                        <a:ea typeface="Cambria Math" panose="02040503050406030204" pitchFamily="18" charset="0"/>
+                      </a:rPr>
+                      <m:t>𝛽</m:t>
+                    </m:r>
+                    <m:r>
+                      <a:rPr lang="en-US" altLang="zh-CN" i="1">
+                        <a:latin typeface="Cambria Math" panose="02040503050406030204" pitchFamily="18" charset="0"/>
+                        <a:ea typeface="Cambria Math" panose="02040503050406030204" pitchFamily="18" charset="0"/>
+                      </a:rPr>
+                      <m:t>=</m:t>
+                    </m:r>
+                    <m:r>
+                      <a:rPr lang="en-US" altLang="zh-CN" i="1" smtClean="0">
+                        <a:latin typeface="Cambria Math" panose="02040503050406030204" pitchFamily="18" charset="0"/>
+                        <a:ea typeface="Cambria Math" panose="02040503050406030204" pitchFamily="18" charset="0"/>
+                      </a:rPr>
+                      <m:t>0</m:t>
+                    </m:r>
+                    <m:r>
+                      <a:rPr lang="en-US" altLang="zh-CN" i="1">
+                        <a:latin typeface="Cambria Math" panose="02040503050406030204" pitchFamily="18" charset="0"/>
+                        <a:ea typeface="Cambria Math" panose="02040503050406030204" pitchFamily="18" charset="0"/>
+                      </a:rPr>
+                      <m:t>.</m:t>
+                    </m:r>
+                    <m:r>
+                      <a:rPr lang="en-US" altLang="zh-CN" b="0" i="1" smtClean="0">
+                        <a:latin typeface="Cambria Math" panose="02040503050406030204" pitchFamily="18" charset="0"/>
+                        <a:ea typeface="Cambria Math" panose="02040503050406030204" pitchFamily="18" charset="0"/>
+                      </a:rPr>
+                      <m:t>5</m:t>
+                    </m:r>
+                  </m:oMath>
+                </a14:m>
+                <a:r>
+                  <a:rPr lang="en-US" dirty="0"/>
+                  <a:t>   #bin=50  T= 300000</a:t>
+                </a:r>
+              </a:p>
+            </p:txBody>
+          </p:sp>
+        </mc:Choice>
+        <mc:Fallback xmlns="">
+          <p:sp>
+            <p:nvSpPr>
+              <p:cNvPr id="10" name="TextBox 9">
+                <a:extLst>
+                  <a:ext uri="{FF2B5EF4-FFF2-40B4-BE49-F238E27FC236}">
+                    <a16:creationId xmlns:a16="http://schemas.microsoft.com/office/drawing/2014/main" id="{2C5758BF-B176-49E2-AC24-FBFCD647002B}"/>
+                  </a:ext>
+                </a:extLst>
+              </p:cNvPr>
+              <p:cNvSpPr txBox="1">
+                <a:spLocks noRot="1" noChangeAspect="1" noMove="1" noResize="1" noEditPoints="1" noAdjustHandles="1" noChangeArrowheads="1" noChangeShapeType="1" noTextEdit="1"/>
+              </p:cNvSpPr>
+              <p:nvPr/>
+            </p:nvSpPr>
+            <p:spPr>
+              <a:xfrm>
+                <a:off x="3909410" y="1239840"/>
+                <a:ext cx="3927229" cy="369332"/>
+              </a:xfrm>
+              <a:prstGeom prst="rect">
+                <a:avLst/>
+              </a:prstGeom>
+              <a:blipFill>
+                <a:blip r:embed="rId3"/>
+                <a:stretch>
+                  <a:fillRect t="-8197" r="-310" b="-24590"/>
+                </a:stretch>
+              </a:blipFill>
+            </p:spPr>
+            <p:txBody>
+              <a:bodyPr/>
+              <a:lstStyle/>
+              <a:p>
+                <a:r>
+                  <a:rPr lang="en-US">
+                    <a:noFill/>
+                  </a:rPr>
+                  <a:t> </a:t>
+                </a:r>
+              </a:p>
+            </p:txBody>
+          </p:sp>
+        </mc:Fallback>
+      </mc:AlternateContent>
+    </p:spTree>
+    <p:extLst>
+      <p:ext uri="{BB962C8B-B14F-4D97-AF65-F5344CB8AC3E}">
+        <p14:creationId xmlns:p14="http://schemas.microsoft.com/office/powerpoint/2010/main" val="3847518611"/>
+      </p:ext>
+    </p:extLst>
+  </p:cSld>
+  <p:clrMapOvr>
+    <a:masterClrMapping/>
+  </p:clrMapOvr>
+</p:sld>
+</file>
+
+<file path=ppt/slides/slide33.xml><?xml version="1.0" encoding="utf-8"?>
+<p:sld xmlns:a="http://schemas.openxmlformats.org/drawingml/2006/main" xmlns:r="http://schemas.openxmlformats.org/officeDocument/2006/relationships" xmlns:p="http://schemas.openxmlformats.org/presentationml/2006/main">
+  <p:cSld>
+    <p:spTree>
+      <p:nvGrpSpPr>
+        <p:cNvPr id="1" name=""/>
+        <p:cNvGrpSpPr/>
+        <p:nvPr/>
+      </p:nvGrpSpPr>
+      <p:grpSpPr>
+        <a:xfrm>
+          <a:off x="0" y="0"/>
+          <a:ext cx="0" cy="0"/>
+          <a:chOff x="0" y="0"/>
+          <a:chExt cx="0" cy="0"/>
+        </a:xfrm>
+      </p:grpSpPr>
+      <p:pic>
+        <p:nvPicPr>
+          <p:cNvPr id="2" name="Content Placeholder 4">
+            <a:extLst>
+              <a:ext uri="{FF2B5EF4-FFF2-40B4-BE49-F238E27FC236}">
+                <a16:creationId xmlns:a16="http://schemas.microsoft.com/office/drawing/2014/main" id="{B78FF58A-145A-47E2-B18C-B095B7166B4B}"/>
+              </a:ext>
+            </a:extLst>
+          </p:cNvPr>
+          <p:cNvPicPr>
+            <a:picLocks noChangeAspect="1"/>
+          </p:cNvPicPr>
+          <p:nvPr/>
+        </p:nvPicPr>
+        <p:blipFill>
+          <a:blip r:embed="rId2"/>
+          <a:stretch>
+            <a:fillRect/>
+          </a:stretch>
+        </p:blipFill>
+        <p:spPr>
+          <a:xfrm>
+            <a:off x="1243062" y="476657"/>
+            <a:ext cx="3803540" cy="2852654"/>
+          </a:xfrm>
+          <a:prstGeom prst="rect">
+            <a:avLst/>
+          </a:prstGeom>
+        </p:spPr>
+      </p:pic>
+      <p:pic>
+        <p:nvPicPr>
+          <p:cNvPr id="9" name="Picture 8">
+            <a:extLst>
+              <a:ext uri="{FF2B5EF4-FFF2-40B4-BE49-F238E27FC236}">
+                <a16:creationId xmlns:a16="http://schemas.microsoft.com/office/drawing/2014/main" id="{DC40BF9D-222B-4C37-87E1-B9423DCE2D85}"/>
+              </a:ext>
+            </a:extLst>
+          </p:cNvPr>
+          <p:cNvPicPr>
+            <a:picLocks noChangeAspect="1"/>
+          </p:cNvPicPr>
+          <p:nvPr/>
+        </p:nvPicPr>
+        <p:blipFill>
+          <a:blip r:embed="rId3"/>
+          <a:stretch>
+            <a:fillRect/>
+          </a:stretch>
+        </p:blipFill>
+        <p:spPr>
+          <a:xfrm>
+            <a:off x="6087099" y="476657"/>
+            <a:ext cx="3803540" cy="2852654"/>
+          </a:xfrm>
+          <a:prstGeom prst="rect">
+            <a:avLst/>
+          </a:prstGeom>
+        </p:spPr>
+      </p:pic>
+      <mc:AlternateContent xmlns:mc="http://schemas.openxmlformats.org/markup-compatibility/2006" xmlns:a14="http://schemas.microsoft.com/office/drawing/2010/main">
+        <mc:Choice Requires="a14">
+          <p:sp>
+            <p:nvSpPr>
+              <p:cNvPr id="10" name="TextBox 9">
+                <a:extLst>
+                  <a:ext uri="{FF2B5EF4-FFF2-40B4-BE49-F238E27FC236}">
+                    <a16:creationId xmlns:a16="http://schemas.microsoft.com/office/drawing/2014/main" id="{2C5758BF-B176-49E2-AC24-FBFCD647002B}"/>
+                  </a:ext>
+                </a:extLst>
+              </p:cNvPr>
+              <p:cNvSpPr txBox="1"/>
+              <p:nvPr/>
+            </p:nvSpPr>
+            <p:spPr>
+              <a:xfrm>
+                <a:off x="1243062" y="107325"/>
+                <a:ext cx="4183709" cy="369332"/>
+              </a:xfrm>
+              <a:prstGeom prst="rect">
+                <a:avLst/>
+              </a:prstGeom>
+              <a:noFill/>
+            </p:spPr>
+            <p:txBody>
+              <a:bodyPr wrap="none" rtlCol="0">
+                <a:spAutoFit/>
+              </a:bodyPr>
+              <a:lstStyle/>
+              <a:p>
+                <a14:m>
+                  <m:oMath xmlns:m="http://schemas.openxmlformats.org/officeDocument/2006/math">
+                    <m:r>
+                      <a:rPr lang="en-US" i="1" smtClean="0">
+                        <a:latin typeface="Cambria Math" panose="02040503050406030204" pitchFamily="18" charset="0"/>
+                        <a:ea typeface="Cambria Math" panose="02040503050406030204" pitchFamily="18" charset="0"/>
+                      </a:rPr>
+                      <m:t>𝛼</m:t>
+                    </m:r>
+                    <m:r>
+                      <a:rPr lang="en-US" altLang="zh-CN" i="1">
+                        <a:latin typeface="Cambria Math" panose="02040503050406030204" pitchFamily="18" charset="0"/>
+                        <a:ea typeface="Cambria Math" panose="02040503050406030204" pitchFamily="18" charset="0"/>
+                      </a:rPr>
+                      <m:t>=</m:t>
+                    </m:r>
+                    <m:r>
+                      <a:rPr lang="en-US" altLang="zh-CN" i="1" smtClean="0">
+                        <a:latin typeface="Cambria Math" panose="02040503050406030204" pitchFamily="18" charset="0"/>
+                        <a:ea typeface="Cambria Math" panose="02040503050406030204" pitchFamily="18" charset="0"/>
+                      </a:rPr>
+                      <m:t>0</m:t>
+                    </m:r>
+                    <m:r>
+                      <a:rPr lang="en-US" altLang="zh-CN" i="1">
+                        <a:latin typeface="Cambria Math" panose="02040503050406030204" pitchFamily="18" charset="0"/>
+                        <a:ea typeface="Cambria Math" panose="02040503050406030204" pitchFamily="18" charset="0"/>
+                      </a:rPr>
+                      <m:t>.</m:t>
+                    </m:r>
+                    <m:r>
+                      <a:rPr lang="en-US" altLang="zh-CN" b="0" i="1" smtClean="0">
+                        <a:latin typeface="Cambria Math" panose="02040503050406030204" pitchFamily="18" charset="0"/>
+                        <a:ea typeface="Cambria Math" panose="02040503050406030204" pitchFamily="18" charset="0"/>
+                      </a:rPr>
+                      <m:t>01</m:t>
+                    </m:r>
+                    <m:r>
+                      <a:rPr lang="zh-CN" altLang="en-US" i="1">
+                        <a:latin typeface="Cambria Math" panose="02040503050406030204" pitchFamily="18" charset="0"/>
+                        <a:ea typeface="Cambria Math" panose="02040503050406030204" pitchFamily="18" charset="0"/>
+                      </a:rPr>
+                      <m:t>，</m:t>
+                    </m:r>
+                    <m:r>
+                      <a:rPr lang="en-US" altLang="zh-CN" i="1" smtClean="0">
+                        <a:latin typeface="Cambria Math" panose="02040503050406030204" pitchFamily="18" charset="0"/>
+                        <a:ea typeface="Cambria Math" panose="02040503050406030204" pitchFamily="18" charset="0"/>
+                      </a:rPr>
+                      <m:t>𝛽</m:t>
+                    </m:r>
+                    <m:r>
+                      <a:rPr lang="en-US" altLang="zh-CN" i="1">
+                        <a:latin typeface="Cambria Math" panose="02040503050406030204" pitchFamily="18" charset="0"/>
+                        <a:ea typeface="Cambria Math" panose="02040503050406030204" pitchFamily="18" charset="0"/>
+                      </a:rPr>
+                      <m:t>=</m:t>
+                    </m:r>
+                    <m:r>
+                      <a:rPr lang="en-US" altLang="zh-CN" i="1" smtClean="0">
+                        <a:latin typeface="Cambria Math" panose="02040503050406030204" pitchFamily="18" charset="0"/>
+                        <a:ea typeface="Cambria Math" panose="02040503050406030204" pitchFamily="18" charset="0"/>
+                      </a:rPr>
+                      <m:t>0</m:t>
+                    </m:r>
+                    <m:r>
+                      <a:rPr lang="en-US" altLang="zh-CN" i="1">
+                        <a:latin typeface="Cambria Math" panose="02040503050406030204" pitchFamily="18" charset="0"/>
+                        <a:ea typeface="Cambria Math" panose="02040503050406030204" pitchFamily="18" charset="0"/>
+                      </a:rPr>
+                      <m:t>.</m:t>
+                    </m:r>
+                    <m:r>
+                      <a:rPr lang="en-US" altLang="zh-CN" i="1" smtClean="0">
+                        <a:latin typeface="Cambria Math" panose="02040503050406030204" pitchFamily="18" charset="0"/>
+                        <a:ea typeface="Cambria Math" panose="02040503050406030204" pitchFamily="18" charset="0"/>
+                      </a:rPr>
+                      <m:t>0</m:t>
+                    </m:r>
+                    <m:r>
+                      <a:rPr lang="en-US" altLang="zh-CN" i="1">
+                        <a:latin typeface="Cambria Math" panose="02040503050406030204" pitchFamily="18" charset="0"/>
+                        <a:ea typeface="Cambria Math" panose="02040503050406030204" pitchFamily="18" charset="0"/>
+                      </a:rPr>
+                      <m:t>1</m:t>
+                    </m:r>
+                  </m:oMath>
+                </a14:m>
+                <a:r>
+                  <a:rPr lang="en-US" dirty="0"/>
+                  <a:t>   #bin=50  T= 300000</a:t>
+                </a:r>
+              </a:p>
+            </p:txBody>
+          </p:sp>
+        </mc:Choice>
+        <mc:Fallback xmlns="">
+          <p:sp>
+            <p:nvSpPr>
+              <p:cNvPr id="10" name="TextBox 9">
+                <a:extLst>
+                  <a:ext uri="{FF2B5EF4-FFF2-40B4-BE49-F238E27FC236}">
+                    <a16:creationId xmlns:a16="http://schemas.microsoft.com/office/drawing/2014/main" id="{2C5758BF-B176-49E2-AC24-FBFCD647002B}"/>
+                  </a:ext>
+                </a:extLst>
+              </p:cNvPr>
+              <p:cNvSpPr txBox="1">
+                <a:spLocks noRot="1" noChangeAspect="1" noMove="1" noResize="1" noEditPoints="1" noAdjustHandles="1" noChangeArrowheads="1" noChangeShapeType="1" noTextEdit="1"/>
+              </p:cNvSpPr>
+              <p:nvPr/>
+            </p:nvSpPr>
+            <p:spPr>
+              <a:xfrm>
+                <a:off x="1243062" y="107325"/>
+                <a:ext cx="4183709" cy="369332"/>
+              </a:xfrm>
+              <a:prstGeom prst="rect">
+                <a:avLst/>
+              </a:prstGeom>
+              <a:blipFill>
+                <a:blip r:embed="rId4"/>
+                <a:stretch>
+                  <a:fillRect t="-10000" r="-146" b="-26667"/>
+                </a:stretch>
+              </a:blipFill>
+            </p:spPr>
+            <p:txBody>
+              <a:bodyPr/>
+              <a:lstStyle/>
+              <a:p>
+                <a:r>
+                  <a:rPr lang="en-US">
+                    <a:noFill/>
+                  </a:rPr>
+                  <a:t> </a:t>
+                </a:r>
+              </a:p>
+            </p:txBody>
+          </p:sp>
+        </mc:Fallback>
+      </mc:AlternateContent>
+      <mc:AlternateContent xmlns:mc="http://schemas.openxmlformats.org/markup-compatibility/2006" xmlns:a14="http://schemas.microsoft.com/office/drawing/2010/main">
+        <mc:Choice Requires="a14">
+          <p:sp>
+            <p:nvSpPr>
+              <p:cNvPr id="12" name="TextBox 11">
+                <a:extLst>
+                  <a:ext uri="{FF2B5EF4-FFF2-40B4-BE49-F238E27FC236}">
+                    <a16:creationId xmlns:a16="http://schemas.microsoft.com/office/drawing/2014/main" id="{C4C56F53-6992-47AB-9FE1-BA17638172A2}"/>
+                  </a:ext>
+                </a:extLst>
+              </p:cNvPr>
+              <p:cNvSpPr txBox="1"/>
+              <p:nvPr/>
+            </p:nvSpPr>
+            <p:spPr>
+              <a:xfrm>
+                <a:off x="6087097" y="107325"/>
+                <a:ext cx="4300729" cy="369332"/>
+              </a:xfrm>
+              <a:prstGeom prst="rect">
+                <a:avLst/>
+              </a:prstGeom>
+              <a:noFill/>
+            </p:spPr>
+            <p:txBody>
+              <a:bodyPr wrap="none" rtlCol="0">
+                <a:spAutoFit/>
+              </a:bodyPr>
+              <a:lstStyle/>
+              <a:p>
+                <a14:m>
+                  <m:oMath xmlns:m="http://schemas.openxmlformats.org/officeDocument/2006/math">
+                    <m:r>
+                      <a:rPr lang="en-US" i="1" smtClean="0">
+                        <a:latin typeface="Cambria Math" panose="02040503050406030204" pitchFamily="18" charset="0"/>
+                        <a:ea typeface="Cambria Math" panose="02040503050406030204" pitchFamily="18" charset="0"/>
+                      </a:rPr>
+                      <m:t>𝛼</m:t>
+                    </m:r>
+                    <m:r>
+                      <a:rPr lang="en-US" altLang="zh-CN" i="1">
+                        <a:latin typeface="Cambria Math" panose="02040503050406030204" pitchFamily="18" charset="0"/>
+                        <a:ea typeface="Cambria Math" panose="02040503050406030204" pitchFamily="18" charset="0"/>
+                      </a:rPr>
+                      <m:t>=</m:t>
+                    </m:r>
+                    <m:r>
+                      <a:rPr lang="en-US" altLang="zh-CN" i="1" smtClean="0">
+                        <a:latin typeface="Cambria Math" panose="02040503050406030204" pitchFamily="18" charset="0"/>
+                        <a:ea typeface="Cambria Math" panose="02040503050406030204" pitchFamily="18" charset="0"/>
+                      </a:rPr>
+                      <m:t>0</m:t>
+                    </m:r>
+                    <m:r>
+                      <a:rPr lang="en-US" altLang="zh-CN" i="1">
+                        <a:latin typeface="Cambria Math" panose="02040503050406030204" pitchFamily="18" charset="0"/>
+                        <a:ea typeface="Cambria Math" panose="02040503050406030204" pitchFamily="18" charset="0"/>
+                      </a:rPr>
+                      <m:t>.</m:t>
+                    </m:r>
+                    <m:r>
+                      <a:rPr lang="en-US" altLang="zh-CN" b="0" i="1" smtClean="0">
+                        <a:latin typeface="Cambria Math" panose="02040503050406030204" pitchFamily="18" charset="0"/>
+                        <a:ea typeface="Cambria Math" panose="02040503050406030204" pitchFamily="18" charset="0"/>
+                      </a:rPr>
+                      <m:t>01</m:t>
+                    </m:r>
+                    <m:r>
+                      <a:rPr lang="zh-CN" altLang="en-US" i="1">
+                        <a:latin typeface="Cambria Math" panose="02040503050406030204" pitchFamily="18" charset="0"/>
+                        <a:ea typeface="Cambria Math" panose="02040503050406030204" pitchFamily="18" charset="0"/>
+                      </a:rPr>
+                      <m:t>，</m:t>
+                    </m:r>
+                    <m:r>
+                      <a:rPr lang="en-US" altLang="zh-CN" i="1" smtClean="0">
+                        <a:latin typeface="Cambria Math" panose="02040503050406030204" pitchFamily="18" charset="0"/>
+                        <a:ea typeface="Cambria Math" panose="02040503050406030204" pitchFamily="18" charset="0"/>
+                      </a:rPr>
+                      <m:t>𝛽</m:t>
+                    </m:r>
+                    <m:r>
+                      <a:rPr lang="en-US" altLang="zh-CN" i="1">
+                        <a:latin typeface="Cambria Math" panose="02040503050406030204" pitchFamily="18" charset="0"/>
+                        <a:ea typeface="Cambria Math" panose="02040503050406030204" pitchFamily="18" charset="0"/>
+                      </a:rPr>
+                      <m:t>=</m:t>
+                    </m:r>
+                    <m:r>
+                      <a:rPr lang="en-US" altLang="zh-CN" i="1" smtClean="0">
+                        <a:latin typeface="Cambria Math" panose="02040503050406030204" pitchFamily="18" charset="0"/>
+                        <a:ea typeface="Cambria Math" panose="02040503050406030204" pitchFamily="18" charset="0"/>
+                      </a:rPr>
+                      <m:t>0</m:t>
+                    </m:r>
+                    <m:r>
+                      <a:rPr lang="en-US" altLang="zh-CN" i="1">
+                        <a:latin typeface="Cambria Math" panose="02040503050406030204" pitchFamily="18" charset="0"/>
+                        <a:ea typeface="Cambria Math" panose="02040503050406030204" pitchFamily="18" charset="0"/>
+                      </a:rPr>
+                      <m:t>.</m:t>
+                    </m:r>
+                    <m:r>
+                      <a:rPr lang="en-US" altLang="zh-CN" b="0" i="0" smtClean="0">
+                        <a:latin typeface="Cambria Math" panose="02040503050406030204" pitchFamily="18" charset="0"/>
+                        <a:ea typeface="Cambria Math" panose="02040503050406030204" pitchFamily="18" charset="0"/>
+                      </a:rPr>
+                      <m:t>01</m:t>
+                    </m:r>
+                  </m:oMath>
+                </a14:m>
+                <a:r>
+                  <a:rPr lang="en-US" dirty="0"/>
+                  <a:t>   #bin=150  T= 300000</a:t>
+                </a:r>
+              </a:p>
+            </p:txBody>
+          </p:sp>
+        </mc:Choice>
+        <mc:Fallback xmlns="">
+          <p:sp>
+            <p:nvSpPr>
+              <p:cNvPr id="12" name="TextBox 11">
+                <a:extLst>
+                  <a:ext uri="{FF2B5EF4-FFF2-40B4-BE49-F238E27FC236}">
+                    <a16:creationId xmlns:a16="http://schemas.microsoft.com/office/drawing/2014/main" id="{C4C56F53-6992-47AB-9FE1-BA17638172A2}"/>
+                  </a:ext>
+                </a:extLst>
+              </p:cNvPr>
+              <p:cNvSpPr txBox="1">
+                <a:spLocks noRot="1" noChangeAspect="1" noMove="1" noResize="1" noEditPoints="1" noAdjustHandles="1" noChangeArrowheads="1" noChangeShapeType="1" noTextEdit="1"/>
+              </p:cNvSpPr>
+              <p:nvPr/>
+            </p:nvSpPr>
+            <p:spPr>
+              <a:xfrm>
+                <a:off x="6087097" y="107325"/>
+                <a:ext cx="4300729" cy="369332"/>
+              </a:xfrm>
+              <a:prstGeom prst="rect">
+                <a:avLst/>
+              </a:prstGeom>
+              <a:blipFill>
+                <a:blip r:embed="rId5"/>
+                <a:stretch>
+                  <a:fillRect t="-10000" r="-142" b="-26667"/>
+                </a:stretch>
+              </a:blipFill>
+            </p:spPr>
+            <p:txBody>
+              <a:bodyPr/>
+              <a:lstStyle/>
+              <a:p>
+                <a:r>
+                  <a:rPr lang="en-US">
+                    <a:noFill/>
+                  </a:rPr>
+                  <a:t> </a:t>
+                </a:r>
+              </a:p>
+            </p:txBody>
+          </p:sp>
+        </mc:Fallback>
+      </mc:AlternateContent>
+      <p:pic>
+        <p:nvPicPr>
+          <p:cNvPr id="6" name="Content Placeholder 4">
+            <a:extLst>
+              <a:ext uri="{FF2B5EF4-FFF2-40B4-BE49-F238E27FC236}">
+                <a16:creationId xmlns:a16="http://schemas.microsoft.com/office/drawing/2014/main" id="{9A8CD0BF-7648-4E53-A592-28EC2A9988B8}"/>
+              </a:ext>
+            </a:extLst>
+          </p:cNvPr>
+          <p:cNvPicPr>
+            <a:picLocks noChangeAspect="1"/>
+          </p:cNvPicPr>
+          <p:nvPr/>
+        </p:nvPicPr>
+        <p:blipFill>
+          <a:blip r:embed="rId6"/>
+          <a:stretch>
+            <a:fillRect/>
+          </a:stretch>
+        </p:blipFill>
+        <p:spPr>
+          <a:xfrm>
+            <a:off x="1248321" y="3491802"/>
+            <a:ext cx="3796680" cy="2847509"/>
+          </a:xfrm>
+          <a:prstGeom prst="rect">
+            <a:avLst/>
+          </a:prstGeom>
+        </p:spPr>
+      </p:pic>
+      <p:pic>
+        <p:nvPicPr>
+          <p:cNvPr id="7" name="Picture 6">
+            <a:extLst>
+              <a:ext uri="{FF2B5EF4-FFF2-40B4-BE49-F238E27FC236}">
+                <a16:creationId xmlns:a16="http://schemas.microsoft.com/office/drawing/2014/main" id="{9ED55272-AF4B-47CD-B1BB-63C028E74F57}"/>
+              </a:ext>
+            </a:extLst>
+          </p:cNvPr>
+          <p:cNvPicPr>
+            <a:picLocks noChangeAspect="1"/>
+          </p:cNvPicPr>
+          <p:nvPr/>
+        </p:nvPicPr>
+        <p:blipFill>
+          <a:blip r:embed="rId7"/>
+          <a:stretch>
+            <a:fillRect/>
+          </a:stretch>
+        </p:blipFill>
+        <p:spPr>
+          <a:xfrm>
+            <a:off x="6073347" y="3491802"/>
+            <a:ext cx="3796678" cy="2847509"/>
+          </a:xfrm>
+          <a:prstGeom prst="rect">
+            <a:avLst/>
+          </a:prstGeom>
+        </p:spPr>
+      </p:pic>
+      <mc:AlternateContent xmlns:mc="http://schemas.openxmlformats.org/markup-compatibility/2006" xmlns:a14="http://schemas.microsoft.com/office/drawing/2010/main">
+        <mc:Choice Requires="a14">
+          <p:sp>
+            <p:nvSpPr>
+              <p:cNvPr id="8" name="TextBox 7">
+                <a:extLst>
+                  <a:ext uri="{FF2B5EF4-FFF2-40B4-BE49-F238E27FC236}">
+                    <a16:creationId xmlns:a16="http://schemas.microsoft.com/office/drawing/2014/main" id="{A4105A95-7F4C-4E89-8530-A9254510B0C6}"/>
+                  </a:ext>
+                </a:extLst>
+              </p:cNvPr>
+              <p:cNvSpPr txBox="1"/>
+              <p:nvPr/>
+            </p:nvSpPr>
+            <p:spPr>
+              <a:xfrm>
+                <a:off x="1241458" y="6402801"/>
+                <a:ext cx="4055469" cy="369332"/>
+              </a:xfrm>
+              <a:prstGeom prst="rect">
+                <a:avLst/>
+              </a:prstGeom>
+              <a:noFill/>
+            </p:spPr>
+            <p:txBody>
+              <a:bodyPr wrap="none" rtlCol="0">
+                <a:spAutoFit/>
+              </a:bodyPr>
+              <a:lstStyle/>
+              <a:p>
+                <a14:m>
+                  <m:oMath xmlns:m="http://schemas.openxmlformats.org/officeDocument/2006/math">
+                    <m:r>
+                      <a:rPr lang="en-US" i="1" smtClean="0">
+                        <a:latin typeface="Cambria Math" panose="02040503050406030204" pitchFamily="18" charset="0"/>
+                        <a:ea typeface="Cambria Math" panose="02040503050406030204" pitchFamily="18" charset="0"/>
+                      </a:rPr>
+                      <m:t>𝛼</m:t>
+                    </m:r>
+                    <m:r>
+                      <a:rPr lang="en-US" altLang="zh-CN" i="1">
+                        <a:latin typeface="Cambria Math" panose="02040503050406030204" pitchFamily="18" charset="0"/>
+                        <a:ea typeface="Cambria Math" panose="02040503050406030204" pitchFamily="18" charset="0"/>
+                      </a:rPr>
+                      <m:t>=</m:t>
+                    </m:r>
+                    <m:r>
+                      <a:rPr lang="en-US" altLang="zh-CN" i="1" smtClean="0">
+                        <a:latin typeface="Cambria Math" panose="02040503050406030204" pitchFamily="18" charset="0"/>
+                        <a:ea typeface="Cambria Math" panose="02040503050406030204" pitchFamily="18" charset="0"/>
+                      </a:rPr>
+                      <m:t>0</m:t>
+                    </m:r>
+                    <m:r>
+                      <a:rPr lang="en-US" altLang="zh-CN" i="1">
+                        <a:latin typeface="Cambria Math" panose="02040503050406030204" pitchFamily="18" charset="0"/>
+                        <a:ea typeface="Cambria Math" panose="02040503050406030204" pitchFamily="18" charset="0"/>
+                      </a:rPr>
+                      <m:t>.</m:t>
+                    </m:r>
+                    <m:r>
+                      <a:rPr lang="en-US" altLang="zh-CN" b="0" i="1" smtClean="0">
+                        <a:latin typeface="Cambria Math" panose="02040503050406030204" pitchFamily="18" charset="0"/>
+                        <a:ea typeface="Cambria Math" panose="02040503050406030204" pitchFamily="18" charset="0"/>
+                      </a:rPr>
+                      <m:t>6</m:t>
+                    </m:r>
+                    <m:r>
+                      <a:rPr lang="zh-CN" altLang="en-US" i="1">
+                        <a:latin typeface="Cambria Math" panose="02040503050406030204" pitchFamily="18" charset="0"/>
+                        <a:ea typeface="Cambria Math" panose="02040503050406030204" pitchFamily="18" charset="0"/>
+                      </a:rPr>
+                      <m:t>，</m:t>
+                    </m:r>
+                    <m:r>
+                      <a:rPr lang="en-US" altLang="zh-CN" i="1" smtClean="0">
+                        <a:latin typeface="Cambria Math" panose="02040503050406030204" pitchFamily="18" charset="0"/>
+                        <a:ea typeface="Cambria Math" panose="02040503050406030204" pitchFamily="18" charset="0"/>
+                      </a:rPr>
+                      <m:t>𝛽</m:t>
+                    </m:r>
+                    <m:r>
+                      <a:rPr lang="en-US" altLang="zh-CN" i="1">
+                        <a:latin typeface="Cambria Math" panose="02040503050406030204" pitchFamily="18" charset="0"/>
+                        <a:ea typeface="Cambria Math" panose="02040503050406030204" pitchFamily="18" charset="0"/>
+                      </a:rPr>
+                      <m:t>=</m:t>
+                    </m:r>
+                    <m:r>
+                      <a:rPr lang="en-US" altLang="zh-CN" i="1" smtClean="0">
+                        <a:latin typeface="Cambria Math" panose="02040503050406030204" pitchFamily="18" charset="0"/>
+                        <a:ea typeface="Cambria Math" panose="02040503050406030204" pitchFamily="18" charset="0"/>
+                      </a:rPr>
+                      <m:t>0</m:t>
+                    </m:r>
+                    <m:r>
+                      <a:rPr lang="en-US" altLang="zh-CN" i="1">
+                        <a:latin typeface="Cambria Math" panose="02040503050406030204" pitchFamily="18" charset="0"/>
+                        <a:ea typeface="Cambria Math" panose="02040503050406030204" pitchFamily="18" charset="0"/>
+                      </a:rPr>
+                      <m:t>.</m:t>
+                    </m:r>
+                    <m:r>
+                      <a:rPr lang="en-US" altLang="zh-CN" b="0" i="1" smtClean="0">
+                        <a:latin typeface="Cambria Math" panose="02040503050406030204" pitchFamily="18" charset="0"/>
+                        <a:ea typeface="Cambria Math" panose="02040503050406030204" pitchFamily="18" charset="0"/>
+                      </a:rPr>
+                      <m:t>01</m:t>
+                    </m:r>
+                  </m:oMath>
+                </a14:m>
+                <a:r>
+                  <a:rPr lang="en-US" dirty="0"/>
+                  <a:t>   #bin=50  T= 300000</a:t>
+                </a:r>
+              </a:p>
+            </p:txBody>
+          </p:sp>
+        </mc:Choice>
+        <mc:Fallback xmlns="">
+          <p:sp>
+            <p:nvSpPr>
+              <p:cNvPr id="8" name="TextBox 7">
+                <a:extLst>
+                  <a:ext uri="{FF2B5EF4-FFF2-40B4-BE49-F238E27FC236}">
+                    <a16:creationId xmlns:a16="http://schemas.microsoft.com/office/drawing/2014/main" id="{A4105A95-7F4C-4E89-8530-A9254510B0C6}"/>
+                  </a:ext>
+                </a:extLst>
+              </p:cNvPr>
+              <p:cNvSpPr txBox="1">
+                <a:spLocks noRot="1" noChangeAspect="1" noMove="1" noResize="1" noEditPoints="1" noAdjustHandles="1" noChangeArrowheads="1" noChangeShapeType="1" noTextEdit="1"/>
+              </p:cNvSpPr>
+              <p:nvPr/>
+            </p:nvSpPr>
+            <p:spPr>
+              <a:xfrm>
+                <a:off x="1241458" y="6402801"/>
+                <a:ext cx="4055469" cy="369332"/>
+              </a:xfrm>
+              <a:prstGeom prst="rect">
+                <a:avLst/>
+              </a:prstGeom>
+              <a:blipFill>
+                <a:blip r:embed="rId8"/>
+                <a:stretch>
+                  <a:fillRect t="-8197" r="-301" b="-24590"/>
+                </a:stretch>
+              </a:blipFill>
+            </p:spPr>
+            <p:txBody>
+              <a:bodyPr/>
+              <a:lstStyle/>
+              <a:p>
+                <a:r>
+                  <a:rPr lang="en-US">
+                    <a:noFill/>
+                  </a:rPr>
+                  <a:t> </a:t>
+                </a:r>
+              </a:p>
+            </p:txBody>
+          </p:sp>
+        </mc:Fallback>
+      </mc:AlternateContent>
+      <mc:AlternateContent xmlns:mc="http://schemas.openxmlformats.org/markup-compatibility/2006" xmlns:a14="http://schemas.microsoft.com/office/drawing/2010/main">
+        <mc:Choice Requires="a14">
+          <p:sp>
+            <p:nvSpPr>
+              <p:cNvPr id="11" name="TextBox 10">
+                <a:extLst>
+                  <a:ext uri="{FF2B5EF4-FFF2-40B4-BE49-F238E27FC236}">
+                    <a16:creationId xmlns:a16="http://schemas.microsoft.com/office/drawing/2014/main" id="{4BDF97D2-1E09-443F-9ABC-0D9BB7FA53D7}"/>
+                  </a:ext>
+                </a:extLst>
+              </p:cNvPr>
+              <p:cNvSpPr txBox="1"/>
+              <p:nvPr/>
+            </p:nvSpPr>
+            <p:spPr>
+              <a:xfrm>
+                <a:off x="6125205" y="6402801"/>
+                <a:ext cx="4172489" cy="369332"/>
+              </a:xfrm>
+              <a:prstGeom prst="rect">
+                <a:avLst/>
+              </a:prstGeom>
+              <a:noFill/>
+            </p:spPr>
+            <p:txBody>
+              <a:bodyPr wrap="none" rtlCol="0">
+                <a:spAutoFit/>
+              </a:bodyPr>
+              <a:lstStyle/>
+              <a:p>
+                <a14:m>
+                  <m:oMath xmlns:m="http://schemas.openxmlformats.org/officeDocument/2006/math">
+                    <m:r>
+                      <a:rPr lang="en-US" i="1" smtClean="0">
+                        <a:latin typeface="Cambria Math" panose="02040503050406030204" pitchFamily="18" charset="0"/>
+                        <a:ea typeface="Cambria Math" panose="02040503050406030204" pitchFamily="18" charset="0"/>
+                      </a:rPr>
+                      <m:t>𝛼</m:t>
+                    </m:r>
+                    <m:r>
+                      <a:rPr lang="en-US" altLang="zh-CN" i="1">
+                        <a:latin typeface="Cambria Math" panose="02040503050406030204" pitchFamily="18" charset="0"/>
+                        <a:ea typeface="Cambria Math" panose="02040503050406030204" pitchFamily="18" charset="0"/>
+                      </a:rPr>
+                      <m:t>=</m:t>
+                    </m:r>
+                    <m:r>
+                      <a:rPr lang="en-US" altLang="zh-CN" i="1" smtClean="0">
+                        <a:latin typeface="Cambria Math" panose="02040503050406030204" pitchFamily="18" charset="0"/>
+                        <a:ea typeface="Cambria Math" panose="02040503050406030204" pitchFamily="18" charset="0"/>
+                      </a:rPr>
+                      <m:t>0</m:t>
+                    </m:r>
+                    <m:r>
+                      <a:rPr lang="en-US" altLang="zh-CN" i="1">
+                        <a:latin typeface="Cambria Math" panose="02040503050406030204" pitchFamily="18" charset="0"/>
+                        <a:ea typeface="Cambria Math" panose="02040503050406030204" pitchFamily="18" charset="0"/>
+                      </a:rPr>
+                      <m:t>.</m:t>
+                    </m:r>
+                    <m:r>
+                      <a:rPr lang="en-US" altLang="zh-CN" b="0" i="1" smtClean="0">
+                        <a:latin typeface="Cambria Math" panose="02040503050406030204" pitchFamily="18" charset="0"/>
+                        <a:ea typeface="Cambria Math" panose="02040503050406030204" pitchFamily="18" charset="0"/>
+                      </a:rPr>
+                      <m:t>6</m:t>
+                    </m:r>
+                    <m:r>
+                      <a:rPr lang="zh-CN" altLang="en-US" i="1">
+                        <a:latin typeface="Cambria Math" panose="02040503050406030204" pitchFamily="18" charset="0"/>
+                        <a:ea typeface="Cambria Math" panose="02040503050406030204" pitchFamily="18" charset="0"/>
+                      </a:rPr>
+                      <m:t>，</m:t>
+                    </m:r>
+                    <m:r>
+                      <a:rPr lang="en-US" altLang="zh-CN" i="1" smtClean="0">
+                        <a:latin typeface="Cambria Math" panose="02040503050406030204" pitchFamily="18" charset="0"/>
+                        <a:ea typeface="Cambria Math" panose="02040503050406030204" pitchFamily="18" charset="0"/>
+                      </a:rPr>
+                      <m:t>𝛽</m:t>
+                    </m:r>
+                    <m:r>
+                      <a:rPr lang="en-US" altLang="zh-CN" i="1">
+                        <a:latin typeface="Cambria Math" panose="02040503050406030204" pitchFamily="18" charset="0"/>
+                        <a:ea typeface="Cambria Math" panose="02040503050406030204" pitchFamily="18" charset="0"/>
+                      </a:rPr>
+                      <m:t>=</m:t>
+                    </m:r>
+                    <m:r>
+                      <a:rPr lang="en-US" altLang="zh-CN" i="1" smtClean="0">
+                        <a:latin typeface="Cambria Math" panose="02040503050406030204" pitchFamily="18" charset="0"/>
+                        <a:ea typeface="Cambria Math" panose="02040503050406030204" pitchFamily="18" charset="0"/>
+                      </a:rPr>
+                      <m:t>0</m:t>
+                    </m:r>
+                    <m:r>
+                      <a:rPr lang="en-US" altLang="zh-CN" i="1">
+                        <a:latin typeface="Cambria Math" panose="02040503050406030204" pitchFamily="18" charset="0"/>
+                        <a:ea typeface="Cambria Math" panose="02040503050406030204" pitchFamily="18" charset="0"/>
+                      </a:rPr>
+                      <m:t>.</m:t>
+                    </m:r>
+                    <m:r>
+                      <a:rPr lang="en-US" altLang="zh-CN" b="0" i="1" smtClean="0">
+                        <a:latin typeface="Cambria Math" panose="02040503050406030204" pitchFamily="18" charset="0"/>
+                        <a:ea typeface="Cambria Math" panose="02040503050406030204" pitchFamily="18" charset="0"/>
+                      </a:rPr>
+                      <m:t>01</m:t>
+                    </m:r>
+                  </m:oMath>
+                </a14:m>
+                <a:r>
+                  <a:rPr lang="en-US" dirty="0"/>
+                  <a:t>   #bin=150  T= 300000</a:t>
+                </a:r>
+              </a:p>
+            </p:txBody>
+          </p:sp>
+        </mc:Choice>
+        <mc:Fallback xmlns="">
+          <p:sp>
+            <p:nvSpPr>
+              <p:cNvPr id="11" name="TextBox 10">
+                <a:extLst>
+                  <a:ext uri="{FF2B5EF4-FFF2-40B4-BE49-F238E27FC236}">
+                    <a16:creationId xmlns:a16="http://schemas.microsoft.com/office/drawing/2014/main" id="{4BDF97D2-1E09-443F-9ABC-0D9BB7FA53D7}"/>
+                  </a:ext>
+                </a:extLst>
+              </p:cNvPr>
+              <p:cNvSpPr txBox="1">
+                <a:spLocks noRot="1" noChangeAspect="1" noMove="1" noResize="1" noEditPoints="1" noAdjustHandles="1" noChangeArrowheads="1" noChangeShapeType="1" noTextEdit="1"/>
+              </p:cNvSpPr>
+              <p:nvPr/>
+            </p:nvSpPr>
+            <p:spPr>
+              <a:xfrm>
+                <a:off x="6125205" y="6402801"/>
+                <a:ext cx="4172489" cy="369332"/>
+              </a:xfrm>
+              <a:prstGeom prst="rect">
+                <a:avLst/>
+              </a:prstGeom>
+              <a:blipFill>
+                <a:blip r:embed="rId9"/>
+                <a:stretch>
+                  <a:fillRect t="-8197" r="-292" b="-24590"/>
+                </a:stretch>
+              </a:blipFill>
+            </p:spPr>
+            <p:txBody>
+              <a:bodyPr/>
+              <a:lstStyle/>
+              <a:p>
+                <a:r>
+                  <a:rPr lang="en-US">
+                    <a:noFill/>
+                  </a:rPr>
+                  <a:t> </a:t>
+                </a:r>
+              </a:p>
+            </p:txBody>
+          </p:sp>
+        </mc:Fallback>
+      </mc:AlternateContent>
+    </p:spTree>
+    <p:extLst>
+      <p:ext uri="{BB962C8B-B14F-4D97-AF65-F5344CB8AC3E}">
+        <p14:creationId xmlns:p14="http://schemas.microsoft.com/office/powerpoint/2010/main" val="3266040741"/>
+      </p:ext>
+    </p:extLst>
+  </p:cSld>
+  <p:clrMapOvr>
+    <a:masterClrMapping/>
+  </p:clrMapOvr>
+</p:sld>
+</file>
+
+<file path=ppt/slides/slide34.xml><?xml version="1.0" encoding="utf-8"?>
+<p:sld xmlns:a="http://schemas.openxmlformats.org/drawingml/2006/main" xmlns:r="http://schemas.openxmlformats.org/officeDocument/2006/relationships" xmlns:p="http://schemas.openxmlformats.org/presentationml/2006/main" show="0">
   <p:cSld>
     <p:spTree>
       <p:nvGrpSpPr>
@@ -16128,7 +18261,7 @@
 </p:sld>
 </file>
 
-<file path=ppt/slides/slide32.xml><?xml version="1.0" encoding="utf-8"?>
+<file path=ppt/slides/slide35.xml><?xml version="1.0" encoding="utf-8"?>
 <p:sld xmlns:a="http://schemas.openxmlformats.org/drawingml/2006/main" xmlns:r="http://schemas.openxmlformats.org/officeDocument/2006/relationships" xmlns:p="http://schemas.openxmlformats.org/presentationml/2006/main" show="0">
   <p:cSld>
     <p:bg>
@@ -16175,8 +18308,8 @@
         </p:blipFill>
         <p:spPr>
           <a:xfrm>
-            <a:off x="6253817" y="1443482"/>
-            <a:ext cx="5294715" cy="3971035"/>
+            <a:off x="6821195" y="1224314"/>
+            <a:ext cx="3518192" cy="2638643"/>
           </a:xfrm>
           <a:prstGeom prst="rect">
             <a:avLst/>
@@ -16205,8 +18338,8 @@
         </p:blipFill>
         <p:spPr>
           <a:xfrm>
-            <a:off x="643467" y="1443481"/>
-            <a:ext cx="5294716" cy="3971036"/>
+            <a:off x="1210845" y="1224313"/>
+            <a:ext cx="3518193" cy="2638644"/>
           </a:xfrm>
           <a:prstGeom prst="rect">
             <a:avLst/>
@@ -16227,7 +18360,7 @@
         </p:nvSpPr>
         <p:spPr>
           <a:xfrm>
-            <a:off x="1126155" y="837398"/>
+            <a:off x="1735755" y="592223"/>
             <a:ext cx="1821461" cy="369332"/>
           </a:xfrm>
           <a:prstGeom prst="rect">
@@ -16262,7 +18395,7 @@
         </p:nvSpPr>
         <p:spPr>
           <a:xfrm>
-            <a:off x="2543414" y="5651268"/>
+            <a:off x="4968582" y="3678291"/>
             <a:ext cx="1262333" cy="369332"/>
           </a:xfrm>
           <a:prstGeom prst="rect">
@@ -16297,7 +18430,7 @@
         </p:nvSpPr>
         <p:spPr>
           <a:xfrm>
-            <a:off x="8386255" y="5651268"/>
+            <a:off x="10349987" y="3678291"/>
             <a:ext cx="1262333" cy="369332"/>
           </a:xfrm>
           <a:prstGeom prst="rect">
@@ -16318,6 +18451,66 @@
           </a:p>
         </p:txBody>
       </p:sp>
+      <p:pic>
+        <p:nvPicPr>
+          <p:cNvPr id="4" name="Picture 3" descr="A screenshot of a cell phone&#10;&#10;Description generated with high confidence">
+            <a:extLst>
+              <a:ext uri="{FF2B5EF4-FFF2-40B4-BE49-F238E27FC236}">
+                <a16:creationId xmlns:a16="http://schemas.microsoft.com/office/drawing/2014/main" id="{DD969CD3-F9C2-40B6-822A-716CD364D2F6}"/>
+              </a:ext>
+            </a:extLst>
+          </p:cNvPr>
+          <p:cNvPicPr>
+            <a:picLocks noChangeAspect="1"/>
+          </p:cNvPicPr>
+          <p:nvPr/>
+        </p:nvPicPr>
+        <p:blipFill>
+          <a:blip r:embed="rId4"/>
+          <a:stretch>
+            <a:fillRect/>
+          </a:stretch>
+        </p:blipFill>
+        <p:spPr>
+          <a:xfrm>
+            <a:off x="6821195" y="3862957"/>
+            <a:ext cx="3518192" cy="2638644"/>
+          </a:xfrm>
+          <a:prstGeom prst="rect">
+            <a:avLst/>
+          </a:prstGeom>
+        </p:spPr>
+      </p:pic>
+      <p:pic>
+        <p:nvPicPr>
+          <p:cNvPr id="10" name="Picture 9" descr="A close up of a map&#10;&#10;Description generated with high confidence">
+            <a:extLst>
+              <a:ext uri="{FF2B5EF4-FFF2-40B4-BE49-F238E27FC236}">
+                <a16:creationId xmlns:a16="http://schemas.microsoft.com/office/drawing/2014/main" id="{846DFCF9-941D-4978-B913-515DD16B3077}"/>
+              </a:ext>
+            </a:extLst>
+          </p:cNvPr>
+          <p:cNvPicPr>
+            <a:picLocks noChangeAspect="1"/>
+          </p:cNvPicPr>
+          <p:nvPr/>
+        </p:nvPicPr>
+        <p:blipFill>
+          <a:blip r:embed="rId5"/>
+          <a:stretch>
+            <a:fillRect/>
+          </a:stretch>
+        </p:blipFill>
+        <p:spPr>
+          <a:xfrm>
+            <a:off x="1210846" y="3862957"/>
+            <a:ext cx="3518192" cy="2638644"/>
+          </a:xfrm>
+          <a:prstGeom prst="rect">
+            <a:avLst/>
+          </a:prstGeom>
+        </p:spPr>
+      </p:pic>
     </p:spTree>
     <p:extLst>
       <p:ext uri="{BB962C8B-B14F-4D97-AF65-F5344CB8AC3E}">
@@ -16331,7 +18524,7 @@
 </p:sld>
 </file>
 
-<file path=ppt/slides/slide33.xml><?xml version="1.0" encoding="utf-8"?>
+<file path=ppt/slides/slide36.xml><?xml version="1.0" encoding="utf-8"?>
 <p:sld xmlns:a="http://schemas.openxmlformats.org/drawingml/2006/main" xmlns:r="http://schemas.openxmlformats.org/officeDocument/2006/relationships" xmlns:p="http://schemas.openxmlformats.org/presentationml/2006/main">
   <p:cSld>
     <p:spTree>
@@ -16395,21 +18588,30 @@
         <p:spPr/>
         <p:txBody>
           <a:bodyPr>
-            <a:normAutofit fontScale="92500" lnSpcReduction="20000"/>
+            <a:normAutofit/>
           </a:bodyPr>
           <a:lstStyle/>
           <a:p>
             <a:r>
               <a:rPr lang="en-US" dirty="0"/>
-              <a:t>Why are the peaks of maximum for inversely directed pairs at zero? </a:t>
-            </a:r>
+              <a:t>Why are the peaks of maximum for inversely directed pairs at zero?</a:t>
+            </a:r>
+          </a:p>
+          <a:p>
+            <a:pPr marL="457200" lvl="1" indent="0">
+              <a:buNone/>
+            </a:pPr>
             <a:r>
               <a:rPr lang="en-US" dirty="0">
                 <a:solidFill>
                   <a:srgbClr val="FF0000"/>
                 </a:solidFill>
               </a:rPr>
-              <a:t>[It depends on the algorithm of mutual information. For direct method, it disappears when weakly interacted.]</a:t>
+              <a:t>It was induced by the synchronization of neuronal activities(currents).</a:t>
+            </a:r>
+            <a:r>
+              <a:rPr lang="en-US" dirty="0"/>
+              <a:t> </a:t>
             </a:r>
           </a:p>
           <a:p>
@@ -16425,19 +18627,7 @@
           <a:p>
             <a:r>
               <a:rPr lang="en-US" dirty="0"/>
-              <a:t>What is the relation between interacting strength and mutual information in the spike-LFP calculation?</a:t>
-            </a:r>
-          </a:p>
-          <a:p>
-            <a:r>
-              <a:rPr lang="en-US" dirty="0"/>
-              <a:t>For Gaussian random variable analysis, what if a or b is no far less than one?</a:t>
-            </a:r>
-          </a:p>
-          <a:p>
-            <a:r>
-              <a:rPr lang="en-US" dirty="0"/>
-              <a:t>Why does the curve of experiments change like that as the number of bins in histogram increases? </a:t>
+              <a:t>What is the relation between interacting strength and mutual information in the spike-LFP calculation? </a:t>
             </a:r>
             <a:r>
               <a:rPr lang="en-US" dirty="0">
@@ -16445,13 +18635,21 @@
                   <a:srgbClr val="FF0000"/>
                 </a:solidFill>
               </a:rPr>
-              <a:t>[over fitting, larger amount of information.]</a:t>
+              <a:t>[It seems linear so far.]</a:t>
             </a:r>
           </a:p>
           <a:p>
             <a:r>
               <a:rPr lang="en-US" dirty="0"/>
-              <a:t>Why does the curve of mutual information between spike train and voltage look like that?</a:t>
+              <a:t>Why does the curve of experiments change like that as the number of bins in histogram increases? </a:t>
+            </a:r>
+            <a:r>
+              <a:rPr lang="en-US" dirty="0">
+                <a:solidFill>
+                  <a:srgbClr val="FF0000"/>
+                </a:solidFill>
+              </a:rPr>
+              <a:t>[The higher is the dimension of histogram, the larger dataset is required to ensure the correctness.]</a:t>
             </a:r>
           </a:p>
         </p:txBody>
